--- a/CSharpQuickReferencia.pptx
+++ b/CSharpQuickReferencia.pptx
@@ -105,9 +105,9 @@
     <p:sldId id="354" r:id="rId96"/>
     <p:sldId id="355" r:id="rId97"/>
     <p:sldId id="356" r:id="rId98"/>
-    <p:sldId id="357" r:id="rId99"/>
-    <p:sldId id="358" r:id="rId100"/>
-    <p:sldId id="359" r:id="rId101"/>
+    <p:sldId id="358" r:id="rId99"/>
+    <p:sldId id="359" r:id="rId100"/>
+    <p:sldId id="360" r:id="rId101"/>
   </p:sldIdLst>
   <p:sldSz cx="12192000" cy="6858000"/>
   <p:notesSz cx="6858000" cy="9144000"/>
@@ -308,9 +308,9 @@
             <p14:sldId id="354"/>
             <p14:sldId id="355"/>
             <p14:sldId id="356"/>
-            <p14:sldId id="357"/>
             <p14:sldId id="358"/>
             <p14:sldId id="359"/>
+            <p14:sldId id="360"/>
           </p14:sldIdLst>
         </p14:section>
       </p14:sectionLst>
@@ -404,7 +404,7 @@
           <a:p>
             <a:fld id="{62B1E310-8366-2740-B701-834CA158AAE3}" type="datetimeFigureOut">
               <a:rPr lang="en-BO" smtClean="0"/>
-              <a:t>4/26/20</a:t>
+              <a:t>4/28/20</a:t>
             </a:fld>
             <a:endParaRPr lang="en-BO"/>
           </a:p>
@@ -800,10 +800,7 @@
           <a:bodyPr/>
           <a:lstStyle/>
           <a:p>
-            <a:r>
-              <a:rPr lang="en-BO" dirty="0"/>
-              <a:t>Probar entrar a elemento de tipo string[] no asignado</a:t>
-            </a:r>
+            <a:endParaRPr lang="en-BO" dirty="0"/>
           </a:p>
         </p:txBody>
       </p:sp>
@@ -824,7 +821,7 @@
           <a:p>
             <a:fld id="{38D62FAD-41FB-114C-973F-4611EED3A6D2}" type="slidenum">
               <a:rPr lang="en-BO" smtClean="0"/>
-              <a:t>56</a:t>
+              <a:t>53</a:t>
             </a:fld>
             <a:endParaRPr lang="en-BO"/>
           </a:p>
@@ -833,7 +830,7 @@
     </p:spTree>
     <p:extLst>
       <p:ext uri="{BB962C8B-B14F-4D97-AF65-F5344CB8AC3E}">
-        <p14:creationId xmlns:p14="http://schemas.microsoft.com/office/powerpoint/2010/main" val="500555713"/>
+        <p14:creationId xmlns:p14="http://schemas.microsoft.com/office/powerpoint/2010/main" val="357365192"/>
       </p:ext>
     </p:extLst>
   </p:cSld>
@@ -887,7 +884,10 @@
           <a:bodyPr/>
           <a:lstStyle/>
           <a:p>
-            <a:endParaRPr lang="en-BO" dirty="0"/>
+            <a:r>
+              <a:rPr lang="en-BO" dirty="0"/>
+              <a:t>Probar entrar a elemento de tipo string[] no asignado</a:t>
+            </a:r>
           </a:p>
         </p:txBody>
       </p:sp>
@@ -908,7 +908,7 @@
           <a:p>
             <a:fld id="{38D62FAD-41FB-114C-973F-4611EED3A6D2}" type="slidenum">
               <a:rPr lang="en-BO" smtClean="0"/>
-              <a:t>58</a:t>
+              <a:t>56</a:t>
             </a:fld>
             <a:endParaRPr lang="en-BO"/>
           </a:p>
@@ -917,7 +917,7 @@
     </p:spTree>
     <p:extLst>
       <p:ext uri="{BB962C8B-B14F-4D97-AF65-F5344CB8AC3E}">
-        <p14:creationId xmlns:p14="http://schemas.microsoft.com/office/powerpoint/2010/main" val="1370801696"/>
+        <p14:creationId xmlns:p14="http://schemas.microsoft.com/office/powerpoint/2010/main" val="500555713"/>
       </p:ext>
     </p:extLst>
   </p:cSld>
@@ -992,7 +992,7 @@
           <a:p>
             <a:fld id="{38D62FAD-41FB-114C-973F-4611EED3A6D2}" type="slidenum">
               <a:rPr lang="en-BO" smtClean="0"/>
-              <a:t>64</a:t>
+              <a:t>58</a:t>
             </a:fld>
             <a:endParaRPr lang="en-BO"/>
           </a:p>
@@ -1001,7 +1001,7 @@
     </p:spTree>
     <p:extLst>
       <p:ext uri="{BB962C8B-B14F-4D97-AF65-F5344CB8AC3E}">
-        <p14:creationId xmlns:p14="http://schemas.microsoft.com/office/powerpoint/2010/main" val="2229978883"/>
+        <p14:creationId xmlns:p14="http://schemas.microsoft.com/office/powerpoint/2010/main" val="1370801696"/>
       </p:ext>
     </p:extLst>
   </p:cSld>
@@ -1076,7 +1076,7 @@
           <a:p>
             <a:fld id="{38D62FAD-41FB-114C-973F-4611EED3A6D2}" type="slidenum">
               <a:rPr lang="en-BO" smtClean="0"/>
-              <a:t>65</a:t>
+              <a:t>64</a:t>
             </a:fld>
             <a:endParaRPr lang="en-BO"/>
           </a:p>
@@ -1085,7 +1085,7 @@
     </p:spTree>
     <p:extLst>
       <p:ext uri="{BB962C8B-B14F-4D97-AF65-F5344CB8AC3E}">
-        <p14:creationId xmlns:p14="http://schemas.microsoft.com/office/powerpoint/2010/main" val="432347575"/>
+        <p14:creationId xmlns:p14="http://schemas.microsoft.com/office/powerpoint/2010/main" val="2229978883"/>
       </p:ext>
     </p:extLst>
   </p:cSld>
@@ -1160,7 +1160,7 @@
           <a:p>
             <a:fld id="{38D62FAD-41FB-114C-973F-4611EED3A6D2}" type="slidenum">
               <a:rPr lang="en-BO" smtClean="0"/>
-              <a:t>67</a:t>
+              <a:t>65</a:t>
             </a:fld>
             <a:endParaRPr lang="en-BO"/>
           </a:p>
@@ -1169,7 +1169,7 @@
     </p:spTree>
     <p:extLst>
       <p:ext uri="{BB962C8B-B14F-4D97-AF65-F5344CB8AC3E}">
-        <p14:creationId xmlns:p14="http://schemas.microsoft.com/office/powerpoint/2010/main" val="22779694"/>
+        <p14:creationId xmlns:p14="http://schemas.microsoft.com/office/powerpoint/2010/main" val="432347575"/>
       </p:ext>
     </p:extLst>
   </p:cSld>
@@ -1244,7 +1244,7 @@
           <a:p>
             <a:fld id="{38D62FAD-41FB-114C-973F-4611EED3A6D2}" type="slidenum">
               <a:rPr lang="en-BO" smtClean="0"/>
-              <a:t>69</a:t>
+              <a:t>67</a:t>
             </a:fld>
             <a:endParaRPr lang="en-BO"/>
           </a:p>
@@ -1253,7 +1253,7 @@
     </p:spTree>
     <p:extLst>
       <p:ext uri="{BB962C8B-B14F-4D97-AF65-F5344CB8AC3E}">
-        <p14:creationId xmlns:p14="http://schemas.microsoft.com/office/powerpoint/2010/main" val="1460942465"/>
+        <p14:creationId xmlns:p14="http://schemas.microsoft.com/office/powerpoint/2010/main" val="22779694"/>
       </p:ext>
     </p:extLst>
   </p:cSld>
@@ -1328,7 +1328,7 @@
           <a:p>
             <a:fld id="{38D62FAD-41FB-114C-973F-4611EED3A6D2}" type="slidenum">
               <a:rPr lang="en-BO" smtClean="0"/>
-              <a:t>70</a:t>
+              <a:t>69</a:t>
             </a:fld>
             <a:endParaRPr lang="en-BO"/>
           </a:p>
@@ -1337,7 +1337,7 @@
     </p:spTree>
     <p:extLst>
       <p:ext uri="{BB962C8B-B14F-4D97-AF65-F5344CB8AC3E}">
-        <p14:creationId xmlns:p14="http://schemas.microsoft.com/office/powerpoint/2010/main" val="3772429236"/>
+        <p14:creationId xmlns:p14="http://schemas.microsoft.com/office/powerpoint/2010/main" val="1460942465"/>
       </p:ext>
     </p:extLst>
   </p:cSld>
@@ -1412,7 +1412,7 @@
           <a:p>
             <a:fld id="{38D62FAD-41FB-114C-973F-4611EED3A6D2}" type="slidenum">
               <a:rPr lang="en-BO" smtClean="0"/>
-              <a:t>71</a:t>
+              <a:t>70</a:t>
             </a:fld>
             <a:endParaRPr lang="en-BO"/>
           </a:p>
@@ -1421,7 +1421,7 @@
     </p:spTree>
     <p:extLst>
       <p:ext uri="{BB962C8B-B14F-4D97-AF65-F5344CB8AC3E}">
-        <p14:creationId xmlns:p14="http://schemas.microsoft.com/office/powerpoint/2010/main" val="2764778246"/>
+        <p14:creationId xmlns:p14="http://schemas.microsoft.com/office/powerpoint/2010/main" val="3772429236"/>
       </p:ext>
     </p:extLst>
   </p:cSld>
@@ -1496,7 +1496,7 @@
           <a:p>
             <a:fld id="{38D62FAD-41FB-114C-973F-4611EED3A6D2}" type="slidenum">
               <a:rPr lang="en-BO" smtClean="0"/>
-              <a:t>74</a:t>
+              <a:t>71</a:t>
             </a:fld>
             <a:endParaRPr lang="en-BO"/>
           </a:p>
@@ -1505,7 +1505,7 @@
     </p:spTree>
     <p:extLst>
       <p:ext uri="{BB962C8B-B14F-4D97-AF65-F5344CB8AC3E}">
-        <p14:creationId xmlns:p14="http://schemas.microsoft.com/office/powerpoint/2010/main" val="3026122967"/>
+        <p14:creationId xmlns:p14="http://schemas.microsoft.com/office/powerpoint/2010/main" val="2764778246"/>
       </p:ext>
     </p:extLst>
   </p:cSld>
@@ -1580,7 +1580,7 @@
           <a:p>
             <a:fld id="{38D62FAD-41FB-114C-973F-4611EED3A6D2}" type="slidenum">
               <a:rPr lang="en-BO" smtClean="0"/>
-              <a:t>89</a:t>
+              <a:t>74</a:t>
             </a:fld>
             <a:endParaRPr lang="en-BO"/>
           </a:p>
@@ -1589,7 +1589,7 @@
     </p:spTree>
     <p:extLst>
       <p:ext uri="{BB962C8B-B14F-4D97-AF65-F5344CB8AC3E}">
-        <p14:creationId xmlns:p14="http://schemas.microsoft.com/office/powerpoint/2010/main" val="2216449808"/>
+        <p14:creationId xmlns:p14="http://schemas.microsoft.com/office/powerpoint/2010/main" val="3026122967"/>
       </p:ext>
     </p:extLst>
   </p:cSld>
@@ -1727,6 +1727,90 @@
           <a:bodyPr/>
           <a:lstStyle/>
           <a:p>
+            <a:endParaRPr lang="en-BO" dirty="0"/>
+          </a:p>
+        </p:txBody>
+      </p:sp>
+      <p:sp>
+        <p:nvSpPr>
+          <p:cNvPr id="4" name="Slide Number Placeholder 3"/>
+          <p:cNvSpPr>
+            <a:spLocks noGrp="1"/>
+          </p:cNvSpPr>
+          <p:nvPr>
+            <p:ph type="sldNum" sz="quarter" idx="5"/>
+          </p:nvPr>
+        </p:nvSpPr>
+        <p:spPr/>
+        <p:txBody>
+          <a:bodyPr/>
+          <a:lstStyle/>
+          <a:p>
+            <a:fld id="{38D62FAD-41FB-114C-973F-4611EED3A6D2}" type="slidenum">
+              <a:rPr lang="en-BO" smtClean="0"/>
+              <a:t>89</a:t>
+            </a:fld>
+            <a:endParaRPr lang="en-BO"/>
+          </a:p>
+        </p:txBody>
+      </p:sp>
+    </p:spTree>
+    <p:extLst>
+      <p:ext uri="{BB962C8B-B14F-4D97-AF65-F5344CB8AC3E}">
+        <p14:creationId xmlns:p14="http://schemas.microsoft.com/office/powerpoint/2010/main" val="2216449808"/>
+      </p:ext>
+    </p:extLst>
+  </p:cSld>
+  <p:clrMapOvr>
+    <a:masterClrMapping/>
+  </p:clrMapOvr>
+</p:notes>
+</file>
+
+<file path=ppt/notesSlides/notesSlide21.xml><?xml version="1.0" encoding="utf-8"?>
+<p:notes xmlns:a="http://schemas.openxmlformats.org/drawingml/2006/main" xmlns:r="http://schemas.openxmlformats.org/officeDocument/2006/relationships" xmlns:p="http://schemas.openxmlformats.org/presentationml/2006/main">
+  <p:cSld>
+    <p:spTree>
+      <p:nvGrpSpPr>
+        <p:cNvPr id="1" name=""/>
+        <p:cNvGrpSpPr/>
+        <p:nvPr/>
+      </p:nvGrpSpPr>
+      <p:grpSpPr>
+        <a:xfrm>
+          <a:off x="0" y="0"/>
+          <a:ext cx="0" cy="0"/>
+          <a:chOff x="0" y="0"/>
+          <a:chExt cx="0" cy="0"/>
+        </a:xfrm>
+      </p:grpSpPr>
+      <p:sp>
+        <p:nvSpPr>
+          <p:cNvPr id="2" name="Slide Image Placeholder 1"/>
+          <p:cNvSpPr>
+            <a:spLocks noGrp="1" noRot="1" noChangeAspect="1"/>
+          </p:cNvSpPr>
+          <p:nvPr>
+            <p:ph type="sldImg"/>
+          </p:nvPr>
+        </p:nvSpPr>
+        <p:spPr/>
+      </p:sp>
+      <p:sp>
+        <p:nvSpPr>
+          <p:cNvPr id="3" name="Notes Placeholder 2"/>
+          <p:cNvSpPr>
+            <a:spLocks noGrp="1"/>
+          </p:cNvSpPr>
+          <p:nvPr>
+            <p:ph type="body" idx="1"/>
+          </p:nvPr>
+        </p:nvSpPr>
+        <p:spPr/>
+        <p:txBody>
+          <a:bodyPr/>
+          <a:lstStyle/>
+          <a:p>
             <a:r>
               <a:rPr lang="en-US" dirty="0"/>
               <a:t>N</a:t>
@@ -2248,10 +2332,7 @@
           <a:bodyPr/>
           <a:lstStyle/>
           <a:p>
-            <a:r>
-              <a:rPr lang="en-BO" dirty="0"/>
-              <a:t>Pendiente StringBuilder</a:t>
-            </a:r>
+            <a:endParaRPr lang="en-BO" dirty="0"/>
           </a:p>
         </p:txBody>
       </p:sp>
@@ -2272,7 +2353,7 @@
           <a:p>
             <a:fld id="{38D62FAD-41FB-114C-973F-4611EED3A6D2}" type="slidenum">
               <a:rPr lang="en-BO" smtClean="0"/>
-              <a:t>51</a:t>
+              <a:t>42</a:t>
             </a:fld>
             <a:endParaRPr lang="en-BO"/>
           </a:p>
@@ -2281,7 +2362,7 @@
     </p:spTree>
     <p:extLst>
       <p:ext uri="{BB962C8B-B14F-4D97-AF65-F5344CB8AC3E}">
-        <p14:creationId xmlns:p14="http://schemas.microsoft.com/office/powerpoint/2010/main" val="1102791808"/>
+        <p14:creationId xmlns:p14="http://schemas.microsoft.com/office/powerpoint/2010/main" val="725812578"/>
       </p:ext>
     </p:extLst>
   </p:cSld>
@@ -2335,7 +2416,10 @@
           <a:bodyPr/>
           <a:lstStyle/>
           <a:p>
-            <a:endParaRPr lang="en-BO" dirty="0"/>
+            <a:r>
+              <a:rPr lang="en-BO" dirty="0"/>
+              <a:t>Pendiente StringBuilder</a:t>
+            </a:r>
           </a:p>
         </p:txBody>
       </p:sp>
@@ -2356,7 +2440,7 @@
           <a:p>
             <a:fld id="{38D62FAD-41FB-114C-973F-4611EED3A6D2}" type="slidenum">
               <a:rPr lang="en-BO" smtClean="0"/>
-              <a:t>53</a:t>
+              <a:t>51</a:t>
             </a:fld>
             <a:endParaRPr lang="en-BO"/>
           </a:p>
@@ -2365,7 +2449,7 @@
     </p:spTree>
     <p:extLst>
       <p:ext uri="{BB962C8B-B14F-4D97-AF65-F5344CB8AC3E}">
-        <p14:creationId xmlns:p14="http://schemas.microsoft.com/office/powerpoint/2010/main" val="357365192"/>
+        <p14:creationId xmlns:p14="http://schemas.microsoft.com/office/powerpoint/2010/main" val="1102791808"/>
       </p:ext>
     </p:extLst>
   </p:cSld>
@@ -2524,7 +2608,7 @@
           <a:p>
             <a:fld id="{2D504DAD-788E-6544-B152-D66250FE087A}" type="datetimeFigureOut">
               <a:rPr lang="en-BO" smtClean="0"/>
-              <a:t>4/26/20</a:t>
+              <a:t>4/28/20</a:t>
             </a:fld>
             <a:endParaRPr lang="en-BO"/>
           </a:p>
@@ -2724,7 +2808,7 @@
           <a:p>
             <a:fld id="{2D504DAD-788E-6544-B152-D66250FE087A}" type="datetimeFigureOut">
               <a:rPr lang="en-BO" smtClean="0"/>
-              <a:t>4/26/20</a:t>
+              <a:t>4/28/20</a:t>
             </a:fld>
             <a:endParaRPr lang="en-BO"/>
           </a:p>
@@ -2934,7 +3018,7 @@
           <a:p>
             <a:fld id="{2D504DAD-788E-6544-B152-D66250FE087A}" type="datetimeFigureOut">
               <a:rPr lang="en-BO" smtClean="0"/>
-              <a:t>4/26/20</a:t>
+              <a:t>4/28/20</a:t>
             </a:fld>
             <a:endParaRPr lang="en-BO"/>
           </a:p>
@@ -3134,7 +3218,7 @@
           <a:p>
             <a:fld id="{2D504DAD-788E-6544-B152-D66250FE087A}" type="datetimeFigureOut">
               <a:rPr lang="en-BO" smtClean="0"/>
-              <a:t>4/26/20</a:t>
+              <a:t>4/28/20</a:t>
             </a:fld>
             <a:endParaRPr lang="en-BO"/>
           </a:p>
@@ -3410,7 +3494,7 @@
           <a:p>
             <a:fld id="{2D504DAD-788E-6544-B152-D66250FE087A}" type="datetimeFigureOut">
               <a:rPr lang="en-BO" smtClean="0"/>
-              <a:t>4/26/20</a:t>
+              <a:t>4/28/20</a:t>
             </a:fld>
             <a:endParaRPr lang="en-BO"/>
           </a:p>
@@ -3678,7 +3762,7 @@
           <a:p>
             <a:fld id="{2D504DAD-788E-6544-B152-D66250FE087A}" type="datetimeFigureOut">
               <a:rPr lang="en-BO" smtClean="0"/>
-              <a:t>4/26/20</a:t>
+              <a:t>4/28/20</a:t>
             </a:fld>
             <a:endParaRPr lang="en-BO"/>
           </a:p>
@@ -4093,7 +4177,7 @@
           <a:p>
             <a:fld id="{2D504DAD-788E-6544-B152-D66250FE087A}" type="datetimeFigureOut">
               <a:rPr lang="en-BO" smtClean="0"/>
-              <a:t>4/26/20</a:t>
+              <a:t>4/28/20</a:t>
             </a:fld>
             <a:endParaRPr lang="en-BO"/>
           </a:p>
@@ -4235,7 +4319,7 @@
           <a:p>
             <a:fld id="{2D504DAD-788E-6544-B152-D66250FE087A}" type="datetimeFigureOut">
               <a:rPr lang="en-BO" smtClean="0"/>
-              <a:t>4/26/20</a:t>
+              <a:t>4/28/20</a:t>
             </a:fld>
             <a:endParaRPr lang="en-BO"/>
           </a:p>
@@ -4348,7 +4432,7 @@
           <a:p>
             <a:fld id="{2D504DAD-788E-6544-B152-D66250FE087A}" type="datetimeFigureOut">
               <a:rPr lang="en-BO" smtClean="0"/>
-              <a:t>4/26/20</a:t>
+              <a:t>4/28/20</a:t>
             </a:fld>
             <a:endParaRPr lang="en-BO"/>
           </a:p>
@@ -4661,7 +4745,7 @@
           <a:p>
             <a:fld id="{2D504DAD-788E-6544-B152-D66250FE087A}" type="datetimeFigureOut">
               <a:rPr lang="en-BO" smtClean="0"/>
-              <a:t>4/26/20</a:t>
+              <a:t>4/28/20</a:t>
             </a:fld>
             <a:endParaRPr lang="en-BO"/>
           </a:p>
@@ -4950,7 +5034,7 @@
           <a:p>
             <a:fld id="{2D504DAD-788E-6544-B152-D66250FE087A}" type="datetimeFigureOut">
               <a:rPr lang="en-BO" smtClean="0"/>
-              <a:t>4/26/20</a:t>
+              <a:t>4/28/20</a:t>
             </a:fld>
             <a:endParaRPr lang="en-BO"/>
           </a:p>
@@ -5193,7 +5277,7 @@
           <a:p>
             <a:fld id="{2D504DAD-788E-6544-B152-D66250FE087A}" type="datetimeFigureOut">
               <a:rPr lang="en-BO" smtClean="0"/>
-              <a:t>4/26/20</a:t>
+              <a:t>4/28/20</a:t>
             </a:fld>
             <a:endParaRPr lang="en-BO"/>
           </a:p>
@@ -6306,7 +6390,7 @@
           <p:cNvPr id="2" name="Title 1">
             <a:extLst>
               <a:ext uri="{FF2B5EF4-FFF2-40B4-BE49-F238E27FC236}">
-                <a16:creationId xmlns:a16="http://schemas.microsoft.com/office/drawing/2014/main" id="{75F394D0-A645-C446-A07D-8022F1152D16}"/>
+                <a16:creationId xmlns:a16="http://schemas.microsoft.com/office/drawing/2014/main" id="{40B005A9-FF5C-C64E-BC1D-6F7A6B7B02EF}"/>
               </a:ext>
             </a:extLst>
           </p:cNvPr>
@@ -6319,16 +6403,13 @@
         </p:nvSpPr>
         <p:spPr/>
         <p:txBody>
-          <a:bodyPr>
-            <a:normAutofit/>
-          </a:bodyPr>
+          <a:bodyPr/>
           <a:lstStyle/>
           <a:p>
             <a:r>
-              <a:rPr lang="en-BO" sz="4000" dirty="0"/>
-              <a:t>Declarando la variable out en el método invocado</a:t>
-            </a:r>
-            <a:endParaRPr lang="en-BO" sz="4800" dirty="0"/>
+              <a:rPr lang="en-BO" dirty="0"/>
+              <a:t>Métodos locales</a:t>
+            </a:r>
           </a:p>
         </p:txBody>
       </p:sp>
@@ -6337,7 +6418,7 @@
           <p:cNvPr id="3" name="Content Placeholder 2">
             <a:extLst>
               <a:ext uri="{FF2B5EF4-FFF2-40B4-BE49-F238E27FC236}">
-                <a16:creationId xmlns:a16="http://schemas.microsoft.com/office/drawing/2014/main" id="{7455A23F-1C34-8341-8BF7-6AA34E8A54CF}"/>
+                <a16:creationId xmlns:a16="http://schemas.microsoft.com/office/drawing/2014/main" id="{FFCFFEB8-6387-2341-A38F-11A41E862865}"/>
               </a:ext>
             </a:extLst>
           </p:cNvPr>
@@ -6348,19 +6429,585 @@
             <p:ph idx="1"/>
           </p:nvPr>
         </p:nvSpPr>
-        <p:spPr/>
+        <p:spPr>
+          <a:xfrm>
+            <a:off x="6966857" y="2192811"/>
+            <a:ext cx="4386943" cy="3808821"/>
+          </a:xfrm>
+        </p:spPr>
+        <p:style>
+          <a:lnRef idx="1">
+            <a:schemeClr val="accent5"/>
+          </a:lnRef>
+          <a:fillRef idx="2">
+            <a:schemeClr val="accent5"/>
+          </a:fillRef>
+          <a:effectRef idx="1">
+            <a:schemeClr val="accent5"/>
+          </a:effectRef>
+          <a:fontRef idx="minor">
+            <a:schemeClr val="dk1"/>
+          </a:fontRef>
+        </p:style>
         <p:txBody>
-          <a:bodyPr/>
+          <a:bodyPr>
+            <a:normAutofit fontScale="85000" lnSpcReduction="10000"/>
+          </a:bodyPr>
           <a:lstStyle/>
           <a:p>
+            <a:pPr marL="0" indent="0">
+              <a:buNone/>
+            </a:pPr>
+            <a:r>
+              <a:rPr lang="en-US" dirty="0"/>
+              <a:t>Un </a:t>
+            </a:r>
+            <a:r>
+              <a:rPr lang="en-US" dirty="0" err="1"/>
+              <a:t>método</a:t>
+            </a:r>
+            <a:r>
+              <a:rPr lang="en-US" dirty="0"/>
+              <a:t> local es un </a:t>
+            </a:r>
+            <a:r>
+              <a:rPr lang="en-US" dirty="0" err="1"/>
+              <a:t>método</a:t>
+            </a:r>
+            <a:r>
+              <a:rPr lang="en-US" dirty="0"/>
+              <a:t> que se define dentro de </a:t>
+            </a:r>
+            <a:r>
+              <a:rPr lang="en-US" dirty="0" err="1"/>
+              <a:t>otro</a:t>
+            </a:r>
+            <a:r>
+              <a:rPr lang="en-US" dirty="0"/>
+              <a:t> </a:t>
+            </a:r>
+            <a:r>
+              <a:rPr lang="en-US" dirty="0" err="1"/>
+              <a:t>método</a:t>
+            </a:r>
+            <a:r>
+              <a:rPr lang="en-US" dirty="0"/>
+              <a:t>. </a:t>
+            </a:r>
+            <a:r>
+              <a:rPr lang="en-US" dirty="0" err="1"/>
+              <a:t>Esto</a:t>
+            </a:r>
+            <a:r>
+              <a:rPr lang="en-US" dirty="0"/>
+              <a:t> es </a:t>
+            </a:r>
+            <a:r>
+              <a:rPr lang="en-US" dirty="0" err="1"/>
+              <a:t>útil</a:t>
+            </a:r>
+            <a:r>
+              <a:rPr lang="en-US" dirty="0"/>
+              <a:t> para </a:t>
+            </a:r>
+            <a:r>
+              <a:rPr lang="en-US" dirty="0" err="1"/>
+              <a:t>limitar</a:t>
+            </a:r>
+            <a:r>
+              <a:rPr lang="en-US" dirty="0"/>
+              <a:t> el </a:t>
+            </a:r>
+            <a:r>
+              <a:rPr lang="en-US" dirty="0" err="1"/>
+              <a:t>alcance</a:t>
+            </a:r>
+            <a:r>
+              <a:rPr lang="en-US" dirty="0"/>
+              <a:t> de un </a:t>
+            </a:r>
+            <a:r>
+              <a:rPr lang="en-US" dirty="0" err="1"/>
+              <a:t>método</a:t>
+            </a:r>
+            <a:r>
+              <a:rPr lang="en-US" dirty="0"/>
+              <a:t>, </a:t>
+            </a:r>
+            <a:r>
+              <a:rPr lang="en-US" dirty="0" err="1"/>
+              <a:t>en</a:t>
+            </a:r>
+            <a:r>
+              <a:rPr lang="en-US" dirty="0"/>
+              <a:t> los </a:t>
+            </a:r>
+            <a:r>
+              <a:rPr lang="en-US" dirty="0" err="1"/>
+              <a:t>casos</a:t>
+            </a:r>
+            <a:r>
+              <a:rPr lang="en-US" dirty="0"/>
+              <a:t> </a:t>
+            </a:r>
+            <a:r>
+              <a:rPr lang="en-US" dirty="0" err="1"/>
+              <a:t>en</a:t>
+            </a:r>
+            <a:r>
+              <a:rPr lang="en-US" dirty="0"/>
+              <a:t> que un </a:t>
+            </a:r>
+            <a:r>
+              <a:rPr lang="en-US" dirty="0" err="1"/>
+              <a:t>método</a:t>
+            </a:r>
+            <a:r>
+              <a:rPr lang="en-US" dirty="0"/>
+              <a:t> es solo </a:t>
+            </a:r>
+            <a:r>
+              <a:rPr lang="en-US" dirty="0" err="1"/>
+              <a:t>invocado</a:t>
+            </a:r>
+            <a:r>
+              <a:rPr lang="en-US" dirty="0"/>
+              <a:t> por </a:t>
+            </a:r>
+            <a:r>
+              <a:rPr lang="en-US" dirty="0" err="1"/>
+              <a:t>otro</a:t>
+            </a:r>
+            <a:r>
+              <a:rPr lang="en-US" dirty="0"/>
+              <a:t> </a:t>
+            </a:r>
+            <a:r>
+              <a:rPr lang="en-US" dirty="0" err="1"/>
+              <a:t>método</a:t>
+            </a:r>
+            <a:r>
+              <a:rPr lang="en-US" dirty="0"/>
+              <a:t>.</a:t>
+            </a:r>
+          </a:p>
+          <a:p>
+            <a:pPr marL="0" indent="0">
+              <a:buNone/>
+            </a:pPr>
+            <a:r>
+              <a:rPr lang="en-US" dirty="0"/>
+              <a:t>Para </a:t>
+            </a:r>
+            <a:r>
+              <a:rPr lang="en-US" dirty="0" err="1"/>
+              <a:t>ilustrar</a:t>
+            </a:r>
+            <a:r>
+              <a:rPr lang="en-US" dirty="0"/>
+              <a:t>, </a:t>
+            </a:r>
+            <a:r>
+              <a:rPr lang="en-US" dirty="0" err="1"/>
+              <a:t>aquí</a:t>
+            </a:r>
+            <a:r>
+              <a:rPr lang="en-US" dirty="0"/>
+              <a:t> se </a:t>
+            </a:r>
+            <a:r>
+              <a:rPr lang="en-US" dirty="0" err="1"/>
+              <a:t>usa</a:t>
+            </a:r>
+            <a:r>
+              <a:rPr lang="en-US" dirty="0"/>
+              <a:t> un </a:t>
+            </a:r>
+            <a:r>
+              <a:rPr lang="en-US" dirty="0" err="1"/>
+              <a:t>método</a:t>
+            </a:r>
+            <a:r>
+              <a:rPr lang="en-US" dirty="0"/>
+              <a:t> </a:t>
+            </a:r>
+            <a:r>
+              <a:rPr lang="en-US" dirty="0" err="1"/>
+              <a:t>anidado</a:t>
+            </a:r>
+            <a:r>
+              <a:rPr lang="en-US" dirty="0"/>
+              <a:t> para </a:t>
+            </a:r>
+            <a:r>
+              <a:rPr lang="en-US" dirty="0" err="1"/>
+              <a:t>realizar</a:t>
+            </a:r>
+            <a:r>
+              <a:rPr lang="en-US" dirty="0"/>
+              <a:t> una </a:t>
+            </a:r>
+            <a:r>
+              <a:rPr lang="en-US" dirty="0" err="1"/>
+              <a:t>cuenta</a:t>
+            </a:r>
+            <a:r>
+              <a:rPr lang="en-US" dirty="0"/>
+              <a:t> </a:t>
+            </a:r>
+            <a:r>
+              <a:rPr lang="en-US" dirty="0" err="1"/>
+              <a:t>regresiva</a:t>
+            </a:r>
+            <a:r>
+              <a:rPr lang="en-US" dirty="0"/>
+              <a:t>. El </a:t>
+            </a:r>
+            <a:r>
+              <a:rPr lang="en-US" dirty="0" err="1"/>
+              <a:t>método</a:t>
+            </a:r>
+            <a:r>
+              <a:rPr lang="en-US" dirty="0"/>
+              <a:t> </a:t>
+            </a:r>
+            <a:r>
+              <a:rPr lang="en-US" dirty="0" err="1"/>
+              <a:t>anidado</a:t>
+            </a:r>
+            <a:r>
+              <a:rPr lang="en-US" dirty="0"/>
+              <a:t> se llama a </a:t>
+            </a:r>
+            <a:r>
+              <a:rPr lang="en-US" dirty="0" err="1"/>
+              <a:t>sí</a:t>
+            </a:r>
+            <a:r>
+              <a:rPr lang="en-US" dirty="0"/>
+              <a:t> </a:t>
+            </a:r>
+            <a:r>
+              <a:rPr lang="en-US" dirty="0" err="1"/>
+              <a:t>mismo</a:t>
+            </a:r>
+            <a:r>
+              <a:rPr lang="en-US" dirty="0"/>
+              <a:t> y, por lo tanto, se lo </a:t>
+            </a:r>
+            <a:r>
+              <a:rPr lang="en-US" dirty="0" err="1"/>
+              <a:t>conoce</a:t>
+            </a:r>
+            <a:r>
+              <a:rPr lang="en-US" dirty="0"/>
+              <a:t> </a:t>
+            </a:r>
+            <a:r>
+              <a:rPr lang="en-US" dirty="0" err="1"/>
+              <a:t>como</a:t>
+            </a:r>
+            <a:r>
+              <a:rPr lang="en-US" dirty="0"/>
+              <a:t> un </a:t>
+            </a:r>
+            <a:r>
+              <a:rPr lang="en-US" dirty="0" err="1"/>
+              <a:t>método</a:t>
+            </a:r>
+            <a:r>
+              <a:rPr lang="en-US" dirty="0"/>
+              <a:t> </a:t>
+            </a:r>
+            <a:r>
+              <a:rPr lang="en-US" dirty="0" err="1"/>
+              <a:t>recursivo</a:t>
+            </a:r>
+            <a:r>
+              <a:rPr lang="en-US" dirty="0"/>
+              <a:t>.</a:t>
+            </a:r>
             <a:endParaRPr lang="en-BO" dirty="0"/>
+          </a:p>
+        </p:txBody>
+      </p:sp>
+      <p:sp>
+        <p:nvSpPr>
+          <p:cNvPr id="4" name="TextBox 3">
+            <a:extLst>
+              <a:ext uri="{FF2B5EF4-FFF2-40B4-BE49-F238E27FC236}">
+                <a16:creationId xmlns:a16="http://schemas.microsoft.com/office/drawing/2014/main" id="{4E2F2A01-0567-E145-B74B-59E484E1021B}"/>
+              </a:ext>
+            </a:extLst>
+          </p:cNvPr>
+          <p:cNvSpPr txBox="1"/>
+          <p:nvPr/>
+        </p:nvSpPr>
+        <p:spPr>
+          <a:xfrm>
+            <a:off x="838200" y="1988953"/>
+            <a:ext cx="5492933" cy="4216539"/>
+          </a:xfrm>
+          <a:prstGeom prst="rect">
+            <a:avLst/>
+          </a:prstGeom>
+        </p:spPr>
+        <p:style>
+          <a:lnRef idx="2">
+            <a:schemeClr val="accent1">
+              <a:shade val="50000"/>
+            </a:schemeClr>
+          </a:lnRef>
+          <a:fillRef idx="1">
+            <a:schemeClr val="accent1"/>
+          </a:fillRef>
+          <a:effectRef idx="0">
+            <a:schemeClr val="accent1"/>
+          </a:effectRef>
+          <a:fontRef idx="minor">
+            <a:schemeClr val="lt1"/>
+          </a:fontRef>
+        </p:style>
+        <p:txBody>
+          <a:bodyPr wrap="square" rtlCol="0">
+            <a:spAutoFit/>
+          </a:bodyPr>
+          <a:lstStyle/>
+          <a:p>
+            <a:r>
+              <a:rPr lang="en-US" sz="1000" dirty="0">
+                <a:solidFill>
+                  <a:schemeClr val="bg1">
+                    <a:lumMod val="85000"/>
+                  </a:schemeClr>
+                </a:solidFill>
+              </a:rPr>
+              <a:t>using System; using static </a:t>
+            </a:r>
+            <a:r>
+              <a:rPr lang="en-US" sz="1000" dirty="0" err="1">
+                <a:solidFill>
+                  <a:schemeClr val="bg1">
+                    <a:lumMod val="85000"/>
+                  </a:schemeClr>
+                </a:solidFill>
+              </a:rPr>
+              <a:t>System.Console</a:t>
+            </a:r>
+            <a:r>
+              <a:rPr lang="en-US" sz="1000" dirty="0">
+                <a:solidFill>
+                  <a:schemeClr val="bg1">
+                    <a:lumMod val="85000"/>
+                  </a:schemeClr>
+                </a:solidFill>
+              </a:rPr>
+              <a:t>; namespace Lansoft.CursoCshap8 { static class </a:t>
+            </a:r>
+            <a:r>
+              <a:rPr lang="en-US" sz="1000" dirty="0" err="1">
+                <a:solidFill>
+                  <a:schemeClr val="bg1">
+                    <a:lumMod val="85000"/>
+                  </a:schemeClr>
+                </a:solidFill>
+              </a:rPr>
+              <a:t>Programa</a:t>
+            </a:r>
+            <a:r>
+              <a:rPr lang="en-US" sz="1000" dirty="0">
+                <a:solidFill>
+                  <a:schemeClr val="bg1">
+                    <a:lumMod val="85000"/>
+                  </a:schemeClr>
+                </a:solidFill>
+              </a:rPr>
+              <a:t> { </a:t>
+            </a:r>
+          </a:p>
+          <a:p>
+            <a:endParaRPr lang="en-US" sz="1000" b="1" dirty="0">
+              <a:solidFill>
+                <a:schemeClr val="bg1"/>
+              </a:solidFill>
+            </a:endParaRPr>
+          </a:p>
+          <a:p>
+            <a:r>
+              <a:rPr lang="en-US" sz="1600" b="1" dirty="0"/>
+              <a:t>static void </a:t>
+            </a:r>
+            <a:r>
+              <a:rPr lang="en-US" sz="1600" b="1" dirty="0" err="1"/>
+              <a:t>CuentaRegresiva</a:t>
+            </a:r>
+            <a:r>
+              <a:rPr lang="en-US" sz="1600" b="1" dirty="0"/>
+              <a:t>() {</a:t>
+            </a:r>
+          </a:p>
+          <a:p>
+            <a:r>
+              <a:rPr lang="en-US" sz="1600" b="1" dirty="0"/>
+              <a:t>      var x = 10;</a:t>
+            </a:r>
+          </a:p>
+          <a:p>
+            <a:r>
+              <a:rPr lang="en-US" sz="1600" b="1" dirty="0"/>
+              <a:t>      Recursion(x);</a:t>
+            </a:r>
+          </a:p>
+          <a:p>
+            <a:r>
+              <a:rPr lang="en-US" sz="1600" b="1" dirty="0"/>
+              <a:t>      WriteLine("Go");</a:t>
+            </a:r>
+          </a:p>
+          <a:p>
+            <a:r>
+              <a:rPr lang="en-US" sz="1600" b="1" dirty="0"/>
+              <a:t>		</a:t>
+            </a:r>
+          </a:p>
+          <a:p>
+            <a:r>
+              <a:rPr lang="en-US" sz="1600" b="1" dirty="0"/>
+              <a:t>      void Recursion(int </a:t>
+            </a:r>
+            <a:r>
+              <a:rPr lang="en-US" sz="1600" b="1" dirty="0" err="1"/>
+              <a:t>i</a:t>
+            </a:r>
+            <a:r>
+              <a:rPr lang="en-US" sz="1600" b="1" dirty="0"/>
+              <a:t>) {</a:t>
+            </a:r>
+          </a:p>
+          <a:p>
+            <a:r>
+              <a:rPr lang="en-US" sz="1600" b="1" dirty="0"/>
+              <a:t>            if (</a:t>
+            </a:r>
+            <a:r>
+              <a:rPr lang="en-US" sz="1600" b="1" dirty="0" err="1"/>
+              <a:t>i</a:t>
+            </a:r>
+            <a:r>
+              <a:rPr lang="en-US" sz="1600" b="1" dirty="0"/>
+              <a:t> &lt;= 0) return;</a:t>
+            </a:r>
+          </a:p>
+          <a:p>
+            <a:r>
+              <a:rPr lang="en-US" sz="1600" b="1" dirty="0"/>
+              <a:t>            WriteLine(</a:t>
+            </a:r>
+            <a:r>
+              <a:rPr lang="en-US" sz="1600" b="1" dirty="0" err="1"/>
+              <a:t>i</a:t>
+            </a:r>
+            <a:r>
+              <a:rPr lang="en-US" sz="1600" b="1" dirty="0"/>
+              <a:t>);</a:t>
+            </a:r>
+          </a:p>
+          <a:p>
+            <a:r>
+              <a:rPr lang="en-US" sz="1600" b="1" dirty="0"/>
+              <a:t>            Recursion(</a:t>
+            </a:r>
+            <a:r>
+              <a:rPr lang="en-US" sz="1600" b="1" dirty="0" err="1"/>
+              <a:t>i</a:t>
+            </a:r>
+            <a:r>
+              <a:rPr lang="en-US" sz="1600" b="1" dirty="0"/>
+              <a:t> - 1);</a:t>
+            </a:r>
+          </a:p>
+          <a:p>
+            <a:r>
+              <a:rPr lang="en-US" sz="1600" b="1" dirty="0"/>
+              <a:t>      }</a:t>
+            </a:r>
+          </a:p>
+          <a:p>
+            <a:r>
+              <a:rPr lang="en-US" sz="1600" b="1" dirty="0"/>
+              <a:t>}</a:t>
+            </a:r>
+          </a:p>
+          <a:p>
+            <a:r>
+              <a:rPr lang="en-US" sz="1600" b="1" dirty="0"/>
+              <a:t>static void Main() {</a:t>
+            </a:r>
+          </a:p>
+          <a:p>
+            <a:r>
+              <a:rPr lang="en-US" sz="1600" b="1" dirty="0"/>
+              <a:t>      </a:t>
+            </a:r>
+            <a:r>
+              <a:rPr lang="en-US" sz="1600" b="1" dirty="0" err="1"/>
+              <a:t>CuentaRegresiva</a:t>
+            </a:r>
+            <a:r>
+              <a:rPr lang="en-US" sz="1600" b="1" dirty="0"/>
+              <a:t>();</a:t>
+            </a:r>
+          </a:p>
+          <a:p>
+            <a:r>
+              <a:rPr lang="en-US" sz="1600" b="1" dirty="0"/>
+              <a:t>}</a:t>
+            </a:r>
+          </a:p>
+          <a:p>
+            <a:r>
+              <a:rPr lang="en-US" sz="1400" b="1" dirty="0">
+                <a:solidFill>
+                  <a:schemeClr val="bg1"/>
+                </a:solidFill>
+              </a:rPr>
+              <a:t> </a:t>
+            </a:r>
+            <a:r>
+              <a:rPr lang="en-US" sz="1000" b="1" dirty="0">
+                <a:solidFill>
+                  <a:schemeClr val="bg1"/>
+                </a:solidFill>
+              </a:rPr>
+              <a:t> </a:t>
+            </a:r>
+            <a:r>
+              <a:rPr lang="en-US" sz="1400" b="1" dirty="0">
+                <a:solidFill>
+                  <a:schemeClr val="bg1"/>
+                </a:solidFill>
+              </a:rPr>
+              <a:t>      </a:t>
+            </a:r>
+          </a:p>
+          <a:p>
+            <a:r>
+              <a:rPr lang="en-US" sz="1000" dirty="0">
+                <a:solidFill>
+                  <a:schemeClr val="bg1">
+                    <a:lumMod val="85000"/>
+                  </a:schemeClr>
+                </a:solidFill>
+              </a:rPr>
+              <a:t>}}</a:t>
+            </a:r>
           </a:p>
         </p:txBody>
       </p:sp>
     </p:spTree>
     <p:extLst>
       <p:ext uri="{BB962C8B-B14F-4D97-AF65-F5344CB8AC3E}">
-        <p14:creationId xmlns:p14="http://schemas.microsoft.com/office/powerpoint/2010/main" val="4221202844"/>
+        <p14:creationId xmlns:p14="http://schemas.microsoft.com/office/powerpoint/2010/main" val="3415637826"/>
       </p:ext>
     </p:extLst>
   </p:cSld>
@@ -53245,13 +53892,27 @@
         </p:nvSpPr>
         <p:spPr>
           <a:xfrm>
-            <a:off x="838200" y="1825626"/>
-            <a:ext cx="10515600" cy="1518466"/>
+            <a:off x="7210697" y="2069465"/>
+            <a:ext cx="4143103" cy="4131037"/>
           </a:xfrm>
         </p:spPr>
+        <p:style>
+          <a:lnRef idx="1">
+            <a:schemeClr val="accent5"/>
+          </a:lnRef>
+          <a:fillRef idx="2">
+            <a:schemeClr val="accent5"/>
+          </a:fillRef>
+          <a:effectRef idx="1">
+            <a:schemeClr val="accent5"/>
+          </a:effectRef>
+          <a:fontRef idx="minor">
+            <a:schemeClr val="dk1"/>
+          </a:fontRef>
+        </p:style>
         <p:txBody>
           <a:bodyPr>
-            <a:normAutofit fontScale="85000" lnSpcReduction="10000"/>
+            <a:normAutofit fontScale="92500" lnSpcReduction="10000"/>
           </a:bodyPr>
           <a:lstStyle/>
           <a:p>
@@ -53441,10 +54102,10 @@
       </p:sp>
       <p:sp>
         <p:nvSpPr>
-          <p:cNvPr id="4" name="TextBox 3">
+          <p:cNvPr id="5" name="TextBox 4">
             <a:extLst>
               <a:ext uri="{FF2B5EF4-FFF2-40B4-BE49-F238E27FC236}">
-                <a16:creationId xmlns:a16="http://schemas.microsoft.com/office/drawing/2014/main" id="{02A9E83B-5EEE-F54A-84E8-A029660DF383}"/>
+                <a16:creationId xmlns:a16="http://schemas.microsoft.com/office/drawing/2014/main" id="{6527EAAE-B956-9644-97B3-CD4F2FF1B17C}"/>
               </a:ext>
             </a:extLst>
           </p:cNvPr>
@@ -53453,8 +54114,8 @@
         </p:nvSpPr>
         <p:spPr>
           <a:xfrm>
-            <a:off x="3454037" y="2584859"/>
-            <a:ext cx="5492933" cy="3724096"/>
+            <a:off x="838200" y="2642266"/>
+            <a:ext cx="5492933" cy="2985433"/>
           </a:xfrm>
           <a:prstGeom prst="rect">
             <a:avLst/>
@@ -53541,129 +54202,90 @@
             </a:endParaRPr>
           </a:p>
           <a:p>
-            <a:pPr lvl="1"/>
-            <a:r>
-              <a:rPr lang="en-US" sz="1600" b="1" dirty="0"/>
+            <a:r>
+              <a:rPr lang="en-US" b="1" dirty="0"/>
+              <a:t>static void Set(ref int </a:t>
+            </a:r>
+            <a:r>
+              <a:rPr lang="en-US" b="1" dirty="0" err="1"/>
+              <a:t>i</a:t>
+            </a:r>
+            <a:r>
+              <a:rPr lang="en-US" b="1" dirty="0"/>
+              <a:t>) { </a:t>
+            </a:r>
+            <a:r>
+              <a:rPr lang="en-US" b="1" dirty="0" err="1"/>
+              <a:t>i</a:t>
+            </a:r>
+            <a:r>
+              <a:rPr lang="en-US" b="1" dirty="0"/>
+              <a:t> = 20; }</a:t>
+            </a:r>
+          </a:p>
+          <a:p>
+            <a:endParaRPr lang="en-US" b="1" dirty="0"/>
+          </a:p>
+          <a:p>
+            <a:r>
+              <a:rPr lang="en-US" b="1" dirty="0"/>
               <a:t>static void Main()</a:t>
             </a:r>
           </a:p>
           <a:p>
-            <a:pPr lvl="1"/>
-            <a:r>
-              <a:rPr lang="en-US" sz="1600" b="1" dirty="0"/>
+            <a:r>
+              <a:rPr lang="en-US" b="1" dirty="0"/>
               <a:t>{</a:t>
             </a:r>
           </a:p>
           <a:p>
-            <a:pPr lvl="2"/>
-            <a:r>
-              <a:rPr lang="en-US" sz="1600" b="1" dirty="0"/>
-              <a:t>ref int y = ref </a:t>
-            </a:r>
-            <a:r>
-              <a:rPr lang="en-US" sz="1600" b="1" dirty="0" err="1"/>
-              <a:t>GetField</a:t>
-            </a:r>
-            <a:r>
-              <a:rPr lang="en-US" sz="1600" b="1" dirty="0"/>
-              <a:t>(); 	// reference</a:t>
-            </a:r>
-          </a:p>
-          <a:p>
-            <a:pPr lvl="2"/>
-            <a:r>
-              <a:rPr lang="en-US" sz="1600" b="1" dirty="0"/>
-              <a:t>int </a:t>
-            </a:r>
-            <a:r>
-              <a:rPr lang="en-US" sz="1600" b="1" dirty="0" err="1"/>
-              <a:t>copia</a:t>
-            </a:r>
-            <a:r>
-              <a:rPr lang="en-US" sz="1600" b="1" dirty="0"/>
-              <a:t> = </a:t>
-            </a:r>
-            <a:r>
-              <a:rPr lang="en-US" sz="1600" b="1" dirty="0" err="1"/>
-              <a:t>GetField</a:t>
-            </a:r>
-            <a:r>
-              <a:rPr lang="en-US" sz="1600" b="1" dirty="0"/>
-              <a:t>(); 	// value copy</a:t>
-            </a:r>
-          </a:p>
-          <a:p>
-            <a:pPr lvl="2"/>
-            <a:r>
-              <a:rPr lang="en-US" sz="1600" b="1" dirty="0"/>
-              <a:t>WriteLine(y);</a:t>
-            </a:r>
-          </a:p>
-          <a:p>
-            <a:pPr lvl="2"/>
-            <a:r>
-              <a:rPr lang="en-US" sz="1600" b="1" dirty="0"/>
-              <a:t>WriteLine(</a:t>
-            </a:r>
-            <a:r>
-              <a:rPr lang="en-US" sz="1600" b="1" dirty="0" err="1"/>
-              <a:t>copia</a:t>
-            </a:r>
-            <a:r>
-              <a:rPr lang="en-US" sz="1600" b="1" dirty="0"/>
-              <a:t>);</a:t>
-            </a:r>
-          </a:p>
-          <a:p>
-            <a:pPr lvl="1"/>
-            <a:r>
-              <a:rPr lang="en-US" sz="1600" b="1" dirty="0"/>
+            <a:r>
+              <a:rPr lang="en-US" b="1" dirty="0"/>
+              <a:t>      int x = 10; 		// value type</a:t>
+            </a:r>
+          </a:p>
+          <a:p>
+            <a:r>
+              <a:rPr lang="en-US" b="1" dirty="0"/>
+              <a:t>      Set(ref x);		// pass value of x</a:t>
+            </a:r>
+          </a:p>
+          <a:p>
+            <a:r>
+              <a:rPr lang="en-US" b="1" dirty="0"/>
+              <a:t>      Write($</a:t>
+            </a:r>
+            <a:r>
+              <a:rPr lang="en-US" b="1" dirty="0">
+                <a:solidFill>
+                  <a:schemeClr val="bg1"/>
+                </a:solidFill>
+              </a:rPr>
+              <a:t>"</a:t>
+            </a:r>
+            <a:r>
+              <a:rPr lang="en-US" b="1" dirty="0"/>
+              <a:t> x = {x} </a:t>
+            </a:r>
+            <a:r>
+              <a:rPr lang="en-US" b="1" dirty="0">
+                <a:solidFill>
+                  <a:schemeClr val="bg1"/>
+                </a:solidFill>
+              </a:rPr>
+              <a:t>"</a:t>
+            </a:r>
+            <a:r>
+              <a:rPr lang="en-US" b="1" dirty="0"/>
+              <a:t>); 	// x = 20</a:t>
+            </a:r>
+          </a:p>
+          <a:p>
+            <a:r>
+              <a:rPr lang="en-US" b="1" dirty="0"/>
               <a:t>}</a:t>
             </a:r>
-          </a:p>
-          <a:p>
-            <a:pPr lvl="1"/>
-            <a:r>
-              <a:rPr lang="en-US" sz="1600" b="1" dirty="0"/>
-              <a:t>static ref int </a:t>
-            </a:r>
-            <a:r>
-              <a:rPr lang="en-US" sz="1600" b="1" dirty="0" err="1"/>
-              <a:t>GetField</a:t>
-            </a:r>
-            <a:r>
-              <a:rPr lang="en-US" sz="1600" b="1" dirty="0"/>
-              <a:t>()</a:t>
-            </a:r>
-          </a:p>
-          <a:p>
-            <a:pPr lvl="1"/>
-            <a:r>
-              <a:rPr lang="en-US" sz="1600" b="1" dirty="0"/>
-              <a:t>{</a:t>
-            </a:r>
-          </a:p>
-          <a:p>
-            <a:pPr lvl="1"/>
-            <a:r>
-              <a:rPr lang="en-US" sz="1600" b="1" dirty="0"/>
-              <a:t>	int x = 5;</a:t>
-            </a:r>
-          </a:p>
-          <a:p>
-            <a:pPr lvl="1"/>
-            <a:r>
-              <a:rPr lang="en-US" sz="1600" b="1" dirty="0"/>
-              <a:t>	return ref x;</a:t>
-            </a:r>
-          </a:p>
-          <a:p>
-            <a:pPr lvl="1"/>
-            <a:r>
-              <a:rPr lang="en-US" sz="1600" b="1" dirty="0"/>
-              <a:t>}</a:t>
-            </a:r>
-            <a:endParaRPr lang="en-US" sz="2000" b="1" dirty="0"/>
+            <a:endParaRPr lang="en-US" sz="1400" b="1" dirty="0"/>
           </a:p>
           <a:p>
             <a:r>
@@ -53740,7 +54362,7 @@
           <p:cNvPr id="2" name="Title 1">
             <a:extLst>
               <a:ext uri="{FF2B5EF4-FFF2-40B4-BE49-F238E27FC236}">
-                <a16:creationId xmlns:a16="http://schemas.microsoft.com/office/drawing/2014/main" id="{6BB8FD7D-9AD4-DE4A-A838-2C652CEE9B37}"/>
+                <a16:creationId xmlns:a16="http://schemas.microsoft.com/office/drawing/2014/main" id="{1524BFF8-18D0-5B44-B00E-F38D95CA5071}"/>
               </a:ext>
             </a:extLst>
           </p:cNvPr>
@@ -53758,7 +54380,7 @@
           <a:p>
             <a:r>
               <a:rPr lang="en-BO" dirty="0"/>
-              <a:t>Tipos valor devueltos por referencia</a:t>
+              <a:t>out</a:t>
             </a:r>
           </a:p>
         </p:txBody>
@@ -53768,7 +54390,7 @@
           <p:cNvPr id="3" name="Content Placeholder 2">
             <a:extLst>
               <a:ext uri="{FF2B5EF4-FFF2-40B4-BE49-F238E27FC236}">
-                <a16:creationId xmlns:a16="http://schemas.microsoft.com/office/drawing/2014/main" id="{CB35B815-ECFC-474A-8B39-18B116BB61FB}"/>
+                <a16:creationId xmlns:a16="http://schemas.microsoft.com/office/drawing/2014/main" id="{D3FE2BFD-C14E-734C-91DE-EF1630C5A196}"/>
               </a:ext>
             </a:extLst>
           </p:cNvPr>
@@ -53781,13 +54403,13 @@
         </p:nvSpPr>
         <p:spPr>
           <a:xfrm>
-            <a:off x="838200" y="1825625"/>
-            <a:ext cx="10515600" cy="1603375"/>
+            <a:off x="705394" y="1825626"/>
+            <a:ext cx="10648406" cy="1213666"/>
           </a:xfrm>
         </p:spPr>
         <p:txBody>
           <a:bodyPr>
-            <a:normAutofit fontScale="92500" lnSpcReduction="20000"/>
+            <a:normAutofit fontScale="70000" lnSpcReduction="20000"/>
           </a:bodyPr>
           <a:lstStyle/>
           <a:p>
@@ -53796,35 +54418,35 @@
             </a:pPr>
             <a:r>
               <a:rPr lang="en-US" dirty="0"/>
-              <a:t>Los </a:t>
-            </a:r>
-            <a:r>
-              <a:rPr lang="en-US" dirty="0" err="1"/>
-              <a:t>tipos</a:t>
-            </a:r>
-            <a:r>
-              <a:rPr lang="en-US" dirty="0"/>
-              <a:t> de valor </a:t>
-            </a:r>
-            <a:r>
-              <a:rPr lang="en-US" dirty="0" err="1"/>
-              <a:t>también</a:t>
-            </a:r>
-            <a:r>
-              <a:rPr lang="en-US" dirty="0"/>
-              <a:t> se </a:t>
-            </a:r>
-            <a:r>
-              <a:rPr lang="en-US" dirty="0" err="1"/>
-              <a:t>pueden</a:t>
-            </a:r>
-            <a:r>
-              <a:rPr lang="en-US" dirty="0"/>
-              <a:t> </a:t>
-            </a:r>
-            <a:r>
-              <a:rPr lang="en-US" dirty="0" err="1"/>
-              <a:t>devolver</a:t>
+              <a:t>A </a:t>
+            </a:r>
+            <a:r>
+              <a:rPr lang="en-US" dirty="0" err="1"/>
+              <a:t>veces</a:t>
+            </a:r>
+            <a:r>
+              <a:rPr lang="en-US" dirty="0"/>
+              <a:t> es </a:t>
+            </a:r>
+            <a:r>
+              <a:rPr lang="en-US" dirty="0" err="1"/>
+              <a:t>posible</a:t>
+            </a:r>
+            <a:r>
+              <a:rPr lang="en-US" dirty="0"/>
+              <a:t> que se </a:t>
+            </a:r>
+            <a:r>
+              <a:rPr lang="en-US" dirty="0" err="1"/>
+              <a:t>desee</a:t>
+            </a:r>
+            <a:r>
+              <a:rPr lang="en-US" dirty="0"/>
+              <a:t> pasar una variable no </a:t>
+            </a:r>
+            <a:r>
+              <a:rPr lang="en-US" dirty="0" err="1"/>
+              <a:t>asignada</a:t>
             </a:r>
             <a:r>
               <a:rPr lang="en-US" dirty="0"/>
@@ -53836,19 +54458,75 @@
             </a:r>
             <a:r>
               <a:rPr lang="en-US" dirty="0"/>
-              <a:t>. La palabra clave ref se </a:t>
-            </a:r>
-            <a:r>
-              <a:rPr lang="en-US" dirty="0" err="1"/>
-              <a:t>agrega</a:t>
-            </a:r>
-            <a:r>
-              <a:rPr lang="en-US" dirty="0"/>
-              <a:t> antes del </a:t>
-            </a:r>
-            <a:r>
-              <a:rPr lang="en-US" dirty="0" err="1"/>
-              <a:t>tipo</a:t>
+              <a:t> y que sea </a:t>
+            </a:r>
+            <a:r>
+              <a:rPr lang="en-US" dirty="0" err="1"/>
+              <a:t>asignada</a:t>
+            </a:r>
+            <a:r>
+              <a:rPr lang="en-US" dirty="0"/>
+              <a:t> </a:t>
+            </a:r>
+            <a:r>
+              <a:rPr lang="en-US" dirty="0" err="1"/>
+              <a:t>en</a:t>
+            </a:r>
+            <a:r>
+              <a:rPr lang="en-US" dirty="0"/>
+              <a:t> el </a:t>
+            </a:r>
+            <a:r>
+              <a:rPr lang="en-US" dirty="0" err="1"/>
+              <a:t>método</a:t>
+            </a:r>
+            <a:r>
+              <a:rPr lang="en-US" dirty="0"/>
+              <a:t> </a:t>
+            </a:r>
+            <a:r>
+              <a:rPr lang="en-US" dirty="0" err="1"/>
+              <a:t>invocado</a:t>
+            </a:r>
+            <a:r>
+              <a:rPr lang="en-US" dirty="0"/>
+              <a:t>. Sin embargo, el </a:t>
+            </a:r>
+            <a:r>
+              <a:rPr lang="en-US" dirty="0" err="1"/>
+              <a:t>uso</a:t>
+            </a:r>
+            <a:r>
+              <a:rPr lang="en-US" dirty="0"/>
+              <a:t> de una variable local no </a:t>
+            </a:r>
+            <a:r>
+              <a:rPr lang="en-US" dirty="0" err="1"/>
+              <a:t>asignada</a:t>
+            </a:r>
+            <a:r>
+              <a:rPr lang="en-US" dirty="0"/>
+              <a:t> </a:t>
+            </a:r>
+            <a:r>
+              <a:rPr lang="en-US" dirty="0" err="1"/>
+              <a:t>dará</a:t>
+            </a:r>
+            <a:r>
+              <a:rPr lang="en-US" dirty="0"/>
+              <a:t> un error </a:t>
+            </a:r>
+            <a:r>
+              <a:rPr lang="en-US" dirty="0" err="1"/>
+              <a:t>en</a:t>
+            </a:r>
+            <a:r>
+              <a:rPr lang="en-US" dirty="0"/>
+              <a:t> </a:t>
+            </a:r>
+            <a:r>
+              <a:rPr lang="en-US" dirty="0" err="1"/>
+              <a:t>tiempo</a:t>
             </a:r>
             <a:r>
               <a:rPr lang="en-US" dirty="0"/>
@@ -53856,23 +54534,111 @@
             </a:r>
             <a:r>
               <a:rPr lang="en-US" dirty="0" err="1"/>
-              <a:t>retorno</a:t>
-            </a:r>
-            <a:r>
-              <a:rPr lang="en-US" dirty="0"/>
-              <a:t> y el valor de </a:t>
-            </a:r>
-            <a:r>
-              <a:rPr lang="en-US" dirty="0" err="1"/>
-              <a:t>retorno</a:t>
-            </a:r>
-            <a:r>
-              <a:rPr lang="en-US" dirty="0"/>
-              <a:t>. </a:t>
-            </a:r>
-            <a:r>
-              <a:rPr lang="en-US" dirty="0" err="1"/>
-              <a:t>Tenga</a:t>
+              <a:t>compilación</a:t>
+            </a:r>
+            <a:r>
+              <a:rPr lang="en-US" dirty="0"/>
+              <a:t>. Para </a:t>
+            </a:r>
+            <a:r>
+              <a:rPr lang="en-US" dirty="0" err="1"/>
+              <a:t>esta</a:t>
+            </a:r>
+            <a:r>
+              <a:rPr lang="en-US" dirty="0"/>
+              <a:t> </a:t>
+            </a:r>
+            <a:r>
+              <a:rPr lang="en-US" dirty="0" err="1"/>
+              <a:t>situación</a:t>
+            </a:r>
+            <a:r>
+              <a:rPr lang="en-US" dirty="0"/>
+              <a:t>, se </a:t>
+            </a:r>
+            <a:r>
+              <a:rPr lang="en-US" dirty="0" err="1"/>
+              <a:t>puede</a:t>
+            </a:r>
+            <a:r>
+              <a:rPr lang="en-US" dirty="0"/>
+              <a:t> </a:t>
+            </a:r>
+            <a:r>
+              <a:rPr lang="en-US" dirty="0" err="1"/>
+              <a:t>usar</a:t>
+            </a:r>
+            <a:r>
+              <a:rPr lang="en-US" dirty="0"/>
+              <a:t> la palabra clave out. Tiene la </a:t>
+            </a:r>
+            <a:r>
+              <a:rPr lang="en-US" dirty="0" err="1"/>
+              <a:t>misma</a:t>
+            </a:r>
+            <a:r>
+              <a:rPr lang="en-US" dirty="0"/>
+              <a:t> </a:t>
+            </a:r>
+            <a:r>
+              <a:rPr lang="en-US" dirty="0" err="1"/>
+              <a:t>función</a:t>
+            </a:r>
+            <a:r>
+              <a:rPr lang="en-US" dirty="0"/>
+              <a:t> que ref, </a:t>
+            </a:r>
+            <a:r>
+              <a:rPr lang="en-US" dirty="0" err="1"/>
+              <a:t>excepto</a:t>
+            </a:r>
+            <a:r>
+              <a:rPr lang="en-US" dirty="0"/>
+              <a:t> que el </a:t>
+            </a:r>
+            <a:r>
+              <a:rPr lang="en-US" dirty="0" err="1"/>
+              <a:t>compilador</a:t>
+            </a:r>
+            <a:r>
+              <a:rPr lang="en-US" dirty="0"/>
+              <a:t> </a:t>
+            </a:r>
+            <a:r>
+              <a:rPr lang="en-US" dirty="0" err="1"/>
+              <a:t>permitirá</a:t>
+            </a:r>
+            <a:r>
+              <a:rPr lang="en-US" dirty="0"/>
+              <a:t> el </a:t>
+            </a:r>
+            <a:r>
+              <a:rPr lang="en-US" dirty="0" err="1"/>
+              <a:t>uso</a:t>
+            </a:r>
+            <a:r>
+              <a:rPr lang="en-US" dirty="0"/>
+              <a:t> de la variable no </a:t>
+            </a:r>
+            <a:r>
+              <a:rPr lang="en-US" dirty="0" err="1"/>
+              <a:t>asignada</a:t>
+            </a:r>
+            <a:r>
+              <a:rPr lang="en-US" dirty="0"/>
+              <a:t> y se </a:t>
+            </a:r>
+            <a:r>
+              <a:rPr lang="en-US" dirty="0" err="1"/>
+              <a:t>asegurará</a:t>
+            </a:r>
+            <a:r>
+              <a:rPr lang="en-US" dirty="0"/>
+              <a:t> de que la variable sea </a:t>
+            </a:r>
+            <a:r>
+              <a:rPr lang="en-US" dirty="0" err="1"/>
+              <a:t>asignada</a:t>
             </a:r>
             <a:r>
               <a:rPr lang="en-US" dirty="0"/>
@@ -53884,79 +54650,7 @@
             </a:r>
             <a:r>
               <a:rPr lang="en-US" dirty="0"/>
-              <a:t> </a:t>
-            </a:r>
-            <a:r>
-              <a:rPr lang="en-US" dirty="0" err="1"/>
-              <a:t>cuenta</a:t>
-            </a:r>
-            <a:r>
-              <a:rPr lang="en-US" dirty="0"/>
-              <a:t> que la variable </a:t>
-            </a:r>
-            <a:r>
-              <a:rPr lang="en-US" dirty="0" err="1"/>
-              <a:t>devuelta</a:t>
-            </a:r>
-            <a:r>
-              <a:rPr lang="en-US" dirty="0"/>
-              <a:t> debe </a:t>
-            </a:r>
-            <a:r>
-              <a:rPr lang="en-US" dirty="0" err="1"/>
-              <a:t>tener</a:t>
-            </a:r>
-            <a:r>
-              <a:rPr lang="en-US" dirty="0"/>
-              <a:t> una </a:t>
-            </a:r>
-            <a:r>
-              <a:rPr lang="en-US" dirty="0" err="1"/>
-              <a:t>vida</a:t>
-            </a:r>
-            <a:r>
-              <a:rPr lang="en-US" dirty="0"/>
-              <a:t> </a:t>
-            </a:r>
-            <a:r>
-              <a:rPr lang="en-US" dirty="0" err="1"/>
-              <a:t>útil</a:t>
-            </a:r>
-            <a:r>
-              <a:rPr lang="en-US" dirty="0"/>
-              <a:t> que se </a:t>
-            </a:r>
-            <a:r>
-              <a:rPr lang="en-US" dirty="0" err="1"/>
-              <a:t>extienda</a:t>
-            </a:r>
-            <a:r>
-              <a:rPr lang="en-US" dirty="0"/>
-              <a:t> </a:t>
-            </a:r>
-            <a:r>
-              <a:rPr lang="en-US" dirty="0" err="1"/>
-              <a:t>más</a:t>
-            </a:r>
-            <a:r>
-              <a:rPr lang="en-US" dirty="0"/>
-              <a:t> </a:t>
-            </a:r>
-            <a:r>
-              <a:rPr lang="en-US" dirty="0" err="1"/>
-              <a:t>allá</a:t>
-            </a:r>
-            <a:r>
-              <a:rPr lang="en-US" dirty="0"/>
-              <a:t> del </a:t>
-            </a:r>
-            <a:r>
-              <a:rPr lang="en-US" dirty="0" err="1"/>
-              <a:t>alcance</a:t>
-            </a:r>
-            <a:r>
-              <a:rPr lang="en-US" dirty="0"/>
-              <a:t> del </a:t>
+              <a:t> el </a:t>
             </a:r>
             <a:r>
               <a:rPr lang="en-US" dirty="0" err="1"/>
@@ -53964,32 +54658,251 @@
             </a:r>
             <a:r>
               <a:rPr lang="en-US" dirty="0"/>
-              <a:t>, por lo que no </a:t>
-            </a:r>
-            <a:r>
-              <a:rPr lang="en-US" dirty="0" err="1"/>
-              <a:t>puede</a:t>
-            </a:r>
-            <a:r>
-              <a:rPr lang="en-US" dirty="0"/>
-              <a:t> ser una variable local para el </a:t>
-            </a:r>
-            <a:r>
-              <a:rPr lang="en-US" dirty="0" err="1"/>
-              <a:t>método</a:t>
+              <a:t> </a:t>
+            </a:r>
+            <a:r>
+              <a:rPr lang="en-US" dirty="0" err="1"/>
+              <a:t>invocado</a:t>
             </a:r>
             <a:r>
               <a:rPr lang="en-US" dirty="0"/>
               <a:t>.</a:t>
             </a:r>
             <a:endParaRPr lang="en-BO" dirty="0"/>
+          </a:p>
+        </p:txBody>
+      </p:sp>
+      <p:sp>
+        <p:nvSpPr>
+          <p:cNvPr id="5" name="TextBox 4">
+            <a:extLst>
+              <a:ext uri="{FF2B5EF4-FFF2-40B4-BE49-F238E27FC236}">
+                <a16:creationId xmlns:a16="http://schemas.microsoft.com/office/drawing/2014/main" id="{6A2C397C-3BDB-064D-B780-B9DE9B2271E3}"/>
+              </a:ext>
+            </a:extLst>
+          </p:cNvPr>
+          <p:cNvSpPr txBox="1"/>
+          <p:nvPr/>
+        </p:nvSpPr>
+        <p:spPr>
+          <a:xfrm>
+            <a:off x="3349533" y="3324498"/>
+            <a:ext cx="5492933" cy="2985433"/>
+          </a:xfrm>
+          <a:prstGeom prst="rect">
+            <a:avLst/>
+          </a:prstGeom>
+        </p:spPr>
+        <p:style>
+          <a:lnRef idx="2">
+            <a:schemeClr val="accent1">
+              <a:shade val="50000"/>
+            </a:schemeClr>
+          </a:lnRef>
+          <a:fillRef idx="1">
+            <a:schemeClr val="accent1"/>
+          </a:fillRef>
+          <a:effectRef idx="0">
+            <a:schemeClr val="accent1"/>
+          </a:effectRef>
+          <a:fontRef idx="minor">
+            <a:schemeClr val="lt1"/>
+          </a:fontRef>
+        </p:style>
+        <p:txBody>
+          <a:bodyPr wrap="square" rtlCol="0">
+            <a:spAutoFit/>
+          </a:bodyPr>
+          <a:lstStyle/>
+          <a:p>
+            <a:r>
+              <a:rPr lang="en-US" sz="1000" dirty="0">
+                <a:solidFill>
+                  <a:schemeClr val="bg1">
+                    <a:lumMod val="85000"/>
+                  </a:schemeClr>
+                </a:solidFill>
+              </a:rPr>
+              <a:t>using System; using static </a:t>
+            </a:r>
+            <a:r>
+              <a:rPr lang="en-US" sz="1000" dirty="0" err="1">
+                <a:solidFill>
+                  <a:schemeClr val="bg1">
+                    <a:lumMod val="85000"/>
+                  </a:schemeClr>
+                </a:solidFill>
+              </a:rPr>
+              <a:t>System.Console</a:t>
+            </a:r>
+            <a:r>
+              <a:rPr lang="en-US" sz="1000" dirty="0">
+                <a:solidFill>
+                  <a:schemeClr val="bg1">
+                    <a:lumMod val="85000"/>
+                  </a:schemeClr>
+                </a:solidFill>
+              </a:rPr>
+              <a:t>; namespace Lansoft.CursoCshap8 { static class </a:t>
+            </a:r>
+            <a:r>
+              <a:rPr lang="en-US" sz="1000" dirty="0" err="1">
+                <a:solidFill>
+                  <a:schemeClr val="bg1">
+                    <a:lumMod val="85000"/>
+                  </a:schemeClr>
+                </a:solidFill>
+              </a:rPr>
+              <a:t>Programa</a:t>
+            </a:r>
+            <a:r>
+              <a:rPr lang="en-US" sz="1000" dirty="0">
+                <a:solidFill>
+                  <a:schemeClr val="bg1">
+                    <a:lumMod val="85000"/>
+                  </a:schemeClr>
+                </a:solidFill>
+              </a:rPr>
+              <a:t> { </a:t>
+            </a:r>
+          </a:p>
+          <a:p>
+            <a:endParaRPr lang="en-US" sz="1000" b="1" dirty="0">
+              <a:solidFill>
+                <a:schemeClr val="bg1"/>
+              </a:solidFill>
+            </a:endParaRPr>
+          </a:p>
+          <a:p>
+            <a:r>
+              <a:rPr lang="en-US" b="1" dirty="0"/>
+              <a:t>static void Set(out int </a:t>
+            </a:r>
+            <a:r>
+              <a:rPr lang="en-US" b="1" dirty="0" err="1"/>
+              <a:t>i</a:t>
+            </a:r>
+            <a:r>
+              <a:rPr lang="en-US" b="1" dirty="0"/>
+              <a:t>) { </a:t>
+            </a:r>
+            <a:r>
+              <a:rPr lang="en-US" b="1" dirty="0" err="1"/>
+              <a:t>i</a:t>
+            </a:r>
+            <a:r>
+              <a:rPr lang="en-US" b="1" dirty="0"/>
+              <a:t> = 20; }</a:t>
+            </a:r>
+          </a:p>
+          <a:p>
+            <a:endParaRPr lang="en-US" b="1" dirty="0"/>
+          </a:p>
+          <a:p>
+            <a:r>
+              <a:rPr lang="en-US" b="1" dirty="0"/>
+              <a:t>static void Main()</a:t>
+            </a:r>
+          </a:p>
+          <a:p>
+            <a:r>
+              <a:rPr lang="en-US" b="1" dirty="0"/>
+              <a:t>{</a:t>
+            </a:r>
+          </a:p>
+          <a:p>
+            <a:r>
+              <a:rPr lang="en-US" b="1" dirty="0"/>
+              <a:t>      int x; 			// value type</a:t>
+            </a:r>
+          </a:p>
+          <a:p>
+            <a:r>
+              <a:rPr lang="en-US" b="1" dirty="0"/>
+              <a:t>      Set(out x);		// pass value of x</a:t>
+            </a:r>
+          </a:p>
+          <a:p>
+            <a:r>
+              <a:rPr lang="en-US" b="1" dirty="0"/>
+              <a:t>      Write($</a:t>
+            </a:r>
+            <a:r>
+              <a:rPr lang="en-US" b="1" dirty="0">
+                <a:solidFill>
+                  <a:schemeClr val="bg1"/>
+                </a:solidFill>
+              </a:rPr>
+              <a:t>"</a:t>
+            </a:r>
+            <a:r>
+              <a:rPr lang="en-US" b="1" dirty="0"/>
+              <a:t> x = {x} </a:t>
+            </a:r>
+            <a:r>
+              <a:rPr lang="en-US" b="1" dirty="0">
+                <a:solidFill>
+                  <a:schemeClr val="bg1"/>
+                </a:solidFill>
+              </a:rPr>
+              <a:t>"</a:t>
+            </a:r>
+            <a:r>
+              <a:rPr lang="en-US" b="1" dirty="0"/>
+              <a:t>); 	// x = 20</a:t>
+            </a:r>
+          </a:p>
+          <a:p>
+            <a:r>
+              <a:rPr lang="en-US" b="1" dirty="0"/>
+              <a:t>}</a:t>
+            </a:r>
+            <a:endParaRPr lang="en-US" sz="1400" b="1" dirty="0"/>
+          </a:p>
+          <a:p>
+            <a:r>
+              <a:rPr lang="en-US" sz="1400" b="1" dirty="0">
+                <a:solidFill>
+                  <a:schemeClr val="bg1"/>
+                </a:solidFill>
+              </a:rPr>
+              <a:t> </a:t>
+            </a:r>
+            <a:r>
+              <a:rPr lang="en-US" sz="1000" b="1" dirty="0">
+                <a:solidFill>
+                  <a:schemeClr val="bg1"/>
+                </a:solidFill>
+              </a:rPr>
+              <a:t> </a:t>
+            </a:r>
+            <a:r>
+              <a:rPr lang="en-US" sz="1400" b="1" dirty="0">
+                <a:solidFill>
+                  <a:schemeClr val="bg1"/>
+                </a:solidFill>
+              </a:rPr>
+              <a:t>      </a:t>
+            </a:r>
+          </a:p>
+          <a:p>
+            <a:r>
+              <a:rPr lang="en-US" sz="1000" dirty="0">
+                <a:solidFill>
+                  <a:schemeClr val="bg1">
+                    <a:lumMod val="85000"/>
+                  </a:schemeClr>
+                </a:solidFill>
+              </a:rPr>
+              <a:t>}}</a:t>
+            </a:r>
           </a:p>
         </p:txBody>
       </p:sp>
     </p:spTree>
     <p:extLst>
       <p:ext uri="{BB962C8B-B14F-4D97-AF65-F5344CB8AC3E}">
-        <p14:creationId xmlns:p14="http://schemas.microsoft.com/office/powerpoint/2010/main" val="2007582356"/>
+        <p14:creationId xmlns:p14="http://schemas.microsoft.com/office/powerpoint/2010/main" val="460735052"/>
       </p:ext>
     </p:extLst>
   </p:cSld>
@@ -54021,7 +54934,7 @@
           <p:cNvPr id="2" name="Title 1">
             <a:extLst>
               <a:ext uri="{FF2B5EF4-FFF2-40B4-BE49-F238E27FC236}">
-                <a16:creationId xmlns:a16="http://schemas.microsoft.com/office/drawing/2014/main" id="{1524BFF8-18D0-5B44-B00E-F38D95CA5071}"/>
+                <a16:creationId xmlns:a16="http://schemas.microsoft.com/office/drawing/2014/main" id="{75F394D0-A645-C446-A07D-8022F1152D16}"/>
               </a:ext>
             </a:extLst>
           </p:cNvPr>
@@ -54034,13 +54947,16 @@
         </p:nvSpPr>
         <p:spPr/>
         <p:txBody>
-          <a:bodyPr/>
+          <a:bodyPr>
+            <a:normAutofit/>
+          </a:bodyPr>
           <a:lstStyle/>
           <a:p>
             <a:r>
-              <a:rPr lang="en-BO" dirty="0"/>
-              <a:t>out</a:t>
-            </a:r>
+              <a:rPr lang="en-BO" sz="4000" dirty="0"/>
+              <a:t>Declarando variable out en el argumento</a:t>
+            </a:r>
+            <a:endParaRPr lang="en-BO" sz="4800" dirty="0"/>
           </a:p>
         </p:txBody>
       </p:sp>
@@ -54049,7 +54965,7 @@
           <p:cNvPr id="3" name="Content Placeholder 2">
             <a:extLst>
               <a:ext uri="{FF2B5EF4-FFF2-40B4-BE49-F238E27FC236}">
-                <a16:creationId xmlns:a16="http://schemas.microsoft.com/office/drawing/2014/main" id="{D3FE2BFD-C14E-734C-91DE-EF1630C5A196}"/>
+                <a16:creationId xmlns:a16="http://schemas.microsoft.com/office/drawing/2014/main" id="{7455A23F-1C34-8341-8BF7-6AA34E8A54CF}"/>
               </a:ext>
             </a:extLst>
           </p:cNvPr>
@@ -54060,19 +54976,382 @@
             <p:ph idx="1"/>
           </p:nvPr>
         </p:nvSpPr>
-        <p:spPr/>
+        <p:spPr>
+          <a:xfrm>
+            <a:off x="838200" y="1825625"/>
+            <a:ext cx="10515600" cy="1100455"/>
+          </a:xfrm>
+        </p:spPr>
         <p:txBody>
-          <a:bodyPr/>
+          <a:bodyPr>
+            <a:normAutofit fontScale="92500" lnSpcReduction="10000"/>
+          </a:bodyPr>
           <a:lstStyle/>
           <a:p>
-            <a:endParaRPr lang="en-BO"/>
+            <a:pPr marL="0" indent="0">
+              <a:buNone/>
+            </a:pPr>
+            <a:r>
+              <a:rPr lang="en-US" dirty="0"/>
+              <a:t>Es </a:t>
+            </a:r>
+            <a:r>
+              <a:rPr lang="en-US" dirty="0" err="1"/>
+              <a:t>posible</a:t>
+            </a:r>
+            <a:r>
+              <a:rPr lang="en-US" dirty="0"/>
+              <a:t> </a:t>
+            </a:r>
+            <a:r>
+              <a:rPr lang="en-US" dirty="0" err="1"/>
+              <a:t>declarar</a:t>
+            </a:r>
+            <a:r>
+              <a:rPr lang="en-US" dirty="0"/>
+              <a:t> variables </a:t>
+            </a:r>
+            <a:r>
+              <a:rPr lang="en-US" dirty="0" err="1"/>
+              <a:t>en</a:t>
+            </a:r>
+            <a:r>
+              <a:rPr lang="en-US" dirty="0"/>
+              <a:t> la </a:t>
+            </a:r>
+            <a:r>
+              <a:rPr lang="en-US" dirty="0" err="1"/>
+              <a:t>lista</a:t>
+            </a:r>
+            <a:r>
+              <a:rPr lang="en-US" dirty="0"/>
+              <a:t> de </a:t>
+            </a:r>
+            <a:r>
+              <a:rPr lang="en-US" dirty="0" err="1"/>
+              <a:t>argumentos</a:t>
+            </a:r>
+            <a:r>
+              <a:rPr lang="en-US" dirty="0"/>
+              <a:t> de una </a:t>
+            </a:r>
+            <a:r>
+              <a:rPr lang="en-US" dirty="0" err="1"/>
+              <a:t>invocación</a:t>
+            </a:r>
+            <a:r>
+              <a:rPr lang="en-US" dirty="0"/>
+              <a:t> a un </a:t>
+            </a:r>
+            <a:r>
+              <a:rPr lang="en-US" dirty="0" err="1"/>
+              <a:t>método</a:t>
+            </a:r>
+            <a:r>
+              <a:rPr lang="en-US" dirty="0"/>
+              <a:t> que </a:t>
+            </a:r>
+            <a:r>
+              <a:rPr lang="en-US" dirty="0" err="1"/>
+              <a:t>tiene</a:t>
+            </a:r>
+            <a:r>
+              <a:rPr lang="en-US" dirty="0"/>
+              <a:t> </a:t>
+            </a:r>
+            <a:r>
+              <a:rPr lang="en-US" dirty="0" err="1"/>
+              <a:t>parámetros</a:t>
+            </a:r>
+            <a:r>
+              <a:rPr lang="en-US" dirty="0"/>
+              <a:t> out. </a:t>
+            </a:r>
+            <a:r>
+              <a:rPr lang="en-US" dirty="0" err="1"/>
+              <a:t>Esta</a:t>
+            </a:r>
+            <a:r>
+              <a:rPr lang="en-US" dirty="0"/>
+              <a:t> </a:t>
+            </a:r>
+            <a:r>
+              <a:rPr lang="en-US" dirty="0" err="1"/>
+              <a:t>característica</a:t>
+            </a:r>
+            <a:r>
+              <a:rPr lang="en-US" dirty="0"/>
+              <a:t> </a:t>
+            </a:r>
+            <a:r>
+              <a:rPr lang="en-US" dirty="0" err="1"/>
+              <a:t>permite</a:t>
+            </a:r>
+            <a:r>
+              <a:rPr lang="en-US" dirty="0"/>
+              <a:t> que el </a:t>
+            </a:r>
+            <a:r>
+              <a:rPr lang="en-US" dirty="0" err="1"/>
+              <a:t>ejemplo</a:t>
+            </a:r>
+            <a:r>
+              <a:rPr lang="en-US" dirty="0"/>
+              <a:t> anterior se </a:t>
+            </a:r>
+            <a:r>
+              <a:rPr lang="en-US" dirty="0" err="1"/>
+              <a:t>simplifique</a:t>
+            </a:r>
+            <a:r>
+              <a:rPr lang="en-US" dirty="0"/>
+              <a:t> de la </a:t>
+            </a:r>
+            <a:r>
+              <a:rPr lang="en-US" dirty="0" err="1"/>
+              <a:t>siguiente</a:t>
+            </a:r>
+            <a:r>
+              <a:rPr lang="en-US" dirty="0"/>
+              <a:t> </a:t>
+            </a:r>
+            <a:r>
+              <a:rPr lang="en-US" dirty="0" err="1"/>
+              <a:t>manera</a:t>
+            </a:r>
+            <a:r>
+              <a:rPr lang="en-US" dirty="0"/>
+              <a:t>.</a:t>
+            </a:r>
+            <a:endParaRPr lang="en-BO" dirty="0"/>
+          </a:p>
+        </p:txBody>
+      </p:sp>
+      <p:sp>
+        <p:nvSpPr>
+          <p:cNvPr id="4" name="TextBox 3">
+            <a:extLst>
+              <a:ext uri="{FF2B5EF4-FFF2-40B4-BE49-F238E27FC236}">
+                <a16:creationId xmlns:a16="http://schemas.microsoft.com/office/drawing/2014/main" id="{BB5E32F9-9920-E04E-AC79-ECA97FF7EB53}"/>
+              </a:ext>
+            </a:extLst>
+          </p:cNvPr>
+          <p:cNvSpPr txBox="1"/>
+          <p:nvPr/>
+        </p:nvSpPr>
+        <p:spPr>
+          <a:xfrm>
+            <a:off x="3349533" y="3324498"/>
+            <a:ext cx="5492933" cy="2708434"/>
+          </a:xfrm>
+          <a:prstGeom prst="rect">
+            <a:avLst/>
+          </a:prstGeom>
+        </p:spPr>
+        <p:style>
+          <a:lnRef idx="2">
+            <a:schemeClr val="accent1">
+              <a:shade val="50000"/>
+            </a:schemeClr>
+          </a:lnRef>
+          <a:fillRef idx="1">
+            <a:schemeClr val="accent1"/>
+          </a:fillRef>
+          <a:effectRef idx="0">
+            <a:schemeClr val="accent1"/>
+          </a:effectRef>
+          <a:fontRef idx="minor">
+            <a:schemeClr val="lt1"/>
+          </a:fontRef>
+        </p:style>
+        <p:txBody>
+          <a:bodyPr wrap="square" rtlCol="0">
+            <a:spAutoFit/>
+          </a:bodyPr>
+          <a:lstStyle/>
+          <a:p>
+            <a:r>
+              <a:rPr lang="en-US" sz="1000" dirty="0">
+                <a:solidFill>
+                  <a:schemeClr val="bg1">
+                    <a:lumMod val="85000"/>
+                  </a:schemeClr>
+                </a:solidFill>
+              </a:rPr>
+              <a:t>using System; using static </a:t>
+            </a:r>
+            <a:r>
+              <a:rPr lang="en-US" sz="1000" dirty="0" err="1">
+                <a:solidFill>
+                  <a:schemeClr val="bg1">
+                    <a:lumMod val="85000"/>
+                  </a:schemeClr>
+                </a:solidFill>
+              </a:rPr>
+              <a:t>System.Console</a:t>
+            </a:r>
+            <a:r>
+              <a:rPr lang="en-US" sz="1000" dirty="0">
+                <a:solidFill>
+                  <a:schemeClr val="bg1">
+                    <a:lumMod val="85000"/>
+                  </a:schemeClr>
+                </a:solidFill>
+              </a:rPr>
+              <a:t>; namespace Lansoft.CursoCshap8 { static class </a:t>
+            </a:r>
+            <a:r>
+              <a:rPr lang="en-US" sz="1000" dirty="0" err="1">
+                <a:solidFill>
+                  <a:schemeClr val="bg1">
+                    <a:lumMod val="85000"/>
+                  </a:schemeClr>
+                </a:solidFill>
+              </a:rPr>
+              <a:t>Programa</a:t>
+            </a:r>
+            <a:r>
+              <a:rPr lang="en-US" sz="1000" dirty="0">
+                <a:solidFill>
+                  <a:schemeClr val="bg1">
+                    <a:lumMod val="85000"/>
+                  </a:schemeClr>
+                </a:solidFill>
+              </a:rPr>
+              <a:t> { </a:t>
+            </a:r>
+          </a:p>
+          <a:p>
+            <a:endParaRPr lang="en-US" sz="1000" b="1" dirty="0">
+              <a:solidFill>
+                <a:schemeClr val="bg1"/>
+              </a:solidFill>
+            </a:endParaRPr>
+          </a:p>
+          <a:p>
+            <a:r>
+              <a:rPr lang="en-US" b="1" dirty="0"/>
+              <a:t>static void Set(out int </a:t>
+            </a:r>
+            <a:r>
+              <a:rPr lang="en-US" b="1" dirty="0" err="1"/>
+              <a:t>i</a:t>
+            </a:r>
+            <a:r>
+              <a:rPr lang="en-US" b="1" dirty="0"/>
+              <a:t>) { </a:t>
+            </a:r>
+            <a:r>
+              <a:rPr lang="en-US" b="1" dirty="0" err="1"/>
+              <a:t>i</a:t>
+            </a:r>
+            <a:r>
+              <a:rPr lang="en-US" b="1" dirty="0"/>
+              <a:t> = 20; }</a:t>
+            </a:r>
+          </a:p>
+          <a:p>
+            <a:endParaRPr lang="en-US" b="1" dirty="0"/>
+          </a:p>
+          <a:p>
+            <a:r>
+              <a:rPr lang="en-US" b="1" dirty="0"/>
+              <a:t>static void Main()</a:t>
+            </a:r>
+          </a:p>
+          <a:p>
+            <a:r>
+              <a:rPr lang="en-US" b="1" dirty="0"/>
+              <a:t>{</a:t>
+            </a:r>
+          </a:p>
+          <a:p>
+            <a:r>
+              <a:rPr lang="en-US" b="1" dirty="0"/>
+              <a:t>      Set(out int x);		// pass value of x</a:t>
+            </a:r>
+          </a:p>
+          <a:p>
+            <a:r>
+              <a:rPr lang="en-US" b="1" dirty="0"/>
+              <a:t>      Write($</a:t>
+            </a:r>
+            <a:r>
+              <a:rPr lang="en-US" b="1" dirty="0">
+                <a:solidFill>
+                  <a:schemeClr val="bg1"/>
+                </a:solidFill>
+              </a:rPr>
+              <a:t>"</a:t>
+            </a:r>
+            <a:r>
+              <a:rPr lang="en-US" b="1" dirty="0"/>
+              <a:t> x = {x} </a:t>
+            </a:r>
+            <a:r>
+              <a:rPr lang="en-US" b="1" dirty="0">
+                <a:solidFill>
+                  <a:schemeClr val="bg1"/>
+                </a:solidFill>
+              </a:rPr>
+              <a:t>"</a:t>
+            </a:r>
+            <a:r>
+              <a:rPr lang="en-US" b="1" dirty="0"/>
+              <a:t>); 	// x = 20</a:t>
+            </a:r>
+          </a:p>
+          <a:p>
+            <a:r>
+              <a:rPr lang="en-US" b="1" dirty="0"/>
+              <a:t>}</a:t>
+            </a:r>
+            <a:endParaRPr lang="en-US" sz="1400" b="1" dirty="0"/>
+          </a:p>
+          <a:p>
+            <a:r>
+              <a:rPr lang="en-US" sz="1400" b="1" dirty="0">
+                <a:solidFill>
+                  <a:schemeClr val="bg1"/>
+                </a:solidFill>
+              </a:rPr>
+              <a:t> </a:t>
+            </a:r>
+            <a:r>
+              <a:rPr lang="en-US" sz="1000" b="1" dirty="0">
+                <a:solidFill>
+                  <a:schemeClr val="bg1"/>
+                </a:solidFill>
+              </a:rPr>
+              <a:t> </a:t>
+            </a:r>
+            <a:r>
+              <a:rPr lang="en-US" sz="1400" b="1" dirty="0">
+                <a:solidFill>
+                  <a:schemeClr val="bg1"/>
+                </a:solidFill>
+              </a:rPr>
+              <a:t>      </a:t>
+            </a:r>
+          </a:p>
+          <a:p>
+            <a:r>
+              <a:rPr lang="en-US" sz="1000" dirty="0">
+                <a:solidFill>
+                  <a:schemeClr val="bg1">
+                    <a:lumMod val="85000"/>
+                  </a:schemeClr>
+                </a:solidFill>
+              </a:rPr>
+              <a:t>}}</a:t>
+            </a:r>
           </a:p>
         </p:txBody>
       </p:sp>
     </p:spTree>
     <p:extLst>
       <p:ext uri="{BB962C8B-B14F-4D97-AF65-F5344CB8AC3E}">
-        <p14:creationId xmlns:p14="http://schemas.microsoft.com/office/powerpoint/2010/main" val="460735052"/>
+        <p14:creationId xmlns:p14="http://schemas.microsoft.com/office/powerpoint/2010/main" val="4221202844"/>
       </p:ext>
     </p:extLst>
   </p:cSld>

--- a/CSharpQuickReferencia.pptx
+++ b/CSharpQuickReferencia.pptx
@@ -5,7 +5,7 @@
     <p:sldMasterId id="2147483648" r:id="rId1"/>
   </p:sldMasterIdLst>
   <p:notesMasterIdLst>
-    <p:notesMasterId r:id="rId102"/>
+    <p:notesMasterId r:id="rId113"/>
   </p:notesMasterIdLst>
   <p:sldIdLst>
     <p:sldId id="256" r:id="rId2"/>
@@ -108,6 +108,17 @@
     <p:sldId id="358" r:id="rId99"/>
     <p:sldId id="359" r:id="rId100"/>
     <p:sldId id="360" r:id="rId101"/>
+    <p:sldId id="361" r:id="rId102"/>
+    <p:sldId id="362" r:id="rId103"/>
+    <p:sldId id="363" r:id="rId104"/>
+    <p:sldId id="364" r:id="rId105"/>
+    <p:sldId id="365" r:id="rId106"/>
+    <p:sldId id="366" r:id="rId107"/>
+    <p:sldId id="367" r:id="rId108"/>
+    <p:sldId id="368" r:id="rId109"/>
+    <p:sldId id="369" r:id="rId110"/>
+    <p:sldId id="370" r:id="rId111"/>
+    <p:sldId id="371" r:id="rId112"/>
   </p:sldIdLst>
   <p:sldSz cx="12192000" cy="6858000"/>
   <p:notesSz cx="6858000" cy="9144000"/>
@@ -311,6 +322,17 @@
             <p14:sldId id="358"/>
             <p14:sldId id="359"/>
             <p14:sldId id="360"/>
+            <p14:sldId id="361"/>
+            <p14:sldId id="362"/>
+            <p14:sldId id="363"/>
+            <p14:sldId id="364"/>
+            <p14:sldId id="365"/>
+            <p14:sldId id="366"/>
+            <p14:sldId id="367"/>
+            <p14:sldId id="368"/>
+            <p14:sldId id="369"/>
+            <p14:sldId id="370"/>
+            <p14:sldId id="371"/>
           </p14:sldIdLst>
         </p14:section>
       </p14:sectionLst>
@@ -404,7 +426,7 @@
           <a:p>
             <a:fld id="{62B1E310-8366-2740-B701-834CA158AAE3}" type="datetimeFigureOut">
               <a:rPr lang="en-BO" smtClean="0"/>
-              <a:t>4/28/20</a:t>
+              <a:t>4/29/20</a:t>
             </a:fld>
             <a:endParaRPr lang="en-BO"/>
           </a:p>
@@ -1858,6 +1880,90 @@
 </p:notes>
 </file>
 
+<file path=ppt/notesSlides/notesSlide22.xml><?xml version="1.0" encoding="utf-8"?>
+<p:notes xmlns:a="http://schemas.openxmlformats.org/drawingml/2006/main" xmlns:r="http://schemas.openxmlformats.org/officeDocument/2006/relationships" xmlns:p="http://schemas.openxmlformats.org/presentationml/2006/main">
+  <p:cSld>
+    <p:spTree>
+      <p:nvGrpSpPr>
+        <p:cNvPr id="1" name=""/>
+        <p:cNvGrpSpPr/>
+        <p:nvPr/>
+      </p:nvGrpSpPr>
+      <p:grpSpPr>
+        <a:xfrm>
+          <a:off x="0" y="0"/>
+          <a:ext cx="0" cy="0"/>
+          <a:chOff x="0" y="0"/>
+          <a:chExt cx="0" cy="0"/>
+        </a:xfrm>
+      </p:grpSpPr>
+      <p:sp>
+        <p:nvSpPr>
+          <p:cNvPr id="2" name="Slide Image Placeholder 1"/>
+          <p:cNvSpPr>
+            <a:spLocks noGrp="1" noRot="1" noChangeAspect="1"/>
+          </p:cNvSpPr>
+          <p:nvPr>
+            <p:ph type="sldImg"/>
+          </p:nvPr>
+        </p:nvSpPr>
+        <p:spPr/>
+      </p:sp>
+      <p:sp>
+        <p:nvSpPr>
+          <p:cNvPr id="3" name="Notes Placeholder 2"/>
+          <p:cNvSpPr>
+            <a:spLocks noGrp="1"/>
+          </p:cNvSpPr>
+          <p:nvPr>
+            <p:ph type="body" idx="1"/>
+          </p:nvPr>
+        </p:nvSpPr>
+        <p:spPr/>
+        <p:txBody>
+          <a:bodyPr/>
+          <a:lstStyle/>
+          <a:p>
+            <a:endParaRPr lang="en-BO" dirty="0"/>
+          </a:p>
+        </p:txBody>
+      </p:sp>
+      <p:sp>
+        <p:nvSpPr>
+          <p:cNvPr id="4" name="Slide Number Placeholder 3"/>
+          <p:cNvSpPr>
+            <a:spLocks noGrp="1"/>
+          </p:cNvSpPr>
+          <p:nvPr>
+            <p:ph type="sldNum" sz="quarter" idx="5"/>
+          </p:nvPr>
+        </p:nvSpPr>
+        <p:spPr/>
+        <p:txBody>
+          <a:bodyPr/>
+          <a:lstStyle/>
+          <a:p>
+            <a:fld id="{38D62FAD-41FB-114C-973F-4611EED3A6D2}" type="slidenum">
+              <a:rPr lang="en-BO" smtClean="0"/>
+              <a:t>107</a:t>
+            </a:fld>
+            <a:endParaRPr lang="en-BO"/>
+          </a:p>
+        </p:txBody>
+      </p:sp>
+    </p:spTree>
+    <p:extLst>
+      <p:ext uri="{BB962C8B-B14F-4D97-AF65-F5344CB8AC3E}">
+        <p14:creationId xmlns:p14="http://schemas.microsoft.com/office/powerpoint/2010/main" val="4225532819"/>
+      </p:ext>
+    </p:extLst>
+  </p:cSld>
+  <p:clrMapOvr>
+    <a:masterClrMapping/>
+  </p:clrMapOvr>
+</p:notes>
+</file>
+
 <file path=ppt/notesSlides/notesSlide3.xml><?xml version="1.0" encoding="utf-8"?>
 <p:notes xmlns:a="http://schemas.openxmlformats.org/drawingml/2006/main" xmlns:r="http://schemas.openxmlformats.org/officeDocument/2006/relationships" xmlns:p="http://schemas.openxmlformats.org/presentationml/2006/main">
   <p:cSld>
@@ -2608,7 +2714,7 @@
           <a:p>
             <a:fld id="{2D504DAD-788E-6544-B152-D66250FE087A}" type="datetimeFigureOut">
               <a:rPr lang="en-BO" smtClean="0"/>
-              <a:t>4/28/20</a:t>
+              <a:t>4/29/20</a:t>
             </a:fld>
             <a:endParaRPr lang="en-BO"/>
           </a:p>
@@ -2808,7 +2914,7 @@
           <a:p>
             <a:fld id="{2D504DAD-788E-6544-B152-D66250FE087A}" type="datetimeFigureOut">
               <a:rPr lang="en-BO" smtClean="0"/>
-              <a:t>4/28/20</a:t>
+              <a:t>4/29/20</a:t>
             </a:fld>
             <a:endParaRPr lang="en-BO"/>
           </a:p>
@@ -3018,7 +3124,7 @@
           <a:p>
             <a:fld id="{2D504DAD-788E-6544-B152-D66250FE087A}" type="datetimeFigureOut">
               <a:rPr lang="en-BO" smtClean="0"/>
-              <a:t>4/28/20</a:t>
+              <a:t>4/29/20</a:t>
             </a:fld>
             <a:endParaRPr lang="en-BO"/>
           </a:p>
@@ -3218,7 +3324,7 @@
           <a:p>
             <a:fld id="{2D504DAD-788E-6544-B152-D66250FE087A}" type="datetimeFigureOut">
               <a:rPr lang="en-BO" smtClean="0"/>
-              <a:t>4/28/20</a:t>
+              <a:t>4/29/20</a:t>
             </a:fld>
             <a:endParaRPr lang="en-BO"/>
           </a:p>
@@ -3494,7 +3600,7 @@
           <a:p>
             <a:fld id="{2D504DAD-788E-6544-B152-D66250FE087A}" type="datetimeFigureOut">
               <a:rPr lang="en-BO" smtClean="0"/>
-              <a:t>4/28/20</a:t>
+              <a:t>4/29/20</a:t>
             </a:fld>
             <a:endParaRPr lang="en-BO"/>
           </a:p>
@@ -3762,7 +3868,7 @@
           <a:p>
             <a:fld id="{2D504DAD-788E-6544-B152-D66250FE087A}" type="datetimeFigureOut">
               <a:rPr lang="en-BO" smtClean="0"/>
-              <a:t>4/28/20</a:t>
+              <a:t>4/29/20</a:t>
             </a:fld>
             <a:endParaRPr lang="en-BO"/>
           </a:p>
@@ -4177,7 +4283,7 @@
           <a:p>
             <a:fld id="{2D504DAD-788E-6544-B152-D66250FE087A}" type="datetimeFigureOut">
               <a:rPr lang="en-BO" smtClean="0"/>
-              <a:t>4/28/20</a:t>
+              <a:t>4/29/20</a:t>
             </a:fld>
             <a:endParaRPr lang="en-BO"/>
           </a:p>
@@ -4319,7 +4425,7 @@
           <a:p>
             <a:fld id="{2D504DAD-788E-6544-B152-D66250FE087A}" type="datetimeFigureOut">
               <a:rPr lang="en-BO" smtClean="0"/>
-              <a:t>4/28/20</a:t>
+              <a:t>4/29/20</a:t>
             </a:fld>
             <a:endParaRPr lang="en-BO"/>
           </a:p>
@@ -4432,7 +4538,7 @@
           <a:p>
             <a:fld id="{2D504DAD-788E-6544-B152-D66250FE087A}" type="datetimeFigureOut">
               <a:rPr lang="en-BO" smtClean="0"/>
-              <a:t>4/28/20</a:t>
+              <a:t>4/29/20</a:t>
             </a:fld>
             <a:endParaRPr lang="en-BO"/>
           </a:p>
@@ -4745,7 +4851,7 @@
           <a:p>
             <a:fld id="{2D504DAD-788E-6544-B152-D66250FE087A}" type="datetimeFigureOut">
               <a:rPr lang="en-BO" smtClean="0"/>
-              <a:t>4/28/20</a:t>
+              <a:t>4/29/20</a:t>
             </a:fld>
             <a:endParaRPr lang="en-BO"/>
           </a:p>
@@ -5034,7 +5140,7 @@
           <a:p>
             <a:fld id="{2D504DAD-788E-6544-B152-D66250FE087A}" type="datetimeFigureOut">
               <a:rPr lang="en-BO" smtClean="0"/>
-              <a:t>4/28/20</a:t>
+              <a:t>4/29/20</a:t>
             </a:fld>
             <a:endParaRPr lang="en-BO"/>
           </a:p>
@@ -5277,7 +5383,7 @@
           <a:p>
             <a:fld id="{2D504DAD-788E-6544-B152-D66250FE087A}" type="datetimeFigureOut">
               <a:rPr lang="en-BO" smtClean="0"/>
-              <a:t>4/28/20</a:t>
+              <a:t>4/29/20</a:t>
             </a:fld>
             <a:endParaRPr lang="en-BO"/>
           </a:p>
@@ -7017,6 +7123,6957 @@
 </p:sld>
 </file>
 
+<file path=ppt/slides/slide101.xml><?xml version="1.0" encoding="utf-8"?>
+<p:sld xmlns:a="http://schemas.openxmlformats.org/drawingml/2006/main" xmlns:r="http://schemas.openxmlformats.org/officeDocument/2006/relationships" xmlns:p="http://schemas.openxmlformats.org/presentationml/2006/main">
+  <p:cSld>
+    <p:spTree>
+      <p:nvGrpSpPr>
+        <p:cNvPr id="1" name=""/>
+        <p:cNvGrpSpPr/>
+        <p:nvPr/>
+      </p:nvGrpSpPr>
+      <p:grpSpPr>
+        <a:xfrm>
+          <a:off x="0" y="0"/>
+          <a:ext cx="0" cy="0"/>
+          <a:chOff x="0" y="0"/>
+          <a:chExt cx="0" cy="0"/>
+        </a:xfrm>
+      </p:grpSpPr>
+      <p:sp>
+        <p:nvSpPr>
+          <p:cNvPr id="2" name="Title 1">
+            <a:extLst>
+              <a:ext uri="{FF2B5EF4-FFF2-40B4-BE49-F238E27FC236}">
+                <a16:creationId xmlns:a16="http://schemas.microsoft.com/office/drawing/2014/main" id="{49DD2E8F-A8D0-BF48-B442-22FA8FC16172}"/>
+              </a:ext>
+            </a:extLst>
+          </p:cNvPr>
+          <p:cNvSpPr>
+            <a:spLocks noGrp="1"/>
+          </p:cNvSpPr>
+          <p:nvPr>
+            <p:ph type="title"/>
+          </p:nvPr>
+        </p:nvSpPr>
+        <p:spPr/>
+        <p:txBody>
+          <a:bodyPr/>
+          <a:lstStyle/>
+          <a:p>
+            <a:r>
+              <a:rPr lang="en-BO" dirty="0"/>
+              <a:t>Capítulo 7</a:t>
+            </a:r>
+          </a:p>
+        </p:txBody>
+      </p:sp>
+      <p:sp>
+        <p:nvSpPr>
+          <p:cNvPr id="3" name="Content Placeholder 2">
+            <a:extLst>
+              <a:ext uri="{FF2B5EF4-FFF2-40B4-BE49-F238E27FC236}">
+                <a16:creationId xmlns:a16="http://schemas.microsoft.com/office/drawing/2014/main" id="{B93BFCB3-DE49-D449-8DE1-41CAE7C46C32}"/>
+              </a:ext>
+            </a:extLst>
+          </p:cNvPr>
+          <p:cNvSpPr>
+            <a:spLocks noGrp="1"/>
+          </p:cNvSpPr>
+          <p:nvPr>
+            <p:ph idx="1"/>
+          </p:nvPr>
+        </p:nvSpPr>
+        <p:spPr/>
+        <p:txBody>
+          <a:bodyPr/>
+          <a:lstStyle/>
+          <a:p>
+            <a:pPr marL="0" indent="0">
+              <a:buNone/>
+            </a:pPr>
+            <a:r>
+              <a:rPr lang="en-BO" sz="3600" b="1" dirty="0"/>
+              <a:t>Clases</a:t>
+            </a:r>
+          </a:p>
+          <a:p>
+            <a:pPr marL="0" indent="0">
+              <a:buNone/>
+            </a:pPr>
+            <a:endParaRPr lang="en-BO" sz="3600" b="1" dirty="0"/>
+          </a:p>
+          <a:p>
+            <a:pPr marL="0" indent="0">
+              <a:buNone/>
+            </a:pPr>
+            <a:r>
+              <a:rPr lang="en-US" dirty="0"/>
+              <a:t>C # es un </a:t>
+            </a:r>
+            <a:r>
+              <a:rPr lang="en-US" dirty="0" err="1"/>
+              <a:t>lenguaje</a:t>
+            </a:r>
+            <a:r>
+              <a:rPr lang="en-US" dirty="0"/>
+              <a:t> </a:t>
+            </a:r>
+            <a:r>
+              <a:rPr lang="en-US" dirty="0" err="1"/>
+              <a:t>Orientada</a:t>
+            </a:r>
+            <a:r>
+              <a:rPr lang="en-US" dirty="0"/>
+              <a:t> a </a:t>
+            </a:r>
+            <a:r>
+              <a:rPr lang="en-US" dirty="0" err="1"/>
+              <a:t>Objetos</a:t>
+            </a:r>
+            <a:r>
+              <a:rPr lang="en-US" dirty="0"/>
+              <a:t> (OOP).</a:t>
+            </a:r>
+          </a:p>
+          <a:p>
+            <a:pPr marL="0" indent="0">
+              <a:buNone/>
+            </a:pPr>
+            <a:r>
+              <a:rPr lang="en-US" dirty="0"/>
+              <a:t>El </a:t>
+            </a:r>
+            <a:r>
+              <a:rPr lang="en-US" dirty="0" err="1"/>
+              <a:t>concepto</a:t>
+            </a:r>
+            <a:r>
+              <a:rPr lang="en-US" dirty="0"/>
+              <a:t> clave de  OOP es el de </a:t>
+            </a:r>
+            <a:r>
+              <a:rPr lang="en-US" dirty="0" err="1"/>
+              <a:t>clase</a:t>
+            </a:r>
+            <a:r>
+              <a:rPr lang="en-US" dirty="0"/>
+              <a:t> (class).</a:t>
+            </a:r>
+            <a:endParaRPr lang="en-BO" dirty="0"/>
+          </a:p>
+        </p:txBody>
+      </p:sp>
+    </p:spTree>
+    <p:extLst>
+      <p:ext uri="{BB962C8B-B14F-4D97-AF65-F5344CB8AC3E}">
+        <p14:creationId xmlns:p14="http://schemas.microsoft.com/office/powerpoint/2010/main" val="3249216432"/>
+      </p:ext>
+    </p:extLst>
+  </p:cSld>
+  <p:clrMapOvr>
+    <a:masterClrMapping/>
+  </p:clrMapOvr>
+</p:sld>
+</file>
+
+<file path=ppt/slides/slide102.xml><?xml version="1.0" encoding="utf-8"?>
+<p:sld xmlns:a="http://schemas.openxmlformats.org/drawingml/2006/main" xmlns:r="http://schemas.openxmlformats.org/officeDocument/2006/relationships" xmlns:p="http://schemas.openxmlformats.org/presentationml/2006/main">
+  <p:cSld>
+    <p:spTree>
+      <p:nvGrpSpPr>
+        <p:cNvPr id="1" name=""/>
+        <p:cNvGrpSpPr/>
+        <p:nvPr/>
+      </p:nvGrpSpPr>
+      <p:grpSpPr>
+        <a:xfrm>
+          <a:off x="0" y="0"/>
+          <a:ext cx="0" cy="0"/>
+          <a:chOff x="0" y="0"/>
+          <a:chExt cx="0" cy="0"/>
+        </a:xfrm>
+      </p:grpSpPr>
+      <p:sp>
+        <p:nvSpPr>
+          <p:cNvPr id="2" name="Title 1">
+            <a:extLst>
+              <a:ext uri="{FF2B5EF4-FFF2-40B4-BE49-F238E27FC236}">
+                <a16:creationId xmlns:a16="http://schemas.microsoft.com/office/drawing/2014/main" id="{C03B40A9-ECF3-D54A-AC4B-D6244A0C61D1}"/>
+              </a:ext>
+            </a:extLst>
+          </p:cNvPr>
+          <p:cNvSpPr>
+            <a:spLocks noGrp="1"/>
+          </p:cNvSpPr>
+          <p:nvPr>
+            <p:ph type="title"/>
+          </p:nvPr>
+        </p:nvSpPr>
+        <p:spPr/>
+        <p:txBody>
+          <a:bodyPr/>
+          <a:lstStyle/>
+          <a:p>
+            <a:r>
+              <a:rPr lang="en-BO" dirty="0"/>
+              <a:t>Clase de instancia y objeto</a:t>
+            </a:r>
+          </a:p>
+        </p:txBody>
+      </p:sp>
+      <p:sp>
+        <p:nvSpPr>
+          <p:cNvPr id="3" name="Content Placeholder 2">
+            <a:extLst>
+              <a:ext uri="{FF2B5EF4-FFF2-40B4-BE49-F238E27FC236}">
+                <a16:creationId xmlns:a16="http://schemas.microsoft.com/office/drawing/2014/main" id="{C721EE91-E404-AA42-863E-C415EA63BF7C}"/>
+              </a:ext>
+            </a:extLst>
+          </p:cNvPr>
+          <p:cNvSpPr>
+            <a:spLocks noGrp="1"/>
+          </p:cNvSpPr>
+          <p:nvPr>
+            <p:ph idx="1"/>
+          </p:nvPr>
+        </p:nvSpPr>
+        <p:spPr>
+          <a:xfrm>
+            <a:off x="6635930" y="1784152"/>
+            <a:ext cx="4717869" cy="4678204"/>
+          </a:xfrm>
+        </p:spPr>
+        <p:style>
+          <a:lnRef idx="1">
+            <a:schemeClr val="accent5"/>
+          </a:lnRef>
+          <a:fillRef idx="2">
+            <a:schemeClr val="accent5"/>
+          </a:fillRef>
+          <a:effectRef idx="1">
+            <a:schemeClr val="accent5"/>
+          </a:effectRef>
+          <a:fontRef idx="minor">
+            <a:schemeClr val="dk1"/>
+          </a:fontRef>
+        </p:style>
+        <p:txBody>
+          <a:bodyPr>
+            <a:normAutofit lnSpcReduction="10000"/>
+          </a:bodyPr>
+          <a:lstStyle/>
+          <a:p>
+            <a:pPr marL="0" indent="0">
+              <a:buNone/>
+            </a:pPr>
+            <a:r>
+              <a:rPr lang="en-US" sz="1800" dirty="0"/>
+              <a:t>Una </a:t>
+            </a:r>
+            <a:r>
+              <a:rPr lang="en-US" sz="1800" dirty="0" err="1"/>
+              <a:t>clase</a:t>
+            </a:r>
+            <a:r>
+              <a:rPr lang="en-US" sz="1800" dirty="0"/>
+              <a:t> de </a:t>
+            </a:r>
+            <a:r>
+              <a:rPr lang="en-US" sz="1800" dirty="0" err="1"/>
+              <a:t>instancia</a:t>
+            </a:r>
+            <a:r>
+              <a:rPr lang="en-US" sz="1800" dirty="0"/>
+              <a:t> (</a:t>
+            </a:r>
+            <a:r>
+              <a:rPr lang="en-US" sz="1800" b="1" dirty="0"/>
+              <a:t>class</a:t>
+            </a:r>
+            <a:r>
+              <a:rPr lang="en-US" sz="1800" dirty="0"/>
+              <a:t>) es una </a:t>
+            </a:r>
+            <a:r>
+              <a:rPr lang="en-US" sz="1800" dirty="0" err="1"/>
+              <a:t>plantilla</a:t>
+            </a:r>
+            <a:r>
+              <a:rPr lang="en-US" sz="1800" dirty="0"/>
+              <a:t> </a:t>
+            </a:r>
+            <a:r>
+              <a:rPr lang="en-US" sz="1800" dirty="0" err="1"/>
+              <a:t>creada</a:t>
+            </a:r>
+            <a:r>
+              <a:rPr lang="en-US" sz="1800" dirty="0"/>
+              <a:t> para </a:t>
+            </a:r>
+            <a:r>
+              <a:rPr lang="en-US" sz="1800" dirty="0" err="1"/>
+              <a:t>crear</a:t>
+            </a:r>
+            <a:r>
+              <a:rPr lang="en-US" sz="1800" dirty="0"/>
+              <a:t> </a:t>
+            </a:r>
+            <a:r>
+              <a:rPr lang="en-US" sz="1800" dirty="0" err="1"/>
+              <a:t>objetos</a:t>
+            </a:r>
+            <a:r>
+              <a:rPr lang="en-US" sz="1800" dirty="0"/>
+              <a:t> con una </a:t>
+            </a:r>
+            <a:r>
+              <a:rPr lang="en-US" sz="1800" dirty="0" err="1"/>
+              <a:t>cierta</a:t>
+            </a:r>
+            <a:r>
+              <a:rPr lang="en-US" sz="1800" dirty="0"/>
+              <a:t> </a:t>
+            </a:r>
+            <a:r>
+              <a:rPr lang="en-US" sz="1800" dirty="0" err="1"/>
+              <a:t>característica</a:t>
+            </a:r>
+            <a:r>
+              <a:rPr lang="en-US" sz="1800" dirty="0"/>
+              <a:t>. </a:t>
+            </a:r>
+            <a:r>
+              <a:rPr lang="en-US" sz="1800" dirty="0" err="1"/>
+              <a:t>Están</a:t>
+            </a:r>
+            <a:r>
+              <a:rPr lang="en-US" sz="1800" dirty="0"/>
+              <a:t> </a:t>
+            </a:r>
+            <a:r>
+              <a:rPr lang="en-US" sz="1800" dirty="0" err="1"/>
+              <a:t>formados</a:t>
+            </a:r>
+            <a:r>
+              <a:rPr lang="en-US" sz="1800" dirty="0"/>
+              <a:t> por </a:t>
+            </a:r>
+            <a:r>
+              <a:rPr lang="en-US" sz="1800" dirty="0" err="1"/>
+              <a:t>miembros</a:t>
+            </a:r>
+            <a:r>
+              <a:rPr lang="en-US" sz="1800" dirty="0"/>
+              <a:t> de </a:t>
+            </a:r>
+            <a:r>
+              <a:rPr lang="en-US" sz="1800" dirty="0" err="1"/>
+              <a:t>distintos</a:t>
+            </a:r>
+            <a:r>
+              <a:rPr lang="en-US" sz="1800" dirty="0"/>
+              <a:t> “</a:t>
+            </a:r>
+            <a:r>
+              <a:rPr lang="en-US" sz="1800" dirty="0" err="1"/>
+              <a:t>tipos</a:t>
+            </a:r>
+            <a:r>
+              <a:rPr lang="en-US" sz="1800" dirty="0"/>
+              <a:t>”. Los dos </a:t>
+            </a:r>
+            <a:r>
+              <a:rPr lang="en-US" sz="1800" dirty="0" err="1"/>
+              <a:t>miembros</a:t>
+            </a:r>
+            <a:r>
+              <a:rPr lang="en-US" sz="1800" dirty="0"/>
+              <a:t> </a:t>
+            </a:r>
+            <a:r>
+              <a:rPr lang="en-US" sz="1800" dirty="0" err="1"/>
+              <a:t>principales</a:t>
+            </a:r>
+            <a:r>
+              <a:rPr lang="en-US" sz="1800" dirty="0"/>
+              <a:t> son los </a:t>
+            </a:r>
+            <a:r>
+              <a:rPr lang="en-US" sz="1800" dirty="0" err="1"/>
+              <a:t>campos</a:t>
+            </a:r>
+            <a:r>
+              <a:rPr lang="en-US" sz="1800" dirty="0"/>
+              <a:t> y los </a:t>
+            </a:r>
+            <a:r>
+              <a:rPr lang="en-US" sz="1800" dirty="0" err="1"/>
+              <a:t>métodos</a:t>
+            </a:r>
+            <a:r>
+              <a:rPr lang="en-US" sz="1800" dirty="0"/>
+              <a:t>.</a:t>
+            </a:r>
+          </a:p>
+          <a:p>
+            <a:pPr marL="0" indent="0">
+              <a:buNone/>
+            </a:pPr>
+            <a:r>
+              <a:rPr lang="en-US" sz="1800" dirty="0"/>
+              <a:t> </a:t>
+            </a:r>
+            <a:endParaRPr lang="en-US" sz="1100" dirty="0"/>
+          </a:p>
+          <a:p>
+            <a:pPr marL="0" indent="0">
+              <a:buNone/>
+            </a:pPr>
+            <a:r>
+              <a:rPr lang="en-US" sz="1800" dirty="0"/>
+              <a:t>Los </a:t>
+            </a:r>
+            <a:r>
+              <a:rPr lang="en-US" sz="1800" dirty="0" err="1"/>
+              <a:t>campos</a:t>
+            </a:r>
+            <a:r>
+              <a:rPr lang="en-US" sz="1800" dirty="0"/>
+              <a:t> son las </a:t>
+            </a:r>
+            <a:r>
+              <a:rPr lang="en-US" sz="1800" b="1" dirty="0"/>
+              <a:t>variables</a:t>
+            </a:r>
+            <a:r>
+              <a:rPr lang="en-US" sz="1800" dirty="0"/>
+              <a:t> (los </a:t>
+            </a:r>
+            <a:r>
+              <a:rPr lang="en-US" sz="1800" dirty="0" err="1"/>
+              <a:t>datos</a:t>
+            </a:r>
+            <a:r>
+              <a:rPr lang="en-US" sz="1800" dirty="0"/>
+              <a:t>) que </a:t>
+            </a:r>
+            <a:r>
+              <a:rPr lang="en-US" sz="1800" dirty="0" err="1"/>
+              <a:t>representan</a:t>
+            </a:r>
+            <a:r>
+              <a:rPr lang="en-US" sz="1800" dirty="0"/>
+              <a:t> el </a:t>
+            </a:r>
+            <a:r>
+              <a:rPr lang="en-US" sz="1800" dirty="0" err="1"/>
+              <a:t>estado</a:t>
+            </a:r>
+            <a:r>
+              <a:rPr lang="en-US" sz="1800" dirty="0"/>
+              <a:t> del </a:t>
+            </a:r>
+            <a:r>
+              <a:rPr lang="en-US" sz="1800" dirty="0" err="1"/>
+              <a:t>objeto</a:t>
+            </a:r>
+            <a:r>
+              <a:rPr lang="en-US" sz="1800" dirty="0"/>
+              <a:t>.</a:t>
+            </a:r>
+          </a:p>
+          <a:p>
+            <a:pPr marL="0" indent="0">
+              <a:buNone/>
+            </a:pPr>
+            <a:endParaRPr lang="en-US" sz="1800" dirty="0"/>
+          </a:p>
+          <a:p>
+            <a:pPr marL="0" indent="0">
+              <a:buNone/>
+            </a:pPr>
+            <a:r>
+              <a:rPr lang="en-US" sz="1800" dirty="0" err="1"/>
+              <a:t>Mientras</a:t>
+            </a:r>
+            <a:r>
+              <a:rPr lang="en-US" sz="1800" dirty="0"/>
+              <a:t> que los </a:t>
+            </a:r>
+            <a:r>
+              <a:rPr lang="en-US" sz="1800" dirty="0" err="1"/>
+              <a:t>métodos</a:t>
+            </a:r>
+            <a:r>
+              <a:rPr lang="en-US" sz="1800" dirty="0"/>
+              <a:t> son las </a:t>
+            </a:r>
+            <a:r>
+              <a:rPr lang="en-US" sz="1800" b="1" dirty="0" err="1"/>
+              <a:t>funciones</a:t>
+            </a:r>
+            <a:r>
+              <a:rPr lang="en-US" sz="1800" dirty="0"/>
+              <a:t> que </a:t>
+            </a:r>
+            <a:r>
+              <a:rPr lang="en-US" sz="1800" dirty="0" err="1"/>
+              <a:t>definen</a:t>
+            </a:r>
+            <a:r>
+              <a:rPr lang="en-US" sz="1800" dirty="0"/>
+              <a:t> lo que el </a:t>
+            </a:r>
+            <a:r>
+              <a:rPr lang="en-US" sz="1800" dirty="0" err="1"/>
+              <a:t>objeto</a:t>
+            </a:r>
+            <a:r>
+              <a:rPr lang="en-US" sz="1800" dirty="0"/>
+              <a:t> </a:t>
+            </a:r>
+            <a:r>
+              <a:rPr lang="en-US" sz="1800" dirty="0" err="1"/>
+              <a:t>puede</a:t>
+            </a:r>
+            <a:r>
+              <a:rPr lang="en-US" sz="1800" dirty="0"/>
+              <a:t> </a:t>
+            </a:r>
+            <a:r>
+              <a:rPr lang="en-US" sz="1800" dirty="0" err="1"/>
+              <a:t>hacer</a:t>
+            </a:r>
+            <a:r>
+              <a:rPr lang="en-US" sz="1800" dirty="0"/>
+              <a:t>.</a:t>
+            </a:r>
+          </a:p>
+          <a:p>
+            <a:pPr marL="0" indent="0">
+              <a:buNone/>
+            </a:pPr>
+            <a:endParaRPr lang="en-US" sz="1800" dirty="0"/>
+          </a:p>
+          <a:p>
+            <a:pPr marL="0" indent="0">
+              <a:buNone/>
+            </a:pPr>
+            <a:r>
+              <a:rPr lang="en-US" sz="1800" dirty="0"/>
+              <a:t>Como Podemos </a:t>
+            </a:r>
+            <a:r>
+              <a:rPr lang="en-US" sz="1800" dirty="0" err="1"/>
+              <a:t>ver</a:t>
+            </a:r>
+            <a:r>
+              <a:rPr lang="en-US" sz="1800" dirty="0"/>
+              <a:t> la </a:t>
+            </a:r>
+            <a:r>
+              <a:rPr lang="en-US" sz="1800" dirty="0" err="1"/>
+              <a:t>clase</a:t>
+            </a:r>
+            <a:r>
+              <a:rPr lang="en-US" sz="1800" dirty="0"/>
+              <a:t> </a:t>
+            </a:r>
+            <a:r>
+              <a:rPr lang="en-US" sz="1800" dirty="0" err="1"/>
+              <a:t>rectángulo</a:t>
+            </a:r>
+            <a:r>
+              <a:rPr lang="en-US" sz="1800" dirty="0"/>
+              <a:t> </a:t>
+            </a:r>
+            <a:r>
+              <a:rPr lang="en-US" sz="1800" dirty="0" err="1"/>
+              <a:t>en</a:t>
+            </a:r>
+            <a:r>
+              <a:rPr lang="en-US" sz="1800" dirty="0"/>
+              <a:t> el </a:t>
+            </a:r>
+            <a:r>
+              <a:rPr lang="en-US" sz="1800" dirty="0" err="1"/>
+              <a:t>ejemplo</a:t>
+            </a:r>
+            <a:r>
+              <a:rPr lang="en-US" sz="1800" dirty="0"/>
+              <a:t>, que </a:t>
+            </a:r>
+            <a:r>
+              <a:rPr lang="en-US" sz="1800" dirty="0" err="1"/>
+              <a:t>permite</a:t>
+            </a:r>
+            <a:r>
+              <a:rPr lang="en-US" sz="1800" dirty="0"/>
+              <a:t> </a:t>
+            </a:r>
+            <a:r>
+              <a:rPr lang="en-US" sz="1800" dirty="0" err="1"/>
+              <a:t>crear</a:t>
+            </a:r>
+            <a:r>
+              <a:rPr lang="en-US" sz="1800" dirty="0"/>
+              <a:t> </a:t>
+            </a:r>
+            <a:r>
+              <a:rPr lang="en-US" sz="1800" dirty="0" err="1"/>
+              <a:t>objetos</a:t>
+            </a:r>
+            <a:r>
+              <a:rPr lang="en-US" sz="1800" dirty="0"/>
+              <a:t> ”</a:t>
+            </a:r>
+            <a:r>
+              <a:rPr lang="en-US" sz="1800" dirty="0" err="1"/>
+              <a:t>rectángulos</a:t>
+            </a:r>
+            <a:r>
+              <a:rPr lang="en-US" sz="1800" dirty="0"/>
+              <a:t>” que </a:t>
+            </a:r>
+            <a:r>
+              <a:rPr lang="en-US" sz="1800" dirty="0" err="1"/>
+              <a:t>almacenan</a:t>
+            </a:r>
+            <a:r>
+              <a:rPr lang="en-US" sz="1800" dirty="0"/>
+              <a:t> sus </a:t>
+            </a:r>
+            <a:r>
+              <a:rPr lang="en-US" sz="1800" dirty="0" err="1"/>
+              <a:t>dimensiones</a:t>
+            </a:r>
+            <a:r>
+              <a:rPr lang="en-US" sz="1800" dirty="0"/>
+              <a:t> (</a:t>
+            </a:r>
+            <a:r>
+              <a:rPr lang="en-US" sz="1800" dirty="0" err="1"/>
+              <a:t>datos</a:t>
+            </a:r>
+            <a:r>
+              <a:rPr lang="en-US" sz="1800" dirty="0"/>
+              <a:t>) y </a:t>
+            </a:r>
+            <a:r>
+              <a:rPr lang="en-US" sz="1800" dirty="0" err="1"/>
+              <a:t>calculan</a:t>
+            </a:r>
+            <a:r>
+              <a:rPr lang="en-US" sz="1800" dirty="0"/>
+              <a:t> (</a:t>
+            </a:r>
+            <a:r>
+              <a:rPr lang="en-US" sz="1800" dirty="0" err="1"/>
+              <a:t>funciones</a:t>
+            </a:r>
+            <a:r>
+              <a:rPr lang="en-US" sz="1800" dirty="0"/>
+              <a:t>) sus </a:t>
+            </a:r>
+            <a:r>
+              <a:rPr lang="en-US" sz="1800" dirty="0" err="1"/>
+              <a:t>áreas</a:t>
+            </a:r>
+            <a:endParaRPr lang="en-US" sz="1800" dirty="0"/>
+          </a:p>
+          <a:p>
+            <a:pPr marL="0" indent="0">
+              <a:buNone/>
+            </a:pPr>
+            <a:endParaRPr lang="en-BO" sz="1800" dirty="0"/>
+          </a:p>
+        </p:txBody>
+      </p:sp>
+      <p:sp>
+        <p:nvSpPr>
+          <p:cNvPr id="4" name="TextBox 3">
+            <a:extLst>
+              <a:ext uri="{FF2B5EF4-FFF2-40B4-BE49-F238E27FC236}">
+                <a16:creationId xmlns:a16="http://schemas.microsoft.com/office/drawing/2014/main" id="{BD84E8A8-DCCC-F64A-9E50-EE093FEE25EE}"/>
+              </a:ext>
+            </a:extLst>
+          </p:cNvPr>
+          <p:cNvSpPr txBox="1"/>
+          <p:nvPr/>
+        </p:nvSpPr>
+        <p:spPr>
+          <a:xfrm>
+            <a:off x="838201" y="1775443"/>
+            <a:ext cx="4892040" cy="4678204"/>
+          </a:xfrm>
+          <a:prstGeom prst="rect">
+            <a:avLst/>
+          </a:prstGeom>
+        </p:spPr>
+        <p:style>
+          <a:lnRef idx="2">
+            <a:schemeClr val="accent1">
+              <a:shade val="50000"/>
+            </a:schemeClr>
+          </a:lnRef>
+          <a:fillRef idx="1">
+            <a:schemeClr val="accent1"/>
+          </a:fillRef>
+          <a:effectRef idx="0">
+            <a:schemeClr val="accent1"/>
+          </a:effectRef>
+          <a:fontRef idx="minor">
+            <a:schemeClr val="lt1"/>
+          </a:fontRef>
+        </p:style>
+        <p:txBody>
+          <a:bodyPr wrap="square" rtlCol="0">
+            <a:spAutoFit/>
+          </a:bodyPr>
+          <a:lstStyle/>
+          <a:p>
+            <a:r>
+              <a:rPr lang="en-US" sz="1000" dirty="0">
+                <a:solidFill>
+                  <a:schemeClr val="bg1">
+                    <a:lumMod val="85000"/>
+                  </a:schemeClr>
+                </a:solidFill>
+              </a:rPr>
+              <a:t>using System; using static </a:t>
+            </a:r>
+            <a:r>
+              <a:rPr lang="en-US" sz="1000" dirty="0" err="1">
+                <a:solidFill>
+                  <a:schemeClr val="bg1">
+                    <a:lumMod val="85000"/>
+                  </a:schemeClr>
+                </a:solidFill>
+              </a:rPr>
+              <a:t>System.Console</a:t>
+            </a:r>
+            <a:r>
+              <a:rPr lang="en-US" sz="1000" dirty="0">
+                <a:solidFill>
+                  <a:schemeClr val="bg1">
+                    <a:lumMod val="85000"/>
+                  </a:schemeClr>
+                </a:solidFill>
+              </a:rPr>
+              <a:t>; namespace Lansoft.CursoCshap8 { </a:t>
+            </a:r>
+          </a:p>
+          <a:p>
+            <a:endParaRPr lang="en-US" sz="1000" dirty="0">
+              <a:solidFill>
+                <a:schemeClr val="bg1">
+                  <a:lumMod val="85000"/>
+                </a:schemeClr>
+              </a:solidFill>
+            </a:endParaRPr>
+          </a:p>
+          <a:p>
+            <a:r>
+              <a:rPr lang="en-US" sz="1400" b="1" dirty="0">
+                <a:solidFill>
+                  <a:schemeClr val="accent2">
+                    <a:lumMod val="40000"/>
+                    <a:lumOff val="60000"/>
+                  </a:schemeClr>
+                </a:solidFill>
+              </a:rPr>
+              <a:t>class </a:t>
+            </a:r>
+            <a:r>
+              <a:rPr lang="en-US" sz="1400" b="1" dirty="0" err="1">
+                <a:solidFill>
+                  <a:schemeClr val="accent2">
+                    <a:lumMod val="40000"/>
+                    <a:lumOff val="60000"/>
+                  </a:schemeClr>
+                </a:solidFill>
+              </a:rPr>
+              <a:t>Rectangulo</a:t>
+            </a:r>
+            <a:endParaRPr lang="en-US" sz="1400" b="1" dirty="0">
+              <a:solidFill>
+                <a:schemeClr val="accent2">
+                  <a:lumMod val="40000"/>
+                  <a:lumOff val="60000"/>
+                </a:schemeClr>
+              </a:solidFill>
+            </a:endParaRPr>
+          </a:p>
+          <a:p>
+            <a:r>
+              <a:rPr lang="en-US" sz="1400" b="1" dirty="0">
+                <a:solidFill>
+                  <a:schemeClr val="bg1"/>
+                </a:solidFill>
+              </a:rPr>
+              <a:t>{</a:t>
+            </a:r>
+          </a:p>
+          <a:p>
+            <a:r>
+              <a:rPr lang="en-US" sz="1400" b="1" dirty="0">
+                <a:solidFill>
+                  <a:schemeClr val="bg1"/>
+                </a:solidFill>
+              </a:rPr>
+              <a:t>      // Campos</a:t>
+            </a:r>
+          </a:p>
+          <a:p>
+            <a:r>
+              <a:rPr lang="en-US" sz="1400" b="1" dirty="0">
+                <a:solidFill>
+                  <a:schemeClr val="bg1"/>
+                </a:solidFill>
+              </a:rPr>
+              <a:t>      </a:t>
+            </a:r>
+            <a:r>
+              <a:rPr lang="en-US" sz="1400" b="1" dirty="0">
+                <a:solidFill>
+                  <a:schemeClr val="accent2">
+                    <a:lumMod val="40000"/>
+                    <a:lumOff val="60000"/>
+                  </a:schemeClr>
+                </a:solidFill>
+              </a:rPr>
+              <a:t>public</a:t>
+            </a:r>
+            <a:r>
+              <a:rPr lang="en-US" sz="1400" b="1" dirty="0">
+                <a:solidFill>
+                  <a:schemeClr val="bg1"/>
+                </a:solidFill>
+              </a:rPr>
+              <a:t> int X, Y;</a:t>
+            </a:r>
+          </a:p>
+          <a:p>
+            <a:r>
+              <a:rPr lang="en-US" sz="1400" b="1" dirty="0">
+                <a:solidFill>
+                  <a:schemeClr val="bg1"/>
+                </a:solidFill>
+              </a:rPr>
+              <a:t>      </a:t>
+            </a:r>
+          </a:p>
+          <a:p>
+            <a:r>
+              <a:rPr lang="en-US" sz="1400" b="1" dirty="0">
+                <a:solidFill>
+                  <a:schemeClr val="bg1"/>
+                </a:solidFill>
+              </a:rPr>
+              <a:t>      // </a:t>
+            </a:r>
+            <a:r>
+              <a:rPr lang="en-US" sz="1400" b="1" dirty="0" err="1">
+                <a:solidFill>
+                  <a:schemeClr val="bg1"/>
+                </a:solidFill>
+              </a:rPr>
+              <a:t>Metodos</a:t>
+            </a:r>
+            <a:endParaRPr lang="en-US" sz="1400" b="1" dirty="0">
+              <a:solidFill>
+                <a:schemeClr val="bg1"/>
+              </a:solidFill>
+            </a:endParaRPr>
+          </a:p>
+          <a:p>
+            <a:r>
+              <a:rPr lang="en-US" sz="1400" b="1" dirty="0">
+                <a:solidFill>
+                  <a:schemeClr val="bg1"/>
+                </a:solidFill>
+              </a:rPr>
+              <a:t>      </a:t>
+            </a:r>
+            <a:r>
+              <a:rPr lang="en-US" sz="1400" b="1" dirty="0">
+                <a:solidFill>
+                  <a:schemeClr val="accent2">
+                    <a:lumMod val="40000"/>
+                    <a:lumOff val="60000"/>
+                  </a:schemeClr>
+                </a:solidFill>
+              </a:rPr>
+              <a:t>public</a:t>
+            </a:r>
+            <a:r>
+              <a:rPr lang="en-US" sz="1400" b="1" dirty="0">
+                <a:solidFill>
+                  <a:schemeClr val="bg1"/>
+                </a:solidFill>
+              </a:rPr>
+              <a:t> int Area() {</a:t>
+            </a:r>
+          </a:p>
+          <a:p>
+            <a:r>
+              <a:rPr lang="en-US" sz="1400" b="1" dirty="0">
+                <a:solidFill>
+                  <a:schemeClr val="bg1"/>
+                </a:solidFill>
+              </a:rPr>
+              <a:t>            return X * Y;         </a:t>
+            </a:r>
+          </a:p>
+          <a:p>
+            <a:r>
+              <a:rPr lang="en-US" sz="1400" b="1" dirty="0">
+                <a:solidFill>
+                  <a:schemeClr val="bg1"/>
+                </a:solidFill>
+              </a:rPr>
+              <a:t>      }</a:t>
+            </a:r>
+          </a:p>
+          <a:p>
+            <a:r>
+              <a:rPr lang="en-US" sz="1400" b="1" dirty="0">
+                <a:solidFill>
+                  <a:schemeClr val="bg1"/>
+                </a:solidFill>
+              </a:rPr>
+              <a:t>}</a:t>
+            </a:r>
+          </a:p>
+          <a:p>
+            <a:r>
+              <a:rPr lang="en-US" sz="1400" b="1" dirty="0">
+                <a:solidFill>
+                  <a:schemeClr val="bg1"/>
+                </a:solidFill>
+              </a:rPr>
+              <a:t>static class </a:t>
+            </a:r>
+            <a:r>
+              <a:rPr lang="en-US" sz="1400" b="1" dirty="0" err="1">
+                <a:solidFill>
+                  <a:schemeClr val="bg1"/>
+                </a:solidFill>
+              </a:rPr>
+              <a:t>MiProgramaPrincipal</a:t>
+            </a:r>
+            <a:r>
+              <a:rPr lang="en-US" sz="1400" b="1" dirty="0">
+                <a:solidFill>
+                  <a:schemeClr val="bg1"/>
+                </a:solidFill>
+              </a:rPr>
+              <a:t> </a:t>
+            </a:r>
+          </a:p>
+          <a:p>
+            <a:r>
+              <a:rPr lang="en-US" sz="1400" b="1" dirty="0">
+                <a:solidFill>
+                  <a:schemeClr val="bg1"/>
+                </a:solidFill>
+              </a:rPr>
+              <a:t>{ </a:t>
+            </a:r>
+          </a:p>
+          <a:p>
+            <a:r>
+              <a:rPr lang="en-US" sz="1400" b="1" dirty="0"/>
+              <a:t>      static void Main() {</a:t>
+            </a:r>
+          </a:p>
+          <a:p>
+            <a:r>
+              <a:rPr lang="en-US" sz="1400" b="1" dirty="0"/>
+              <a:t>            var </a:t>
+            </a:r>
+            <a:r>
+              <a:rPr lang="en-US" sz="1400" b="1" dirty="0">
+                <a:solidFill>
+                  <a:schemeClr val="accent2">
+                    <a:lumMod val="40000"/>
+                    <a:lumOff val="60000"/>
+                  </a:schemeClr>
+                </a:solidFill>
+              </a:rPr>
+              <a:t>rec</a:t>
+            </a:r>
+            <a:r>
+              <a:rPr lang="en-US" sz="1400" b="1" dirty="0"/>
+              <a:t> = </a:t>
+            </a:r>
+            <a:r>
+              <a:rPr lang="en-US" sz="1400" b="1" dirty="0">
+                <a:solidFill>
+                  <a:schemeClr val="accent2">
+                    <a:lumMod val="40000"/>
+                    <a:lumOff val="60000"/>
+                  </a:schemeClr>
+                </a:solidFill>
+              </a:rPr>
+              <a:t>new </a:t>
+            </a:r>
+            <a:r>
+              <a:rPr lang="en-US" sz="1400" b="1" dirty="0" err="1">
+                <a:solidFill>
+                  <a:schemeClr val="accent2">
+                    <a:lumMod val="40000"/>
+                    <a:lumOff val="60000"/>
+                  </a:schemeClr>
+                </a:solidFill>
+              </a:rPr>
+              <a:t>Rectangulo</a:t>
+            </a:r>
+            <a:r>
+              <a:rPr lang="en-US" sz="1400" b="1" dirty="0">
+                <a:solidFill>
+                  <a:schemeClr val="accent2">
+                    <a:lumMod val="40000"/>
+                    <a:lumOff val="60000"/>
+                  </a:schemeClr>
+                </a:solidFill>
+              </a:rPr>
+              <a:t>()</a:t>
+            </a:r>
+            <a:r>
+              <a:rPr lang="en-US" sz="1400" b="1" dirty="0"/>
+              <a:t>; </a:t>
+            </a:r>
+            <a:r>
+              <a:rPr lang="en-US" sz="1400" b="1" dirty="0" err="1">
+                <a:solidFill>
+                  <a:schemeClr val="accent2">
+                    <a:lumMod val="40000"/>
+                    <a:lumOff val="60000"/>
+                  </a:schemeClr>
+                </a:solidFill>
+              </a:rPr>
+              <a:t>rec.X</a:t>
+            </a:r>
+            <a:r>
+              <a:rPr lang="en-US" sz="1400" b="1" dirty="0"/>
+              <a:t> = 12; </a:t>
+            </a:r>
+            <a:r>
+              <a:rPr lang="en-US" sz="1400" b="1" dirty="0" err="1">
+                <a:solidFill>
+                  <a:schemeClr val="accent2">
+                    <a:lumMod val="40000"/>
+                    <a:lumOff val="60000"/>
+                  </a:schemeClr>
+                </a:solidFill>
+              </a:rPr>
+              <a:t>rec.Y</a:t>
+            </a:r>
+            <a:r>
+              <a:rPr lang="en-US" sz="1400" b="1" dirty="0"/>
+              <a:t> = 20;</a:t>
+            </a:r>
+          </a:p>
+          <a:p>
+            <a:r>
+              <a:rPr lang="en-US" sz="1400" b="1" dirty="0"/>
+              <a:t>            var area = </a:t>
+            </a:r>
+            <a:r>
+              <a:rPr lang="en-US" sz="1400" b="1" dirty="0" err="1">
+                <a:solidFill>
+                  <a:schemeClr val="accent2">
+                    <a:lumMod val="40000"/>
+                    <a:lumOff val="60000"/>
+                  </a:schemeClr>
+                </a:solidFill>
+              </a:rPr>
+              <a:t>rec.Area</a:t>
+            </a:r>
+            <a:r>
+              <a:rPr lang="en-US" sz="1400" b="1" dirty="0">
+                <a:solidFill>
+                  <a:schemeClr val="accent2">
+                    <a:lumMod val="40000"/>
+                    <a:lumOff val="60000"/>
+                  </a:schemeClr>
+                </a:solidFill>
+              </a:rPr>
+              <a:t>()</a:t>
+            </a:r>
+            <a:r>
+              <a:rPr lang="en-US" sz="1400" b="1" dirty="0"/>
+              <a:t>;		</a:t>
+            </a:r>
+          </a:p>
+          <a:p>
+            <a:r>
+              <a:rPr lang="en-US" sz="1400" b="1" dirty="0"/>
+              <a:t>            Write($"</a:t>
+            </a:r>
+            <a:r>
+              <a:rPr lang="en-US" sz="1400" b="1" dirty="0" err="1"/>
+              <a:t>Área</a:t>
+            </a:r>
+            <a:r>
+              <a:rPr lang="en-US" sz="1400" b="1" dirty="0"/>
+              <a:t> del </a:t>
+            </a:r>
+            <a:r>
+              <a:rPr lang="en-US" sz="1400" b="1" dirty="0" err="1"/>
+              <a:t>rectángulo</a:t>
+            </a:r>
+            <a:r>
+              <a:rPr lang="en-US" sz="1400" b="1" dirty="0"/>
+              <a:t> = {area}"); 	// 240 </a:t>
+            </a:r>
+          </a:p>
+          <a:p>
+            <a:r>
+              <a:rPr lang="en-US" sz="1400" b="1" dirty="0"/>
+              <a:t>      }</a:t>
+            </a:r>
+          </a:p>
+          <a:p>
+            <a:r>
+              <a:rPr lang="en-US" sz="1400" b="1" dirty="0">
+                <a:solidFill>
+                  <a:schemeClr val="bg1"/>
+                </a:solidFill>
+              </a:rPr>
+              <a:t>}</a:t>
+            </a:r>
+          </a:p>
+          <a:p>
+            <a:endParaRPr lang="en-US" sz="1000" dirty="0">
+              <a:solidFill>
+                <a:schemeClr val="bg1">
+                  <a:lumMod val="85000"/>
+                </a:schemeClr>
+              </a:solidFill>
+            </a:endParaRPr>
+          </a:p>
+          <a:p>
+            <a:r>
+              <a:rPr lang="en-US" sz="1000" dirty="0">
+                <a:solidFill>
+                  <a:schemeClr val="bg1">
+                    <a:lumMod val="85000"/>
+                  </a:schemeClr>
+                </a:solidFill>
+              </a:rPr>
+              <a:t>}</a:t>
+            </a:r>
+          </a:p>
+        </p:txBody>
+      </p:sp>
+    </p:spTree>
+    <p:extLst>
+      <p:ext uri="{BB962C8B-B14F-4D97-AF65-F5344CB8AC3E}">
+        <p14:creationId xmlns:p14="http://schemas.microsoft.com/office/powerpoint/2010/main" val="4007180119"/>
+      </p:ext>
+    </p:extLst>
+  </p:cSld>
+  <p:clrMapOvr>
+    <a:masterClrMapping/>
+  </p:clrMapOvr>
+</p:sld>
+</file>
+
+<file path=ppt/slides/slide103.xml><?xml version="1.0" encoding="utf-8"?>
+<p:sld xmlns:a="http://schemas.openxmlformats.org/drawingml/2006/main" xmlns:r="http://schemas.openxmlformats.org/officeDocument/2006/relationships" xmlns:p="http://schemas.openxmlformats.org/presentationml/2006/main">
+  <p:cSld>
+    <p:spTree>
+      <p:nvGrpSpPr>
+        <p:cNvPr id="1" name=""/>
+        <p:cNvGrpSpPr/>
+        <p:nvPr/>
+      </p:nvGrpSpPr>
+      <p:grpSpPr>
+        <a:xfrm>
+          <a:off x="0" y="0"/>
+          <a:ext cx="0" cy="0"/>
+          <a:chOff x="0" y="0"/>
+          <a:chExt cx="0" cy="0"/>
+        </a:xfrm>
+      </p:grpSpPr>
+      <p:sp>
+        <p:nvSpPr>
+          <p:cNvPr id="2" name="Title 1">
+            <a:extLst>
+              <a:ext uri="{FF2B5EF4-FFF2-40B4-BE49-F238E27FC236}">
+                <a16:creationId xmlns:a16="http://schemas.microsoft.com/office/drawing/2014/main" id="{ECEEA578-25A7-F948-A35E-DC801D3E017A}"/>
+              </a:ext>
+            </a:extLst>
+          </p:cNvPr>
+          <p:cNvSpPr>
+            <a:spLocks noGrp="1"/>
+          </p:cNvSpPr>
+          <p:nvPr>
+            <p:ph type="title"/>
+          </p:nvPr>
+        </p:nvSpPr>
+        <p:spPr/>
+        <p:txBody>
+          <a:bodyPr/>
+          <a:lstStyle/>
+          <a:p>
+            <a:r>
+              <a:rPr lang="en-BO" dirty="0"/>
+              <a:t>Creación de objetos (new)</a:t>
+            </a:r>
+          </a:p>
+        </p:txBody>
+      </p:sp>
+      <p:sp>
+        <p:nvSpPr>
+          <p:cNvPr id="3" name="Content Placeholder 2">
+            <a:extLst>
+              <a:ext uri="{FF2B5EF4-FFF2-40B4-BE49-F238E27FC236}">
+                <a16:creationId xmlns:a16="http://schemas.microsoft.com/office/drawing/2014/main" id="{BD16502D-51E9-B247-B21A-B40C36497078}"/>
+              </a:ext>
+            </a:extLst>
+          </p:cNvPr>
+          <p:cNvSpPr>
+            <a:spLocks noGrp="1"/>
+          </p:cNvSpPr>
+          <p:nvPr>
+            <p:ph idx="1"/>
+          </p:nvPr>
+        </p:nvSpPr>
+        <p:spPr>
+          <a:xfrm>
+            <a:off x="7210698" y="1915887"/>
+            <a:ext cx="4143102" cy="4101736"/>
+          </a:xfrm>
+        </p:spPr>
+        <p:style>
+          <a:lnRef idx="1">
+            <a:schemeClr val="accent5"/>
+          </a:lnRef>
+          <a:fillRef idx="2">
+            <a:schemeClr val="accent5"/>
+          </a:fillRef>
+          <a:effectRef idx="1">
+            <a:schemeClr val="accent5"/>
+          </a:effectRef>
+          <a:fontRef idx="minor">
+            <a:schemeClr val="dk1"/>
+          </a:fontRef>
+        </p:style>
+        <p:txBody>
+          <a:bodyPr>
+            <a:normAutofit/>
+          </a:bodyPr>
+          <a:lstStyle/>
+          <a:p>
+            <a:pPr marL="0" indent="0">
+              <a:buNone/>
+            </a:pPr>
+            <a:r>
+              <a:rPr lang="en-US" sz="1600" dirty="0"/>
+              <a:t>Para </a:t>
+            </a:r>
+            <a:r>
+              <a:rPr lang="en-US" sz="1600" dirty="0" err="1"/>
+              <a:t>utilizar</a:t>
+            </a:r>
+            <a:r>
+              <a:rPr lang="en-US" sz="1600" dirty="0"/>
+              <a:t> los </a:t>
+            </a:r>
+            <a:r>
+              <a:rPr lang="en-US" sz="1600" dirty="0" err="1"/>
+              <a:t>miembros</a:t>
+            </a:r>
+            <a:r>
+              <a:rPr lang="en-US" sz="1600" dirty="0"/>
+              <a:t> de un </a:t>
+            </a:r>
+            <a:r>
+              <a:rPr lang="en-US" sz="1600" dirty="0" err="1"/>
+              <a:t>objeto</a:t>
+            </a:r>
+            <a:r>
+              <a:rPr lang="en-US" sz="1600" dirty="0"/>
+              <a:t>, </a:t>
+            </a:r>
+            <a:r>
+              <a:rPr lang="en-US" sz="1600" dirty="0" err="1"/>
+              <a:t>desde</a:t>
+            </a:r>
+            <a:r>
+              <a:rPr lang="en-US" sz="1600" dirty="0"/>
+              <a:t> </a:t>
+            </a:r>
+            <a:r>
+              <a:rPr lang="en-US" sz="1600" dirty="0" err="1"/>
+              <a:t>fuera</a:t>
+            </a:r>
+            <a:r>
+              <a:rPr lang="en-US" sz="1600" dirty="0"/>
+              <a:t> de la </a:t>
+            </a:r>
+            <a:r>
+              <a:rPr lang="en-US" sz="1600" dirty="0" err="1"/>
+              <a:t>clase</a:t>
+            </a:r>
+            <a:r>
+              <a:rPr lang="en-US" sz="1600" dirty="0"/>
+              <a:t> </a:t>
+            </a:r>
+            <a:r>
+              <a:rPr lang="en-US" sz="1600" dirty="0" err="1"/>
+              <a:t>en</a:t>
+            </a:r>
+            <a:r>
+              <a:rPr lang="en-US" sz="1600" dirty="0"/>
+              <a:t> la que se </a:t>
+            </a:r>
+            <a:r>
+              <a:rPr lang="en-US" sz="1600" dirty="0" err="1"/>
+              <a:t>definen</a:t>
+            </a:r>
+            <a:r>
+              <a:rPr lang="en-US" sz="1600" dirty="0"/>
+              <a:t>, es </a:t>
+            </a:r>
+            <a:r>
+              <a:rPr lang="en-US" sz="1600" dirty="0" err="1"/>
+              <a:t>necesario</a:t>
+            </a:r>
+            <a:r>
+              <a:rPr lang="en-US" sz="1600" dirty="0"/>
+              <a:t> </a:t>
+            </a:r>
+            <a:r>
+              <a:rPr lang="en-US" sz="1600" dirty="0" err="1"/>
+              <a:t>crear</a:t>
+            </a:r>
+            <a:r>
+              <a:rPr lang="en-US" sz="1600" dirty="0"/>
+              <a:t> un </a:t>
+            </a:r>
+            <a:r>
+              <a:rPr lang="en-US" sz="1600" dirty="0" err="1"/>
+              <a:t>objeto</a:t>
+            </a:r>
+            <a:r>
+              <a:rPr lang="en-US" sz="1600" dirty="0"/>
+              <a:t> (</a:t>
+            </a:r>
+            <a:r>
+              <a:rPr lang="en-US" sz="1600" dirty="0" err="1"/>
+              <a:t>instancia</a:t>
+            </a:r>
+            <a:r>
+              <a:rPr lang="en-US" sz="1600" dirty="0"/>
+              <a:t>) de la </a:t>
+            </a:r>
+            <a:r>
+              <a:rPr lang="en-US" sz="1600" dirty="0" err="1"/>
+              <a:t>clase</a:t>
+            </a:r>
+            <a:r>
+              <a:rPr lang="en-US" sz="1600" dirty="0"/>
+              <a:t> a la que </a:t>
+            </a:r>
+            <a:r>
+              <a:rPr lang="en-US" sz="1600" dirty="0" err="1"/>
+              <a:t>pertenece</a:t>
+            </a:r>
+            <a:r>
+              <a:rPr lang="en-US" sz="1600" dirty="0"/>
+              <a:t>. </a:t>
+            </a:r>
+            <a:r>
+              <a:rPr lang="en-US" sz="1600" dirty="0" err="1"/>
+              <a:t>Esto</a:t>
+            </a:r>
+            <a:r>
+              <a:rPr lang="en-US" sz="1600" dirty="0"/>
+              <a:t> se </a:t>
+            </a:r>
+            <a:r>
+              <a:rPr lang="en-US" sz="1600" dirty="0" err="1"/>
+              <a:t>hace</a:t>
+            </a:r>
+            <a:r>
+              <a:rPr lang="en-US" sz="1600" dirty="0"/>
+              <a:t> </a:t>
+            </a:r>
+            <a:r>
+              <a:rPr lang="en-US" sz="1600" dirty="0" err="1"/>
+              <a:t>utilizando</a:t>
+            </a:r>
+            <a:r>
+              <a:rPr lang="en-US" sz="1600" dirty="0"/>
+              <a:t> el keyword </a:t>
+            </a:r>
+            <a:r>
+              <a:rPr lang="en-US" sz="2000" b="1" dirty="0"/>
+              <a:t>new</a:t>
+            </a:r>
+            <a:r>
+              <a:rPr lang="en-US" sz="1600" dirty="0"/>
+              <a:t>.</a:t>
+            </a:r>
+          </a:p>
+          <a:p>
+            <a:pPr marL="0" indent="0">
+              <a:buNone/>
+            </a:pPr>
+            <a:r>
+              <a:rPr lang="en-US" sz="1600" dirty="0" err="1"/>
+              <a:t>Cuando</a:t>
+            </a:r>
+            <a:r>
+              <a:rPr lang="en-US" sz="1600" dirty="0"/>
+              <a:t> se </a:t>
+            </a:r>
+            <a:r>
+              <a:rPr lang="en-US" sz="1600" dirty="0" err="1"/>
+              <a:t>crea</a:t>
+            </a:r>
+            <a:r>
+              <a:rPr lang="en-US" sz="1600" dirty="0"/>
+              <a:t> un </a:t>
+            </a:r>
+            <a:r>
+              <a:rPr lang="en-US" sz="1600" dirty="0" err="1"/>
+              <a:t>objeto</a:t>
+            </a:r>
+            <a:r>
+              <a:rPr lang="en-US" sz="1600" dirty="0"/>
+              <a:t>, el runtime </a:t>
+            </a:r>
+            <a:r>
+              <a:rPr lang="en-US" sz="1600" dirty="0" err="1"/>
+              <a:t>hace</a:t>
+            </a:r>
+            <a:r>
+              <a:rPr lang="en-US" sz="1600" dirty="0"/>
+              <a:t> la </a:t>
+            </a:r>
+            <a:r>
+              <a:rPr lang="en-US" sz="1600" dirty="0" err="1"/>
+              <a:t>reserva</a:t>
+            </a:r>
+            <a:r>
+              <a:rPr lang="en-US" sz="1600" dirty="0"/>
+              <a:t> del </a:t>
+            </a:r>
+            <a:r>
+              <a:rPr lang="en-US" sz="1600" dirty="0" err="1"/>
+              <a:t>área</a:t>
+            </a:r>
+            <a:r>
+              <a:rPr lang="en-US" sz="1600" dirty="0"/>
+              <a:t> </a:t>
+            </a:r>
+            <a:r>
+              <a:rPr lang="en-US" sz="1600" dirty="0" err="1"/>
+              <a:t>en</a:t>
+            </a:r>
+            <a:r>
+              <a:rPr lang="en-US" sz="1600" dirty="0"/>
+              <a:t> </a:t>
+            </a:r>
+            <a:r>
+              <a:rPr lang="en-US" sz="1600" dirty="0" err="1"/>
+              <a:t>memoria</a:t>
+            </a:r>
+            <a:r>
+              <a:rPr lang="en-US" sz="1600" dirty="0"/>
+              <a:t> que </a:t>
+            </a:r>
+            <a:r>
+              <a:rPr lang="en-US" sz="1600" dirty="0" err="1"/>
+              <a:t>este</a:t>
+            </a:r>
+            <a:r>
+              <a:rPr lang="en-US" sz="1600" dirty="0"/>
+              <a:t> </a:t>
+            </a:r>
+            <a:r>
+              <a:rPr lang="en-US" sz="1600" dirty="0" err="1"/>
+              <a:t>necesita</a:t>
+            </a:r>
+            <a:r>
+              <a:rPr lang="en-US" sz="1600" dirty="0"/>
+              <a:t>, de </a:t>
+            </a:r>
+            <a:r>
+              <a:rPr lang="en-US" sz="1600" dirty="0" err="1"/>
+              <a:t>acuerdo</a:t>
+            </a:r>
+            <a:r>
+              <a:rPr lang="en-US" sz="1600" dirty="0"/>
+              <a:t> a la </a:t>
+            </a:r>
+            <a:r>
+              <a:rPr lang="en-US" sz="1600" dirty="0" err="1"/>
+              <a:t>definición</a:t>
+            </a:r>
+            <a:r>
+              <a:rPr lang="en-US" sz="1600" dirty="0"/>
+              <a:t> de la </a:t>
+            </a:r>
+            <a:r>
+              <a:rPr lang="en-US" sz="1600" dirty="0" err="1"/>
+              <a:t>clase</a:t>
+            </a:r>
+            <a:r>
+              <a:rPr lang="en-US" sz="1600" dirty="0"/>
+              <a:t> del </a:t>
+            </a:r>
+            <a:r>
+              <a:rPr lang="en-US" sz="1600" dirty="0" err="1"/>
+              <a:t>objeto</a:t>
+            </a:r>
+            <a:r>
+              <a:rPr lang="en-US" sz="1600" dirty="0"/>
+              <a:t>.  </a:t>
+            </a:r>
+          </a:p>
+          <a:p>
+            <a:pPr marL="0" indent="0">
+              <a:buNone/>
+            </a:pPr>
+            <a:r>
+              <a:rPr lang="en-US" sz="1600" dirty="0" err="1"/>
+              <a:t>Además</a:t>
+            </a:r>
+            <a:r>
+              <a:rPr lang="en-US" sz="1600" dirty="0"/>
+              <a:t> de </a:t>
+            </a:r>
+            <a:r>
+              <a:rPr lang="en-US" sz="1600" dirty="0" err="1"/>
+              <a:t>crear</a:t>
+            </a:r>
+            <a:r>
+              <a:rPr lang="en-US" sz="1600" dirty="0"/>
+              <a:t> el </a:t>
+            </a:r>
+            <a:r>
+              <a:rPr lang="en-US" sz="1600" dirty="0" err="1"/>
+              <a:t>objeto</a:t>
+            </a:r>
+            <a:r>
+              <a:rPr lang="en-US" sz="1600" dirty="0"/>
+              <a:t>, los </a:t>
+            </a:r>
+            <a:r>
+              <a:rPr lang="en-US" sz="1600" dirty="0" err="1"/>
+              <a:t>miembros</a:t>
+            </a:r>
+            <a:r>
+              <a:rPr lang="en-US" sz="1600" dirty="0"/>
+              <a:t> de la </a:t>
+            </a:r>
+            <a:r>
+              <a:rPr lang="en-US" sz="1600" dirty="0" err="1"/>
+              <a:t>clase</a:t>
+            </a:r>
+            <a:r>
+              <a:rPr lang="en-US" sz="1600" dirty="0"/>
+              <a:t> a los que es </a:t>
+            </a:r>
+            <a:r>
+              <a:rPr lang="en-US" sz="1600" dirty="0" err="1"/>
+              <a:t>necesario</a:t>
+            </a:r>
+            <a:r>
+              <a:rPr lang="en-US" sz="1600" dirty="0"/>
+              <a:t> </a:t>
+            </a:r>
+            <a:r>
+              <a:rPr lang="en-US" sz="1600" dirty="0" err="1"/>
+              <a:t>tener</a:t>
+            </a:r>
+            <a:r>
+              <a:rPr lang="en-US" sz="1600" dirty="0"/>
+              <a:t> </a:t>
+            </a:r>
+            <a:r>
+              <a:rPr lang="en-US" sz="1600" dirty="0" err="1"/>
+              <a:t>acceso</a:t>
+            </a:r>
+            <a:r>
+              <a:rPr lang="en-US" sz="1600" dirty="0"/>
+              <a:t> </a:t>
+            </a:r>
+            <a:r>
+              <a:rPr lang="en-US" sz="1600" dirty="0" err="1"/>
+              <a:t>desde</a:t>
+            </a:r>
+            <a:r>
+              <a:rPr lang="en-US" sz="1600" dirty="0"/>
+              <a:t> </a:t>
+            </a:r>
+            <a:r>
+              <a:rPr lang="en-US" sz="1600" dirty="0" err="1"/>
+              <a:t>afuera</a:t>
+            </a:r>
+            <a:r>
+              <a:rPr lang="en-US" sz="1600" dirty="0"/>
+              <a:t>, </a:t>
+            </a:r>
+            <a:r>
+              <a:rPr lang="en-US" sz="1600" dirty="0" err="1"/>
+              <a:t>deben</a:t>
+            </a:r>
+            <a:r>
+              <a:rPr lang="en-US" sz="1600" dirty="0"/>
+              <a:t> </a:t>
+            </a:r>
+            <a:r>
+              <a:rPr lang="en-US" sz="1600" dirty="0" err="1"/>
+              <a:t>declararse</a:t>
+            </a:r>
+            <a:r>
+              <a:rPr lang="en-US" sz="1600" dirty="0"/>
+              <a:t> </a:t>
+            </a:r>
+            <a:r>
+              <a:rPr lang="en-US" sz="1600" dirty="0" err="1"/>
+              <a:t>como</a:t>
+            </a:r>
+            <a:r>
+              <a:rPr lang="en-US" sz="1600" dirty="0"/>
+              <a:t> </a:t>
+            </a:r>
+            <a:r>
+              <a:rPr lang="en-US" sz="1600" dirty="0" err="1"/>
+              <a:t>públicos</a:t>
+            </a:r>
+            <a:r>
+              <a:rPr lang="en-US" sz="1600" dirty="0"/>
+              <a:t> (</a:t>
+            </a:r>
+            <a:r>
+              <a:rPr lang="en-US" sz="2000" b="1" dirty="0"/>
+              <a:t>public</a:t>
+            </a:r>
+            <a:r>
+              <a:rPr lang="en-US" sz="1600" dirty="0"/>
+              <a:t>) </a:t>
+            </a:r>
+            <a:r>
+              <a:rPr lang="en-US" sz="1600" dirty="0" err="1"/>
+              <a:t>en</a:t>
+            </a:r>
+            <a:r>
+              <a:rPr lang="en-US" sz="1600" dirty="0"/>
+              <a:t> la </a:t>
+            </a:r>
+            <a:r>
+              <a:rPr lang="en-US" sz="1600" dirty="0" err="1"/>
+              <a:t>definición</a:t>
+            </a:r>
+            <a:r>
+              <a:rPr lang="en-US" sz="1600" dirty="0"/>
+              <a:t> de </a:t>
+            </a:r>
+            <a:r>
+              <a:rPr lang="en-US" sz="1600" dirty="0" err="1"/>
+              <a:t>clase</a:t>
+            </a:r>
+            <a:r>
+              <a:rPr lang="en-US" sz="1600" dirty="0"/>
+              <a:t>.</a:t>
+            </a:r>
+          </a:p>
+          <a:p>
+            <a:pPr marL="0" indent="0">
+              <a:buNone/>
+            </a:pPr>
+            <a:r>
+              <a:rPr lang="en-US" sz="1600" dirty="0"/>
+              <a:t>Por </a:t>
+            </a:r>
+            <a:r>
+              <a:rPr lang="en-US" sz="1600" dirty="0" err="1"/>
+              <a:t>convención</a:t>
+            </a:r>
+            <a:r>
+              <a:rPr lang="en-US" sz="1600" dirty="0"/>
+              <a:t> </a:t>
+            </a:r>
+            <a:r>
+              <a:rPr lang="en-US" sz="1600" dirty="0" err="1"/>
+              <a:t>todos</a:t>
+            </a:r>
+            <a:r>
+              <a:rPr lang="en-US" sz="1600" dirty="0"/>
+              <a:t> los </a:t>
+            </a:r>
+            <a:r>
+              <a:rPr lang="en-US" sz="1600" dirty="0" err="1"/>
+              <a:t>miembros</a:t>
+            </a:r>
+            <a:r>
+              <a:rPr lang="en-US" sz="1600" dirty="0"/>
+              <a:t> </a:t>
+            </a:r>
+            <a:r>
+              <a:rPr lang="en-US" sz="1600" dirty="0" err="1"/>
+              <a:t>públicos</a:t>
+            </a:r>
+            <a:r>
+              <a:rPr lang="en-US" sz="1600" dirty="0"/>
+              <a:t> </a:t>
+            </a:r>
+            <a:r>
+              <a:rPr lang="en-US" sz="1600" dirty="0" err="1"/>
+              <a:t>suelen</a:t>
+            </a:r>
+            <a:r>
+              <a:rPr lang="en-US" sz="1600" dirty="0"/>
+              <a:t> </a:t>
+            </a:r>
+            <a:r>
+              <a:rPr lang="en-US" sz="1600" dirty="0" err="1"/>
+              <a:t>definirse</a:t>
+            </a:r>
+            <a:r>
+              <a:rPr lang="en-US" sz="1600" dirty="0"/>
+              <a:t> con palabras que </a:t>
+            </a:r>
+            <a:r>
+              <a:rPr lang="en-US" sz="1600" dirty="0" err="1"/>
+              <a:t>comiencen</a:t>
+            </a:r>
+            <a:r>
+              <a:rPr lang="en-US" sz="1600" dirty="0"/>
+              <a:t> con </a:t>
+            </a:r>
+            <a:r>
+              <a:rPr lang="en-US" sz="1600" dirty="0" err="1"/>
+              <a:t>mayúsculas</a:t>
+            </a:r>
+            <a:r>
+              <a:rPr lang="en-US" sz="1600" dirty="0"/>
+              <a:t>.</a:t>
+            </a:r>
+            <a:endParaRPr lang="en-BO" sz="1600" dirty="0"/>
+          </a:p>
+        </p:txBody>
+      </p:sp>
+      <p:sp>
+        <p:nvSpPr>
+          <p:cNvPr id="4" name="TextBox 3">
+            <a:extLst>
+              <a:ext uri="{FF2B5EF4-FFF2-40B4-BE49-F238E27FC236}">
+                <a16:creationId xmlns:a16="http://schemas.microsoft.com/office/drawing/2014/main" id="{9382207E-D3A5-8D48-9398-70F647C17316}"/>
+              </a:ext>
+            </a:extLst>
+          </p:cNvPr>
+          <p:cNvSpPr txBox="1"/>
+          <p:nvPr/>
+        </p:nvSpPr>
+        <p:spPr>
+          <a:xfrm>
+            <a:off x="838200" y="1766734"/>
+            <a:ext cx="5919651" cy="4462760"/>
+          </a:xfrm>
+          <a:prstGeom prst="rect">
+            <a:avLst/>
+          </a:prstGeom>
+        </p:spPr>
+        <p:style>
+          <a:lnRef idx="2">
+            <a:schemeClr val="accent1">
+              <a:shade val="50000"/>
+            </a:schemeClr>
+          </a:lnRef>
+          <a:fillRef idx="1">
+            <a:schemeClr val="accent1"/>
+          </a:fillRef>
+          <a:effectRef idx="0">
+            <a:schemeClr val="accent1"/>
+          </a:effectRef>
+          <a:fontRef idx="minor">
+            <a:schemeClr val="lt1"/>
+          </a:fontRef>
+        </p:style>
+        <p:txBody>
+          <a:bodyPr wrap="square" rtlCol="0">
+            <a:spAutoFit/>
+          </a:bodyPr>
+          <a:lstStyle/>
+          <a:p>
+            <a:r>
+              <a:rPr lang="en-US" sz="1000" dirty="0">
+                <a:solidFill>
+                  <a:schemeClr val="bg1">
+                    <a:lumMod val="85000"/>
+                  </a:schemeClr>
+                </a:solidFill>
+              </a:rPr>
+              <a:t>using System; using static </a:t>
+            </a:r>
+            <a:r>
+              <a:rPr lang="en-US" sz="1000" dirty="0" err="1">
+                <a:solidFill>
+                  <a:schemeClr val="bg1">
+                    <a:lumMod val="85000"/>
+                  </a:schemeClr>
+                </a:solidFill>
+              </a:rPr>
+              <a:t>System.Console</a:t>
+            </a:r>
+            <a:r>
+              <a:rPr lang="en-US" sz="1000" dirty="0">
+                <a:solidFill>
+                  <a:schemeClr val="bg1">
+                    <a:lumMod val="85000"/>
+                  </a:schemeClr>
+                </a:solidFill>
+              </a:rPr>
+              <a:t>; namespace Lansoft.CursoCshap8 { </a:t>
+            </a:r>
+          </a:p>
+          <a:p>
+            <a:endParaRPr lang="en-US" sz="1000" dirty="0">
+              <a:solidFill>
+                <a:schemeClr val="bg1">
+                  <a:lumMod val="85000"/>
+                </a:schemeClr>
+              </a:solidFill>
+            </a:endParaRPr>
+          </a:p>
+          <a:p>
+            <a:r>
+              <a:rPr lang="en-US" sz="1400" b="1" dirty="0">
+                <a:solidFill>
+                  <a:schemeClr val="bg1"/>
+                </a:solidFill>
+              </a:rPr>
+              <a:t>static class Principal </a:t>
+            </a:r>
+          </a:p>
+          <a:p>
+            <a:r>
+              <a:rPr lang="en-US" sz="1400" b="1" dirty="0">
+                <a:solidFill>
+                  <a:schemeClr val="bg1"/>
+                </a:solidFill>
+              </a:rPr>
+              <a:t>{ </a:t>
+            </a:r>
+          </a:p>
+          <a:p>
+            <a:r>
+              <a:rPr lang="en-US" sz="1400" b="1" dirty="0">
+                <a:solidFill>
+                  <a:schemeClr val="bg1"/>
+                </a:solidFill>
+              </a:rPr>
+              <a:t>      static void Main() </a:t>
+            </a:r>
+          </a:p>
+          <a:p>
+            <a:r>
+              <a:rPr lang="en-US" sz="1400" b="1" dirty="0">
+                <a:solidFill>
+                  <a:schemeClr val="bg1"/>
+                </a:solidFill>
+              </a:rPr>
+              <a:t>      {</a:t>
+            </a:r>
+          </a:p>
+          <a:p>
+            <a:r>
+              <a:rPr lang="en-US" sz="1400" b="1" dirty="0">
+                <a:solidFill>
+                  <a:schemeClr val="bg1"/>
+                </a:solidFill>
+              </a:rPr>
+              <a:t>            // 3 </a:t>
+            </a:r>
+            <a:r>
+              <a:rPr lang="en-US" sz="1400" b="1" dirty="0" err="1">
+                <a:solidFill>
+                  <a:schemeClr val="bg1"/>
+                </a:solidFill>
+              </a:rPr>
+              <a:t>objetos</a:t>
+            </a:r>
+            <a:r>
+              <a:rPr lang="en-US" sz="1400" b="1" dirty="0">
+                <a:solidFill>
+                  <a:schemeClr val="bg1"/>
+                </a:solidFill>
+              </a:rPr>
+              <a:t> (</a:t>
+            </a:r>
+            <a:r>
+              <a:rPr lang="en-US" sz="1400" b="1" dirty="0" err="1">
+                <a:solidFill>
+                  <a:schemeClr val="bg1"/>
+                </a:solidFill>
+              </a:rPr>
+              <a:t>instancias</a:t>
+            </a:r>
+            <a:r>
+              <a:rPr lang="en-US" sz="1400" b="1" dirty="0">
+                <a:solidFill>
+                  <a:schemeClr val="bg1"/>
+                </a:solidFill>
+              </a:rPr>
+              <a:t>) de la </a:t>
+            </a:r>
+            <a:r>
+              <a:rPr lang="en-US" sz="1400" b="1" dirty="0" err="1">
+                <a:solidFill>
+                  <a:schemeClr val="bg1"/>
+                </a:solidFill>
+              </a:rPr>
+              <a:t>Clase</a:t>
+            </a:r>
+            <a:r>
+              <a:rPr lang="en-US" sz="1400" b="1" dirty="0">
+                <a:solidFill>
+                  <a:schemeClr val="bg1"/>
+                </a:solidFill>
+              </a:rPr>
+              <a:t> </a:t>
+            </a:r>
+            <a:r>
+              <a:rPr lang="en-US" sz="1400" b="1" dirty="0" err="1">
+                <a:solidFill>
+                  <a:schemeClr val="bg1"/>
+                </a:solidFill>
+              </a:rPr>
+              <a:t>Rectangulo</a:t>
+            </a:r>
+            <a:endParaRPr lang="en-US" sz="1400" b="1" dirty="0">
+              <a:solidFill>
+                <a:schemeClr val="bg1"/>
+              </a:solidFill>
+            </a:endParaRPr>
+          </a:p>
+          <a:p>
+            <a:r>
+              <a:rPr lang="en-US" sz="1400" b="1" dirty="0">
+                <a:solidFill>
+                  <a:schemeClr val="bg1"/>
+                </a:solidFill>
+              </a:rPr>
+              <a:t>            var </a:t>
+            </a:r>
+            <a:r>
+              <a:rPr lang="en-US" sz="1400" b="1" dirty="0" err="1">
+                <a:solidFill>
+                  <a:schemeClr val="bg1"/>
+                </a:solidFill>
+              </a:rPr>
+              <a:t>recA</a:t>
+            </a:r>
+            <a:r>
+              <a:rPr lang="en-US" sz="1400" b="1" dirty="0">
+                <a:solidFill>
+                  <a:schemeClr val="bg1"/>
+                </a:solidFill>
+              </a:rPr>
+              <a:t> = </a:t>
+            </a:r>
+            <a:r>
+              <a:rPr lang="en-US" sz="1600" b="1" dirty="0">
+                <a:solidFill>
+                  <a:schemeClr val="accent2">
+                    <a:lumMod val="40000"/>
+                    <a:lumOff val="60000"/>
+                  </a:schemeClr>
+                </a:solidFill>
+              </a:rPr>
+              <a:t>new</a:t>
+            </a:r>
+            <a:r>
+              <a:rPr lang="en-US" sz="1400" b="1" dirty="0">
+                <a:solidFill>
+                  <a:schemeClr val="bg1"/>
+                </a:solidFill>
+              </a:rPr>
+              <a:t> </a:t>
+            </a:r>
+            <a:r>
+              <a:rPr lang="en-US" sz="1400" b="1" dirty="0" err="1">
+                <a:solidFill>
+                  <a:schemeClr val="bg1"/>
+                </a:solidFill>
+              </a:rPr>
+              <a:t>Rectangulo</a:t>
+            </a:r>
+            <a:r>
+              <a:rPr lang="en-US" sz="1400" b="1" dirty="0">
+                <a:solidFill>
+                  <a:schemeClr val="bg1"/>
+                </a:solidFill>
+              </a:rPr>
+              <a:t>(); </a:t>
+            </a:r>
+            <a:r>
+              <a:rPr lang="en-US" sz="1400" b="1" dirty="0" err="1">
+                <a:solidFill>
+                  <a:schemeClr val="bg1"/>
+                </a:solidFill>
+              </a:rPr>
+              <a:t>recA.X</a:t>
+            </a:r>
+            <a:r>
+              <a:rPr lang="en-US" sz="1400" b="1" dirty="0">
+                <a:solidFill>
+                  <a:schemeClr val="bg1"/>
+                </a:solidFill>
+              </a:rPr>
+              <a:t> = 15; </a:t>
+            </a:r>
+            <a:r>
+              <a:rPr lang="en-US" sz="1400" b="1" dirty="0" err="1">
+                <a:solidFill>
+                  <a:schemeClr val="bg1"/>
+                </a:solidFill>
+              </a:rPr>
+              <a:t>recA.Y</a:t>
+            </a:r>
+            <a:r>
+              <a:rPr lang="en-US" sz="1400" b="1" dirty="0">
+                <a:solidFill>
+                  <a:schemeClr val="bg1"/>
+                </a:solidFill>
+              </a:rPr>
+              <a:t> = 10;</a:t>
+            </a:r>
+          </a:p>
+          <a:p>
+            <a:r>
+              <a:rPr lang="en-US" sz="1400" b="1" dirty="0">
+                <a:solidFill>
+                  <a:schemeClr val="bg1"/>
+                </a:solidFill>
+              </a:rPr>
+              <a:t>            var </a:t>
+            </a:r>
+            <a:r>
+              <a:rPr lang="en-US" sz="1400" b="1" dirty="0" err="1">
+                <a:solidFill>
+                  <a:schemeClr val="bg1"/>
+                </a:solidFill>
+              </a:rPr>
+              <a:t>recB</a:t>
+            </a:r>
+            <a:r>
+              <a:rPr lang="en-US" sz="1400" b="1" dirty="0">
+                <a:solidFill>
+                  <a:schemeClr val="bg1"/>
+                </a:solidFill>
+              </a:rPr>
+              <a:t> = </a:t>
+            </a:r>
+            <a:r>
+              <a:rPr lang="en-US" sz="1600" b="1" dirty="0">
+                <a:solidFill>
+                  <a:schemeClr val="accent2">
+                    <a:lumMod val="40000"/>
+                    <a:lumOff val="60000"/>
+                  </a:schemeClr>
+                </a:solidFill>
+              </a:rPr>
+              <a:t>new</a:t>
+            </a:r>
+            <a:r>
+              <a:rPr lang="en-US" sz="1400" b="1" dirty="0">
+                <a:solidFill>
+                  <a:schemeClr val="bg1"/>
+                </a:solidFill>
+              </a:rPr>
+              <a:t> </a:t>
+            </a:r>
+            <a:r>
+              <a:rPr lang="en-US" sz="1400" b="1" dirty="0" err="1">
+                <a:solidFill>
+                  <a:schemeClr val="bg1"/>
+                </a:solidFill>
+              </a:rPr>
+              <a:t>Rectangulo</a:t>
+            </a:r>
+            <a:r>
+              <a:rPr lang="en-US" sz="1400" b="1" dirty="0">
+                <a:solidFill>
+                  <a:schemeClr val="bg1"/>
+                </a:solidFill>
+              </a:rPr>
+              <a:t>(); </a:t>
+            </a:r>
+            <a:r>
+              <a:rPr lang="en-US" sz="1400" b="1" dirty="0" err="1">
+                <a:solidFill>
+                  <a:schemeClr val="bg1"/>
+                </a:solidFill>
+              </a:rPr>
+              <a:t>recB.X</a:t>
+            </a:r>
+            <a:r>
+              <a:rPr lang="en-US" sz="1400" b="1" dirty="0">
+                <a:solidFill>
+                  <a:schemeClr val="bg1"/>
+                </a:solidFill>
+              </a:rPr>
+              <a:t> = 24; </a:t>
+            </a:r>
+            <a:r>
+              <a:rPr lang="en-US" sz="1400" b="1" dirty="0" err="1">
+                <a:solidFill>
+                  <a:schemeClr val="bg1"/>
+                </a:solidFill>
+              </a:rPr>
+              <a:t>recB.Y</a:t>
+            </a:r>
+            <a:r>
+              <a:rPr lang="en-US" sz="1400" b="1" dirty="0">
+                <a:solidFill>
+                  <a:schemeClr val="bg1"/>
+                </a:solidFill>
+              </a:rPr>
+              <a:t> = 50;</a:t>
+            </a:r>
+          </a:p>
+          <a:p>
+            <a:r>
+              <a:rPr lang="en-US" sz="1400" b="1" dirty="0">
+                <a:solidFill>
+                  <a:schemeClr val="bg1"/>
+                </a:solidFill>
+              </a:rPr>
+              <a:t>            var </a:t>
+            </a:r>
+            <a:r>
+              <a:rPr lang="en-US" sz="1400" b="1" dirty="0" err="1">
+                <a:solidFill>
+                  <a:schemeClr val="bg1"/>
+                </a:solidFill>
+              </a:rPr>
+              <a:t>recC</a:t>
+            </a:r>
+            <a:r>
+              <a:rPr lang="en-US" sz="1400" b="1" dirty="0">
+                <a:solidFill>
+                  <a:schemeClr val="bg1"/>
+                </a:solidFill>
+              </a:rPr>
+              <a:t> = </a:t>
+            </a:r>
+            <a:r>
+              <a:rPr lang="en-US" sz="1600" b="1" dirty="0">
+                <a:solidFill>
+                  <a:schemeClr val="accent2">
+                    <a:lumMod val="40000"/>
+                    <a:lumOff val="60000"/>
+                  </a:schemeClr>
+                </a:solidFill>
+              </a:rPr>
+              <a:t>new</a:t>
+            </a:r>
+            <a:r>
+              <a:rPr lang="en-US" sz="1400" b="1" dirty="0">
+                <a:solidFill>
+                  <a:schemeClr val="bg1"/>
+                </a:solidFill>
+              </a:rPr>
+              <a:t> </a:t>
+            </a:r>
+            <a:r>
+              <a:rPr lang="en-US" sz="1400" b="1" dirty="0" err="1">
+                <a:solidFill>
+                  <a:schemeClr val="bg1"/>
+                </a:solidFill>
+              </a:rPr>
+              <a:t>Rectangulo</a:t>
+            </a:r>
+            <a:r>
+              <a:rPr lang="en-US" sz="1400" b="1" dirty="0">
+                <a:solidFill>
+                  <a:schemeClr val="bg1"/>
+                </a:solidFill>
+              </a:rPr>
+              <a:t>(); </a:t>
+            </a:r>
+            <a:r>
+              <a:rPr lang="en-US" sz="1400" b="1" dirty="0" err="1">
+                <a:solidFill>
+                  <a:schemeClr val="bg1"/>
+                </a:solidFill>
+              </a:rPr>
+              <a:t>recC.X</a:t>
+            </a:r>
+            <a:r>
+              <a:rPr lang="en-US" sz="1400" b="1" dirty="0">
+                <a:solidFill>
+                  <a:schemeClr val="bg1"/>
+                </a:solidFill>
+              </a:rPr>
+              <a:t> = 30; </a:t>
+            </a:r>
+            <a:r>
+              <a:rPr lang="en-US" sz="1400" b="1" dirty="0" err="1">
+                <a:solidFill>
+                  <a:schemeClr val="bg1"/>
+                </a:solidFill>
+              </a:rPr>
+              <a:t>recC.Y</a:t>
+            </a:r>
+            <a:r>
+              <a:rPr lang="en-US" sz="1400" b="1" dirty="0">
+                <a:solidFill>
+                  <a:schemeClr val="bg1"/>
+                </a:solidFill>
+              </a:rPr>
+              <a:t> = 46;            </a:t>
+            </a:r>
+          </a:p>
+          <a:p>
+            <a:endParaRPr lang="en-US" sz="1400" b="1" dirty="0">
+              <a:solidFill>
+                <a:schemeClr val="bg1"/>
+              </a:solidFill>
+            </a:endParaRPr>
+          </a:p>
+          <a:p>
+            <a:r>
+              <a:rPr lang="en-US" sz="1400" b="1" dirty="0">
+                <a:solidFill>
+                  <a:schemeClr val="bg1"/>
+                </a:solidFill>
+              </a:rPr>
+              <a:t>           WriteLine($"Area </a:t>
+            </a:r>
+            <a:r>
+              <a:rPr lang="en-US" sz="1400" b="1" dirty="0" err="1">
+                <a:solidFill>
+                  <a:schemeClr val="bg1"/>
+                </a:solidFill>
+              </a:rPr>
+              <a:t>recA</a:t>
+            </a:r>
+            <a:r>
+              <a:rPr lang="en-US" sz="1400" b="1" dirty="0">
+                <a:solidFill>
+                  <a:schemeClr val="bg1"/>
+                </a:solidFill>
+              </a:rPr>
+              <a:t> = {</a:t>
+            </a:r>
+            <a:r>
+              <a:rPr lang="en-US" sz="1400" b="1" dirty="0" err="1">
+                <a:solidFill>
+                  <a:schemeClr val="bg1"/>
+                </a:solidFill>
+              </a:rPr>
+              <a:t>recA.Area</a:t>
+            </a:r>
+            <a:r>
+              <a:rPr lang="en-US" sz="1400" b="1" dirty="0">
+                <a:solidFill>
+                  <a:schemeClr val="bg1"/>
+                </a:solidFill>
+              </a:rPr>
+              <a:t>()} "); 	// 150 </a:t>
+            </a:r>
+          </a:p>
+          <a:p>
+            <a:r>
+              <a:rPr lang="en-US" sz="1400" b="1" dirty="0">
+                <a:solidFill>
+                  <a:schemeClr val="bg1"/>
+                </a:solidFill>
+              </a:rPr>
+              <a:t>           WriteLine($"Area </a:t>
+            </a:r>
+            <a:r>
+              <a:rPr lang="en-US" sz="1400" b="1" dirty="0" err="1">
+                <a:solidFill>
+                  <a:schemeClr val="bg1"/>
+                </a:solidFill>
+              </a:rPr>
+              <a:t>recB</a:t>
+            </a:r>
+            <a:r>
+              <a:rPr lang="en-US" sz="1400" b="1" dirty="0">
+                <a:solidFill>
+                  <a:schemeClr val="bg1"/>
+                </a:solidFill>
+              </a:rPr>
+              <a:t> = {</a:t>
+            </a:r>
+            <a:r>
+              <a:rPr lang="en-US" sz="1400" b="1" dirty="0" err="1">
+                <a:solidFill>
+                  <a:schemeClr val="bg1"/>
+                </a:solidFill>
+              </a:rPr>
+              <a:t>recB.Area</a:t>
+            </a:r>
+            <a:r>
+              <a:rPr lang="en-US" sz="1400" b="1" dirty="0">
+                <a:solidFill>
+                  <a:schemeClr val="bg1"/>
+                </a:solidFill>
+              </a:rPr>
+              <a:t>()} "); 	// 1200 </a:t>
+            </a:r>
+          </a:p>
+          <a:p>
+            <a:r>
+              <a:rPr lang="en-US" sz="1400" b="1" dirty="0">
+                <a:solidFill>
+                  <a:schemeClr val="bg1"/>
+                </a:solidFill>
+              </a:rPr>
+              <a:t>           WriteLine($"Area </a:t>
+            </a:r>
+            <a:r>
+              <a:rPr lang="en-US" sz="1400" b="1" dirty="0" err="1">
+                <a:solidFill>
+                  <a:schemeClr val="bg1"/>
+                </a:solidFill>
+              </a:rPr>
+              <a:t>recC</a:t>
+            </a:r>
+            <a:r>
+              <a:rPr lang="en-US" sz="1400" b="1" dirty="0">
+                <a:solidFill>
+                  <a:schemeClr val="bg1"/>
+                </a:solidFill>
+              </a:rPr>
+              <a:t> = {</a:t>
+            </a:r>
+            <a:r>
+              <a:rPr lang="en-US" sz="1400" b="1" dirty="0" err="1">
+                <a:solidFill>
+                  <a:schemeClr val="bg1"/>
+                </a:solidFill>
+              </a:rPr>
+              <a:t>recC.Area</a:t>
+            </a:r>
+            <a:r>
+              <a:rPr lang="en-US" sz="1400" b="1" dirty="0">
+                <a:solidFill>
+                  <a:schemeClr val="bg1"/>
+                </a:solidFill>
+              </a:rPr>
+              <a:t>()} "); 	// 1380       </a:t>
+            </a:r>
+          </a:p>
+          <a:p>
+            <a:r>
+              <a:rPr lang="en-US" sz="1400" b="1" dirty="0">
+                <a:solidFill>
+                  <a:schemeClr val="bg1"/>
+                </a:solidFill>
+              </a:rPr>
+              <a:t>           </a:t>
+            </a:r>
+            <a:r>
+              <a:rPr lang="en-US" sz="1400" b="1" dirty="0" err="1">
+                <a:solidFill>
+                  <a:schemeClr val="bg1"/>
+                </a:solidFill>
+              </a:rPr>
+              <a:t>recC.Y</a:t>
+            </a:r>
+            <a:r>
+              <a:rPr lang="en-US" sz="1400" b="1" dirty="0">
+                <a:solidFill>
+                  <a:schemeClr val="bg1"/>
+                </a:solidFill>
+              </a:rPr>
+              <a:t> = 35;			// </a:t>
+            </a:r>
+            <a:r>
+              <a:rPr lang="en-US" sz="1400" b="1" dirty="0" err="1">
+                <a:solidFill>
+                  <a:schemeClr val="bg1"/>
+                </a:solidFill>
+              </a:rPr>
+              <a:t>Cambiando</a:t>
+            </a:r>
+            <a:r>
+              <a:rPr lang="en-US" sz="1400" b="1" dirty="0">
+                <a:solidFill>
+                  <a:schemeClr val="bg1"/>
+                </a:solidFill>
+              </a:rPr>
+              <a:t> campo</a:t>
+            </a:r>
+          </a:p>
+          <a:p>
+            <a:r>
+              <a:rPr lang="en-US" sz="1400" b="1" dirty="0">
+                <a:solidFill>
+                  <a:schemeClr val="bg1"/>
+                </a:solidFill>
+              </a:rPr>
+              <a:t>           WriteLine($"Area </a:t>
+            </a:r>
+            <a:r>
+              <a:rPr lang="en-US" sz="1400" b="1" dirty="0" err="1">
+                <a:solidFill>
+                  <a:schemeClr val="bg1"/>
+                </a:solidFill>
+              </a:rPr>
+              <a:t>recC</a:t>
+            </a:r>
+            <a:r>
+              <a:rPr lang="en-US" sz="1400" b="1" dirty="0">
+                <a:solidFill>
+                  <a:schemeClr val="bg1"/>
+                </a:solidFill>
+              </a:rPr>
+              <a:t> = {</a:t>
+            </a:r>
+            <a:r>
+              <a:rPr lang="en-US" sz="1400" b="1" dirty="0" err="1">
+                <a:solidFill>
+                  <a:schemeClr val="bg1"/>
+                </a:solidFill>
+              </a:rPr>
+              <a:t>recC.Area</a:t>
+            </a:r>
+            <a:r>
+              <a:rPr lang="en-US" sz="1400" b="1" dirty="0">
+                <a:solidFill>
+                  <a:schemeClr val="bg1"/>
+                </a:solidFill>
+              </a:rPr>
+              <a:t>()} "); 	// 1050</a:t>
+            </a:r>
+          </a:p>
+          <a:p>
+            <a:r>
+              <a:rPr lang="en-US" sz="1400" b="1" dirty="0">
+                <a:solidFill>
+                  <a:schemeClr val="bg1"/>
+                </a:solidFill>
+              </a:rPr>
+              <a:t>           WriteLine($"Area rec sin </a:t>
+            </a:r>
+            <a:r>
+              <a:rPr lang="en-US" sz="1400" b="1" dirty="0" err="1">
+                <a:solidFill>
+                  <a:schemeClr val="bg1"/>
+                </a:solidFill>
+              </a:rPr>
+              <a:t>nombre</a:t>
+            </a:r>
+            <a:r>
+              <a:rPr lang="en-US" sz="1400" b="1" dirty="0">
+                <a:solidFill>
+                  <a:schemeClr val="bg1"/>
+                </a:solidFill>
+              </a:rPr>
+              <a:t> = {(new </a:t>
+            </a:r>
+            <a:r>
+              <a:rPr lang="en-US" sz="1400" b="1" dirty="0" err="1">
+                <a:solidFill>
+                  <a:schemeClr val="bg1"/>
+                </a:solidFill>
+              </a:rPr>
+              <a:t>Rectangulo</a:t>
+            </a:r>
+            <a:r>
+              <a:rPr lang="en-US" sz="1400" b="1" dirty="0">
+                <a:solidFill>
+                  <a:schemeClr val="bg1"/>
+                </a:solidFill>
+              </a:rPr>
+              <a:t>()).Area()} ");  // 0</a:t>
+            </a:r>
+          </a:p>
+          <a:p>
+            <a:r>
+              <a:rPr lang="en-US" sz="1400" b="1" dirty="0">
+                <a:solidFill>
+                  <a:schemeClr val="bg1"/>
+                </a:solidFill>
+              </a:rPr>
+              <a:t>      }      </a:t>
+            </a:r>
+          </a:p>
+          <a:p>
+            <a:r>
+              <a:rPr lang="en-US" sz="1400" b="1" dirty="0">
+                <a:solidFill>
+                  <a:schemeClr val="bg1"/>
+                </a:solidFill>
+              </a:rPr>
+              <a:t>}</a:t>
+            </a:r>
+          </a:p>
+          <a:p>
+            <a:endParaRPr lang="en-US" sz="1000" dirty="0">
+              <a:solidFill>
+                <a:schemeClr val="bg1">
+                  <a:lumMod val="85000"/>
+                </a:schemeClr>
+              </a:solidFill>
+            </a:endParaRPr>
+          </a:p>
+          <a:p>
+            <a:r>
+              <a:rPr lang="en-US" sz="1000" dirty="0">
+                <a:solidFill>
+                  <a:schemeClr val="bg1">
+                    <a:lumMod val="85000"/>
+                  </a:schemeClr>
+                </a:solidFill>
+              </a:rPr>
+              <a:t>}</a:t>
+            </a:r>
+          </a:p>
+        </p:txBody>
+      </p:sp>
+    </p:spTree>
+    <p:extLst>
+      <p:ext uri="{BB962C8B-B14F-4D97-AF65-F5344CB8AC3E}">
+        <p14:creationId xmlns:p14="http://schemas.microsoft.com/office/powerpoint/2010/main" val="2418665280"/>
+      </p:ext>
+    </p:extLst>
+  </p:cSld>
+  <p:clrMapOvr>
+    <a:masterClrMapping/>
+  </p:clrMapOvr>
+</p:sld>
+</file>
+
+<file path=ppt/slides/slide104.xml><?xml version="1.0" encoding="utf-8"?>
+<p:sld xmlns:a="http://schemas.openxmlformats.org/drawingml/2006/main" xmlns:r="http://schemas.openxmlformats.org/officeDocument/2006/relationships" xmlns:p="http://schemas.openxmlformats.org/presentationml/2006/main">
+  <p:cSld>
+    <p:spTree>
+      <p:nvGrpSpPr>
+        <p:cNvPr id="1" name=""/>
+        <p:cNvGrpSpPr/>
+        <p:nvPr/>
+      </p:nvGrpSpPr>
+      <p:grpSpPr>
+        <a:xfrm>
+          <a:off x="0" y="0"/>
+          <a:ext cx="0" cy="0"/>
+          <a:chOff x="0" y="0"/>
+          <a:chExt cx="0" cy="0"/>
+        </a:xfrm>
+      </p:grpSpPr>
+      <p:sp>
+        <p:nvSpPr>
+          <p:cNvPr id="2" name="Title 1">
+            <a:extLst>
+              <a:ext uri="{FF2B5EF4-FFF2-40B4-BE49-F238E27FC236}">
+                <a16:creationId xmlns:a16="http://schemas.microsoft.com/office/drawing/2014/main" id="{FF5041C0-9E3A-3741-AAF6-91A6D9427587}"/>
+              </a:ext>
+            </a:extLst>
+          </p:cNvPr>
+          <p:cNvSpPr>
+            <a:spLocks noGrp="1"/>
+          </p:cNvSpPr>
+          <p:nvPr>
+            <p:ph type="title"/>
+          </p:nvPr>
+        </p:nvSpPr>
+        <p:spPr/>
+        <p:txBody>
+          <a:bodyPr/>
+          <a:lstStyle/>
+          <a:p>
+            <a:r>
+              <a:rPr lang="en-BO" dirty="0"/>
+              <a:t>Clase static</a:t>
+            </a:r>
+          </a:p>
+        </p:txBody>
+      </p:sp>
+      <p:sp>
+        <p:nvSpPr>
+          <p:cNvPr id="3" name="Content Placeholder 2">
+            <a:extLst>
+              <a:ext uri="{FF2B5EF4-FFF2-40B4-BE49-F238E27FC236}">
+                <a16:creationId xmlns:a16="http://schemas.microsoft.com/office/drawing/2014/main" id="{6EA0A1CA-3518-FF45-98C0-D917435E67BD}"/>
+              </a:ext>
+            </a:extLst>
+          </p:cNvPr>
+          <p:cNvSpPr>
+            <a:spLocks noGrp="1"/>
+          </p:cNvSpPr>
+          <p:nvPr>
+            <p:ph idx="1"/>
+          </p:nvPr>
+        </p:nvSpPr>
+        <p:spPr>
+          <a:xfrm>
+            <a:off x="5991497" y="1690688"/>
+            <a:ext cx="5362303" cy="4701403"/>
+          </a:xfrm>
+        </p:spPr>
+        <p:style>
+          <a:lnRef idx="1">
+            <a:schemeClr val="accent5"/>
+          </a:lnRef>
+          <a:fillRef idx="2">
+            <a:schemeClr val="accent5"/>
+          </a:fillRef>
+          <a:effectRef idx="1">
+            <a:schemeClr val="accent5"/>
+          </a:effectRef>
+          <a:fontRef idx="minor">
+            <a:schemeClr val="dk1"/>
+          </a:fontRef>
+        </p:style>
+        <p:txBody>
+          <a:bodyPr>
+            <a:normAutofit/>
+          </a:bodyPr>
+          <a:lstStyle/>
+          <a:p>
+            <a:pPr marL="0" indent="0">
+              <a:buNone/>
+            </a:pPr>
+            <a:r>
+              <a:rPr lang="en-BO" sz="1400" dirty="0"/>
+              <a:t>Una clase estática (static class) puede asimilarse al concepto de módulo o “package” de otros lenguajes.</a:t>
+            </a:r>
+          </a:p>
+          <a:p>
+            <a:pPr marL="0" indent="0">
+              <a:buNone/>
+            </a:pPr>
+            <a:r>
+              <a:rPr lang="en-BO" sz="1400" dirty="0"/>
+              <a:t>Una clase estática (static) solo puede tener miembros, campos y métodos, static.</a:t>
+            </a:r>
+          </a:p>
+          <a:p>
+            <a:pPr marL="0" indent="0">
+              <a:buNone/>
+            </a:pPr>
+            <a:r>
+              <a:rPr lang="en-BO" sz="1400" dirty="0"/>
+              <a:t>De una clase estática no se pueden definir objetos (o instancias de la clase) y solo es posible acceder a sus miembros a través del nombre de la clase.</a:t>
+            </a:r>
+          </a:p>
+          <a:p>
+            <a:pPr marL="0" indent="0">
+              <a:buNone/>
+            </a:pPr>
+            <a:r>
+              <a:rPr lang="en-BO" sz="1400" dirty="0"/>
+              <a:t>El espacio de almacenamiento se hace al principio del programa y existe hasta el final del programa, no se crea, ni se destruye.</a:t>
+            </a:r>
+          </a:p>
+          <a:p>
+            <a:pPr marL="0" indent="0">
+              <a:buNone/>
+            </a:pPr>
+            <a:r>
+              <a:rPr lang="en-BO" sz="1400" dirty="0"/>
+              <a:t>Existe un único espacio de memoria para la clase; es como si solo existiese una sola instancia de la clase y el acceso a sus miembros es através del nombre de la clase.</a:t>
+            </a:r>
+          </a:p>
+          <a:p>
+            <a:pPr marL="0" indent="0">
+              <a:buNone/>
+            </a:pPr>
+            <a:r>
+              <a:rPr lang="en-BO" sz="1400" dirty="0"/>
+              <a:t>El concepto de clase estática permite, hasta cierto modo, no usar lo conceptos de orientación objetos y hacer una programación estructurada más simple.</a:t>
+            </a:r>
+          </a:p>
+          <a:p>
+            <a:pPr marL="0" indent="0">
+              <a:buNone/>
+            </a:pPr>
+            <a:r>
+              <a:rPr lang="en-BO" sz="1400" dirty="0"/>
+              <a:t>La librería de clases tiene varias clases estáticas, que usa para agrupar funciones simples que no necesitan de la creación de objetos, como ser:</a:t>
+            </a:r>
+          </a:p>
+          <a:p>
+            <a:pPr marL="0" indent="0">
+              <a:buNone/>
+            </a:pPr>
+            <a:r>
+              <a:rPr lang="en-BO" sz="1400" dirty="0"/>
+              <a:t>System.Console, System.Math, System.IO.File, etc.</a:t>
+            </a:r>
+          </a:p>
+        </p:txBody>
+      </p:sp>
+      <p:sp>
+        <p:nvSpPr>
+          <p:cNvPr id="4" name="TextBox 3">
+            <a:extLst>
+              <a:ext uri="{FF2B5EF4-FFF2-40B4-BE49-F238E27FC236}">
+                <a16:creationId xmlns:a16="http://schemas.microsoft.com/office/drawing/2014/main" id="{5D8E14B1-4B73-BE46-B76D-14991C63CCFB}"/>
+              </a:ext>
+            </a:extLst>
+          </p:cNvPr>
+          <p:cNvSpPr txBox="1"/>
+          <p:nvPr/>
+        </p:nvSpPr>
+        <p:spPr>
+          <a:xfrm>
+            <a:off x="907868" y="1662192"/>
+            <a:ext cx="4569823" cy="4801314"/>
+          </a:xfrm>
+          <a:prstGeom prst="rect">
+            <a:avLst/>
+          </a:prstGeom>
+        </p:spPr>
+        <p:style>
+          <a:lnRef idx="2">
+            <a:schemeClr val="accent1">
+              <a:shade val="50000"/>
+            </a:schemeClr>
+          </a:lnRef>
+          <a:fillRef idx="1">
+            <a:schemeClr val="accent1"/>
+          </a:fillRef>
+          <a:effectRef idx="0">
+            <a:schemeClr val="accent1"/>
+          </a:effectRef>
+          <a:fontRef idx="minor">
+            <a:schemeClr val="lt1"/>
+          </a:fontRef>
+        </p:style>
+        <p:txBody>
+          <a:bodyPr wrap="square" rtlCol="0">
+            <a:spAutoFit/>
+          </a:bodyPr>
+          <a:lstStyle/>
+          <a:p>
+            <a:r>
+              <a:rPr lang="en-US" sz="1000" dirty="0">
+                <a:solidFill>
+                  <a:schemeClr val="bg1">
+                    <a:lumMod val="85000"/>
+                  </a:schemeClr>
+                </a:solidFill>
+              </a:rPr>
+              <a:t>using System; using static </a:t>
+            </a:r>
+            <a:r>
+              <a:rPr lang="en-US" sz="1000" dirty="0" err="1">
+                <a:solidFill>
+                  <a:schemeClr val="bg1">
+                    <a:lumMod val="85000"/>
+                  </a:schemeClr>
+                </a:solidFill>
+              </a:rPr>
+              <a:t>System.Console</a:t>
+            </a:r>
+            <a:r>
+              <a:rPr lang="en-US" sz="1000" dirty="0">
+                <a:solidFill>
+                  <a:schemeClr val="bg1">
+                    <a:lumMod val="85000"/>
+                  </a:schemeClr>
+                </a:solidFill>
+              </a:rPr>
+              <a:t>; namespace Lansoft.CursoCshap8 { </a:t>
+            </a:r>
+          </a:p>
+          <a:p>
+            <a:endParaRPr lang="en-US" sz="1000" dirty="0">
+              <a:solidFill>
+                <a:schemeClr val="bg1">
+                  <a:lumMod val="85000"/>
+                </a:schemeClr>
+              </a:solidFill>
+            </a:endParaRPr>
+          </a:p>
+          <a:p>
+            <a:r>
+              <a:rPr lang="en-US" sz="1400" b="1" dirty="0">
+                <a:solidFill>
+                  <a:schemeClr val="accent2">
+                    <a:lumMod val="40000"/>
+                    <a:lumOff val="60000"/>
+                  </a:schemeClr>
+                </a:solidFill>
+              </a:rPr>
+              <a:t>static class </a:t>
+            </a:r>
+            <a:r>
+              <a:rPr lang="en-US" sz="1400" b="1" dirty="0" err="1">
+                <a:solidFill>
+                  <a:schemeClr val="bg1"/>
+                </a:solidFill>
+              </a:rPr>
+              <a:t>Rectangulo</a:t>
+            </a:r>
+            <a:endParaRPr lang="en-US" sz="1400" b="1" dirty="0">
+              <a:solidFill>
+                <a:schemeClr val="bg1"/>
+              </a:solidFill>
+            </a:endParaRPr>
+          </a:p>
+          <a:p>
+            <a:r>
+              <a:rPr lang="en-US" sz="1400" b="1" dirty="0">
+                <a:solidFill>
+                  <a:schemeClr val="bg1"/>
+                </a:solidFill>
+              </a:rPr>
+              <a:t>{</a:t>
+            </a:r>
+          </a:p>
+          <a:p>
+            <a:r>
+              <a:rPr lang="en-US" sz="1400" b="1" dirty="0">
+                <a:solidFill>
+                  <a:schemeClr val="bg1"/>
+                </a:solidFill>
+              </a:rPr>
+              <a:t>      // Campos</a:t>
+            </a:r>
+          </a:p>
+          <a:p>
+            <a:r>
+              <a:rPr lang="en-US" sz="1400" b="1" dirty="0">
+                <a:solidFill>
+                  <a:schemeClr val="bg1"/>
+                </a:solidFill>
+              </a:rPr>
+              <a:t>      </a:t>
+            </a:r>
+            <a:r>
+              <a:rPr lang="en-US" sz="1400" b="1" dirty="0">
+                <a:solidFill>
+                  <a:schemeClr val="accent2">
+                    <a:lumMod val="40000"/>
+                    <a:lumOff val="60000"/>
+                  </a:schemeClr>
+                </a:solidFill>
+              </a:rPr>
+              <a:t>public</a:t>
+            </a:r>
+            <a:r>
+              <a:rPr lang="en-US" sz="1400" b="1" dirty="0">
+                <a:solidFill>
+                  <a:schemeClr val="bg1"/>
+                </a:solidFill>
+              </a:rPr>
+              <a:t> </a:t>
+            </a:r>
+            <a:r>
+              <a:rPr lang="en-US" sz="1400" b="1" dirty="0">
+                <a:solidFill>
+                  <a:schemeClr val="accent2">
+                    <a:lumMod val="40000"/>
+                    <a:lumOff val="60000"/>
+                  </a:schemeClr>
+                </a:solidFill>
+              </a:rPr>
+              <a:t>static</a:t>
+            </a:r>
+            <a:r>
+              <a:rPr lang="en-US" sz="1400" b="1" dirty="0">
+                <a:solidFill>
+                  <a:schemeClr val="bg1"/>
+                </a:solidFill>
+              </a:rPr>
+              <a:t> int X, Y;</a:t>
+            </a:r>
+          </a:p>
+          <a:p>
+            <a:r>
+              <a:rPr lang="en-US" sz="1400" b="1" dirty="0">
+                <a:solidFill>
+                  <a:schemeClr val="bg1"/>
+                </a:solidFill>
+              </a:rPr>
+              <a:t>      </a:t>
+            </a:r>
+          </a:p>
+          <a:p>
+            <a:r>
+              <a:rPr lang="en-US" sz="1400" b="1" dirty="0">
+                <a:solidFill>
+                  <a:schemeClr val="bg1"/>
+                </a:solidFill>
+              </a:rPr>
+              <a:t>      // </a:t>
+            </a:r>
+            <a:r>
+              <a:rPr lang="en-US" sz="1400" b="1" dirty="0" err="1">
+                <a:solidFill>
+                  <a:schemeClr val="bg1"/>
+                </a:solidFill>
+              </a:rPr>
+              <a:t>Metodos</a:t>
+            </a:r>
+            <a:endParaRPr lang="en-US" sz="1400" b="1" dirty="0">
+              <a:solidFill>
+                <a:schemeClr val="bg1"/>
+              </a:solidFill>
+            </a:endParaRPr>
+          </a:p>
+          <a:p>
+            <a:r>
+              <a:rPr lang="en-US" sz="1400" b="1" dirty="0">
+                <a:solidFill>
+                  <a:schemeClr val="bg1"/>
+                </a:solidFill>
+              </a:rPr>
+              <a:t>      </a:t>
+            </a:r>
+            <a:r>
+              <a:rPr lang="en-US" sz="1400" b="1" dirty="0">
+                <a:solidFill>
+                  <a:schemeClr val="accent2">
+                    <a:lumMod val="40000"/>
+                    <a:lumOff val="60000"/>
+                  </a:schemeClr>
+                </a:solidFill>
+              </a:rPr>
+              <a:t>public</a:t>
+            </a:r>
+            <a:r>
+              <a:rPr lang="en-US" sz="1400" b="1" dirty="0">
+                <a:solidFill>
+                  <a:schemeClr val="bg1"/>
+                </a:solidFill>
+              </a:rPr>
+              <a:t> </a:t>
+            </a:r>
+            <a:r>
+              <a:rPr lang="en-US" sz="1400" b="1" dirty="0">
+                <a:solidFill>
+                  <a:schemeClr val="accent2">
+                    <a:lumMod val="40000"/>
+                    <a:lumOff val="60000"/>
+                  </a:schemeClr>
+                </a:solidFill>
+              </a:rPr>
+              <a:t>static</a:t>
+            </a:r>
+            <a:r>
+              <a:rPr lang="en-US" sz="1400" b="1" dirty="0">
+                <a:solidFill>
+                  <a:schemeClr val="bg1"/>
+                </a:solidFill>
+              </a:rPr>
+              <a:t> int Area() {</a:t>
+            </a:r>
+          </a:p>
+          <a:p>
+            <a:r>
+              <a:rPr lang="en-US" sz="1400" b="1" dirty="0">
+                <a:solidFill>
+                  <a:schemeClr val="bg1"/>
+                </a:solidFill>
+              </a:rPr>
+              <a:t>            return X * Y;         </a:t>
+            </a:r>
+          </a:p>
+          <a:p>
+            <a:r>
+              <a:rPr lang="en-US" sz="1400" b="1" dirty="0">
+                <a:solidFill>
+                  <a:schemeClr val="bg1"/>
+                </a:solidFill>
+              </a:rPr>
+              <a:t>      }</a:t>
+            </a:r>
+          </a:p>
+          <a:p>
+            <a:r>
+              <a:rPr lang="en-US" sz="1400" b="1" dirty="0">
+                <a:solidFill>
+                  <a:schemeClr val="bg1"/>
+                </a:solidFill>
+              </a:rPr>
+              <a:t>}</a:t>
+            </a:r>
+          </a:p>
+          <a:p>
+            <a:endParaRPr lang="en-US" sz="1400" b="1" dirty="0">
+              <a:solidFill>
+                <a:schemeClr val="bg1"/>
+              </a:solidFill>
+            </a:endParaRPr>
+          </a:p>
+          <a:p>
+            <a:r>
+              <a:rPr lang="en-US" sz="1400" b="1" dirty="0">
+                <a:solidFill>
+                  <a:schemeClr val="accent2">
+                    <a:lumMod val="40000"/>
+                    <a:lumOff val="60000"/>
+                  </a:schemeClr>
+                </a:solidFill>
+              </a:rPr>
+              <a:t>static class </a:t>
+            </a:r>
+            <a:r>
+              <a:rPr lang="en-US" sz="1400" b="1" dirty="0" err="1">
+                <a:solidFill>
+                  <a:schemeClr val="bg1"/>
+                </a:solidFill>
+              </a:rPr>
+              <a:t>BingBang</a:t>
+            </a:r>
+            <a:r>
+              <a:rPr lang="en-US" sz="1400" b="1" dirty="0">
+                <a:solidFill>
+                  <a:schemeClr val="bg1"/>
+                </a:solidFill>
+              </a:rPr>
+              <a:t> </a:t>
+            </a:r>
+          </a:p>
+          <a:p>
+            <a:r>
+              <a:rPr lang="en-US" sz="1400" b="1" dirty="0">
+                <a:solidFill>
+                  <a:schemeClr val="bg1"/>
+                </a:solidFill>
+              </a:rPr>
+              <a:t>{ </a:t>
+            </a:r>
+          </a:p>
+          <a:p>
+            <a:r>
+              <a:rPr lang="en-US" sz="1400" b="1" dirty="0">
+                <a:solidFill>
+                  <a:schemeClr val="accent2">
+                    <a:lumMod val="40000"/>
+                    <a:lumOff val="60000"/>
+                  </a:schemeClr>
+                </a:solidFill>
+              </a:rPr>
+              <a:t>            static</a:t>
+            </a:r>
+            <a:r>
+              <a:rPr lang="en-US" sz="1400" b="1" dirty="0"/>
+              <a:t> void Main() {</a:t>
+            </a:r>
+          </a:p>
+          <a:p>
+            <a:r>
+              <a:rPr lang="en-US" sz="1400" b="1" dirty="0"/>
+              <a:t>            </a:t>
+            </a:r>
+            <a:r>
+              <a:rPr lang="en-US" sz="1400" b="1" dirty="0" err="1"/>
+              <a:t>Rectangulo.X</a:t>
+            </a:r>
+            <a:r>
+              <a:rPr lang="en-US" sz="1400" b="1" dirty="0"/>
+              <a:t> = 10; </a:t>
+            </a:r>
+            <a:r>
+              <a:rPr lang="en-US" sz="1400" b="1" dirty="0" err="1"/>
+              <a:t>Rectangulo.Y</a:t>
+            </a:r>
+            <a:r>
+              <a:rPr lang="en-US" sz="1400" b="1" dirty="0"/>
+              <a:t> = 30; </a:t>
+            </a:r>
+          </a:p>
+          <a:p>
+            <a:r>
+              <a:rPr lang="en-US" sz="1400" b="1" dirty="0"/>
+              <a:t>            var area = </a:t>
+            </a:r>
+            <a:r>
+              <a:rPr lang="en-US" sz="1400" b="1" dirty="0" err="1">
+                <a:solidFill>
+                  <a:schemeClr val="accent2">
+                    <a:lumMod val="40000"/>
+                    <a:lumOff val="60000"/>
+                  </a:schemeClr>
+                </a:solidFill>
+              </a:rPr>
+              <a:t>Rectangulo.Area</a:t>
+            </a:r>
+            <a:r>
+              <a:rPr lang="en-US" sz="1400" b="1" dirty="0">
+                <a:solidFill>
+                  <a:schemeClr val="accent2">
+                    <a:lumMod val="40000"/>
+                    <a:lumOff val="60000"/>
+                  </a:schemeClr>
+                </a:solidFill>
+              </a:rPr>
+              <a:t>()</a:t>
+            </a:r>
+            <a:r>
+              <a:rPr lang="en-US" sz="1400" b="1" dirty="0"/>
+              <a:t>;		</a:t>
+            </a:r>
+          </a:p>
+          <a:p>
+            <a:r>
+              <a:rPr lang="en-US" sz="1400" b="1" dirty="0"/>
+              <a:t>            Write($"Area del </a:t>
+            </a:r>
+            <a:r>
+              <a:rPr lang="en-US" sz="1400" b="1" dirty="0" err="1"/>
+              <a:t>Rectangulo</a:t>
+            </a:r>
+            <a:r>
+              <a:rPr lang="en-US" sz="1400" b="1" dirty="0"/>
+              <a:t> = {area} "); 	// 300 </a:t>
+            </a:r>
+          </a:p>
+          <a:p>
+            <a:r>
+              <a:rPr lang="en-US" sz="1400" b="1" dirty="0"/>
+              <a:t>      }</a:t>
+            </a:r>
+          </a:p>
+          <a:p>
+            <a:r>
+              <a:rPr lang="en-US" sz="1400" b="1" dirty="0">
+                <a:solidFill>
+                  <a:schemeClr val="bg1"/>
+                </a:solidFill>
+              </a:rPr>
+              <a:t>}</a:t>
+            </a:r>
+          </a:p>
+          <a:p>
+            <a:endParaRPr lang="en-US" sz="1000" dirty="0">
+              <a:solidFill>
+                <a:schemeClr val="bg1">
+                  <a:lumMod val="85000"/>
+                </a:schemeClr>
+              </a:solidFill>
+            </a:endParaRPr>
+          </a:p>
+          <a:p>
+            <a:r>
+              <a:rPr lang="en-US" sz="1000" dirty="0">
+                <a:solidFill>
+                  <a:schemeClr val="bg1">
+                    <a:lumMod val="85000"/>
+                  </a:schemeClr>
+                </a:solidFill>
+              </a:rPr>
+              <a:t>}</a:t>
+            </a:r>
+          </a:p>
+        </p:txBody>
+      </p:sp>
+    </p:spTree>
+    <p:extLst>
+      <p:ext uri="{BB962C8B-B14F-4D97-AF65-F5344CB8AC3E}">
+        <p14:creationId xmlns:p14="http://schemas.microsoft.com/office/powerpoint/2010/main" val="1093294141"/>
+      </p:ext>
+    </p:extLst>
+  </p:cSld>
+  <p:clrMapOvr>
+    <a:masterClrMapping/>
+  </p:clrMapOvr>
+</p:sld>
+</file>
+
+<file path=ppt/slides/slide105.xml><?xml version="1.0" encoding="utf-8"?>
+<p:sld xmlns:a="http://schemas.openxmlformats.org/drawingml/2006/main" xmlns:r="http://schemas.openxmlformats.org/officeDocument/2006/relationships" xmlns:p="http://schemas.openxmlformats.org/presentationml/2006/main">
+  <p:cSld>
+    <p:spTree>
+      <p:nvGrpSpPr>
+        <p:cNvPr id="1" name=""/>
+        <p:cNvGrpSpPr/>
+        <p:nvPr/>
+      </p:nvGrpSpPr>
+      <p:grpSpPr>
+        <a:xfrm>
+          <a:off x="0" y="0"/>
+          <a:ext cx="0" cy="0"/>
+          <a:chOff x="0" y="0"/>
+          <a:chExt cx="0" cy="0"/>
+        </a:xfrm>
+      </p:grpSpPr>
+      <p:sp>
+        <p:nvSpPr>
+          <p:cNvPr id="2" name="Title 1">
+            <a:extLst>
+              <a:ext uri="{FF2B5EF4-FFF2-40B4-BE49-F238E27FC236}">
+                <a16:creationId xmlns:a16="http://schemas.microsoft.com/office/drawing/2014/main" id="{AFF1CEF1-1B11-FB40-A3D3-68611E3E5805}"/>
+              </a:ext>
+            </a:extLst>
+          </p:cNvPr>
+          <p:cNvSpPr>
+            <a:spLocks noGrp="1"/>
+          </p:cNvSpPr>
+          <p:nvPr>
+            <p:ph type="title"/>
+          </p:nvPr>
+        </p:nvSpPr>
+        <p:spPr/>
+        <p:txBody>
+          <a:bodyPr/>
+          <a:lstStyle/>
+          <a:p>
+            <a:r>
+              <a:rPr lang="en-BO" dirty="0"/>
+              <a:t>Clases de instancia con miembros static</a:t>
+            </a:r>
+          </a:p>
+        </p:txBody>
+      </p:sp>
+      <p:sp>
+        <p:nvSpPr>
+          <p:cNvPr id="3" name="Content Placeholder 2">
+            <a:extLst>
+              <a:ext uri="{FF2B5EF4-FFF2-40B4-BE49-F238E27FC236}">
+                <a16:creationId xmlns:a16="http://schemas.microsoft.com/office/drawing/2014/main" id="{4EBF046E-322F-D441-989E-7EC930156087}"/>
+              </a:ext>
+            </a:extLst>
+          </p:cNvPr>
+          <p:cNvSpPr>
+            <a:spLocks noGrp="1"/>
+          </p:cNvSpPr>
+          <p:nvPr>
+            <p:ph idx="1"/>
+          </p:nvPr>
+        </p:nvSpPr>
+        <p:spPr>
+          <a:xfrm>
+            <a:off x="7541623" y="1860460"/>
+            <a:ext cx="3812177" cy="4351338"/>
+          </a:xfrm>
+        </p:spPr>
+        <p:style>
+          <a:lnRef idx="1">
+            <a:schemeClr val="accent5"/>
+          </a:lnRef>
+          <a:fillRef idx="2">
+            <a:schemeClr val="accent5"/>
+          </a:fillRef>
+          <a:effectRef idx="1">
+            <a:schemeClr val="accent5"/>
+          </a:effectRef>
+          <a:fontRef idx="minor">
+            <a:schemeClr val="dk1"/>
+          </a:fontRef>
+        </p:style>
+        <p:txBody>
+          <a:bodyPr>
+            <a:normAutofit lnSpcReduction="10000"/>
+          </a:bodyPr>
+          <a:lstStyle/>
+          <a:p>
+            <a:pPr marL="0" indent="0">
+              <a:buNone/>
+            </a:pPr>
+            <a:r>
+              <a:rPr lang="en-BO" dirty="0"/>
+              <a:t>Es también posible definir miembros static en una clase de instancia, en ese caso la clase no recibe el calificativo static, y los miembros static funcionan en el scope de la clase, mientras que los miembros de instancia (no static) funcionan en el scope de un objeto.</a:t>
+            </a:r>
+          </a:p>
+        </p:txBody>
+      </p:sp>
+      <p:sp>
+        <p:nvSpPr>
+          <p:cNvPr id="4" name="TextBox 3">
+            <a:extLst>
+              <a:ext uri="{FF2B5EF4-FFF2-40B4-BE49-F238E27FC236}">
+                <a16:creationId xmlns:a16="http://schemas.microsoft.com/office/drawing/2014/main" id="{11F348C6-BB35-5D4B-A1A4-40649B4EC1AD}"/>
+              </a:ext>
+            </a:extLst>
+          </p:cNvPr>
+          <p:cNvSpPr txBox="1"/>
+          <p:nvPr/>
+        </p:nvSpPr>
+        <p:spPr>
+          <a:xfrm>
+            <a:off x="838200" y="1495583"/>
+            <a:ext cx="6250577" cy="5232202"/>
+          </a:xfrm>
+          <a:prstGeom prst="rect">
+            <a:avLst/>
+          </a:prstGeom>
+        </p:spPr>
+        <p:style>
+          <a:lnRef idx="2">
+            <a:schemeClr val="accent1">
+              <a:shade val="50000"/>
+            </a:schemeClr>
+          </a:lnRef>
+          <a:fillRef idx="1">
+            <a:schemeClr val="accent1"/>
+          </a:fillRef>
+          <a:effectRef idx="0">
+            <a:schemeClr val="accent1"/>
+          </a:effectRef>
+          <a:fontRef idx="minor">
+            <a:schemeClr val="lt1"/>
+          </a:fontRef>
+        </p:style>
+        <p:txBody>
+          <a:bodyPr wrap="square" rtlCol="0">
+            <a:spAutoFit/>
+          </a:bodyPr>
+          <a:lstStyle/>
+          <a:p>
+            <a:r>
+              <a:rPr lang="en-US" sz="1000" dirty="0">
+                <a:solidFill>
+                  <a:schemeClr val="bg1">
+                    <a:lumMod val="85000"/>
+                  </a:schemeClr>
+                </a:solidFill>
+              </a:rPr>
+              <a:t>using System; using static </a:t>
+            </a:r>
+            <a:r>
+              <a:rPr lang="en-US" sz="1000" dirty="0" err="1">
+                <a:solidFill>
+                  <a:schemeClr val="bg1">
+                    <a:lumMod val="85000"/>
+                  </a:schemeClr>
+                </a:solidFill>
+              </a:rPr>
+              <a:t>System.Console</a:t>
+            </a:r>
+            <a:r>
+              <a:rPr lang="en-US" sz="1000" dirty="0">
+                <a:solidFill>
+                  <a:schemeClr val="bg1">
+                    <a:lumMod val="85000"/>
+                  </a:schemeClr>
+                </a:solidFill>
+              </a:rPr>
+              <a:t>; namespace Lansoft.CursoCshap8 { </a:t>
+            </a:r>
+          </a:p>
+          <a:p>
+            <a:endParaRPr lang="en-US" sz="1000" dirty="0">
+              <a:solidFill>
+                <a:schemeClr val="bg1">
+                  <a:lumMod val="85000"/>
+                </a:schemeClr>
+              </a:solidFill>
+            </a:endParaRPr>
+          </a:p>
+          <a:p>
+            <a:r>
+              <a:rPr lang="en-US" sz="1400" b="1" dirty="0">
+                <a:solidFill>
+                  <a:schemeClr val="bg1"/>
+                </a:solidFill>
+              </a:rPr>
+              <a:t>class </a:t>
+            </a:r>
+            <a:r>
+              <a:rPr lang="en-US" sz="1400" b="1" dirty="0" err="1">
+                <a:solidFill>
+                  <a:schemeClr val="bg1"/>
+                </a:solidFill>
+              </a:rPr>
+              <a:t>Rectangulo</a:t>
+            </a:r>
+            <a:r>
+              <a:rPr lang="en-US" sz="1400" b="1" dirty="0">
+                <a:solidFill>
+                  <a:schemeClr val="bg1"/>
+                </a:solidFill>
+              </a:rPr>
+              <a:t> {</a:t>
+            </a:r>
+          </a:p>
+          <a:p>
+            <a:r>
+              <a:rPr lang="en-US" sz="1400" b="1" dirty="0">
+                <a:solidFill>
+                  <a:schemeClr val="bg1"/>
+                </a:solidFill>
+              </a:rPr>
+              <a:t>      // Campos</a:t>
+            </a:r>
+          </a:p>
+          <a:p>
+            <a:r>
+              <a:rPr lang="en-US" sz="1400" b="1" dirty="0">
+                <a:solidFill>
+                  <a:schemeClr val="bg1"/>
+                </a:solidFill>
+              </a:rPr>
+              <a:t>      public int X, Y;</a:t>
+            </a:r>
+          </a:p>
+          <a:p>
+            <a:r>
+              <a:rPr lang="en-US" sz="1400" b="1" dirty="0">
+                <a:solidFill>
+                  <a:schemeClr val="bg1"/>
+                </a:solidFill>
+              </a:rPr>
+              <a:t>      </a:t>
+            </a:r>
+            <a:r>
+              <a:rPr lang="en-US" sz="1400" b="1" dirty="0">
+                <a:solidFill>
+                  <a:schemeClr val="accent2">
+                    <a:lumMod val="40000"/>
+                    <a:lumOff val="60000"/>
+                  </a:schemeClr>
+                </a:solidFill>
+              </a:rPr>
+              <a:t>public static</a:t>
+            </a:r>
+            <a:r>
+              <a:rPr lang="en-US" sz="1400" b="1" dirty="0">
+                <a:solidFill>
+                  <a:schemeClr val="bg1"/>
+                </a:solidFill>
+              </a:rPr>
+              <a:t> int </a:t>
+            </a:r>
+            <a:r>
+              <a:rPr lang="en-US" sz="1400" b="1" dirty="0" err="1">
+                <a:solidFill>
+                  <a:schemeClr val="bg1"/>
+                </a:solidFill>
+              </a:rPr>
+              <a:t>Rects</a:t>
+            </a:r>
+            <a:r>
+              <a:rPr lang="en-US" sz="1400" b="1" dirty="0">
+                <a:solidFill>
+                  <a:schemeClr val="bg1"/>
+                </a:solidFill>
+              </a:rPr>
+              <a:t>;      </a:t>
+            </a:r>
+          </a:p>
+          <a:p>
+            <a:endParaRPr lang="en-US" sz="1400" b="1" dirty="0">
+              <a:solidFill>
+                <a:schemeClr val="bg1"/>
+              </a:solidFill>
+            </a:endParaRPr>
+          </a:p>
+          <a:p>
+            <a:r>
+              <a:rPr lang="en-US" sz="1400" b="1" dirty="0">
+                <a:solidFill>
+                  <a:schemeClr val="bg1"/>
+                </a:solidFill>
+              </a:rPr>
+              <a:t>      // </a:t>
+            </a:r>
+            <a:r>
+              <a:rPr lang="en-US" sz="1400" b="1" dirty="0" err="1">
+                <a:solidFill>
+                  <a:schemeClr val="bg1"/>
+                </a:solidFill>
+              </a:rPr>
+              <a:t>Metodos</a:t>
+            </a:r>
+            <a:endParaRPr lang="en-US" sz="1400" b="1" dirty="0">
+              <a:solidFill>
+                <a:schemeClr val="bg1"/>
+              </a:solidFill>
+            </a:endParaRPr>
+          </a:p>
+          <a:p>
+            <a:r>
+              <a:rPr lang="en-US" sz="1400" b="1" dirty="0">
+                <a:solidFill>
+                  <a:schemeClr val="bg1"/>
+                </a:solidFill>
+              </a:rPr>
+              <a:t>      public int Area() {</a:t>
+            </a:r>
+          </a:p>
+          <a:p>
+            <a:r>
+              <a:rPr lang="en-US" sz="1400" b="1" dirty="0">
+                <a:solidFill>
+                  <a:schemeClr val="bg1"/>
+                </a:solidFill>
+              </a:rPr>
+              <a:t>            return X * Y;         </a:t>
+            </a:r>
+          </a:p>
+          <a:p>
+            <a:r>
+              <a:rPr lang="en-US" sz="1400" b="1" dirty="0">
+                <a:solidFill>
+                  <a:schemeClr val="bg1"/>
+                </a:solidFill>
+              </a:rPr>
+              <a:t>      }</a:t>
+            </a:r>
+          </a:p>
+          <a:p>
+            <a:r>
+              <a:rPr lang="en-US" sz="1400" b="1" dirty="0">
+                <a:solidFill>
+                  <a:schemeClr val="bg1"/>
+                </a:solidFill>
+              </a:rPr>
+              <a:t>      </a:t>
+            </a:r>
+            <a:r>
+              <a:rPr lang="en-US" sz="1400" b="1" dirty="0">
+                <a:solidFill>
+                  <a:schemeClr val="accent2">
+                    <a:lumMod val="40000"/>
+                    <a:lumOff val="60000"/>
+                  </a:schemeClr>
+                </a:solidFill>
+              </a:rPr>
+              <a:t>public static int </a:t>
+            </a:r>
+            <a:r>
+              <a:rPr lang="en-US" sz="1400" b="1" dirty="0" err="1">
+                <a:solidFill>
+                  <a:schemeClr val="bg1"/>
+                </a:solidFill>
+              </a:rPr>
+              <a:t>Rectangulos</a:t>
+            </a:r>
+            <a:r>
+              <a:rPr lang="en-US" sz="1400" b="1" dirty="0">
+                <a:solidFill>
+                  <a:schemeClr val="bg1"/>
+                </a:solidFill>
+              </a:rPr>
+              <a:t>() { return </a:t>
+            </a:r>
+            <a:r>
+              <a:rPr lang="en-US" sz="1400" b="1" dirty="0" err="1">
+                <a:solidFill>
+                  <a:schemeClr val="bg1"/>
+                </a:solidFill>
+              </a:rPr>
+              <a:t>Rects</a:t>
+            </a:r>
+            <a:r>
+              <a:rPr lang="en-US" sz="1400" b="1" dirty="0">
+                <a:solidFill>
+                  <a:schemeClr val="bg1"/>
+                </a:solidFill>
+              </a:rPr>
+              <a:t>; }</a:t>
+            </a:r>
+          </a:p>
+          <a:p>
+            <a:r>
+              <a:rPr lang="en-US" sz="1400" b="1" dirty="0">
+                <a:solidFill>
+                  <a:schemeClr val="bg1"/>
+                </a:solidFill>
+              </a:rPr>
+              <a:t>}</a:t>
+            </a:r>
+          </a:p>
+          <a:p>
+            <a:r>
+              <a:rPr lang="en-US" sz="1400" b="1" dirty="0">
+                <a:solidFill>
+                  <a:schemeClr val="bg1"/>
+                </a:solidFill>
+              </a:rPr>
+              <a:t>static class </a:t>
+            </a:r>
+            <a:r>
+              <a:rPr lang="en-US" sz="1400" b="1" dirty="0" err="1">
+                <a:solidFill>
+                  <a:schemeClr val="bg1"/>
+                </a:solidFill>
+              </a:rPr>
+              <a:t>MiProgramaPrincipal</a:t>
+            </a:r>
+            <a:r>
+              <a:rPr lang="en-US" sz="1400" b="1" dirty="0">
+                <a:solidFill>
+                  <a:schemeClr val="bg1"/>
+                </a:solidFill>
+              </a:rPr>
+              <a:t> { </a:t>
+            </a:r>
+          </a:p>
+          <a:p>
+            <a:r>
+              <a:rPr lang="en-US" sz="1400" b="1" dirty="0">
+                <a:solidFill>
+                  <a:schemeClr val="bg1"/>
+                </a:solidFill>
+              </a:rPr>
+              <a:t>      static void Main() {</a:t>
+            </a:r>
+          </a:p>
+          <a:p>
+            <a:r>
+              <a:rPr lang="en-US" sz="1400" b="1" dirty="0">
+                <a:solidFill>
+                  <a:schemeClr val="bg1"/>
+                </a:solidFill>
+              </a:rPr>
+              <a:t>            var </a:t>
+            </a:r>
+            <a:r>
+              <a:rPr lang="en-US" sz="1400" b="1" dirty="0" err="1">
+                <a:solidFill>
+                  <a:schemeClr val="bg1"/>
+                </a:solidFill>
+              </a:rPr>
+              <a:t>recA</a:t>
+            </a:r>
+            <a:r>
+              <a:rPr lang="en-US" sz="1400" b="1" dirty="0">
+                <a:solidFill>
+                  <a:schemeClr val="bg1"/>
+                </a:solidFill>
+              </a:rPr>
+              <a:t> = new </a:t>
+            </a:r>
+            <a:r>
+              <a:rPr lang="en-US" sz="1400" b="1" dirty="0" err="1">
+                <a:solidFill>
+                  <a:schemeClr val="bg1"/>
+                </a:solidFill>
+              </a:rPr>
+              <a:t>Rectangulo</a:t>
+            </a:r>
+            <a:r>
+              <a:rPr lang="en-US" sz="1400" b="1" dirty="0">
+                <a:solidFill>
+                  <a:schemeClr val="bg1"/>
+                </a:solidFill>
+              </a:rPr>
+              <a:t>(); </a:t>
+            </a:r>
+            <a:r>
+              <a:rPr lang="en-US" sz="1400" b="1" dirty="0" err="1">
+                <a:solidFill>
+                  <a:schemeClr val="bg1"/>
+                </a:solidFill>
+              </a:rPr>
+              <a:t>Rectangulo.Rects</a:t>
+            </a:r>
+            <a:r>
+              <a:rPr lang="en-US" sz="1400" b="1" dirty="0">
+                <a:solidFill>
+                  <a:schemeClr val="bg1"/>
+                </a:solidFill>
+              </a:rPr>
+              <a:t>++; </a:t>
+            </a:r>
+            <a:r>
+              <a:rPr lang="en-US" sz="1400" b="1" dirty="0" err="1">
+                <a:solidFill>
+                  <a:schemeClr val="bg1"/>
+                </a:solidFill>
+              </a:rPr>
+              <a:t>recA.X</a:t>
+            </a:r>
+            <a:r>
+              <a:rPr lang="en-US" sz="1400" b="1" dirty="0">
+                <a:solidFill>
+                  <a:schemeClr val="bg1"/>
+                </a:solidFill>
+              </a:rPr>
+              <a:t> = 12; </a:t>
+            </a:r>
+            <a:r>
+              <a:rPr lang="en-US" sz="1400" b="1" dirty="0" err="1">
+                <a:solidFill>
+                  <a:schemeClr val="bg1"/>
+                </a:solidFill>
+              </a:rPr>
+              <a:t>recA.Y</a:t>
+            </a:r>
+            <a:r>
+              <a:rPr lang="en-US" sz="1400" b="1" dirty="0">
+                <a:solidFill>
+                  <a:schemeClr val="bg1"/>
+                </a:solidFill>
+              </a:rPr>
+              <a:t> = 20;</a:t>
+            </a:r>
+          </a:p>
+          <a:p>
+            <a:r>
+              <a:rPr lang="en-US" sz="1400" b="1" dirty="0">
+                <a:solidFill>
+                  <a:schemeClr val="bg1"/>
+                </a:solidFill>
+              </a:rPr>
+              <a:t>            var area = </a:t>
+            </a:r>
+            <a:r>
+              <a:rPr lang="en-US" sz="1400" b="1" dirty="0" err="1">
+                <a:solidFill>
+                  <a:schemeClr val="bg1"/>
+                </a:solidFill>
+              </a:rPr>
+              <a:t>recA.Area</a:t>
+            </a:r>
+            <a:r>
+              <a:rPr lang="en-US" sz="1400" b="1" dirty="0">
+                <a:solidFill>
+                  <a:schemeClr val="bg1"/>
+                </a:solidFill>
+              </a:rPr>
+              <a:t>();		</a:t>
+            </a:r>
+          </a:p>
+          <a:p>
+            <a:r>
+              <a:rPr lang="en-US" sz="1400" b="1" dirty="0">
+                <a:solidFill>
+                  <a:schemeClr val="bg1"/>
+                </a:solidFill>
+              </a:rPr>
+              <a:t>            WriteLine($"</a:t>
+            </a:r>
+            <a:r>
+              <a:rPr lang="en-US" sz="1400" b="1" dirty="0" err="1">
+                <a:solidFill>
+                  <a:schemeClr val="bg1"/>
+                </a:solidFill>
+              </a:rPr>
+              <a:t>Área</a:t>
+            </a:r>
+            <a:r>
+              <a:rPr lang="en-US" sz="1400" b="1" dirty="0">
+                <a:solidFill>
+                  <a:schemeClr val="bg1"/>
+                </a:solidFill>
+              </a:rPr>
+              <a:t> de </a:t>
+            </a:r>
+            <a:r>
+              <a:rPr lang="en-US" sz="1400" b="1" dirty="0" err="1">
+                <a:solidFill>
+                  <a:schemeClr val="bg1"/>
+                </a:solidFill>
+              </a:rPr>
+              <a:t>recA</a:t>
+            </a:r>
+            <a:r>
+              <a:rPr lang="en-US" sz="1400" b="1" dirty="0">
+                <a:solidFill>
+                  <a:schemeClr val="bg1"/>
+                </a:solidFill>
+              </a:rPr>
+              <a:t> = {area}"); 	// 240 </a:t>
+            </a:r>
+          </a:p>
+          <a:p>
+            <a:r>
+              <a:rPr lang="en-US" sz="1400" b="1" dirty="0">
+                <a:solidFill>
+                  <a:schemeClr val="bg1"/>
+                </a:solidFill>
+              </a:rPr>
+              <a:t>            var </a:t>
+            </a:r>
+            <a:r>
+              <a:rPr lang="en-US" sz="1400" b="1" dirty="0" err="1">
+                <a:solidFill>
+                  <a:schemeClr val="bg1"/>
+                </a:solidFill>
+              </a:rPr>
+              <a:t>recB</a:t>
+            </a:r>
+            <a:r>
+              <a:rPr lang="en-US" sz="1400" b="1" dirty="0">
+                <a:solidFill>
+                  <a:schemeClr val="bg1"/>
+                </a:solidFill>
+              </a:rPr>
+              <a:t> = new </a:t>
+            </a:r>
+            <a:r>
+              <a:rPr lang="en-US" sz="1400" b="1" dirty="0" err="1">
+                <a:solidFill>
+                  <a:schemeClr val="bg1"/>
+                </a:solidFill>
+              </a:rPr>
+              <a:t>Rectangulo</a:t>
+            </a:r>
+            <a:r>
+              <a:rPr lang="en-US" sz="1400" b="1" dirty="0">
+                <a:solidFill>
+                  <a:schemeClr val="bg1"/>
+                </a:solidFill>
+              </a:rPr>
+              <a:t>(); </a:t>
+            </a:r>
+            <a:r>
+              <a:rPr lang="en-US" sz="1400" b="1" dirty="0" err="1">
+                <a:solidFill>
+                  <a:schemeClr val="bg1"/>
+                </a:solidFill>
+              </a:rPr>
+              <a:t>Rectangulo.Rects</a:t>
+            </a:r>
+            <a:r>
+              <a:rPr lang="en-US" sz="1400" b="1" dirty="0">
+                <a:solidFill>
+                  <a:schemeClr val="bg1"/>
+                </a:solidFill>
+              </a:rPr>
+              <a:t>++;       </a:t>
+            </a:r>
+          </a:p>
+          <a:p>
+            <a:r>
+              <a:rPr lang="en-US" sz="1400" b="1" dirty="0">
+                <a:solidFill>
+                  <a:schemeClr val="bg1"/>
+                </a:solidFill>
+              </a:rPr>
+              <a:t>            var </a:t>
+            </a:r>
+            <a:r>
+              <a:rPr lang="en-US" sz="1400" b="1" dirty="0" err="1">
+                <a:solidFill>
+                  <a:schemeClr val="bg1"/>
+                </a:solidFill>
+              </a:rPr>
+              <a:t>recC</a:t>
+            </a:r>
+            <a:r>
+              <a:rPr lang="en-US" sz="1400" b="1" dirty="0">
+                <a:solidFill>
+                  <a:schemeClr val="bg1"/>
+                </a:solidFill>
+              </a:rPr>
+              <a:t> = new </a:t>
+            </a:r>
+            <a:r>
+              <a:rPr lang="en-US" sz="1400" b="1" dirty="0" err="1">
+                <a:solidFill>
+                  <a:schemeClr val="bg1"/>
+                </a:solidFill>
+              </a:rPr>
+              <a:t>Rectangulo</a:t>
+            </a:r>
+            <a:r>
+              <a:rPr lang="en-US" sz="1400" b="1" dirty="0">
+                <a:solidFill>
+                  <a:schemeClr val="bg1"/>
+                </a:solidFill>
+              </a:rPr>
+              <a:t>(); </a:t>
+            </a:r>
+            <a:r>
+              <a:rPr lang="en-US" sz="1400" b="1" dirty="0" err="1">
+                <a:solidFill>
+                  <a:schemeClr val="bg1"/>
+                </a:solidFill>
+              </a:rPr>
+              <a:t>Rectangulo.Rects</a:t>
+            </a:r>
+            <a:r>
+              <a:rPr lang="en-US" sz="1400" b="1" dirty="0">
+                <a:solidFill>
+                  <a:schemeClr val="bg1"/>
+                </a:solidFill>
+              </a:rPr>
+              <a:t>++;</a:t>
+            </a:r>
+          </a:p>
+          <a:p>
+            <a:r>
+              <a:rPr lang="en-US" sz="1400" b="1" dirty="0">
+                <a:solidFill>
+                  <a:schemeClr val="bg1"/>
+                </a:solidFill>
+              </a:rPr>
+              <a:t>            WriteLine($"</a:t>
+            </a:r>
+            <a:r>
+              <a:rPr lang="en-US" sz="1400" b="1" dirty="0" err="1">
+                <a:solidFill>
+                  <a:schemeClr val="bg1"/>
+                </a:solidFill>
+              </a:rPr>
+              <a:t>Rectángulos</a:t>
+            </a:r>
+            <a:r>
+              <a:rPr lang="en-US" sz="1400" b="1" dirty="0">
+                <a:solidFill>
+                  <a:schemeClr val="bg1"/>
+                </a:solidFill>
+              </a:rPr>
+              <a:t> = {</a:t>
+            </a:r>
+            <a:r>
+              <a:rPr lang="en-US" sz="1400" b="1" dirty="0" err="1">
+                <a:solidFill>
+                  <a:schemeClr val="bg1"/>
+                </a:solidFill>
+              </a:rPr>
+              <a:t>Rectangulo.Rectangulos</a:t>
+            </a:r>
+            <a:r>
+              <a:rPr lang="en-US" sz="1400" b="1" dirty="0">
+                <a:solidFill>
+                  <a:schemeClr val="bg1"/>
+                </a:solidFill>
+              </a:rPr>
+              <a:t>()}"); // 3</a:t>
+            </a:r>
+          </a:p>
+          <a:p>
+            <a:r>
+              <a:rPr lang="en-US" sz="1400" b="1" dirty="0">
+                <a:solidFill>
+                  <a:schemeClr val="bg1"/>
+                </a:solidFill>
+              </a:rPr>
+              <a:t>     }</a:t>
+            </a:r>
+          </a:p>
+          <a:p>
+            <a:r>
+              <a:rPr lang="en-US" sz="1400" b="1" dirty="0">
+                <a:solidFill>
+                  <a:schemeClr val="bg1"/>
+                </a:solidFill>
+              </a:rPr>
+              <a:t>}</a:t>
+            </a:r>
+          </a:p>
+          <a:p>
+            <a:endParaRPr lang="en-US" sz="1000" dirty="0">
+              <a:solidFill>
+                <a:schemeClr val="bg1">
+                  <a:lumMod val="85000"/>
+                </a:schemeClr>
+              </a:solidFill>
+            </a:endParaRPr>
+          </a:p>
+          <a:p>
+            <a:r>
+              <a:rPr lang="en-US" sz="1000" dirty="0">
+                <a:solidFill>
+                  <a:schemeClr val="bg1">
+                    <a:lumMod val="85000"/>
+                  </a:schemeClr>
+                </a:solidFill>
+              </a:rPr>
+              <a:t>}</a:t>
+            </a:r>
+          </a:p>
+        </p:txBody>
+      </p:sp>
+    </p:spTree>
+    <p:extLst>
+      <p:ext uri="{BB962C8B-B14F-4D97-AF65-F5344CB8AC3E}">
+        <p14:creationId xmlns:p14="http://schemas.microsoft.com/office/powerpoint/2010/main" val="268742848"/>
+      </p:ext>
+    </p:extLst>
+  </p:cSld>
+  <p:clrMapOvr>
+    <a:masterClrMapping/>
+  </p:clrMapOvr>
+</p:sld>
+</file>
+
+<file path=ppt/slides/slide106.xml><?xml version="1.0" encoding="utf-8"?>
+<p:sld xmlns:a="http://schemas.openxmlformats.org/drawingml/2006/main" xmlns:r="http://schemas.openxmlformats.org/officeDocument/2006/relationships" xmlns:p="http://schemas.openxmlformats.org/presentationml/2006/main">
+  <p:cSld>
+    <p:spTree>
+      <p:nvGrpSpPr>
+        <p:cNvPr id="1" name=""/>
+        <p:cNvGrpSpPr/>
+        <p:nvPr/>
+      </p:nvGrpSpPr>
+      <p:grpSpPr>
+        <a:xfrm>
+          <a:off x="0" y="0"/>
+          <a:ext cx="0" cy="0"/>
+          <a:chOff x="0" y="0"/>
+          <a:chExt cx="0" cy="0"/>
+        </a:xfrm>
+      </p:grpSpPr>
+      <p:sp>
+        <p:nvSpPr>
+          <p:cNvPr id="2" name="Title 1">
+            <a:extLst>
+              <a:ext uri="{FF2B5EF4-FFF2-40B4-BE49-F238E27FC236}">
+                <a16:creationId xmlns:a16="http://schemas.microsoft.com/office/drawing/2014/main" id="{875CF4EC-748A-4848-A274-62858A9DEB7A}"/>
+              </a:ext>
+            </a:extLst>
+          </p:cNvPr>
+          <p:cNvSpPr>
+            <a:spLocks noGrp="1"/>
+          </p:cNvSpPr>
+          <p:nvPr>
+            <p:ph type="title"/>
+          </p:nvPr>
+        </p:nvSpPr>
+        <p:spPr/>
+        <p:txBody>
+          <a:bodyPr/>
+          <a:lstStyle/>
+          <a:p>
+            <a:r>
+              <a:rPr lang="en-BO" dirty="0"/>
+              <a:t>Constructor	</a:t>
+            </a:r>
+          </a:p>
+        </p:txBody>
+      </p:sp>
+      <p:sp>
+        <p:nvSpPr>
+          <p:cNvPr id="3" name="Content Placeholder 2">
+            <a:extLst>
+              <a:ext uri="{FF2B5EF4-FFF2-40B4-BE49-F238E27FC236}">
+                <a16:creationId xmlns:a16="http://schemas.microsoft.com/office/drawing/2014/main" id="{72CA0A9B-87C9-0442-B072-1FD7F2FD3F58}"/>
+              </a:ext>
+            </a:extLst>
+          </p:cNvPr>
+          <p:cNvSpPr>
+            <a:spLocks noGrp="1"/>
+          </p:cNvSpPr>
+          <p:nvPr>
+            <p:ph idx="1"/>
+          </p:nvPr>
+        </p:nvSpPr>
+        <p:spPr>
+          <a:xfrm>
+            <a:off x="6531428" y="1825625"/>
+            <a:ext cx="4822371" cy="4461964"/>
+          </a:xfrm>
+        </p:spPr>
+        <p:style>
+          <a:lnRef idx="1">
+            <a:schemeClr val="accent5"/>
+          </a:lnRef>
+          <a:fillRef idx="2">
+            <a:schemeClr val="accent5"/>
+          </a:fillRef>
+          <a:effectRef idx="1">
+            <a:schemeClr val="accent5"/>
+          </a:effectRef>
+          <a:fontRef idx="minor">
+            <a:schemeClr val="dk1"/>
+          </a:fontRef>
+        </p:style>
+        <p:txBody>
+          <a:bodyPr>
+            <a:normAutofit fontScale="92500"/>
+          </a:bodyPr>
+          <a:lstStyle/>
+          <a:p>
+            <a:pPr marL="0" indent="0">
+              <a:buNone/>
+            </a:pPr>
+            <a:r>
+              <a:rPr lang="en-US" dirty="0"/>
+              <a:t>La </a:t>
+            </a:r>
+            <a:r>
+              <a:rPr lang="en-US" dirty="0" err="1"/>
+              <a:t>clase</a:t>
+            </a:r>
+            <a:r>
+              <a:rPr lang="en-US" dirty="0"/>
+              <a:t> </a:t>
+            </a:r>
+            <a:r>
+              <a:rPr lang="en-US" dirty="0" err="1"/>
+              <a:t>puede</a:t>
+            </a:r>
+            <a:r>
+              <a:rPr lang="en-US" dirty="0"/>
+              <a:t> </a:t>
+            </a:r>
+            <a:r>
+              <a:rPr lang="en-US" dirty="0" err="1"/>
+              <a:t>tener</a:t>
+            </a:r>
+            <a:r>
+              <a:rPr lang="en-US" dirty="0"/>
+              <a:t> </a:t>
+            </a:r>
+            <a:r>
+              <a:rPr lang="en-US" dirty="0" err="1"/>
+              <a:t>uno</a:t>
+            </a:r>
+            <a:r>
+              <a:rPr lang="en-US" dirty="0"/>
+              <a:t> o </a:t>
+            </a:r>
+            <a:r>
+              <a:rPr lang="en-US" dirty="0" err="1"/>
+              <a:t>varios</a:t>
+            </a:r>
+            <a:r>
+              <a:rPr lang="en-US" dirty="0"/>
+              <a:t> </a:t>
+            </a:r>
+            <a:r>
+              <a:rPr lang="en-US" dirty="0" err="1"/>
+              <a:t>constructores</a:t>
+            </a:r>
+            <a:r>
+              <a:rPr lang="en-US" dirty="0"/>
+              <a:t>. Un </a:t>
+            </a:r>
+            <a:r>
+              <a:rPr lang="en-US" b="1" dirty="0"/>
+              <a:t>constructor</a:t>
+            </a:r>
+            <a:r>
+              <a:rPr lang="en-US" dirty="0"/>
+              <a:t> es un </a:t>
+            </a:r>
+            <a:r>
+              <a:rPr lang="en-US" dirty="0" err="1"/>
+              <a:t>tipo</a:t>
+            </a:r>
+            <a:r>
+              <a:rPr lang="en-US" dirty="0"/>
+              <a:t> especial de </a:t>
+            </a:r>
+            <a:r>
+              <a:rPr lang="en-US" dirty="0" err="1"/>
+              <a:t>método</a:t>
+            </a:r>
+            <a:r>
+              <a:rPr lang="en-US" dirty="0"/>
+              <a:t> que es </a:t>
+            </a:r>
+            <a:r>
+              <a:rPr lang="en-US" dirty="0" err="1"/>
+              <a:t>invocado</a:t>
+            </a:r>
+            <a:r>
+              <a:rPr lang="en-US" dirty="0"/>
+              <a:t> solo por el runtime para </a:t>
+            </a:r>
+            <a:r>
+              <a:rPr lang="en-US" dirty="0" err="1"/>
+              <a:t>instanciar</a:t>
+            </a:r>
+            <a:r>
+              <a:rPr lang="en-US" dirty="0"/>
+              <a:t> (</a:t>
+            </a:r>
+            <a:r>
+              <a:rPr lang="en-US" dirty="0" err="1"/>
+              <a:t>construir</a:t>
+            </a:r>
+            <a:r>
+              <a:rPr lang="en-US" dirty="0"/>
+              <a:t>) </a:t>
+            </a:r>
+            <a:r>
+              <a:rPr lang="en-US" dirty="0" err="1"/>
+              <a:t>objetos</a:t>
+            </a:r>
+            <a:r>
+              <a:rPr lang="en-US" dirty="0"/>
+              <a:t>. </a:t>
+            </a:r>
+            <a:r>
+              <a:rPr lang="en-US" dirty="0" err="1"/>
+              <a:t>Siempre</a:t>
+            </a:r>
+            <a:r>
+              <a:rPr lang="en-US" dirty="0"/>
+              <a:t> </a:t>
+            </a:r>
+            <a:r>
+              <a:rPr lang="en-US" dirty="0" err="1"/>
+              <a:t>tiene</a:t>
+            </a:r>
+            <a:r>
+              <a:rPr lang="en-US" dirty="0"/>
+              <a:t> el </a:t>
+            </a:r>
+            <a:r>
+              <a:rPr lang="en-US" dirty="0" err="1"/>
+              <a:t>mismo</a:t>
+            </a:r>
+            <a:r>
+              <a:rPr lang="en-US" dirty="0"/>
+              <a:t> </a:t>
+            </a:r>
+            <a:r>
+              <a:rPr lang="en-US" dirty="0" err="1"/>
+              <a:t>nombre</a:t>
+            </a:r>
+            <a:r>
+              <a:rPr lang="en-US" dirty="0"/>
+              <a:t> que la </a:t>
+            </a:r>
+            <a:r>
+              <a:rPr lang="en-US" dirty="0" err="1"/>
+              <a:t>clase</a:t>
+            </a:r>
+            <a:r>
+              <a:rPr lang="en-US" dirty="0"/>
+              <a:t> y no </a:t>
+            </a:r>
+            <a:r>
+              <a:rPr lang="en-US" dirty="0" err="1"/>
+              <a:t>tiene</a:t>
+            </a:r>
+            <a:r>
+              <a:rPr lang="en-US" dirty="0"/>
+              <a:t> un </a:t>
+            </a:r>
+            <a:r>
+              <a:rPr lang="en-US" dirty="0" err="1"/>
+              <a:t>tipo</a:t>
+            </a:r>
+            <a:r>
+              <a:rPr lang="en-US" dirty="0"/>
+              <a:t> de </a:t>
+            </a:r>
+            <a:r>
+              <a:rPr lang="en-US" dirty="0" err="1"/>
+              <a:t>retorno</a:t>
+            </a:r>
+            <a:r>
+              <a:rPr lang="en-US" dirty="0"/>
+              <a:t>, </a:t>
+            </a:r>
+            <a:r>
+              <a:rPr lang="en-US" dirty="0" err="1"/>
+              <a:t>porque</a:t>
+            </a:r>
+            <a:r>
+              <a:rPr lang="en-US" dirty="0"/>
+              <a:t> </a:t>
+            </a:r>
+            <a:r>
+              <a:rPr lang="en-US" dirty="0" err="1"/>
+              <a:t>implícitamente</a:t>
+            </a:r>
+            <a:r>
+              <a:rPr lang="en-US" dirty="0"/>
+              <a:t> </a:t>
+            </a:r>
+            <a:r>
+              <a:rPr lang="en-US" dirty="0" err="1"/>
+              <a:t>devuelve</a:t>
+            </a:r>
+            <a:r>
+              <a:rPr lang="en-US" dirty="0"/>
+              <a:t> una </a:t>
+            </a:r>
+            <a:r>
+              <a:rPr lang="en-US" dirty="0" err="1"/>
+              <a:t>nueva</a:t>
+            </a:r>
+            <a:r>
+              <a:rPr lang="en-US" dirty="0"/>
+              <a:t> </a:t>
+            </a:r>
+            <a:r>
+              <a:rPr lang="en-US" dirty="0" err="1"/>
+              <a:t>instancia</a:t>
+            </a:r>
+            <a:r>
+              <a:rPr lang="en-US" dirty="0"/>
+              <a:t> de la </a:t>
+            </a:r>
+            <a:r>
+              <a:rPr lang="en-US" dirty="0" err="1"/>
+              <a:t>clase</a:t>
+            </a:r>
+            <a:r>
+              <a:rPr lang="en-US" dirty="0"/>
+              <a:t>. Para ser </a:t>
+            </a:r>
+            <a:r>
+              <a:rPr lang="en-US" dirty="0" err="1"/>
+              <a:t>accesible</a:t>
+            </a:r>
+            <a:r>
+              <a:rPr lang="en-US" dirty="0"/>
+              <a:t> </a:t>
+            </a:r>
+            <a:r>
+              <a:rPr lang="en-US" dirty="0" err="1"/>
+              <a:t>desde</a:t>
+            </a:r>
+            <a:r>
+              <a:rPr lang="en-US" dirty="0"/>
+              <a:t> </a:t>
+            </a:r>
+            <a:r>
+              <a:rPr lang="en-US" dirty="0" err="1"/>
+              <a:t>otra</a:t>
+            </a:r>
+            <a:r>
+              <a:rPr lang="en-US" dirty="0"/>
+              <a:t> </a:t>
+            </a:r>
+            <a:r>
+              <a:rPr lang="en-US" dirty="0" err="1"/>
+              <a:t>clase</a:t>
+            </a:r>
+            <a:r>
+              <a:rPr lang="en-US" dirty="0"/>
+              <a:t>, debe </a:t>
+            </a:r>
+            <a:r>
+              <a:rPr lang="en-US" dirty="0" err="1"/>
+              <a:t>declararse</a:t>
+            </a:r>
+            <a:r>
+              <a:rPr lang="en-US" dirty="0"/>
+              <a:t> con el </a:t>
+            </a:r>
+            <a:r>
+              <a:rPr lang="en-US" dirty="0" err="1"/>
+              <a:t>modificador</a:t>
+            </a:r>
+            <a:r>
+              <a:rPr lang="en-US" dirty="0"/>
+              <a:t> de </a:t>
+            </a:r>
+            <a:r>
+              <a:rPr lang="en-US" dirty="0" err="1"/>
+              <a:t>acceso</a:t>
+            </a:r>
+            <a:r>
+              <a:rPr lang="en-US" dirty="0"/>
+              <a:t> public.</a:t>
+            </a:r>
+            <a:endParaRPr lang="en-BO" dirty="0"/>
+          </a:p>
+        </p:txBody>
+      </p:sp>
+      <p:sp>
+        <p:nvSpPr>
+          <p:cNvPr id="4" name="TextBox 3">
+            <a:extLst>
+              <a:ext uri="{FF2B5EF4-FFF2-40B4-BE49-F238E27FC236}">
+                <a16:creationId xmlns:a16="http://schemas.microsoft.com/office/drawing/2014/main" id="{D21A55F6-648A-9642-99E6-BB0FBEC6A008}"/>
+              </a:ext>
+            </a:extLst>
+          </p:cNvPr>
+          <p:cNvSpPr txBox="1"/>
+          <p:nvPr/>
+        </p:nvSpPr>
+        <p:spPr>
+          <a:xfrm>
+            <a:off x="838200" y="1601272"/>
+            <a:ext cx="4892040" cy="5016758"/>
+          </a:xfrm>
+          <a:prstGeom prst="rect">
+            <a:avLst/>
+          </a:prstGeom>
+        </p:spPr>
+        <p:style>
+          <a:lnRef idx="2">
+            <a:schemeClr val="accent1">
+              <a:shade val="50000"/>
+            </a:schemeClr>
+          </a:lnRef>
+          <a:fillRef idx="1">
+            <a:schemeClr val="accent1"/>
+          </a:fillRef>
+          <a:effectRef idx="0">
+            <a:schemeClr val="accent1"/>
+          </a:effectRef>
+          <a:fontRef idx="minor">
+            <a:schemeClr val="lt1"/>
+          </a:fontRef>
+        </p:style>
+        <p:txBody>
+          <a:bodyPr wrap="square" rtlCol="0">
+            <a:spAutoFit/>
+          </a:bodyPr>
+          <a:lstStyle/>
+          <a:p>
+            <a:r>
+              <a:rPr lang="en-US" sz="1000" dirty="0">
+                <a:solidFill>
+                  <a:schemeClr val="bg1">
+                    <a:lumMod val="85000"/>
+                  </a:schemeClr>
+                </a:solidFill>
+              </a:rPr>
+              <a:t>using System; using static </a:t>
+            </a:r>
+            <a:r>
+              <a:rPr lang="en-US" sz="1000" dirty="0" err="1">
+                <a:solidFill>
+                  <a:schemeClr val="bg1">
+                    <a:lumMod val="85000"/>
+                  </a:schemeClr>
+                </a:solidFill>
+              </a:rPr>
+              <a:t>System.Console</a:t>
+            </a:r>
+            <a:r>
+              <a:rPr lang="en-US" sz="1000" dirty="0">
+                <a:solidFill>
+                  <a:schemeClr val="bg1">
+                    <a:lumMod val="85000"/>
+                  </a:schemeClr>
+                </a:solidFill>
+              </a:rPr>
+              <a:t>; namespace Lansoft.CursoCshap8 { </a:t>
+            </a:r>
+          </a:p>
+          <a:p>
+            <a:endParaRPr lang="en-US" sz="1000" dirty="0">
+              <a:solidFill>
+                <a:schemeClr val="bg1">
+                  <a:lumMod val="85000"/>
+                </a:schemeClr>
+              </a:solidFill>
+            </a:endParaRPr>
+          </a:p>
+          <a:p>
+            <a:r>
+              <a:rPr lang="en-US" sz="1400" b="1" dirty="0">
+                <a:solidFill>
+                  <a:schemeClr val="bg1"/>
+                </a:solidFill>
+              </a:rPr>
+              <a:t>class </a:t>
+            </a:r>
+            <a:r>
+              <a:rPr lang="en-US" sz="1400" b="1" dirty="0" err="1">
+                <a:solidFill>
+                  <a:schemeClr val="bg1"/>
+                </a:solidFill>
+              </a:rPr>
+              <a:t>Rectangulo</a:t>
+            </a:r>
+            <a:endParaRPr lang="en-US" sz="1400" b="1" dirty="0">
+              <a:solidFill>
+                <a:schemeClr val="bg1"/>
+              </a:solidFill>
+            </a:endParaRPr>
+          </a:p>
+          <a:p>
+            <a:r>
+              <a:rPr lang="en-US" sz="1400" b="1" dirty="0">
+                <a:solidFill>
+                  <a:schemeClr val="bg1"/>
+                </a:solidFill>
+              </a:rPr>
+              <a:t>{</a:t>
+            </a:r>
+          </a:p>
+          <a:p>
+            <a:r>
+              <a:rPr lang="en-US" sz="1400" b="1" dirty="0">
+                <a:solidFill>
+                  <a:schemeClr val="bg1"/>
+                </a:solidFill>
+              </a:rPr>
+              <a:t>      // Campos</a:t>
+            </a:r>
+          </a:p>
+          <a:p>
+            <a:r>
+              <a:rPr lang="en-US" sz="1400" b="1" dirty="0">
+                <a:solidFill>
+                  <a:schemeClr val="bg1"/>
+                </a:solidFill>
+              </a:rPr>
+              <a:t>      public int X, Y;</a:t>
+            </a:r>
+          </a:p>
+          <a:p>
+            <a:r>
+              <a:rPr lang="en-US" sz="1400" b="1" dirty="0">
+                <a:solidFill>
+                  <a:schemeClr val="bg1"/>
+                </a:solidFill>
+              </a:rPr>
+              <a:t>      </a:t>
+            </a:r>
+          </a:p>
+          <a:p>
+            <a:r>
+              <a:rPr lang="en-US" sz="1400" b="1" dirty="0">
+                <a:solidFill>
+                  <a:schemeClr val="bg1"/>
+                </a:solidFill>
+              </a:rPr>
+              <a:t>      // </a:t>
+            </a:r>
+            <a:r>
+              <a:rPr lang="en-US" sz="1400" b="1" dirty="0" err="1">
+                <a:solidFill>
+                  <a:schemeClr val="bg1"/>
+                </a:solidFill>
+              </a:rPr>
+              <a:t>Metodos</a:t>
+            </a:r>
+            <a:endParaRPr lang="en-US" sz="1400" b="1" dirty="0">
+              <a:solidFill>
+                <a:schemeClr val="bg1"/>
+              </a:solidFill>
+            </a:endParaRPr>
+          </a:p>
+          <a:p>
+            <a:r>
+              <a:rPr lang="en-US" sz="1400" b="1" dirty="0">
+                <a:solidFill>
+                  <a:schemeClr val="bg1"/>
+                </a:solidFill>
+              </a:rPr>
+              <a:t>      </a:t>
+            </a:r>
+            <a:r>
+              <a:rPr lang="en-US" sz="1400" b="1" dirty="0">
+                <a:solidFill>
+                  <a:schemeClr val="accent2">
+                    <a:lumMod val="40000"/>
+                    <a:lumOff val="60000"/>
+                  </a:schemeClr>
+                </a:solidFill>
+              </a:rPr>
+              <a:t>public </a:t>
+            </a:r>
+            <a:r>
+              <a:rPr lang="en-US" sz="1400" b="1" dirty="0" err="1">
+                <a:solidFill>
+                  <a:schemeClr val="accent2">
+                    <a:lumMod val="40000"/>
+                    <a:lumOff val="60000"/>
+                  </a:schemeClr>
+                </a:solidFill>
+              </a:rPr>
+              <a:t>Rectangulo</a:t>
+            </a:r>
+            <a:r>
+              <a:rPr lang="en-US" sz="1400" b="1" dirty="0">
+                <a:solidFill>
+                  <a:schemeClr val="accent2">
+                    <a:lumMod val="40000"/>
+                    <a:lumOff val="60000"/>
+                  </a:schemeClr>
+                </a:solidFill>
+              </a:rPr>
+              <a:t>() </a:t>
+            </a:r>
+            <a:r>
+              <a:rPr lang="en-US" sz="1400" b="1" dirty="0">
+                <a:solidFill>
+                  <a:schemeClr val="bg1"/>
+                </a:solidFill>
+              </a:rPr>
+              <a:t>{</a:t>
+            </a:r>
+          </a:p>
+          <a:p>
+            <a:r>
+              <a:rPr lang="en-US" sz="1400" b="1" dirty="0">
+                <a:solidFill>
+                  <a:schemeClr val="bg1"/>
+                </a:solidFill>
+              </a:rPr>
+              <a:t>            X = 50; Y = 3;</a:t>
+            </a:r>
+          </a:p>
+          <a:p>
+            <a:r>
+              <a:rPr lang="en-US" sz="1400" b="1" dirty="0">
+                <a:solidFill>
+                  <a:schemeClr val="bg1"/>
+                </a:solidFill>
+              </a:rPr>
+              <a:t>      } </a:t>
+            </a:r>
+          </a:p>
+          <a:p>
+            <a:r>
+              <a:rPr lang="en-US" sz="1400" b="1" dirty="0">
+                <a:solidFill>
+                  <a:schemeClr val="bg1"/>
+                </a:solidFill>
+              </a:rPr>
+              <a:t>      public int Area() {</a:t>
+            </a:r>
+          </a:p>
+          <a:p>
+            <a:r>
+              <a:rPr lang="en-US" sz="1400" b="1" dirty="0">
+                <a:solidFill>
+                  <a:schemeClr val="bg1"/>
+                </a:solidFill>
+              </a:rPr>
+              <a:t>            return X * Y;         </a:t>
+            </a:r>
+          </a:p>
+          <a:p>
+            <a:r>
+              <a:rPr lang="en-US" sz="1400" b="1" dirty="0">
+                <a:solidFill>
+                  <a:schemeClr val="bg1"/>
+                </a:solidFill>
+              </a:rPr>
+              <a:t>      }</a:t>
+            </a:r>
+          </a:p>
+          <a:p>
+            <a:r>
+              <a:rPr lang="en-US" sz="1400" b="1" dirty="0">
+                <a:solidFill>
+                  <a:schemeClr val="bg1"/>
+                </a:solidFill>
+              </a:rPr>
+              <a:t>}</a:t>
+            </a:r>
+          </a:p>
+          <a:p>
+            <a:r>
+              <a:rPr lang="en-US" sz="1400" b="1" dirty="0">
+                <a:solidFill>
+                  <a:schemeClr val="bg1"/>
+                </a:solidFill>
+              </a:rPr>
+              <a:t>static class </a:t>
+            </a:r>
+            <a:r>
+              <a:rPr lang="en-US" sz="1400" b="1" dirty="0" err="1">
+                <a:solidFill>
+                  <a:schemeClr val="bg1"/>
+                </a:solidFill>
+              </a:rPr>
+              <a:t>MiProgramaPrincipal</a:t>
+            </a:r>
+            <a:r>
+              <a:rPr lang="en-US" sz="1400" b="1" dirty="0">
+                <a:solidFill>
+                  <a:schemeClr val="bg1"/>
+                </a:solidFill>
+              </a:rPr>
+              <a:t> { </a:t>
+            </a:r>
+          </a:p>
+          <a:p>
+            <a:r>
+              <a:rPr lang="en-US" sz="1400" b="1" dirty="0">
+                <a:solidFill>
+                  <a:schemeClr val="bg1"/>
+                </a:solidFill>
+              </a:rPr>
+              <a:t>      static void Main() {</a:t>
+            </a:r>
+          </a:p>
+          <a:p>
+            <a:r>
+              <a:rPr lang="en-US" sz="1400" b="1" dirty="0">
+                <a:solidFill>
+                  <a:schemeClr val="bg1"/>
+                </a:solidFill>
+              </a:rPr>
+              <a:t>            var rec = new </a:t>
+            </a:r>
+            <a:r>
+              <a:rPr lang="en-US" sz="1400" b="1" dirty="0" err="1">
+                <a:solidFill>
+                  <a:schemeClr val="bg1"/>
+                </a:solidFill>
+              </a:rPr>
+              <a:t>Rectangulo</a:t>
+            </a:r>
+            <a:r>
+              <a:rPr lang="en-US" sz="1400" b="1" dirty="0">
+                <a:solidFill>
+                  <a:schemeClr val="bg1"/>
+                </a:solidFill>
+              </a:rPr>
+              <a:t>();</a:t>
+            </a:r>
+          </a:p>
+          <a:p>
+            <a:r>
+              <a:rPr lang="en-US" sz="1400" b="1" dirty="0">
+                <a:solidFill>
+                  <a:schemeClr val="bg1"/>
+                </a:solidFill>
+              </a:rPr>
+              <a:t>            var area = </a:t>
+            </a:r>
+            <a:r>
+              <a:rPr lang="en-US" sz="1400" b="1" dirty="0" err="1">
+                <a:solidFill>
+                  <a:schemeClr val="bg1"/>
+                </a:solidFill>
+              </a:rPr>
+              <a:t>rec.Area</a:t>
+            </a:r>
+            <a:r>
+              <a:rPr lang="en-US" sz="1400" b="1" dirty="0">
+                <a:solidFill>
+                  <a:schemeClr val="bg1"/>
+                </a:solidFill>
+              </a:rPr>
+              <a:t>();		</a:t>
+            </a:r>
+          </a:p>
+          <a:p>
+            <a:r>
+              <a:rPr lang="en-US" sz="1400" b="1" dirty="0">
+                <a:solidFill>
+                  <a:schemeClr val="bg1"/>
+                </a:solidFill>
+              </a:rPr>
+              <a:t>            Write($"</a:t>
+            </a:r>
+            <a:r>
+              <a:rPr lang="en-US" sz="1400" b="1" dirty="0" err="1">
+                <a:solidFill>
+                  <a:schemeClr val="bg1"/>
+                </a:solidFill>
+              </a:rPr>
+              <a:t>Área</a:t>
+            </a:r>
+            <a:r>
+              <a:rPr lang="en-US" sz="1400" b="1" dirty="0">
+                <a:solidFill>
+                  <a:schemeClr val="bg1"/>
+                </a:solidFill>
+              </a:rPr>
+              <a:t> del </a:t>
+            </a:r>
+            <a:r>
+              <a:rPr lang="en-US" sz="1400" b="1" dirty="0" err="1">
+                <a:solidFill>
+                  <a:schemeClr val="bg1"/>
+                </a:solidFill>
+              </a:rPr>
+              <a:t>rectángulo</a:t>
+            </a:r>
+            <a:r>
+              <a:rPr lang="en-US" sz="1400" b="1" dirty="0">
+                <a:solidFill>
+                  <a:schemeClr val="bg1"/>
+                </a:solidFill>
+              </a:rPr>
+              <a:t> = {area}"); 	// 150 </a:t>
+            </a:r>
+          </a:p>
+          <a:p>
+            <a:r>
+              <a:rPr lang="en-US" sz="1400" b="1" dirty="0">
+                <a:solidFill>
+                  <a:schemeClr val="bg1"/>
+                </a:solidFill>
+              </a:rPr>
+              <a:t>      }</a:t>
+            </a:r>
+          </a:p>
+          <a:p>
+            <a:r>
+              <a:rPr lang="en-US" sz="1400" b="1" dirty="0">
+                <a:solidFill>
+                  <a:schemeClr val="bg1"/>
+                </a:solidFill>
+              </a:rPr>
+              <a:t>}</a:t>
+            </a:r>
+          </a:p>
+          <a:p>
+            <a:endParaRPr lang="en-US" sz="1000" dirty="0">
+              <a:solidFill>
+                <a:schemeClr val="bg1">
+                  <a:lumMod val="85000"/>
+                </a:schemeClr>
+              </a:solidFill>
+            </a:endParaRPr>
+          </a:p>
+          <a:p>
+            <a:r>
+              <a:rPr lang="en-US" sz="1000" dirty="0">
+                <a:solidFill>
+                  <a:schemeClr val="bg1">
+                    <a:lumMod val="85000"/>
+                  </a:schemeClr>
+                </a:solidFill>
+              </a:rPr>
+              <a:t>}</a:t>
+            </a:r>
+          </a:p>
+        </p:txBody>
+      </p:sp>
+    </p:spTree>
+    <p:extLst>
+      <p:ext uri="{BB962C8B-B14F-4D97-AF65-F5344CB8AC3E}">
+        <p14:creationId xmlns:p14="http://schemas.microsoft.com/office/powerpoint/2010/main" val="859898592"/>
+      </p:ext>
+    </p:extLst>
+  </p:cSld>
+  <p:clrMapOvr>
+    <a:masterClrMapping/>
+  </p:clrMapOvr>
+</p:sld>
+</file>
+
+<file path=ppt/slides/slide107.xml><?xml version="1.0" encoding="utf-8"?>
+<p:sld xmlns:a="http://schemas.openxmlformats.org/drawingml/2006/main" xmlns:r="http://schemas.openxmlformats.org/officeDocument/2006/relationships" xmlns:p="http://schemas.openxmlformats.org/presentationml/2006/main">
+  <p:cSld>
+    <p:spTree>
+      <p:nvGrpSpPr>
+        <p:cNvPr id="1" name=""/>
+        <p:cNvGrpSpPr/>
+        <p:nvPr/>
+      </p:nvGrpSpPr>
+      <p:grpSpPr>
+        <a:xfrm>
+          <a:off x="0" y="0"/>
+          <a:ext cx="0" cy="0"/>
+          <a:chOff x="0" y="0"/>
+          <a:chExt cx="0" cy="0"/>
+        </a:xfrm>
+      </p:grpSpPr>
+      <p:sp>
+        <p:nvSpPr>
+          <p:cNvPr id="2" name="Title 1">
+            <a:extLst>
+              <a:ext uri="{FF2B5EF4-FFF2-40B4-BE49-F238E27FC236}">
+                <a16:creationId xmlns:a16="http://schemas.microsoft.com/office/drawing/2014/main" id="{A663684D-277C-CE47-8DFC-D7146BCFC97A}"/>
+              </a:ext>
+            </a:extLst>
+          </p:cNvPr>
+          <p:cNvSpPr>
+            <a:spLocks noGrp="1"/>
+          </p:cNvSpPr>
+          <p:nvPr>
+            <p:ph type="title"/>
+          </p:nvPr>
+        </p:nvSpPr>
+        <p:spPr/>
+        <p:txBody>
+          <a:bodyPr/>
+          <a:lstStyle/>
+          <a:p>
+            <a:r>
+              <a:rPr lang="en-BO" dirty="0"/>
+              <a:t>Construyendo con argumentos</a:t>
+            </a:r>
+          </a:p>
+        </p:txBody>
+      </p:sp>
+      <p:sp>
+        <p:nvSpPr>
+          <p:cNvPr id="3" name="Content Placeholder 2">
+            <a:extLst>
+              <a:ext uri="{FF2B5EF4-FFF2-40B4-BE49-F238E27FC236}">
+                <a16:creationId xmlns:a16="http://schemas.microsoft.com/office/drawing/2014/main" id="{E8D03B15-93F4-534F-BA06-9B6EF21538C5}"/>
+              </a:ext>
+            </a:extLst>
+          </p:cNvPr>
+          <p:cNvSpPr>
+            <a:spLocks noGrp="1"/>
+          </p:cNvSpPr>
+          <p:nvPr>
+            <p:ph idx="1"/>
+          </p:nvPr>
+        </p:nvSpPr>
+        <p:spPr>
+          <a:xfrm>
+            <a:off x="6461759" y="1991088"/>
+            <a:ext cx="4892041" cy="3895906"/>
+          </a:xfrm>
+        </p:spPr>
+        <p:style>
+          <a:lnRef idx="1">
+            <a:schemeClr val="accent5"/>
+          </a:lnRef>
+          <a:fillRef idx="2">
+            <a:schemeClr val="accent5"/>
+          </a:fillRef>
+          <a:effectRef idx="1">
+            <a:schemeClr val="accent5"/>
+          </a:effectRef>
+          <a:fontRef idx="minor">
+            <a:schemeClr val="dk1"/>
+          </a:fontRef>
+        </p:style>
+        <p:txBody>
+          <a:bodyPr>
+            <a:normAutofit/>
+          </a:bodyPr>
+          <a:lstStyle/>
+          <a:p>
+            <a:pPr marL="0" indent="0">
+              <a:buNone/>
+            </a:pPr>
+            <a:r>
+              <a:rPr lang="en-US" dirty="0"/>
+              <a:t>El constructor </a:t>
+            </a:r>
+            <a:r>
+              <a:rPr lang="en-US" dirty="0" err="1"/>
+              <a:t>puede</a:t>
+            </a:r>
+            <a:r>
+              <a:rPr lang="en-US" dirty="0"/>
+              <a:t> </a:t>
+            </a:r>
+            <a:r>
+              <a:rPr lang="en-US" dirty="0" err="1"/>
+              <a:t>tener</a:t>
+            </a:r>
+            <a:r>
+              <a:rPr lang="en-US" dirty="0"/>
+              <a:t> una </a:t>
+            </a:r>
+            <a:r>
+              <a:rPr lang="en-US" dirty="0" err="1"/>
+              <a:t>lista</a:t>
+            </a:r>
+            <a:r>
+              <a:rPr lang="en-US" dirty="0"/>
+              <a:t> de </a:t>
+            </a:r>
+            <a:r>
+              <a:rPr lang="en-US" dirty="0" err="1"/>
+              <a:t>parámetros</a:t>
+            </a:r>
+            <a:r>
+              <a:rPr lang="en-US" dirty="0"/>
+              <a:t>, </a:t>
+            </a:r>
+            <a:r>
+              <a:rPr lang="en-US" dirty="0" err="1"/>
+              <a:t>como</a:t>
+            </a:r>
+            <a:r>
+              <a:rPr lang="en-US" dirty="0"/>
+              <a:t> </a:t>
+            </a:r>
+            <a:r>
+              <a:rPr lang="en-US" dirty="0" err="1"/>
+              <a:t>cualquier</a:t>
+            </a:r>
+            <a:r>
+              <a:rPr lang="en-US" dirty="0"/>
+              <a:t> </a:t>
+            </a:r>
+            <a:r>
+              <a:rPr lang="en-US" dirty="0" err="1"/>
+              <a:t>otro</a:t>
+            </a:r>
+            <a:r>
+              <a:rPr lang="en-US" dirty="0"/>
+              <a:t> </a:t>
+            </a:r>
+            <a:r>
+              <a:rPr lang="en-US" dirty="0" err="1"/>
+              <a:t>método</a:t>
+            </a:r>
+            <a:r>
+              <a:rPr lang="en-US" dirty="0"/>
+              <a:t>.</a:t>
+            </a:r>
+          </a:p>
+          <a:p>
+            <a:pPr marL="0" indent="0">
+              <a:buNone/>
+            </a:pPr>
+            <a:r>
+              <a:rPr lang="en-US" dirty="0"/>
+              <a:t> </a:t>
+            </a:r>
+          </a:p>
+          <a:p>
+            <a:pPr marL="0" indent="0">
+              <a:buNone/>
+            </a:pPr>
+            <a:r>
+              <a:rPr lang="en-US" dirty="0" err="1"/>
+              <a:t>Esto</a:t>
+            </a:r>
+            <a:r>
+              <a:rPr lang="en-US" dirty="0"/>
+              <a:t> se </a:t>
+            </a:r>
+            <a:r>
+              <a:rPr lang="en-US" dirty="0" err="1"/>
+              <a:t>puede</a:t>
+            </a:r>
+            <a:r>
+              <a:rPr lang="en-US" dirty="0"/>
+              <a:t> </a:t>
+            </a:r>
+            <a:r>
+              <a:rPr lang="en-US" dirty="0" err="1"/>
+              <a:t>usar</a:t>
+            </a:r>
+            <a:r>
+              <a:rPr lang="en-US" dirty="0"/>
+              <a:t> para que los </a:t>
+            </a:r>
+            <a:r>
+              <a:rPr lang="en-US" dirty="0" err="1"/>
+              <a:t>campos</a:t>
+            </a:r>
+            <a:r>
+              <a:rPr lang="en-US" dirty="0"/>
+              <a:t> del </a:t>
+            </a:r>
+            <a:r>
+              <a:rPr lang="en-US" dirty="0" err="1"/>
+              <a:t>objeto</a:t>
+            </a:r>
+            <a:r>
+              <a:rPr lang="en-US" dirty="0"/>
+              <a:t> se </a:t>
+            </a:r>
+            <a:r>
+              <a:rPr lang="en-US" dirty="0" err="1"/>
+              <a:t>asignen</a:t>
+            </a:r>
+            <a:r>
+              <a:rPr lang="en-US" dirty="0"/>
+              <a:t> con los </a:t>
+            </a:r>
+            <a:r>
+              <a:rPr lang="en-US" dirty="0" err="1"/>
+              <a:t>argumentos</a:t>
+            </a:r>
+            <a:r>
+              <a:rPr lang="en-US" dirty="0"/>
+              <a:t> </a:t>
+            </a:r>
+            <a:r>
+              <a:rPr lang="en-US" dirty="0" err="1"/>
+              <a:t>pasados</a:t>
+            </a:r>
+            <a:r>
+              <a:rPr lang="en-US" dirty="0"/>
+              <a:t> </a:t>
+            </a:r>
+            <a:r>
+              <a:rPr lang="en-US" dirty="0" err="1"/>
+              <a:t>en</a:t>
+            </a:r>
+            <a:r>
+              <a:rPr lang="en-US" dirty="0"/>
+              <a:t> el </a:t>
+            </a:r>
+            <a:r>
+              <a:rPr lang="en-US" dirty="0" err="1"/>
+              <a:t>método</a:t>
+            </a:r>
+            <a:r>
+              <a:rPr lang="en-US" dirty="0"/>
+              <a:t> “constructor”. </a:t>
+            </a:r>
+          </a:p>
+        </p:txBody>
+      </p:sp>
+      <p:sp>
+        <p:nvSpPr>
+          <p:cNvPr id="4" name="TextBox 3">
+            <a:extLst>
+              <a:ext uri="{FF2B5EF4-FFF2-40B4-BE49-F238E27FC236}">
+                <a16:creationId xmlns:a16="http://schemas.microsoft.com/office/drawing/2014/main" id="{FEEE52D4-357B-A84B-BA9E-40482831C1E6}"/>
+              </a:ext>
+            </a:extLst>
+          </p:cNvPr>
+          <p:cNvSpPr txBox="1"/>
+          <p:nvPr/>
+        </p:nvSpPr>
+        <p:spPr>
+          <a:xfrm>
+            <a:off x="838200" y="1601272"/>
+            <a:ext cx="4892040" cy="5016758"/>
+          </a:xfrm>
+          <a:prstGeom prst="rect">
+            <a:avLst/>
+          </a:prstGeom>
+        </p:spPr>
+        <p:style>
+          <a:lnRef idx="2">
+            <a:schemeClr val="accent1">
+              <a:shade val="50000"/>
+            </a:schemeClr>
+          </a:lnRef>
+          <a:fillRef idx="1">
+            <a:schemeClr val="accent1"/>
+          </a:fillRef>
+          <a:effectRef idx="0">
+            <a:schemeClr val="accent1"/>
+          </a:effectRef>
+          <a:fontRef idx="minor">
+            <a:schemeClr val="lt1"/>
+          </a:fontRef>
+        </p:style>
+        <p:txBody>
+          <a:bodyPr wrap="square" rtlCol="0">
+            <a:spAutoFit/>
+          </a:bodyPr>
+          <a:lstStyle/>
+          <a:p>
+            <a:r>
+              <a:rPr lang="en-US" sz="1000" dirty="0">
+                <a:solidFill>
+                  <a:schemeClr val="bg1">
+                    <a:lumMod val="85000"/>
+                  </a:schemeClr>
+                </a:solidFill>
+              </a:rPr>
+              <a:t>using System; using static </a:t>
+            </a:r>
+            <a:r>
+              <a:rPr lang="en-US" sz="1000" dirty="0" err="1">
+                <a:solidFill>
+                  <a:schemeClr val="bg1">
+                    <a:lumMod val="85000"/>
+                  </a:schemeClr>
+                </a:solidFill>
+              </a:rPr>
+              <a:t>System.Console</a:t>
+            </a:r>
+            <a:r>
+              <a:rPr lang="en-US" sz="1000" dirty="0">
+                <a:solidFill>
+                  <a:schemeClr val="bg1">
+                    <a:lumMod val="85000"/>
+                  </a:schemeClr>
+                </a:solidFill>
+              </a:rPr>
+              <a:t>; namespace Lansoft.CursoCshap8 { </a:t>
+            </a:r>
+          </a:p>
+          <a:p>
+            <a:endParaRPr lang="en-US" sz="1000" dirty="0">
+              <a:solidFill>
+                <a:schemeClr val="bg1">
+                  <a:lumMod val="85000"/>
+                </a:schemeClr>
+              </a:solidFill>
+            </a:endParaRPr>
+          </a:p>
+          <a:p>
+            <a:r>
+              <a:rPr lang="en-US" sz="1400" b="1" dirty="0">
+                <a:solidFill>
+                  <a:schemeClr val="bg1"/>
+                </a:solidFill>
+              </a:rPr>
+              <a:t>class </a:t>
+            </a:r>
+            <a:r>
+              <a:rPr lang="en-US" sz="1400" b="1" dirty="0" err="1">
+                <a:solidFill>
+                  <a:schemeClr val="bg1"/>
+                </a:solidFill>
+              </a:rPr>
+              <a:t>Rectangulo</a:t>
+            </a:r>
+            <a:endParaRPr lang="en-US" sz="1400" b="1" dirty="0">
+              <a:solidFill>
+                <a:schemeClr val="bg1"/>
+              </a:solidFill>
+            </a:endParaRPr>
+          </a:p>
+          <a:p>
+            <a:r>
+              <a:rPr lang="en-US" sz="1400" b="1" dirty="0">
+                <a:solidFill>
+                  <a:schemeClr val="bg1"/>
+                </a:solidFill>
+              </a:rPr>
+              <a:t>{</a:t>
+            </a:r>
+          </a:p>
+          <a:p>
+            <a:r>
+              <a:rPr lang="en-US" sz="1400" b="1" dirty="0">
+                <a:solidFill>
+                  <a:schemeClr val="bg1"/>
+                </a:solidFill>
+              </a:rPr>
+              <a:t>      // Campos</a:t>
+            </a:r>
+          </a:p>
+          <a:p>
+            <a:r>
+              <a:rPr lang="en-US" sz="1400" b="1" dirty="0">
+                <a:solidFill>
+                  <a:schemeClr val="bg1"/>
+                </a:solidFill>
+              </a:rPr>
+              <a:t>      public int X, Y;</a:t>
+            </a:r>
+          </a:p>
+          <a:p>
+            <a:r>
+              <a:rPr lang="en-US" sz="1400" b="1" dirty="0">
+                <a:solidFill>
+                  <a:schemeClr val="bg1"/>
+                </a:solidFill>
+              </a:rPr>
+              <a:t>      </a:t>
+            </a:r>
+          </a:p>
+          <a:p>
+            <a:r>
+              <a:rPr lang="en-US" sz="1400" b="1" dirty="0">
+                <a:solidFill>
+                  <a:schemeClr val="bg1"/>
+                </a:solidFill>
+              </a:rPr>
+              <a:t>      // </a:t>
+            </a:r>
+            <a:r>
+              <a:rPr lang="en-US" sz="1400" b="1" dirty="0" err="1">
+                <a:solidFill>
+                  <a:schemeClr val="bg1"/>
+                </a:solidFill>
+              </a:rPr>
+              <a:t>Metodos</a:t>
+            </a:r>
+            <a:endParaRPr lang="en-US" sz="1400" b="1" dirty="0">
+              <a:solidFill>
+                <a:schemeClr val="bg1"/>
+              </a:solidFill>
+            </a:endParaRPr>
+          </a:p>
+          <a:p>
+            <a:r>
+              <a:rPr lang="en-US" sz="1400" b="1" dirty="0">
+                <a:solidFill>
+                  <a:schemeClr val="bg1"/>
+                </a:solidFill>
+              </a:rPr>
+              <a:t>      </a:t>
+            </a:r>
+            <a:r>
+              <a:rPr lang="en-US" sz="1400" b="1" dirty="0">
+                <a:solidFill>
+                  <a:schemeClr val="accent2">
+                    <a:lumMod val="40000"/>
+                    <a:lumOff val="60000"/>
+                  </a:schemeClr>
+                </a:solidFill>
+              </a:rPr>
+              <a:t>public </a:t>
+            </a:r>
+            <a:r>
+              <a:rPr lang="en-US" sz="1400" b="1" dirty="0" err="1">
+                <a:solidFill>
+                  <a:schemeClr val="accent2">
+                    <a:lumMod val="40000"/>
+                    <a:lumOff val="60000"/>
+                  </a:schemeClr>
+                </a:solidFill>
+              </a:rPr>
+              <a:t>Rectangulo</a:t>
+            </a:r>
+            <a:r>
+              <a:rPr lang="en-US" sz="1400" b="1" dirty="0">
+                <a:solidFill>
+                  <a:schemeClr val="accent2">
+                    <a:lumMod val="40000"/>
+                    <a:lumOff val="60000"/>
+                  </a:schemeClr>
+                </a:solidFill>
+              </a:rPr>
+              <a:t>(int x, int y) </a:t>
+            </a:r>
+            <a:r>
+              <a:rPr lang="en-US" sz="1400" b="1" dirty="0">
+                <a:solidFill>
+                  <a:schemeClr val="bg1"/>
+                </a:solidFill>
+              </a:rPr>
+              <a:t>{</a:t>
+            </a:r>
+          </a:p>
+          <a:p>
+            <a:r>
+              <a:rPr lang="en-US" sz="1400" b="1" dirty="0">
+                <a:solidFill>
+                  <a:schemeClr val="bg1"/>
+                </a:solidFill>
+              </a:rPr>
+              <a:t>            X = x; Y = y;</a:t>
+            </a:r>
+          </a:p>
+          <a:p>
+            <a:r>
+              <a:rPr lang="en-US" sz="1400" b="1" dirty="0">
+                <a:solidFill>
+                  <a:schemeClr val="bg1"/>
+                </a:solidFill>
+              </a:rPr>
+              <a:t>      } </a:t>
+            </a:r>
+          </a:p>
+          <a:p>
+            <a:r>
+              <a:rPr lang="en-US" sz="1400" b="1" dirty="0">
+                <a:solidFill>
+                  <a:schemeClr val="bg1"/>
+                </a:solidFill>
+              </a:rPr>
+              <a:t>      public int Area() {</a:t>
+            </a:r>
+          </a:p>
+          <a:p>
+            <a:r>
+              <a:rPr lang="en-US" sz="1400" b="1" dirty="0">
+                <a:solidFill>
+                  <a:schemeClr val="bg1"/>
+                </a:solidFill>
+              </a:rPr>
+              <a:t>            return X * Y;         </a:t>
+            </a:r>
+          </a:p>
+          <a:p>
+            <a:r>
+              <a:rPr lang="en-US" sz="1400" b="1" dirty="0">
+                <a:solidFill>
+                  <a:schemeClr val="bg1"/>
+                </a:solidFill>
+              </a:rPr>
+              <a:t>      }</a:t>
+            </a:r>
+          </a:p>
+          <a:p>
+            <a:r>
+              <a:rPr lang="en-US" sz="1400" b="1" dirty="0">
+                <a:solidFill>
+                  <a:schemeClr val="bg1"/>
+                </a:solidFill>
+              </a:rPr>
+              <a:t>}</a:t>
+            </a:r>
+          </a:p>
+          <a:p>
+            <a:r>
+              <a:rPr lang="en-US" sz="1400" b="1" dirty="0">
+                <a:solidFill>
+                  <a:schemeClr val="bg1"/>
+                </a:solidFill>
+              </a:rPr>
+              <a:t>static class Principal { </a:t>
+            </a:r>
+          </a:p>
+          <a:p>
+            <a:r>
+              <a:rPr lang="en-US" sz="1400" b="1" dirty="0">
+                <a:solidFill>
+                  <a:schemeClr val="bg1"/>
+                </a:solidFill>
+              </a:rPr>
+              <a:t>      static void Main() {</a:t>
+            </a:r>
+          </a:p>
+          <a:p>
+            <a:r>
+              <a:rPr lang="en-US" sz="1400" b="1" dirty="0">
+                <a:solidFill>
+                  <a:schemeClr val="bg1"/>
+                </a:solidFill>
+              </a:rPr>
+              <a:t>            var rec = new </a:t>
+            </a:r>
+            <a:r>
+              <a:rPr lang="en-US" sz="1400" b="1" dirty="0" err="1">
+                <a:solidFill>
+                  <a:schemeClr val="bg1"/>
+                </a:solidFill>
+              </a:rPr>
+              <a:t>Rectangulo</a:t>
+            </a:r>
+            <a:r>
+              <a:rPr lang="en-US" sz="1400" b="1" dirty="0">
+                <a:solidFill>
+                  <a:schemeClr val="bg1"/>
+                </a:solidFill>
+              </a:rPr>
+              <a:t>(34, 25);</a:t>
+            </a:r>
+          </a:p>
+          <a:p>
+            <a:r>
+              <a:rPr lang="en-US" sz="1400" b="1" dirty="0">
+                <a:solidFill>
+                  <a:schemeClr val="bg1"/>
+                </a:solidFill>
+              </a:rPr>
+              <a:t>            var area = </a:t>
+            </a:r>
+            <a:r>
+              <a:rPr lang="en-US" sz="1400" b="1" dirty="0" err="1">
+                <a:solidFill>
+                  <a:schemeClr val="bg1"/>
+                </a:solidFill>
+              </a:rPr>
+              <a:t>rec.Area</a:t>
+            </a:r>
+            <a:r>
+              <a:rPr lang="en-US" sz="1400" b="1" dirty="0">
+                <a:solidFill>
+                  <a:schemeClr val="bg1"/>
+                </a:solidFill>
+              </a:rPr>
+              <a:t>();		</a:t>
+            </a:r>
+          </a:p>
+          <a:p>
+            <a:r>
+              <a:rPr lang="en-US" sz="1400" b="1" dirty="0">
+                <a:solidFill>
+                  <a:schemeClr val="bg1"/>
+                </a:solidFill>
+              </a:rPr>
+              <a:t>            Write($"</a:t>
+            </a:r>
+            <a:r>
+              <a:rPr lang="en-US" sz="1400" b="1" dirty="0" err="1">
+                <a:solidFill>
+                  <a:schemeClr val="bg1"/>
+                </a:solidFill>
+              </a:rPr>
+              <a:t>Área</a:t>
+            </a:r>
+            <a:r>
+              <a:rPr lang="en-US" sz="1400" b="1" dirty="0">
+                <a:solidFill>
+                  <a:schemeClr val="bg1"/>
+                </a:solidFill>
+              </a:rPr>
+              <a:t> del </a:t>
+            </a:r>
+            <a:r>
+              <a:rPr lang="en-US" sz="1400" b="1" dirty="0" err="1">
+                <a:solidFill>
+                  <a:schemeClr val="bg1"/>
+                </a:solidFill>
+              </a:rPr>
+              <a:t>rectángulo</a:t>
+            </a:r>
+            <a:r>
+              <a:rPr lang="en-US" sz="1400" b="1" dirty="0">
+                <a:solidFill>
+                  <a:schemeClr val="bg1"/>
+                </a:solidFill>
+              </a:rPr>
+              <a:t> = {area}"); 	// 850 </a:t>
+            </a:r>
+          </a:p>
+          <a:p>
+            <a:r>
+              <a:rPr lang="en-US" sz="1400" b="1" dirty="0">
+                <a:solidFill>
+                  <a:schemeClr val="bg1"/>
+                </a:solidFill>
+              </a:rPr>
+              <a:t>      }</a:t>
+            </a:r>
+          </a:p>
+          <a:p>
+            <a:r>
+              <a:rPr lang="en-US" sz="1400" b="1" dirty="0">
+                <a:solidFill>
+                  <a:schemeClr val="bg1"/>
+                </a:solidFill>
+              </a:rPr>
+              <a:t>}</a:t>
+            </a:r>
+          </a:p>
+          <a:p>
+            <a:endParaRPr lang="en-US" sz="1000" dirty="0">
+              <a:solidFill>
+                <a:schemeClr val="bg1">
+                  <a:lumMod val="85000"/>
+                </a:schemeClr>
+              </a:solidFill>
+            </a:endParaRPr>
+          </a:p>
+          <a:p>
+            <a:r>
+              <a:rPr lang="en-US" sz="1000" dirty="0">
+                <a:solidFill>
+                  <a:schemeClr val="bg1">
+                    <a:lumMod val="85000"/>
+                  </a:schemeClr>
+                </a:solidFill>
+              </a:rPr>
+              <a:t>}</a:t>
+            </a:r>
+          </a:p>
+        </p:txBody>
+      </p:sp>
+    </p:spTree>
+    <p:extLst>
+      <p:ext uri="{BB962C8B-B14F-4D97-AF65-F5344CB8AC3E}">
+        <p14:creationId xmlns:p14="http://schemas.microsoft.com/office/powerpoint/2010/main" val="3474962850"/>
+      </p:ext>
+    </p:extLst>
+  </p:cSld>
+  <p:clrMapOvr>
+    <a:masterClrMapping/>
+  </p:clrMapOvr>
+</p:sld>
+</file>
+
+<file path=ppt/slides/slide108.xml><?xml version="1.0" encoding="utf-8"?>
+<p:sld xmlns:a="http://schemas.openxmlformats.org/drawingml/2006/main" xmlns:r="http://schemas.openxmlformats.org/officeDocument/2006/relationships" xmlns:p="http://schemas.openxmlformats.org/presentationml/2006/main">
+  <p:cSld>
+    <p:spTree>
+      <p:nvGrpSpPr>
+        <p:cNvPr id="1" name=""/>
+        <p:cNvGrpSpPr/>
+        <p:nvPr/>
+      </p:nvGrpSpPr>
+      <p:grpSpPr>
+        <a:xfrm>
+          <a:off x="0" y="0"/>
+          <a:ext cx="0" cy="0"/>
+          <a:chOff x="0" y="0"/>
+          <a:chExt cx="0" cy="0"/>
+        </a:xfrm>
+      </p:grpSpPr>
+      <p:sp>
+        <p:nvSpPr>
+          <p:cNvPr id="2" name="Title 1">
+            <a:extLst>
+              <a:ext uri="{FF2B5EF4-FFF2-40B4-BE49-F238E27FC236}">
+                <a16:creationId xmlns:a16="http://schemas.microsoft.com/office/drawing/2014/main" id="{7A8BC80E-4292-FC4C-81C7-C54084DDDF92}"/>
+              </a:ext>
+            </a:extLst>
+          </p:cNvPr>
+          <p:cNvSpPr>
+            <a:spLocks noGrp="1"/>
+          </p:cNvSpPr>
+          <p:nvPr>
+            <p:ph type="title"/>
+          </p:nvPr>
+        </p:nvSpPr>
+        <p:spPr/>
+        <p:txBody>
+          <a:bodyPr/>
+          <a:lstStyle/>
+          <a:p>
+            <a:r>
+              <a:rPr lang="en-BO" dirty="0"/>
+              <a:t>Usando clases y objetos de librerias</a:t>
+            </a:r>
+          </a:p>
+        </p:txBody>
+      </p:sp>
+      <p:sp>
+        <p:nvSpPr>
+          <p:cNvPr id="3" name="Content Placeholder 2">
+            <a:extLst>
+              <a:ext uri="{FF2B5EF4-FFF2-40B4-BE49-F238E27FC236}">
+                <a16:creationId xmlns:a16="http://schemas.microsoft.com/office/drawing/2014/main" id="{17A9446F-04E5-4241-A31D-EB32D0BBFB0E}"/>
+              </a:ext>
+            </a:extLst>
+          </p:cNvPr>
+          <p:cNvSpPr>
+            <a:spLocks noGrp="1"/>
+          </p:cNvSpPr>
+          <p:nvPr>
+            <p:ph idx="1"/>
+          </p:nvPr>
+        </p:nvSpPr>
+        <p:spPr>
+          <a:xfrm>
+            <a:off x="6461760" y="1690688"/>
+            <a:ext cx="4892040" cy="4667250"/>
+          </a:xfrm>
+          <a:solidFill>
+            <a:schemeClr val="accent6">
+              <a:alpha val="50000"/>
+            </a:schemeClr>
+          </a:solidFill>
+          <a:ln>
+            <a:noFill/>
+          </a:ln>
+        </p:spPr>
+        <p:style>
+          <a:lnRef idx="0">
+            <a:scrgbClr r="0" g="0" b="0"/>
+          </a:lnRef>
+          <a:fillRef idx="0">
+            <a:scrgbClr r="0" g="0" b="0"/>
+          </a:fillRef>
+          <a:effectRef idx="0">
+            <a:scrgbClr r="0" g="0" b="0"/>
+          </a:effectRef>
+          <a:fontRef idx="minor">
+            <a:schemeClr val="lt1"/>
+          </a:fontRef>
+        </p:style>
+        <p:txBody>
+          <a:bodyPr>
+            <a:normAutofit fontScale="77500" lnSpcReduction="20000"/>
+          </a:bodyPr>
+          <a:lstStyle/>
+          <a:p>
+            <a:pPr marL="0" indent="0">
+              <a:buNone/>
+            </a:pPr>
+            <a:r>
+              <a:rPr lang="en-BO" dirty="0">
+                <a:solidFill>
+                  <a:schemeClr val="tx1">
+                    <a:lumMod val="65000"/>
+                    <a:lumOff val="35000"/>
+                  </a:schemeClr>
+                </a:solidFill>
+              </a:rPr>
+              <a:t>Hay decenas de miles de librerías de clases de terceros, que podemos incorporar en nuestro proyecto.  </a:t>
+            </a:r>
+          </a:p>
+          <a:p>
+            <a:pPr marL="0" indent="0">
+              <a:buNone/>
+            </a:pPr>
+            <a:endParaRPr lang="en-BO" dirty="0">
+              <a:solidFill>
+                <a:schemeClr val="tx1">
+                  <a:lumMod val="65000"/>
+                  <a:lumOff val="35000"/>
+                </a:schemeClr>
+              </a:solidFill>
+            </a:endParaRPr>
+          </a:p>
+          <a:p>
+            <a:pPr marL="0" indent="0">
+              <a:buNone/>
+            </a:pPr>
+            <a:r>
+              <a:rPr lang="en-BO" dirty="0">
+                <a:solidFill>
+                  <a:schemeClr val="tx1">
+                    <a:lumMod val="65000"/>
+                    <a:lumOff val="35000"/>
+                  </a:schemeClr>
+                </a:solidFill>
+              </a:rPr>
+              <a:t>La más usadas sin embargo son las del mismo .Net Core, que viven en los namespaces System y Microsoft. Muchas están en el núcleo que se instala con el framework y se las conoce como BCL (Basic Class Library) o FCL (Framework Class Library).</a:t>
+            </a:r>
+          </a:p>
+          <a:p>
+            <a:pPr marL="0" indent="0">
+              <a:buNone/>
+            </a:pPr>
+            <a:endParaRPr lang="en-BO" dirty="0">
+              <a:solidFill>
+                <a:schemeClr val="tx1">
+                  <a:lumMod val="65000"/>
+                  <a:lumOff val="35000"/>
+                </a:schemeClr>
+              </a:solidFill>
+            </a:endParaRPr>
+          </a:p>
+          <a:p>
+            <a:pPr marL="0" indent="0">
+              <a:buNone/>
+            </a:pPr>
+            <a:r>
+              <a:rPr lang="en-BO" dirty="0">
+                <a:solidFill>
+                  <a:schemeClr val="tx1">
+                    <a:lumMod val="65000"/>
+                    <a:lumOff val="35000"/>
+                  </a:schemeClr>
+                </a:solidFill>
+              </a:rPr>
+              <a:t>Ya hemos usado algunas clases estáticas de esta librería, como Console, Math y File. También una clase de instancias: System.Random.</a:t>
+            </a:r>
+          </a:p>
+        </p:txBody>
+      </p:sp>
+      <p:sp>
+        <p:nvSpPr>
+          <p:cNvPr id="4" name="TextBox 3">
+            <a:extLst>
+              <a:ext uri="{FF2B5EF4-FFF2-40B4-BE49-F238E27FC236}">
+                <a16:creationId xmlns:a16="http://schemas.microsoft.com/office/drawing/2014/main" id="{15F461DD-F83F-8749-87F2-B918823E9065}"/>
+              </a:ext>
+            </a:extLst>
+          </p:cNvPr>
+          <p:cNvSpPr txBox="1"/>
+          <p:nvPr/>
+        </p:nvSpPr>
+        <p:spPr>
+          <a:xfrm>
+            <a:off x="838200" y="1839099"/>
+            <a:ext cx="5109754" cy="4370427"/>
+          </a:xfrm>
+          <a:prstGeom prst="rect">
+            <a:avLst/>
+          </a:prstGeom>
+        </p:spPr>
+        <p:style>
+          <a:lnRef idx="1">
+            <a:schemeClr val="dk1"/>
+          </a:lnRef>
+          <a:fillRef idx="3">
+            <a:schemeClr val="dk1"/>
+          </a:fillRef>
+          <a:effectRef idx="2">
+            <a:schemeClr val="dk1"/>
+          </a:effectRef>
+          <a:fontRef idx="minor">
+            <a:schemeClr val="lt1"/>
+          </a:fontRef>
+        </p:style>
+        <p:txBody>
+          <a:bodyPr wrap="square" rtlCol="0">
+            <a:spAutoFit/>
+          </a:bodyPr>
+          <a:lstStyle/>
+          <a:p>
+            <a:r>
+              <a:rPr lang="en-US" sz="1000" dirty="0">
+                <a:solidFill>
+                  <a:schemeClr val="bg1">
+                    <a:lumMod val="85000"/>
+                  </a:schemeClr>
+                </a:solidFill>
+              </a:rPr>
+              <a:t>using System; using static </a:t>
+            </a:r>
+            <a:r>
+              <a:rPr lang="en-US" sz="1000" dirty="0" err="1">
+                <a:solidFill>
+                  <a:schemeClr val="bg1">
+                    <a:lumMod val="85000"/>
+                  </a:schemeClr>
+                </a:solidFill>
+              </a:rPr>
+              <a:t>System.Console</a:t>
+            </a:r>
+            <a:r>
+              <a:rPr lang="en-US" sz="1000" dirty="0">
+                <a:solidFill>
+                  <a:schemeClr val="bg1">
+                    <a:lumMod val="85000"/>
+                  </a:schemeClr>
+                </a:solidFill>
+              </a:rPr>
+              <a:t>; namespace Lansoft.CursoCshap8 { </a:t>
+            </a:r>
+          </a:p>
+          <a:p>
+            <a:endParaRPr lang="en-US" sz="1000" dirty="0">
+              <a:solidFill>
+                <a:schemeClr val="bg1">
+                  <a:lumMod val="85000"/>
+                </a:schemeClr>
+              </a:solidFill>
+            </a:endParaRPr>
+          </a:p>
+          <a:p>
+            <a:r>
+              <a:rPr lang="en-US" sz="1400" b="1" dirty="0">
+                <a:solidFill>
+                  <a:schemeClr val="bg1"/>
+                </a:solidFill>
+              </a:rPr>
+              <a:t>static class Principal { </a:t>
+            </a:r>
+          </a:p>
+          <a:p>
+            <a:r>
+              <a:rPr lang="en-US" sz="1400" b="1" dirty="0">
+                <a:solidFill>
+                  <a:schemeClr val="bg1"/>
+                </a:solidFill>
+              </a:rPr>
+              <a:t>      static void Main() {</a:t>
+            </a:r>
+          </a:p>
+          <a:p>
+            <a:r>
+              <a:rPr lang="en-US" sz="1400" b="1" dirty="0">
+                <a:solidFill>
+                  <a:schemeClr val="bg1"/>
+                </a:solidFill>
+              </a:rPr>
+              <a:t>            </a:t>
+            </a:r>
+            <a:r>
+              <a:rPr lang="en-US" sz="1400" b="1" dirty="0">
+                <a:solidFill>
+                  <a:schemeClr val="accent2">
+                    <a:lumMod val="40000"/>
+                    <a:lumOff val="60000"/>
+                  </a:schemeClr>
+                </a:solidFill>
+              </a:rPr>
+              <a:t>var random = new Random();</a:t>
+            </a:r>
+          </a:p>
+          <a:p>
+            <a:r>
+              <a:rPr lang="en-US" sz="1400" b="1" dirty="0">
+                <a:solidFill>
+                  <a:schemeClr val="bg1"/>
+                </a:solidFill>
+              </a:rPr>
+              <a:t>            var x = </a:t>
+            </a:r>
+            <a:r>
+              <a:rPr lang="en-US" sz="1400" b="1" dirty="0" err="1">
+                <a:solidFill>
+                  <a:schemeClr val="bg1"/>
+                </a:solidFill>
+              </a:rPr>
+              <a:t>random.Next</a:t>
+            </a:r>
+            <a:r>
+              <a:rPr lang="en-US" sz="1400" b="1" dirty="0">
+                <a:solidFill>
+                  <a:schemeClr val="bg1"/>
+                </a:solidFill>
+              </a:rPr>
+              <a:t>(1, 101);		// Entre 1 y 100   </a:t>
+            </a:r>
+          </a:p>
+          <a:p>
+            <a:r>
+              <a:rPr lang="en-US" sz="1400" b="1" dirty="0">
+                <a:solidFill>
+                  <a:schemeClr val="bg1"/>
+                </a:solidFill>
+              </a:rPr>
+              <a:t>            var y = </a:t>
+            </a:r>
+            <a:r>
+              <a:rPr lang="en-US" sz="1400" b="1" dirty="0" err="1">
+                <a:solidFill>
+                  <a:schemeClr val="bg1"/>
+                </a:solidFill>
+              </a:rPr>
+              <a:t>random.Next</a:t>
+            </a:r>
+            <a:r>
+              <a:rPr lang="en-US" sz="1400" b="1" dirty="0">
+                <a:solidFill>
+                  <a:schemeClr val="bg1"/>
+                </a:solidFill>
+              </a:rPr>
+              <a:t>(1, 101);		// Entre 1 y 100  </a:t>
+            </a:r>
+          </a:p>
+          <a:p>
+            <a:r>
+              <a:rPr lang="en-US" sz="1400" b="1" dirty="0">
+                <a:solidFill>
+                  <a:schemeClr val="bg1"/>
+                </a:solidFill>
+              </a:rPr>
+              <a:t>            </a:t>
+            </a:r>
+            <a:r>
+              <a:rPr lang="en-US" sz="1400" b="1" dirty="0" err="1">
+                <a:solidFill>
+                  <a:schemeClr val="bg1"/>
+                </a:solidFill>
+              </a:rPr>
+              <a:t>Rectangulo</a:t>
+            </a:r>
+            <a:r>
+              <a:rPr lang="en-US" sz="1400" b="1" dirty="0">
+                <a:solidFill>
+                  <a:schemeClr val="bg1"/>
+                </a:solidFill>
+              </a:rPr>
+              <a:t> rec = new </a:t>
+            </a:r>
+            <a:r>
+              <a:rPr lang="en-US" sz="1400" b="1" dirty="0" err="1">
+                <a:solidFill>
+                  <a:schemeClr val="bg1"/>
+                </a:solidFill>
+              </a:rPr>
+              <a:t>Rectangulo</a:t>
+            </a:r>
+            <a:r>
+              <a:rPr lang="en-US" sz="1400" b="1" dirty="0">
+                <a:solidFill>
+                  <a:schemeClr val="bg1"/>
+                </a:solidFill>
+              </a:rPr>
+              <a:t>(x, y);</a:t>
+            </a:r>
+          </a:p>
+          <a:p>
+            <a:r>
+              <a:rPr lang="en-US" sz="1400" b="1" dirty="0">
+                <a:solidFill>
+                  <a:schemeClr val="bg1"/>
+                </a:solidFill>
+              </a:rPr>
+              <a:t>            WriteLine( "Area del </a:t>
+            </a:r>
+            <a:r>
+              <a:rPr lang="en-US" sz="1400" b="1" dirty="0" err="1">
+                <a:solidFill>
+                  <a:schemeClr val="bg1"/>
+                </a:solidFill>
+              </a:rPr>
+              <a:t>rectángulo</a:t>
+            </a:r>
+            <a:r>
+              <a:rPr lang="en-US" sz="1400" b="1" dirty="0">
+                <a:solidFill>
+                  <a:schemeClr val="bg1"/>
+                </a:solidFill>
+              </a:rPr>
+              <a:t>" + </a:t>
+            </a:r>
+          </a:p>
+          <a:p>
+            <a:r>
+              <a:rPr lang="en-US" sz="1400" b="1" dirty="0">
+                <a:solidFill>
+                  <a:schemeClr val="bg1"/>
+                </a:solidFill>
+              </a:rPr>
+              <a:t>	         $"({</a:t>
+            </a:r>
+            <a:r>
+              <a:rPr lang="en-US" sz="1400" b="1" dirty="0" err="1">
+                <a:solidFill>
+                  <a:schemeClr val="bg1"/>
+                </a:solidFill>
+              </a:rPr>
+              <a:t>rec.X</a:t>
+            </a:r>
+            <a:r>
+              <a:rPr lang="en-US" sz="1400" b="1" dirty="0">
+                <a:solidFill>
+                  <a:schemeClr val="bg1"/>
+                </a:solidFill>
+              </a:rPr>
+              <a:t>}x{</a:t>
+            </a:r>
+            <a:r>
+              <a:rPr lang="en-US" sz="1400" b="1" dirty="0" err="1">
+                <a:solidFill>
+                  <a:schemeClr val="bg1"/>
+                </a:solidFill>
+              </a:rPr>
+              <a:t>rec.Y</a:t>
+            </a:r>
+            <a:r>
+              <a:rPr lang="en-US" sz="1400" b="1" dirty="0">
+                <a:solidFill>
+                  <a:schemeClr val="bg1"/>
+                </a:solidFill>
+              </a:rPr>
+              <a:t>}) = {</a:t>
+            </a:r>
+            <a:r>
+              <a:rPr lang="en-US" sz="1400" b="1" dirty="0" err="1">
+                <a:solidFill>
+                  <a:schemeClr val="bg1"/>
+                </a:solidFill>
+              </a:rPr>
+              <a:t>rec.Area</a:t>
+            </a:r>
+            <a:r>
+              <a:rPr lang="en-US" sz="1400" b="1" dirty="0">
+                <a:solidFill>
+                  <a:schemeClr val="bg1"/>
+                </a:solidFill>
+              </a:rPr>
+              <a:t>()}" ); 	 </a:t>
+            </a:r>
+          </a:p>
+          <a:p>
+            <a:r>
+              <a:rPr lang="en-US" sz="1400" b="1" dirty="0">
+                <a:solidFill>
+                  <a:schemeClr val="bg1"/>
+                </a:solidFill>
+              </a:rPr>
+              <a:t>      }</a:t>
+            </a:r>
+          </a:p>
+          <a:p>
+            <a:r>
+              <a:rPr lang="en-US" sz="1400" b="1" dirty="0">
+                <a:solidFill>
+                  <a:schemeClr val="bg1"/>
+                </a:solidFill>
+              </a:rPr>
+              <a:t>}</a:t>
+            </a:r>
+          </a:p>
+          <a:p>
+            <a:endParaRPr lang="en-US" sz="1400" b="1" dirty="0">
+              <a:solidFill>
+                <a:schemeClr val="bg1"/>
+              </a:solidFill>
+            </a:endParaRPr>
+          </a:p>
+          <a:p>
+            <a:r>
+              <a:rPr lang="en-US" sz="1400" b="1" dirty="0">
+                <a:solidFill>
+                  <a:schemeClr val="bg1"/>
+                </a:solidFill>
+              </a:rPr>
+              <a:t>class </a:t>
+            </a:r>
+            <a:r>
+              <a:rPr lang="en-US" sz="1400" b="1" dirty="0" err="1">
+                <a:solidFill>
+                  <a:schemeClr val="bg1"/>
+                </a:solidFill>
+              </a:rPr>
+              <a:t>Rectangulo</a:t>
+            </a:r>
+            <a:r>
+              <a:rPr lang="en-US" sz="1400" b="1" dirty="0">
+                <a:solidFill>
+                  <a:schemeClr val="bg1"/>
+                </a:solidFill>
+              </a:rPr>
+              <a:t> {</a:t>
+            </a:r>
+          </a:p>
+          <a:p>
+            <a:r>
+              <a:rPr lang="en-US" sz="1400" b="1" dirty="0">
+                <a:solidFill>
+                  <a:schemeClr val="bg1"/>
+                </a:solidFill>
+              </a:rPr>
+              <a:t>      public int X, Y;</a:t>
+            </a:r>
+          </a:p>
+          <a:p>
+            <a:r>
+              <a:rPr lang="en-US" sz="1400" b="1" dirty="0">
+                <a:solidFill>
+                  <a:schemeClr val="bg1"/>
+                </a:solidFill>
+              </a:rPr>
+              <a:t>      </a:t>
+            </a:r>
+          </a:p>
+          <a:p>
+            <a:r>
+              <a:rPr lang="en-US" sz="1400" b="1" dirty="0">
+                <a:solidFill>
+                  <a:schemeClr val="accent2">
+                    <a:lumMod val="40000"/>
+                    <a:lumOff val="60000"/>
+                  </a:schemeClr>
+                </a:solidFill>
+              </a:rPr>
+              <a:t>      </a:t>
+            </a:r>
+            <a:r>
+              <a:rPr lang="en-US" sz="1400" b="1" dirty="0">
+                <a:solidFill>
+                  <a:schemeClr val="bg1"/>
+                </a:solidFill>
+              </a:rPr>
+              <a:t>public </a:t>
+            </a:r>
+            <a:r>
+              <a:rPr lang="en-US" sz="1400" b="1" dirty="0" err="1">
+                <a:solidFill>
+                  <a:schemeClr val="bg1"/>
+                </a:solidFill>
+              </a:rPr>
+              <a:t>Rectangulo</a:t>
+            </a:r>
+            <a:r>
+              <a:rPr lang="en-US" sz="1400" b="1" dirty="0">
+                <a:solidFill>
+                  <a:schemeClr val="bg1"/>
+                </a:solidFill>
+              </a:rPr>
+              <a:t>(int x, int y) { X = x; Y = y; } </a:t>
+            </a:r>
+          </a:p>
+          <a:p>
+            <a:r>
+              <a:rPr lang="en-US" sz="1400" b="1" dirty="0">
+                <a:solidFill>
+                  <a:schemeClr val="bg1"/>
+                </a:solidFill>
+              </a:rPr>
+              <a:t>      public int Area() { return X * Y;  }</a:t>
+            </a:r>
+          </a:p>
+          <a:p>
+            <a:r>
+              <a:rPr lang="en-US" sz="1400" b="1" dirty="0">
+                <a:solidFill>
+                  <a:schemeClr val="bg1"/>
+                </a:solidFill>
+              </a:rPr>
+              <a:t>}</a:t>
+            </a:r>
+          </a:p>
+          <a:p>
+            <a:endParaRPr lang="en-US" sz="1000" dirty="0">
+              <a:solidFill>
+                <a:schemeClr val="bg1">
+                  <a:lumMod val="85000"/>
+                </a:schemeClr>
+              </a:solidFill>
+            </a:endParaRPr>
+          </a:p>
+          <a:p>
+            <a:r>
+              <a:rPr lang="en-US" sz="1000" dirty="0">
+                <a:solidFill>
+                  <a:schemeClr val="bg1">
+                    <a:lumMod val="85000"/>
+                  </a:schemeClr>
+                </a:solidFill>
+              </a:rPr>
+              <a:t>}</a:t>
+            </a:r>
+          </a:p>
+        </p:txBody>
+      </p:sp>
+    </p:spTree>
+    <p:extLst>
+      <p:ext uri="{BB962C8B-B14F-4D97-AF65-F5344CB8AC3E}">
+        <p14:creationId xmlns:p14="http://schemas.microsoft.com/office/powerpoint/2010/main" val="2174257749"/>
+      </p:ext>
+    </p:extLst>
+  </p:cSld>
+  <p:clrMapOvr>
+    <a:masterClrMapping/>
+  </p:clrMapOvr>
+</p:sld>
+</file>
+
+<file path=ppt/slides/slide109.xml><?xml version="1.0" encoding="utf-8"?>
+<p:sld xmlns:a="http://schemas.openxmlformats.org/drawingml/2006/main" xmlns:r="http://schemas.openxmlformats.org/officeDocument/2006/relationships" xmlns:p="http://schemas.openxmlformats.org/presentationml/2006/main">
+  <p:cSld>
+    <p:spTree>
+      <p:nvGrpSpPr>
+        <p:cNvPr id="1" name=""/>
+        <p:cNvGrpSpPr/>
+        <p:nvPr/>
+      </p:nvGrpSpPr>
+      <p:grpSpPr>
+        <a:xfrm>
+          <a:off x="0" y="0"/>
+          <a:ext cx="0" cy="0"/>
+          <a:chOff x="0" y="0"/>
+          <a:chExt cx="0" cy="0"/>
+        </a:xfrm>
+      </p:grpSpPr>
+      <p:sp>
+        <p:nvSpPr>
+          <p:cNvPr id="2" name="Title 1">
+            <a:extLst>
+              <a:ext uri="{FF2B5EF4-FFF2-40B4-BE49-F238E27FC236}">
+                <a16:creationId xmlns:a16="http://schemas.microsoft.com/office/drawing/2014/main" id="{EB6087DF-1D9B-BA44-A10E-8B51EB8CB7DD}"/>
+              </a:ext>
+            </a:extLst>
+          </p:cNvPr>
+          <p:cNvSpPr>
+            <a:spLocks noGrp="1"/>
+          </p:cNvSpPr>
+          <p:nvPr>
+            <p:ph type="title"/>
+          </p:nvPr>
+        </p:nvSpPr>
+        <p:spPr/>
+        <p:txBody>
+          <a:bodyPr/>
+          <a:lstStyle/>
+          <a:p>
+            <a:r>
+              <a:rPr lang="en-BO" dirty="0"/>
+              <a:t>Contando instancias</a:t>
+            </a:r>
+          </a:p>
+        </p:txBody>
+      </p:sp>
+      <p:sp>
+        <p:nvSpPr>
+          <p:cNvPr id="3" name="Content Placeholder 2">
+            <a:extLst>
+              <a:ext uri="{FF2B5EF4-FFF2-40B4-BE49-F238E27FC236}">
+                <a16:creationId xmlns:a16="http://schemas.microsoft.com/office/drawing/2014/main" id="{DA0FDAF5-7695-6345-B928-506A64C4529A}"/>
+              </a:ext>
+            </a:extLst>
+          </p:cNvPr>
+          <p:cNvSpPr>
+            <a:spLocks noGrp="1"/>
+          </p:cNvSpPr>
+          <p:nvPr>
+            <p:ph idx="1"/>
+          </p:nvPr>
+        </p:nvSpPr>
+        <p:spPr>
+          <a:xfrm>
+            <a:off x="6783978" y="2013102"/>
+            <a:ext cx="4569822" cy="4351338"/>
+          </a:xfrm>
+          <a:solidFill>
+            <a:schemeClr val="accent6">
+              <a:lumMod val="75000"/>
+            </a:schemeClr>
+          </a:solidFill>
+        </p:spPr>
+        <p:style>
+          <a:lnRef idx="1">
+            <a:schemeClr val="accent6"/>
+          </a:lnRef>
+          <a:fillRef idx="3">
+            <a:schemeClr val="accent6"/>
+          </a:fillRef>
+          <a:effectRef idx="2">
+            <a:schemeClr val="accent6"/>
+          </a:effectRef>
+          <a:fontRef idx="minor">
+            <a:schemeClr val="lt1"/>
+          </a:fontRef>
+        </p:style>
+        <p:txBody>
+          <a:bodyPr>
+            <a:normAutofit lnSpcReduction="10000"/>
+          </a:bodyPr>
+          <a:lstStyle/>
+          <a:p>
+            <a:pPr marL="0" indent="0">
+              <a:buNone/>
+            </a:pPr>
+            <a:r>
+              <a:rPr lang="en-BO" dirty="0"/>
+              <a:t>Los campos o variables de clases, pueden ser usadas dentro de los miembros de instancia.</a:t>
+            </a:r>
+          </a:p>
+          <a:p>
+            <a:pPr marL="0" indent="0">
+              <a:buNone/>
+            </a:pPr>
+            <a:endParaRPr lang="en-BO" dirty="0"/>
+          </a:p>
+          <a:p>
+            <a:pPr marL="0" indent="0">
+              <a:buNone/>
+            </a:pPr>
+            <a:r>
+              <a:rPr lang="en-BO" dirty="0"/>
+              <a:t>Usando los constructores, es posible aumentar la variable de conteo static (única en todo el programa) para incrementar la cuenta cada que se crea un objeto </a:t>
+            </a:r>
+          </a:p>
+        </p:txBody>
+      </p:sp>
+      <p:sp>
+        <p:nvSpPr>
+          <p:cNvPr id="4" name="TextBox 3">
+            <a:extLst>
+              <a:ext uri="{FF2B5EF4-FFF2-40B4-BE49-F238E27FC236}">
+                <a16:creationId xmlns:a16="http://schemas.microsoft.com/office/drawing/2014/main" id="{B3E42685-EFDC-144F-909D-ED0A9445141F}"/>
+              </a:ext>
+            </a:extLst>
+          </p:cNvPr>
+          <p:cNvSpPr txBox="1"/>
+          <p:nvPr/>
+        </p:nvSpPr>
+        <p:spPr>
+          <a:xfrm>
+            <a:off x="838199" y="1670096"/>
+            <a:ext cx="5362303" cy="5016758"/>
+          </a:xfrm>
+          <a:prstGeom prst="rect">
+            <a:avLst/>
+          </a:prstGeom>
+        </p:spPr>
+        <p:style>
+          <a:lnRef idx="1">
+            <a:schemeClr val="dk1"/>
+          </a:lnRef>
+          <a:fillRef idx="3">
+            <a:schemeClr val="dk1"/>
+          </a:fillRef>
+          <a:effectRef idx="2">
+            <a:schemeClr val="dk1"/>
+          </a:effectRef>
+          <a:fontRef idx="minor">
+            <a:schemeClr val="lt1"/>
+          </a:fontRef>
+        </p:style>
+        <p:txBody>
+          <a:bodyPr wrap="square" rtlCol="0">
+            <a:spAutoFit/>
+          </a:bodyPr>
+          <a:lstStyle/>
+          <a:p>
+            <a:r>
+              <a:rPr lang="en-US" sz="1000" dirty="0">
+                <a:solidFill>
+                  <a:schemeClr val="bg1">
+                    <a:lumMod val="85000"/>
+                  </a:schemeClr>
+                </a:solidFill>
+              </a:rPr>
+              <a:t>using System; using static </a:t>
+            </a:r>
+            <a:r>
+              <a:rPr lang="en-US" sz="1000" dirty="0" err="1">
+                <a:solidFill>
+                  <a:schemeClr val="bg1">
+                    <a:lumMod val="85000"/>
+                  </a:schemeClr>
+                </a:solidFill>
+              </a:rPr>
+              <a:t>System.Console</a:t>
+            </a:r>
+            <a:r>
+              <a:rPr lang="en-US" sz="1000" dirty="0">
+                <a:solidFill>
+                  <a:schemeClr val="bg1">
+                    <a:lumMod val="85000"/>
+                  </a:schemeClr>
+                </a:solidFill>
+              </a:rPr>
+              <a:t>; namespace Lansoft.CursoCshap8 { </a:t>
+            </a:r>
+          </a:p>
+          <a:p>
+            <a:endParaRPr lang="en-US" sz="1000" dirty="0">
+              <a:solidFill>
+                <a:schemeClr val="bg1">
+                  <a:lumMod val="85000"/>
+                </a:schemeClr>
+              </a:solidFill>
+            </a:endParaRPr>
+          </a:p>
+          <a:p>
+            <a:r>
+              <a:rPr lang="en-US" sz="1400" b="1" dirty="0">
+                <a:solidFill>
+                  <a:schemeClr val="bg1"/>
+                </a:solidFill>
+              </a:rPr>
+              <a:t>static class Principal { </a:t>
+            </a:r>
+          </a:p>
+          <a:p>
+            <a:r>
+              <a:rPr lang="en-US" sz="1400" b="1" dirty="0">
+                <a:solidFill>
+                  <a:schemeClr val="bg1"/>
+                </a:solidFill>
+              </a:rPr>
+              <a:t>      static void Main() {</a:t>
+            </a:r>
+          </a:p>
+          <a:p>
+            <a:r>
+              <a:rPr lang="en-US" sz="1400" b="1" dirty="0">
+                <a:solidFill>
+                  <a:schemeClr val="bg1"/>
+                </a:solidFill>
+              </a:rPr>
+              <a:t>            </a:t>
+            </a:r>
+            <a:r>
+              <a:rPr lang="en-US" sz="1400" b="1" dirty="0">
+                <a:solidFill>
+                  <a:schemeClr val="accent2">
+                    <a:lumMod val="40000"/>
+                    <a:lumOff val="60000"/>
+                  </a:schemeClr>
+                </a:solidFill>
+              </a:rPr>
+              <a:t>var random = new Random();</a:t>
+            </a:r>
+          </a:p>
+          <a:p>
+            <a:r>
+              <a:rPr lang="en-US" sz="1400" b="1" dirty="0">
+                <a:solidFill>
+                  <a:schemeClr val="bg1"/>
+                </a:solidFill>
+              </a:rPr>
+              <a:t>            var x = </a:t>
+            </a:r>
+            <a:r>
+              <a:rPr lang="en-US" sz="1400" b="1" dirty="0" err="1">
+                <a:solidFill>
+                  <a:schemeClr val="bg1"/>
+                </a:solidFill>
+              </a:rPr>
+              <a:t>random.Next</a:t>
+            </a:r>
+            <a:r>
+              <a:rPr lang="en-US" sz="1400" b="1" dirty="0">
+                <a:solidFill>
+                  <a:schemeClr val="bg1"/>
+                </a:solidFill>
+              </a:rPr>
+              <a:t>(1, 101);		// Entre 1 y 100   </a:t>
+            </a:r>
+          </a:p>
+          <a:p>
+            <a:r>
+              <a:rPr lang="en-US" sz="1400" b="1" dirty="0">
+                <a:solidFill>
+                  <a:schemeClr val="bg1"/>
+                </a:solidFill>
+              </a:rPr>
+              <a:t>            var y = </a:t>
+            </a:r>
+            <a:r>
+              <a:rPr lang="en-US" sz="1400" b="1" dirty="0" err="1">
+                <a:solidFill>
+                  <a:schemeClr val="bg1"/>
+                </a:solidFill>
+              </a:rPr>
+              <a:t>random.Next</a:t>
+            </a:r>
+            <a:r>
+              <a:rPr lang="en-US" sz="1400" b="1" dirty="0">
+                <a:solidFill>
+                  <a:schemeClr val="bg1"/>
+                </a:solidFill>
+              </a:rPr>
+              <a:t>(1, 101);		// Entre 1 y 100  </a:t>
+            </a:r>
+          </a:p>
+          <a:p>
+            <a:r>
+              <a:rPr lang="en-US" sz="1400" b="1" dirty="0">
+                <a:solidFill>
+                  <a:schemeClr val="bg1"/>
+                </a:solidFill>
+              </a:rPr>
+              <a:t>            </a:t>
+            </a:r>
+            <a:r>
+              <a:rPr lang="en-US" sz="1400" b="1" dirty="0" err="1">
+                <a:solidFill>
+                  <a:schemeClr val="bg1"/>
+                </a:solidFill>
+              </a:rPr>
+              <a:t>Rectangulo</a:t>
+            </a:r>
+            <a:r>
+              <a:rPr lang="en-US" sz="1400" b="1" dirty="0">
+                <a:solidFill>
+                  <a:schemeClr val="bg1"/>
+                </a:solidFill>
+              </a:rPr>
+              <a:t> </a:t>
+            </a:r>
+            <a:r>
+              <a:rPr lang="en-US" sz="1400" b="1" dirty="0" err="1">
+                <a:solidFill>
+                  <a:schemeClr val="bg1"/>
+                </a:solidFill>
+              </a:rPr>
+              <a:t>recRnd</a:t>
+            </a:r>
+            <a:r>
+              <a:rPr lang="en-US" sz="1400" b="1" dirty="0">
+                <a:solidFill>
+                  <a:schemeClr val="bg1"/>
+                </a:solidFill>
+              </a:rPr>
+              <a:t> = new </a:t>
+            </a:r>
+            <a:r>
+              <a:rPr lang="en-US" sz="1400" b="1" dirty="0" err="1">
+                <a:solidFill>
+                  <a:schemeClr val="bg1"/>
+                </a:solidFill>
+              </a:rPr>
+              <a:t>Rectangulo</a:t>
+            </a:r>
+            <a:r>
+              <a:rPr lang="en-US" sz="1400" b="1" dirty="0">
+                <a:solidFill>
+                  <a:schemeClr val="bg1"/>
+                </a:solidFill>
+              </a:rPr>
+              <a:t>(x, y);</a:t>
+            </a:r>
+          </a:p>
+          <a:p>
+            <a:r>
+              <a:rPr lang="en-US" sz="1400" b="1" dirty="0">
+                <a:solidFill>
+                  <a:schemeClr val="bg1"/>
+                </a:solidFill>
+              </a:rPr>
+              <a:t>            WriteLine( "Area del </a:t>
+            </a:r>
+            <a:r>
+              <a:rPr lang="en-US" sz="1400" b="1" dirty="0" err="1">
+                <a:solidFill>
+                  <a:schemeClr val="bg1"/>
+                </a:solidFill>
+              </a:rPr>
+              <a:t>rectángulo</a:t>
+            </a:r>
+            <a:r>
+              <a:rPr lang="en-US" sz="1400" b="1" dirty="0">
+                <a:solidFill>
+                  <a:schemeClr val="bg1"/>
+                </a:solidFill>
+              </a:rPr>
+              <a:t>" + </a:t>
+            </a:r>
+          </a:p>
+          <a:p>
+            <a:r>
+              <a:rPr lang="en-US" sz="1400" b="1" dirty="0">
+                <a:solidFill>
+                  <a:schemeClr val="bg1"/>
+                </a:solidFill>
+              </a:rPr>
+              <a:t>	         $"({</a:t>
+            </a:r>
+            <a:r>
+              <a:rPr lang="en-US" sz="1400" b="1" dirty="0" err="1">
+                <a:solidFill>
+                  <a:schemeClr val="bg1"/>
+                </a:solidFill>
+              </a:rPr>
+              <a:t>recRnd.X</a:t>
+            </a:r>
+            <a:r>
+              <a:rPr lang="en-US" sz="1400" b="1" dirty="0">
+                <a:solidFill>
+                  <a:schemeClr val="bg1"/>
+                </a:solidFill>
+              </a:rPr>
+              <a:t>}x{</a:t>
+            </a:r>
+            <a:r>
+              <a:rPr lang="en-US" sz="1400" b="1" dirty="0" err="1">
+                <a:solidFill>
+                  <a:schemeClr val="bg1"/>
+                </a:solidFill>
+              </a:rPr>
+              <a:t>recRnd.Y</a:t>
+            </a:r>
+            <a:r>
+              <a:rPr lang="en-US" sz="1400" b="1" dirty="0">
+                <a:solidFill>
+                  <a:schemeClr val="bg1"/>
+                </a:solidFill>
+              </a:rPr>
+              <a:t>}) = {</a:t>
+            </a:r>
+            <a:r>
+              <a:rPr lang="en-US" sz="1400" b="1" dirty="0" err="1">
+                <a:solidFill>
+                  <a:schemeClr val="bg1"/>
+                </a:solidFill>
+              </a:rPr>
+              <a:t>recRnd.Area</a:t>
+            </a:r>
+            <a:r>
+              <a:rPr lang="en-US" sz="1400" b="1" dirty="0">
+                <a:solidFill>
+                  <a:schemeClr val="bg1"/>
+                </a:solidFill>
+              </a:rPr>
+              <a:t>()}" );</a:t>
+            </a:r>
+          </a:p>
+          <a:p>
+            <a:r>
+              <a:rPr lang="en-US" sz="1400" b="1" dirty="0">
+                <a:solidFill>
+                  <a:schemeClr val="bg1"/>
+                </a:solidFill>
+              </a:rPr>
+              <a:t>           </a:t>
+            </a:r>
+            <a:r>
+              <a:rPr lang="en-US" sz="1400" b="1" dirty="0" err="1">
+                <a:solidFill>
+                  <a:schemeClr val="bg1"/>
+                </a:solidFill>
+              </a:rPr>
+              <a:t>Rectangulo</a:t>
+            </a:r>
+            <a:r>
+              <a:rPr lang="en-US" sz="1400" b="1" dirty="0">
+                <a:solidFill>
+                  <a:schemeClr val="bg1"/>
+                </a:solidFill>
+              </a:rPr>
+              <a:t> </a:t>
+            </a:r>
+            <a:r>
+              <a:rPr lang="en-US" sz="1400" b="1" dirty="0" err="1">
+                <a:solidFill>
+                  <a:schemeClr val="bg1"/>
+                </a:solidFill>
+              </a:rPr>
+              <a:t>recB</a:t>
+            </a:r>
+            <a:r>
+              <a:rPr lang="en-US" sz="1400" b="1" dirty="0">
+                <a:solidFill>
+                  <a:schemeClr val="bg1"/>
+                </a:solidFill>
+              </a:rPr>
+              <a:t> = new </a:t>
+            </a:r>
+            <a:r>
+              <a:rPr lang="en-US" sz="1400" b="1" dirty="0" err="1">
+                <a:solidFill>
+                  <a:schemeClr val="bg1"/>
+                </a:solidFill>
+              </a:rPr>
+              <a:t>Rectangulo</a:t>
+            </a:r>
+            <a:r>
+              <a:rPr lang="en-US" sz="1400" b="1" dirty="0">
+                <a:solidFill>
+                  <a:schemeClr val="bg1"/>
+                </a:solidFill>
+              </a:rPr>
+              <a:t>(2, 5);</a:t>
+            </a:r>
+          </a:p>
+          <a:p>
+            <a:r>
+              <a:rPr lang="en-US" sz="1400" b="1" dirty="0">
+                <a:solidFill>
+                  <a:schemeClr val="bg1"/>
+                </a:solidFill>
+              </a:rPr>
+              <a:t>           </a:t>
+            </a:r>
+            <a:r>
+              <a:rPr lang="en-US" sz="1400" b="1" dirty="0" err="1">
+                <a:solidFill>
+                  <a:schemeClr val="bg1"/>
+                </a:solidFill>
+              </a:rPr>
+              <a:t>Rectangulo</a:t>
+            </a:r>
+            <a:r>
+              <a:rPr lang="en-US" sz="1400" b="1" dirty="0">
+                <a:solidFill>
+                  <a:schemeClr val="bg1"/>
+                </a:solidFill>
+              </a:rPr>
+              <a:t> </a:t>
+            </a:r>
+            <a:r>
+              <a:rPr lang="en-US" sz="1400" b="1" dirty="0" err="1">
+                <a:solidFill>
+                  <a:schemeClr val="bg1"/>
+                </a:solidFill>
+              </a:rPr>
+              <a:t>recC</a:t>
+            </a:r>
+            <a:r>
+              <a:rPr lang="en-US" sz="1400" b="1" dirty="0">
+                <a:solidFill>
+                  <a:schemeClr val="bg1"/>
+                </a:solidFill>
+              </a:rPr>
+              <a:t> = new </a:t>
+            </a:r>
+            <a:r>
+              <a:rPr lang="en-US" sz="1400" b="1" dirty="0" err="1">
+                <a:solidFill>
+                  <a:schemeClr val="bg1"/>
+                </a:solidFill>
+              </a:rPr>
+              <a:t>Rectangulo</a:t>
+            </a:r>
+            <a:r>
+              <a:rPr lang="en-US" sz="1400" b="1" dirty="0">
+                <a:solidFill>
+                  <a:schemeClr val="bg1"/>
+                </a:solidFill>
+              </a:rPr>
+              <a:t>(3, 6);</a:t>
+            </a:r>
+          </a:p>
+          <a:p>
+            <a:r>
+              <a:rPr lang="en-US" sz="1400" b="1" dirty="0">
+                <a:solidFill>
+                  <a:schemeClr val="bg1"/>
+                </a:solidFill>
+              </a:rPr>
+              <a:t>           WriteLine($"</a:t>
+            </a:r>
+            <a:r>
+              <a:rPr lang="en-US" sz="1400" b="1" dirty="0" err="1">
+                <a:solidFill>
+                  <a:schemeClr val="bg1"/>
+                </a:solidFill>
+              </a:rPr>
+              <a:t>Rectangulos</a:t>
+            </a:r>
+            <a:r>
+              <a:rPr lang="en-US" sz="1400" b="1" dirty="0">
+                <a:solidFill>
+                  <a:schemeClr val="bg1"/>
+                </a:solidFill>
+              </a:rPr>
+              <a:t> </a:t>
+            </a:r>
+            <a:r>
+              <a:rPr lang="en-US" sz="1400" b="1" dirty="0" err="1">
+                <a:solidFill>
+                  <a:schemeClr val="bg1"/>
+                </a:solidFill>
+              </a:rPr>
+              <a:t>creados</a:t>
+            </a:r>
+            <a:r>
+              <a:rPr lang="en-US" sz="1400" b="1" dirty="0">
+                <a:solidFill>
+                  <a:schemeClr val="bg1"/>
+                </a:solidFill>
+              </a:rPr>
+              <a:t>: {</a:t>
+            </a:r>
+            <a:r>
+              <a:rPr lang="en-US" sz="1400" b="1" dirty="0" err="1">
+                <a:solidFill>
+                  <a:schemeClr val="bg1"/>
+                </a:solidFill>
+              </a:rPr>
+              <a:t>Rectangulo.Rects</a:t>
+            </a:r>
+            <a:r>
+              <a:rPr lang="en-US" sz="1400" b="1" dirty="0">
+                <a:solidFill>
+                  <a:schemeClr val="bg1"/>
+                </a:solidFill>
+              </a:rPr>
+              <a:t>} ");  // 3</a:t>
+            </a:r>
+          </a:p>
+          <a:p>
+            <a:r>
+              <a:rPr lang="en-US" sz="1400" b="1" dirty="0">
+                <a:solidFill>
+                  <a:schemeClr val="bg1"/>
+                </a:solidFill>
+              </a:rPr>
+              <a:t>      }</a:t>
+            </a:r>
+          </a:p>
+          <a:p>
+            <a:r>
+              <a:rPr lang="en-US" sz="1400" b="1" dirty="0">
+                <a:solidFill>
+                  <a:schemeClr val="bg1"/>
+                </a:solidFill>
+              </a:rPr>
+              <a:t>}</a:t>
+            </a:r>
+          </a:p>
+          <a:p>
+            <a:r>
+              <a:rPr lang="en-US" sz="1400" b="1" dirty="0">
+                <a:solidFill>
+                  <a:schemeClr val="bg1"/>
+                </a:solidFill>
+              </a:rPr>
+              <a:t>class </a:t>
+            </a:r>
+            <a:r>
+              <a:rPr lang="en-US" sz="1400" b="1" dirty="0" err="1">
+                <a:solidFill>
+                  <a:schemeClr val="bg1"/>
+                </a:solidFill>
+              </a:rPr>
+              <a:t>Rectangulo</a:t>
+            </a:r>
+            <a:r>
+              <a:rPr lang="en-US" sz="1400" b="1" dirty="0">
+                <a:solidFill>
+                  <a:schemeClr val="bg1"/>
+                </a:solidFill>
+              </a:rPr>
+              <a:t> {</a:t>
+            </a:r>
+          </a:p>
+          <a:p>
+            <a:r>
+              <a:rPr lang="en-US" sz="1400" b="1" dirty="0">
+                <a:solidFill>
+                  <a:schemeClr val="bg1"/>
+                </a:solidFill>
+              </a:rPr>
+              <a:t>      public int X, Y;</a:t>
+            </a:r>
+          </a:p>
+          <a:p>
+            <a:r>
+              <a:rPr lang="en-US" sz="1400" b="1" dirty="0">
+                <a:solidFill>
+                  <a:schemeClr val="bg1"/>
+                </a:solidFill>
+              </a:rPr>
+              <a:t>      </a:t>
+            </a:r>
+            <a:r>
+              <a:rPr lang="en-US" sz="1400" b="1" dirty="0">
+                <a:solidFill>
+                  <a:schemeClr val="accent2">
+                    <a:lumMod val="40000"/>
+                    <a:lumOff val="60000"/>
+                  </a:schemeClr>
+                </a:solidFill>
+              </a:rPr>
+              <a:t>public static</a:t>
+            </a:r>
+            <a:r>
+              <a:rPr lang="en-US" sz="1400" b="1" dirty="0">
+                <a:solidFill>
+                  <a:schemeClr val="bg1"/>
+                </a:solidFill>
+              </a:rPr>
+              <a:t> int </a:t>
+            </a:r>
+            <a:r>
+              <a:rPr lang="en-US" sz="1400" b="1" dirty="0" err="1">
+                <a:solidFill>
+                  <a:schemeClr val="bg1"/>
+                </a:solidFill>
+              </a:rPr>
+              <a:t>Rects</a:t>
+            </a:r>
+            <a:r>
+              <a:rPr lang="en-US" sz="1400" b="1" dirty="0">
+                <a:solidFill>
+                  <a:schemeClr val="bg1"/>
+                </a:solidFill>
+              </a:rPr>
+              <a:t>;      </a:t>
+            </a:r>
+          </a:p>
+          <a:p>
+            <a:endParaRPr lang="en-US" sz="1400" b="1" dirty="0">
+              <a:solidFill>
+                <a:schemeClr val="bg1"/>
+              </a:solidFill>
+            </a:endParaRPr>
+          </a:p>
+          <a:p>
+            <a:r>
+              <a:rPr lang="en-US" sz="1400" b="1" dirty="0">
+                <a:solidFill>
+                  <a:schemeClr val="bg1"/>
+                </a:solidFill>
+              </a:rPr>
+              <a:t>      public </a:t>
+            </a:r>
+            <a:r>
+              <a:rPr lang="en-US" sz="1400" b="1" dirty="0" err="1">
+                <a:solidFill>
+                  <a:schemeClr val="bg1"/>
+                </a:solidFill>
+              </a:rPr>
+              <a:t>Rectangulo</a:t>
+            </a:r>
+            <a:r>
+              <a:rPr lang="en-US" sz="1400" b="1" dirty="0">
+                <a:solidFill>
+                  <a:schemeClr val="bg1"/>
+                </a:solidFill>
+              </a:rPr>
+              <a:t> (int x, int y) { X = x; Y = y; </a:t>
+            </a:r>
+            <a:r>
+              <a:rPr lang="en-US" sz="1400" b="1" dirty="0" err="1">
+                <a:solidFill>
+                  <a:schemeClr val="bg1"/>
+                </a:solidFill>
+              </a:rPr>
+              <a:t>Rects</a:t>
+            </a:r>
+            <a:r>
+              <a:rPr lang="en-US" sz="1400" b="1" dirty="0">
+                <a:solidFill>
+                  <a:schemeClr val="bg1"/>
+                </a:solidFill>
+              </a:rPr>
+              <a:t>++; }</a:t>
+            </a:r>
+          </a:p>
+          <a:p>
+            <a:r>
+              <a:rPr lang="en-US" sz="1400" b="1" dirty="0">
+                <a:solidFill>
+                  <a:schemeClr val="bg1"/>
+                </a:solidFill>
+              </a:rPr>
+              <a:t>      public int Area() { return X * Y; }</a:t>
+            </a:r>
+          </a:p>
+          <a:p>
+            <a:r>
+              <a:rPr lang="en-US" sz="1400" b="1" dirty="0">
+                <a:solidFill>
+                  <a:schemeClr val="bg1"/>
+                </a:solidFill>
+              </a:rPr>
+              <a:t>}</a:t>
+            </a:r>
+          </a:p>
+          <a:p>
+            <a:endParaRPr lang="en-US" sz="1000" dirty="0">
+              <a:solidFill>
+                <a:schemeClr val="bg1">
+                  <a:lumMod val="85000"/>
+                </a:schemeClr>
+              </a:solidFill>
+            </a:endParaRPr>
+          </a:p>
+          <a:p>
+            <a:r>
+              <a:rPr lang="en-US" sz="1000" dirty="0">
+                <a:solidFill>
+                  <a:schemeClr val="bg1">
+                    <a:lumMod val="85000"/>
+                  </a:schemeClr>
+                </a:solidFill>
+              </a:rPr>
+              <a:t>}</a:t>
+            </a:r>
+          </a:p>
+        </p:txBody>
+      </p:sp>
+    </p:spTree>
+    <p:extLst>
+      <p:ext uri="{BB962C8B-B14F-4D97-AF65-F5344CB8AC3E}">
+        <p14:creationId xmlns:p14="http://schemas.microsoft.com/office/powerpoint/2010/main" val="10965027"/>
+      </p:ext>
+    </p:extLst>
+  </p:cSld>
+  <p:clrMapOvr>
+    <a:masterClrMapping/>
+  </p:clrMapOvr>
+</p:sld>
+</file>
+
 <file path=ppt/slides/slide11.xml><?xml version="1.0" encoding="utf-8"?>
 <p:sld xmlns:a="http://schemas.openxmlformats.org/drawingml/2006/main" xmlns:r="http://schemas.openxmlformats.org/officeDocument/2006/relationships" xmlns:p="http://schemas.openxmlformats.org/presentationml/2006/main">
   <p:cSld>
@@ -7633,6 +14690,2428 @@
     <p:extLst>
       <p:ext uri="{BB962C8B-B14F-4D97-AF65-F5344CB8AC3E}">
         <p14:creationId xmlns:p14="http://schemas.microsoft.com/office/powerpoint/2010/main" val="2291840013"/>
+      </p:ext>
+    </p:extLst>
+  </p:cSld>
+  <p:clrMapOvr>
+    <a:masterClrMapping/>
+  </p:clrMapOvr>
+</p:sld>
+</file>
+
+<file path=ppt/slides/slide110.xml><?xml version="1.0" encoding="utf-8"?>
+<p:sld xmlns:a="http://schemas.openxmlformats.org/drawingml/2006/main" xmlns:r="http://schemas.openxmlformats.org/officeDocument/2006/relationships" xmlns:p="http://schemas.openxmlformats.org/presentationml/2006/main">
+  <p:cSld>
+    <p:spTree>
+      <p:nvGrpSpPr>
+        <p:cNvPr id="1" name=""/>
+        <p:cNvGrpSpPr/>
+        <p:nvPr/>
+      </p:nvGrpSpPr>
+      <p:grpSpPr>
+        <a:xfrm>
+          <a:off x="0" y="0"/>
+          <a:ext cx="0" cy="0"/>
+          <a:chOff x="0" y="0"/>
+          <a:chExt cx="0" cy="0"/>
+        </a:xfrm>
+      </p:grpSpPr>
+      <p:sp>
+        <p:nvSpPr>
+          <p:cNvPr id="2" name="Title 1">
+            <a:extLst>
+              <a:ext uri="{FF2B5EF4-FFF2-40B4-BE49-F238E27FC236}">
+                <a16:creationId xmlns:a16="http://schemas.microsoft.com/office/drawing/2014/main" id="{4CE577B7-2C70-964E-9C0B-A45688C2C6FD}"/>
+              </a:ext>
+            </a:extLst>
+          </p:cNvPr>
+          <p:cNvSpPr>
+            <a:spLocks noGrp="1"/>
+          </p:cNvSpPr>
+          <p:nvPr>
+            <p:ph type="title"/>
+          </p:nvPr>
+        </p:nvSpPr>
+        <p:spPr/>
+        <p:txBody>
+          <a:bodyPr/>
+          <a:lstStyle/>
+          <a:p>
+            <a:r>
+              <a:rPr lang="en-BO" dirty="0"/>
+              <a:t>this</a:t>
+            </a:r>
+          </a:p>
+        </p:txBody>
+      </p:sp>
+      <p:sp>
+        <p:nvSpPr>
+          <p:cNvPr id="3" name="Content Placeholder 2">
+            <a:extLst>
+              <a:ext uri="{FF2B5EF4-FFF2-40B4-BE49-F238E27FC236}">
+                <a16:creationId xmlns:a16="http://schemas.microsoft.com/office/drawing/2014/main" id="{C42DF7E6-D020-5A42-8D27-F91F6070476C}"/>
+              </a:ext>
+            </a:extLst>
+          </p:cNvPr>
+          <p:cNvSpPr>
+            <a:spLocks noGrp="1"/>
+          </p:cNvSpPr>
+          <p:nvPr>
+            <p:ph idx="1"/>
+          </p:nvPr>
+        </p:nvSpPr>
+        <p:spPr>
+          <a:xfrm>
+            <a:off x="6783977" y="2230522"/>
+            <a:ext cx="4569823" cy="3895906"/>
+          </a:xfrm>
+          <a:solidFill>
+            <a:schemeClr val="accent2">
+              <a:lumMod val="40000"/>
+              <a:lumOff val="60000"/>
+            </a:schemeClr>
+          </a:solidFill>
+        </p:spPr>
+        <p:style>
+          <a:lnRef idx="1">
+            <a:schemeClr val="accent2"/>
+          </a:lnRef>
+          <a:fillRef idx="2">
+            <a:schemeClr val="accent2"/>
+          </a:fillRef>
+          <a:effectRef idx="1">
+            <a:schemeClr val="accent2"/>
+          </a:effectRef>
+          <a:fontRef idx="minor">
+            <a:schemeClr val="dk1"/>
+          </a:fontRef>
+        </p:style>
+        <p:txBody>
+          <a:bodyPr>
+            <a:normAutofit fontScale="77500" lnSpcReduction="20000"/>
+          </a:bodyPr>
+          <a:lstStyle/>
+          <a:p>
+            <a:pPr marL="0" indent="0">
+              <a:buNone/>
+            </a:pPr>
+            <a:r>
+              <a:rPr lang="en-US" dirty="0">
+                <a:solidFill>
+                  <a:schemeClr val="tx1"/>
+                </a:solidFill>
+              </a:rPr>
+              <a:t>Dentro del constructor, </a:t>
+            </a:r>
+            <a:r>
+              <a:rPr lang="en-US" dirty="0" err="1">
+                <a:solidFill>
+                  <a:schemeClr val="tx1"/>
+                </a:solidFill>
+              </a:rPr>
+              <a:t>así</a:t>
+            </a:r>
+            <a:r>
+              <a:rPr lang="en-US" dirty="0">
+                <a:solidFill>
+                  <a:schemeClr val="tx1"/>
+                </a:solidFill>
+              </a:rPr>
+              <a:t> </a:t>
+            </a:r>
+            <a:r>
+              <a:rPr lang="en-US" dirty="0" err="1">
+                <a:solidFill>
+                  <a:schemeClr val="tx1"/>
+                </a:solidFill>
+              </a:rPr>
+              <a:t>como</a:t>
+            </a:r>
+            <a:r>
+              <a:rPr lang="en-US" dirty="0">
+                <a:solidFill>
+                  <a:schemeClr val="tx1"/>
+                </a:solidFill>
+              </a:rPr>
+              <a:t> </a:t>
+            </a:r>
+            <a:r>
+              <a:rPr lang="en-US" dirty="0" err="1">
+                <a:solidFill>
+                  <a:schemeClr val="tx1"/>
+                </a:solidFill>
+              </a:rPr>
+              <a:t>en</a:t>
+            </a:r>
+            <a:r>
+              <a:rPr lang="en-US" dirty="0">
+                <a:solidFill>
+                  <a:schemeClr val="tx1"/>
+                </a:solidFill>
+              </a:rPr>
+              <a:t> </a:t>
+            </a:r>
+            <a:r>
+              <a:rPr lang="en-US" dirty="0" err="1">
+                <a:solidFill>
+                  <a:schemeClr val="tx1"/>
+                </a:solidFill>
+              </a:rPr>
+              <a:t>otros</a:t>
+            </a:r>
+            <a:r>
+              <a:rPr lang="en-US" dirty="0">
+                <a:solidFill>
+                  <a:schemeClr val="tx1"/>
+                </a:solidFill>
+              </a:rPr>
+              <a:t> </a:t>
+            </a:r>
+            <a:r>
+              <a:rPr lang="en-US" dirty="0" err="1">
+                <a:solidFill>
+                  <a:schemeClr val="tx1"/>
+                </a:solidFill>
+              </a:rPr>
+              <a:t>métodos</a:t>
+            </a:r>
+            <a:r>
+              <a:rPr lang="en-US" dirty="0">
+                <a:solidFill>
+                  <a:schemeClr val="tx1"/>
+                </a:solidFill>
+              </a:rPr>
+              <a:t> que </a:t>
+            </a:r>
+            <a:r>
+              <a:rPr lang="en-US" dirty="0" err="1">
+                <a:solidFill>
+                  <a:schemeClr val="tx1"/>
+                </a:solidFill>
+              </a:rPr>
+              <a:t>pertenecen</a:t>
+            </a:r>
+            <a:r>
+              <a:rPr lang="en-US" dirty="0">
+                <a:solidFill>
+                  <a:schemeClr val="tx1"/>
+                </a:solidFill>
+              </a:rPr>
+              <a:t> al </a:t>
+            </a:r>
+            <a:r>
+              <a:rPr lang="en-US" dirty="0" err="1">
+                <a:solidFill>
+                  <a:schemeClr val="tx1"/>
+                </a:solidFill>
+              </a:rPr>
+              <a:t>objeto</a:t>
+            </a:r>
+            <a:r>
+              <a:rPr lang="en-US" dirty="0">
+                <a:solidFill>
+                  <a:schemeClr val="tx1"/>
+                </a:solidFill>
+              </a:rPr>
+              <a:t>, se </a:t>
+            </a:r>
+            <a:r>
+              <a:rPr lang="en-US" dirty="0" err="1">
+                <a:solidFill>
+                  <a:schemeClr val="tx1"/>
+                </a:solidFill>
+              </a:rPr>
+              <a:t>puede</a:t>
+            </a:r>
+            <a:r>
+              <a:rPr lang="en-US" dirty="0">
+                <a:solidFill>
+                  <a:schemeClr val="tx1"/>
+                </a:solidFill>
+              </a:rPr>
+              <a:t> </a:t>
+            </a:r>
+            <a:r>
+              <a:rPr lang="en-US" dirty="0" err="1">
+                <a:solidFill>
+                  <a:schemeClr val="tx1"/>
+                </a:solidFill>
+              </a:rPr>
+              <a:t>usar</a:t>
+            </a:r>
+            <a:r>
+              <a:rPr lang="en-US" dirty="0">
+                <a:solidFill>
+                  <a:schemeClr val="tx1"/>
+                </a:solidFill>
+              </a:rPr>
+              <a:t> un keyword especial: </a:t>
+            </a:r>
+            <a:r>
+              <a:rPr lang="en-US" b="1" dirty="0">
+                <a:solidFill>
+                  <a:schemeClr val="tx1"/>
+                </a:solidFill>
+              </a:rPr>
+              <a:t>this</a:t>
+            </a:r>
+            <a:r>
+              <a:rPr lang="en-US" dirty="0">
+                <a:solidFill>
+                  <a:schemeClr val="tx1"/>
+                </a:solidFill>
+              </a:rPr>
+              <a:t>. Este keyword es una </a:t>
+            </a:r>
+            <a:r>
+              <a:rPr lang="en-US" dirty="0" err="1">
+                <a:solidFill>
+                  <a:schemeClr val="tx1"/>
+                </a:solidFill>
+              </a:rPr>
+              <a:t>referencia</a:t>
+            </a:r>
+            <a:r>
+              <a:rPr lang="en-US" dirty="0">
+                <a:solidFill>
+                  <a:schemeClr val="tx1"/>
+                </a:solidFill>
+              </a:rPr>
+              <a:t> a la </a:t>
+            </a:r>
+            <a:r>
+              <a:rPr lang="en-US" dirty="0" err="1">
+                <a:solidFill>
+                  <a:schemeClr val="tx1"/>
+                </a:solidFill>
+              </a:rPr>
+              <a:t>instancia</a:t>
+            </a:r>
+            <a:r>
+              <a:rPr lang="en-US" dirty="0">
+                <a:solidFill>
+                  <a:schemeClr val="tx1"/>
+                </a:solidFill>
+              </a:rPr>
+              <a:t> actual de la </a:t>
+            </a:r>
+            <a:r>
+              <a:rPr lang="en-US" dirty="0" err="1">
+                <a:solidFill>
+                  <a:schemeClr val="tx1"/>
+                </a:solidFill>
+              </a:rPr>
+              <a:t>clase</a:t>
+            </a:r>
+            <a:r>
+              <a:rPr lang="en-US" dirty="0">
+                <a:solidFill>
+                  <a:schemeClr val="tx1"/>
+                </a:solidFill>
+              </a:rPr>
+              <a:t>, o al </a:t>
+            </a:r>
+            <a:r>
+              <a:rPr lang="en-US" dirty="0" err="1">
+                <a:solidFill>
+                  <a:schemeClr val="tx1"/>
+                </a:solidFill>
+              </a:rPr>
+              <a:t>objeto</a:t>
+            </a:r>
+            <a:r>
+              <a:rPr lang="en-US" dirty="0">
+                <a:solidFill>
+                  <a:schemeClr val="tx1"/>
+                </a:solidFill>
+              </a:rPr>
+              <a:t> </a:t>
+            </a:r>
+            <a:r>
+              <a:rPr lang="en-US" dirty="0" err="1">
+                <a:solidFill>
+                  <a:schemeClr val="tx1"/>
+                </a:solidFill>
+              </a:rPr>
+              <a:t>en</a:t>
+            </a:r>
+            <a:r>
+              <a:rPr lang="en-US" dirty="0">
+                <a:solidFill>
+                  <a:schemeClr val="tx1"/>
+                </a:solidFill>
+              </a:rPr>
+              <a:t> </a:t>
+            </a:r>
+            <a:r>
+              <a:rPr lang="en-US" dirty="0" err="1">
+                <a:solidFill>
+                  <a:schemeClr val="tx1"/>
+                </a:solidFill>
+              </a:rPr>
+              <a:t>concreto</a:t>
+            </a:r>
+            <a:r>
+              <a:rPr lang="en-US" dirty="0">
+                <a:solidFill>
+                  <a:schemeClr val="tx1"/>
+                </a:solidFill>
+              </a:rPr>
+              <a:t> </a:t>
+            </a:r>
+            <a:r>
+              <a:rPr lang="en-US" dirty="0" err="1">
+                <a:solidFill>
+                  <a:schemeClr val="tx1"/>
+                </a:solidFill>
+              </a:rPr>
+              <a:t>en</a:t>
+            </a:r>
+            <a:r>
+              <a:rPr lang="en-US" dirty="0">
+                <a:solidFill>
+                  <a:schemeClr val="tx1"/>
+                </a:solidFill>
+              </a:rPr>
+              <a:t> el que </a:t>
+            </a:r>
+            <a:r>
+              <a:rPr lang="en-US" dirty="0" err="1">
+                <a:solidFill>
+                  <a:schemeClr val="tx1"/>
+                </a:solidFill>
+              </a:rPr>
+              <a:t>está</a:t>
+            </a:r>
+            <a:r>
+              <a:rPr lang="en-US" dirty="0">
+                <a:solidFill>
+                  <a:schemeClr val="tx1"/>
+                </a:solidFill>
+              </a:rPr>
+              <a:t> </a:t>
+            </a:r>
+            <a:r>
+              <a:rPr lang="en-US" dirty="0" err="1">
+                <a:solidFill>
+                  <a:schemeClr val="tx1"/>
+                </a:solidFill>
+              </a:rPr>
+              <a:t>ejecutandose</a:t>
+            </a:r>
+            <a:r>
+              <a:rPr lang="en-US" dirty="0">
+                <a:solidFill>
+                  <a:schemeClr val="tx1"/>
+                </a:solidFill>
+              </a:rPr>
+              <a:t> el </a:t>
+            </a:r>
+            <a:r>
+              <a:rPr lang="en-US" dirty="0" err="1">
+                <a:solidFill>
+                  <a:schemeClr val="tx1"/>
+                </a:solidFill>
+              </a:rPr>
+              <a:t>método</a:t>
+            </a:r>
+            <a:r>
+              <a:rPr lang="en-US" dirty="0">
+                <a:solidFill>
+                  <a:schemeClr val="tx1"/>
+                </a:solidFill>
+              </a:rPr>
+              <a:t>. </a:t>
+            </a:r>
+          </a:p>
+          <a:p>
+            <a:pPr marL="0" indent="0">
+              <a:buNone/>
+            </a:pPr>
+            <a:r>
+              <a:rPr lang="en-US" dirty="0" err="1">
+                <a:solidFill>
+                  <a:schemeClr val="tx1"/>
+                </a:solidFill>
+              </a:rPr>
+              <a:t>Supongamos</a:t>
+            </a:r>
+            <a:r>
+              <a:rPr lang="en-US" dirty="0">
+                <a:solidFill>
+                  <a:schemeClr val="tx1"/>
+                </a:solidFill>
+              </a:rPr>
+              <a:t>, por </a:t>
+            </a:r>
+            <a:r>
+              <a:rPr lang="en-US" dirty="0" err="1">
+                <a:solidFill>
+                  <a:schemeClr val="tx1"/>
+                </a:solidFill>
+              </a:rPr>
+              <a:t>ejemplo</a:t>
+            </a:r>
+            <a:r>
+              <a:rPr lang="en-US" dirty="0">
+                <a:solidFill>
+                  <a:schemeClr val="tx1"/>
+                </a:solidFill>
+              </a:rPr>
+              <a:t>, que los </a:t>
+            </a:r>
+            <a:r>
+              <a:rPr lang="en-US" dirty="0" err="1">
+                <a:solidFill>
+                  <a:schemeClr val="tx1"/>
+                </a:solidFill>
+              </a:rPr>
+              <a:t>parámetros</a:t>
+            </a:r>
+            <a:r>
+              <a:rPr lang="en-US" dirty="0">
+                <a:solidFill>
+                  <a:schemeClr val="tx1"/>
+                </a:solidFill>
+              </a:rPr>
+              <a:t> del constructor </a:t>
+            </a:r>
+            <a:r>
+              <a:rPr lang="en-US" dirty="0" err="1">
+                <a:solidFill>
+                  <a:schemeClr val="tx1"/>
+                </a:solidFill>
+              </a:rPr>
+              <a:t>tienen</a:t>
+            </a:r>
+            <a:r>
+              <a:rPr lang="en-US" dirty="0">
+                <a:solidFill>
+                  <a:schemeClr val="tx1"/>
+                </a:solidFill>
+              </a:rPr>
+              <a:t> los </a:t>
+            </a:r>
+            <a:r>
+              <a:rPr lang="en-US" dirty="0" err="1">
+                <a:solidFill>
+                  <a:schemeClr val="tx1"/>
+                </a:solidFill>
+              </a:rPr>
+              <a:t>mismos</a:t>
+            </a:r>
+            <a:r>
+              <a:rPr lang="en-US" dirty="0">
+                <a:solidFill>
+                  <a:schemeClr val="tx1"/>
+                </a:solidFill>
+              </a:rPr>
+              <a:t> </a:t>
+            </a:r>
+            <a:r>
+              <a:rPr lang="en-US" dirty="0" err="1">
+                <a:solidFill>
+                  <a:schemeClr val="tx1"/>
+                </a:solidFill>
+              </a:rPr>
+              <a:t>nombres</a:t>
+            </a:r>
+            <a:r>
+              <a:rPr lang="en-US" dirty="0">
+                <a:solidFill>
+                  <a:schemeClr val="tx1"/>
+                </a:solidFill>
+              </a:rPr>
+              <a:t> que los </a:t>
+            </a:r>
+            <a:r>
+              <a:rPr lang="en-US" dirty="0" err="1">
+                <a:solidFill>
+                  <a:schemeClr val="tx1"/>
+                </a:solidFill>
+              </a:rPr>
+              <a:t>campos</a:t>
+            </a:r>
+            <a:r>
+              <a:rPr lang="en-US" dirty="0">
+                <a:solidFill>
+                  <a:schemeClr val="tx1"/>
+                </a:solidFill>
+              </a:rPr>
+              <a:t> </a:t>
+            </a:r>
+            <a:r>
+              <a:rPr lang="en-US" dirty="0" err="1">
+                <a:solidFill>
+                  <a:schemeClr val="tx1"/>
+                </a:solidFill>
+              </a:rPr>
+              <a:t>correspondientes</a:t>
+            </a:r>
+            <a:r>
+              <a:rPr lang="en-US" dirty="0">
+                <a:solidFill>
+                  <a:schemeClr val="tx1"/>
+                </a:solidFill>
+              </a:rPr>
+              <a:t> del </a:t>
+            </a:r>
+            <a:r>
+              <a:rPr lang="en-US" dirty="0" err="1">
+                <a:solidFill>
+                  <a:schemeClr val="tx1"/>
+                </a:solidFill>
+              </a:rPr>
+              <a:t>objeto</a:t>
+            </a:r>
+            <a:r>
+              <a:rPr lang="en-US" dirty="0">
+                <a:solidFill>
+                  <a:schemeClr val="tx1"/>
+                </a:solidFill>
+              </a:rPr>
+              <a:t>. </a:t>
+            </a:r>
+            <a:r>
+              <a:rPr lang="en-US" dirty="0" err="1">
+                <a:solidFill>
+                  <a:schemeClr val="tx1"/>
+                </a:solidFill>
+              </a:rPr>
+              <a:t>Entonces</a:t>
+            </a:r>
+            <a:r>
+              <a:rPr lang="en-US" dirty="0">
+                <a:solidFill>
+                  <a:schemeClr val="tx1"/>
+                </a:solidFill>
+              </a:rPr>
+              <a:t> </a:t>
+            </a:r>
+            <a:r>
+              <a:rPr lang="en-US" dirty="0" err="1">
+                <a:solidFill>
+                  <a:schemeClr val="tx1"/>
+                </a:solidFill>
+              </a:rPr>
+              <a:t>sería</a:t>
+            </a:r>
+            <a:r>
+              <a:rPr lang="en-US" dirty="0">
+                <a:solidFill>
+                  <a:schemeClr val="tx1"/>
+                </a:solidFill>
+              </a:rPr>
+              <a:t> </a:t>
+            </a:r>
+            <a:r>
+              <a:rPr lang="en-US" dirty="0" err="1">
+                <a:solidFill>
+                  <a:schemeClr val="tx1"/>
+                </a:solidFill>
+              </a:rPr>
+              <a:t>posible</a:t>
+            </a:r>
+            <a:r>
+              <a:rPr lang="en-US" dirty="0">
+                <a:solidFill>
+                  <a:schemeClr val="tx1"/>
+                </a:solidFill>
+              </a:rPr>
+              <a:t> acceder a los </a:t>
+            </a:r>
+            <a:r>
+              <a:rPr lang="en-US" dirty="0" err="1">
+                <a:solidFill>
+                  <a:schemeClr val="tx1"/>
+                </a:solidFill>
+              </a:rPr>
+              <a:t>campos</a:t>
+            </a:r>
+            <a:r>
+              <a:rPr lang="en-US" dirty="0">
+                <a:solidFill>
+                  <a:schemeClr val="tx1"/>
+                </a:solidFill>
+              </a:rPr>
+              <a:t> </a:t>
+            </a:r>
+            <a:r>
+              <a:rPr lang="en-US" dirty="0" err="1">
+                <a:solidFill>
+                  <a:schemeClr val="tx1"/>
+                </a:solidFill>
+              </a:rPr>
+              <a:t>utilizando</a:t>
+            </a:r>
+            <a:r>
+              <a:rPr lang="en-US" dirty="0">
+                <a:solidFill>
+                  <a:schemeClr val="tx1"/>
+                </a:solidFill>
+              </a:rPr>
+              <a:t> el keyword this, </a:t>
+            </a:r>
+            <a:r>
+              <a:rPr lang="en-US" dirty="0" err="1">
+                <a:solidFill>
+                  <a:schemeClr val="tx1"/>
+                </a:solidFill>
+              </a:rPr>
+              <a:t>aunque</a:t>
+            </a:r>
+            <a:r>
+              <a:rPr lang="en-US" dirty="0">
+                <a:solidFill>
+                  <a:schemeClr val="tx1"/>
+                </a:solidFill>
+              </a:rPr>
+              <a:t> los </a:t>
+            </a:r>
+            <a:r>
+              <a:rPr lang="en-US" dirty="0" err="1">
+                <a:solidFill>
+                  <a:schemeClr val="tx1"/>
+                </a:solidFill>
+              </a:rPr>
+              <a:t>parámetros</a:t>
+            </a:r>
+            <a:r>
+              <a:rPr lang="en-US" dirty="0">
+                <a:solidFill>
+                  <a:schemeClr val="tx1"/>
+                </a:solidFill>
+              </a:rPr>
+              <a:t> del </a:t>
+            </a:r>
+            <a:r>
+              <a:rPr lang="en-US" dirty="0" err="1">
+                <a:solidFill>
+                  <a:schemeClr val="tx1"/>
+                </a:solidFill>
+              </a:rPr>
+              <a:t>mismo</a:t>
+            </a:r>
+            <a:r>
+              <a:rPr lang="en-US" dirty="0">
+                <a:solidFill>
+                  <a:schemeClr val="tx1"/>
+                </a:solidFill>
+              </a:rPr>
+              <a:t> </a:t>
+            </a:r>
+            <a:r>
+              <a:rPr lang="en-US" dirty="0" err="1">
+                <a:solidFill>
+                  <a:schemeClr val="tx1"/>
+                </a:solidFill>
+              </a:rPr>
+              <a:t>nombre</a:t>
+            </a:r>
+            <a:r>
+              <a:rPr lang="en-US" dirty="0">
+                <a:solidFill>
+                  <a:schemeClr val="tx1"/>
+                </a:solidFill>
+              </a:rPr>
+              <a:t> los </a:t>
+            </a:r>
+            <a:r>
+              <a:rPr lang="en-US" dirty="0" err="1">
+                <a:solidFill>
+                  <a:schemeClr val="tx1"/>
+                </a:solidFill>
+              </a:rPr>
+              <a:t>oculten</a:t>
+            </a:r>
+            <a:r>
+              <a:rPr lang="en-US" dirty="0">
+                <a:solidFill>
+                  <a:schemeClr val="tx1"/>
+                </a:solidFill>
+              </a:rPr>
+              <a:t>.</a:t>
+            </a:r>
+            <a:endParaRPr lang="en-BO" dirty="0">
+              <a:solidFill>
+                <a:schemeClr val="tx1"/>
+              </a:solidFill>
+            </a:endParaRPr>
+          </a:p>
+        </p:txBody>
+      </p:sp>
+      <p:sp>
+        <p:nvSpPr>
+          <p:cNvPr id="4" name="TextBox 3">
+            <a:extLst>
+              <a:ext uri="{FF2B5EF4-FFF2-40B4-BE49-F238E27FC236}">
+                <a16:creationId xmlns:a16="http://schemas.microsoft.com/office/drawing/2014/main" id="{08956CCF-C71C-5C49-8E85-41985FD163F0}"/>
+              </a:ext>
+            </a:extLst>
+          </p:cNvPr>
+          <p:cNvSpPr txBox="1"/>
+          <p:nvPr/>
+        </p:nvSpPr>
+        <p:spPr>
+          <a:xfrm>
+            <a:off x="838199" y="1670096"/>
+            <a:ext cx="5362303" cy="5016758"/>
+          </a:xfrm>
+          <a:prstGeom prst="rect">
+            <a:avLst/>
+          </a:prstGeom>
+          <a:solidFill>
+            <a:schemeClr val="bg1">
+              <a:lumMod val="85000"/>
+            </a:schemeClr>
+          </a:solidFill>
+        </p:spPr>
+        <p:style>
+          <a:lnRef idx="1">
+            <a:schemeClr val="dk1"/>
+          </a:lnRef>
+          <a:fillRef idx="3">
+            <a:schemeClr val="dk1"/>
+          </a:fillRef>
+          <a:effectRef idx="2">
+            <a:schemeClr val="dk1"/>
+          </a:effectRef>
+          <a:fontRef idx="minor">
+            <a:schemeClr val="lt1"/>
+          </a:fontRef>
+        </p:style>
+        <p:txBody>
+          <a:bodyPr wrap="square" rtlCol="0">
+            <a:spAutoFit/>
+          </a:bodyPr>
+          <a:lstStyle/>
+          <a:p>
+            <a:r>
+              <a:rPr lang="en-US" sz="1000" dirty="0">
+                <a:solidFill>
+                  <a:schemeClr val="tx1"/>
+                </a:solidFill>
+              </a:rPr>
+              <a:t>using System; using static </a:t>
+            </a:r>
+            <a:r>
+              <a:rPr lang="en-US" sz="1000" dirty="0" err="1">
+                <a:solidFill>
+                  <a:schemeClr val="tx1"/>
+                </a:solidFill>
+              </a:rPr>
+              <a:t>System.Console</a:t>
+            </a:r>
+            <a:r>
+              <a:rPr lang="en-US" sz="1000" dirty="0">
+                <a:solidFill>
+                  <a:schemeClr val="tx1"/>
+                </a:solidFill>
+              </a:rPr>
+              <a:t>; namespace Lansoft.CursoCshap8 { </a:t>
+            </a:r>
+          </a:p>
+          <a:p>
+            <a:endParaRPr lang="en-US" sz="1000" dirty="0">
+              <a:solidFill>
+                <a:schemeClr val="tx1"/>
+              </a:solidFill>
+            </a:endParaRPr>
+          </a:p>
+          <a:p>
+            <a:r>
+              <a:rPr lang="en-US" sz="1400" b="1" dirty="0">
+                <a:solidFill>
+                  <a:schemeClr val="tx1"/>
+                </a:solidFill>
+              </a:rPr>
+              <a:t>static class Principal { </a:t>
+            </a:r>
+          </a:p>
+          <a:p>
+            <a:r>
+              <a:rPr lang="en-US" sz="1400" b="1" dirty="0">
+                <a:solidFill>
+                  <a:schemeClr val="tx1"/>
+                </a:solidFill>
+              </a:rPr>
+              <a:t>      static void Main() {</a:t>
+            </a:r>
+          </a:p>
+          <a:p>
+            <a:r>
+              <a:rPr lang="en-US" sz="1400" b="1" dirty="0">
+                <a:solidFill>
+                  <a:schemeClr val="tx1"/>
+                </a:solidFill>
+              </a:rPr>
+              <a:t>            var random = new Random();</a:t>
+            </a:r>
+          </a:p>
+          <a:p>
+            <a:r>
+              <a:rPr lang="en-US" sz="1400" b="1" dirty="0">
+                <a:solidFill>
+                  <a:schemeClr val="tx1"/>
+                </a:solidFill>
+              </a:rPr>
+              <a:t>            var x = </a:t>
+            </a:r>
+            <a:r>
+              <a:rPr lang="en-US" sz="1400" b="1" dirty="0" err="1">
+                <a:solidFill>
+                  <a:schemeClr val="tx1"/>
+                </a:solidFill>
+              </a:rPr>
+              <a:t>random.Next</a:t>
+            </a:r>
+            <a:r>
+              <a:rPr lang="en-US" sz="1400" b="1" dirty="0">
+                <a:solidFill>
+                  <a:schemeClr val="tx1"/>
+                </a:solidFill>
+              </a:rPr>
+              <a:t>(1, 101);		// Entre 1 y 100   </a:t>
+            </a:r>
+          </a:p>
+          <a:p>
+            <a:r>
+              <a:rPr lang="en-US" sz="1400" b="1" dirty="0">
+                <a:solidFill>
+                  <a:schemeClr val="tx1"/>
+                </a:solidFill>
+              </a:rPr>
+              <a:t>            var y = </a:t>
+            </a:r>
+            <a:r>
+              <a:rPr lang="en-US" sz="1400" b="1" dirty="0" err="1">
+                <a:solidFill>
+                  <a:schemeClr val="tx1"/>
+                </a:solidFill>
+              </a:rPr>
+              <a:t>random.Next</a:t>
+            </a:r>
+            <a:r>
+              <a:rPr lang="en-US" sz="1400" b="1" dirty="0">
+                <a:solidFill>
+                  <a:schemeClr val="tx1"/>
+                </a:solidFill>
+              </a:rPr>
+              <a:t>(1, 101);		// Entre 1 y 100  </a:t>
+            </a:r>
+          </a:p>
+          <a:p>
+            <a:r>
+              <a:rPr lang="en-US" sz="1400" b="1" dirty="0">
+                <a:solidFill>
+                  <a:schemeClr val="tx1"/>
+                </a:solidFill>
+              </a:rPr>
+              <a:t>            </a:t>
+            </a:r>
+            <a:r>
+              <a:rPr lang="en-US" sz="1400" b="1" dirty="0" err="1">
+                <a:solidFill>
+                  <a:schemeClr val="tx1"/>
+                </a:solidFill>
+              </a:rPr>
+              <a:t>Rectangulo</a:t>
+            </a:r>
+            <a:r>
+              <a:rPr lang="en-US" sz="1400" b="1" dirty="0">
+                <a:solidFill>
+                  <a:schemeClr val="tx1"/>
+                </a:solidFill>
+              </a:rPr>
+              <a:t> </a:t>
+            </a:r>
+            <a:r>
+              <a:rPr lang="en-US" sz="1400" b="1" dirty="0" err="1">
+                <a:solidFill>
+                  <a:schemeClr val="tx1"/>
+                </a:solidFill>
+              </a:rPr>
+              <a:t>recRnd</a:t>
+            </a:r>
+            <a:r>
+              <a:rPr lang="en-US" sz="1400" b="1" dirty="0">
+                <a:solidFill>
+                  <a:schemeClr val="tx1"/>
+                </a:solidFill>
+              </a:rPr>
+              <a:t> = new </a:t>
+            </a:r>
+            <a:r>
+              <a:rPr lang="en-US" sz="1400" b="1" dirty="0" err="1">
+                <a:solidFill>
+                  <a:schemeClr val="tx1"/>
+                </a:solidFill>
+              </a:rPr>
+              <a:t>Rectangulo</a:t>
+            </a:r>
+            <a:r>
+              <a:rPr lang="en-US" sz="1400" b="1" dirty="0">
+                <a:solidFill>
+                  <a:schemeClr val="tx1"/>
+                </a:solidFill>
+              </a:rPr>
+              <a:t>(x, y);</a:t>
+            </a:r>
+          </a:p>
+          <a:p>
+            <a:r>
+              <a:rPr lang="en-US" sz="1400" b="1" dirty="0">
+                <a:solidFill>
+                  <a:schemeClr val="tx1"/>
+                </a:solidFill>
+              </a:rPr>
+              <a:t>            WriteLine( "Area del </a:t>
+            </a:r>
+            <a:r>
+              <a:rPr lang="en-US" sz="1400" b="1" dirty="0" err="1">
+                <a:solidFill>
+                  <a:schemeClr val="tx1"/>
+                </a:solidFill>
+              </a:rPr>
+              <a:t>rectángulo</a:t>
+            </a:r>
+            <a:r>
+              <a:rPr lang="en-US" sz="1400" b="1" dirty="0">
+                <a:solidFill>
+                  <a:schemeClr val="tx1"/>
+                </a:solidFill>
+              </a:rPr>
+              <a:t>" + </a:t>
+            </a:r>
+          </a:p>
+          <a:p>
+            <a:r>
+              <a:rPr lang="en-US" sz="1400" b="1" dirty="0">
+                <a:solidFill>
+                  <a:schemeClr val="tx1"/>
+                </a:solidFill>
+              </a:rPr>
+              <a:t>	         $"({</a:t>
+            </a:r>
+            <a:r>
+              <a:rPr lang="en-US" sz="1400" b="1" dirty="0" err="1">
+                <a:solidFill>
+                  <a:schemeClr val="tx1"/>
+                </a:solidFill>
+              </a:rPr>
+              <a:t>recRnd.x</a:t>
+            </a:r>
+            <a:r>
+              <a:rPr lang="en-US" sz="1400" b="1" dirty="0">
+                <a:solidFill>
+                  <a:schemeClr val="tx1"/>
+                </a:solidFill>
+              </a:rPr>
+              <a:t>}x{</a:t>
+            </a:r>
+            <a:r>
+              <a:rPr lang="en-US" sz="1400" b="1" dirty="0" err="1">
+                <a:solidFill>
+                  <a:schemeClr val="tx1"/>
+                </a:solidFill>
+              </a:rPr>
+              <a:t>recRnd.y</a:t>
+            </a:r>
+            <a:r>
+              <a:rPr lang="en-US" sz="1400" b="1" dirty="0">
+                <a:solidFill>
+                  <a:schemeClr val="tx1"/>
+                </a:solidFill>
+              </a:rPr>
+              <a:t>}) = {</a:t>
+            </a:r>
+            <a:r>
+              <a:rPr lang="en-US" sz="1400" b="1" dirty="0" err="1">
+                <a:solidFill>
+                  <a:schemeClr val="tx1"/>
+                </a:solidFill>
+              </a:rPr>
+              <a:t>recRnd.Area</a:t>
+            </a:r>
+            <a:r>
+              <a:rPr lang="en-US" sz="1400" b="1" dirty="0">
+                <a:solidFill>
+                  <a:schemeClr val="tx1"/>
+                </a:solidFill>
+              </a:rPr>
+              <a:t>()}" );</a:t>
+            </a:r>
+          </a:p>
+          <a:p>
+            <a:r>
+              <a:rPr lang="en-US" sz="1400" b="1" dirty="0">
+                <a:solidFill>
+                  <a:schemeClr val="tx1"/>
+                </a:solidFill>
+              </a:rPr>
+              <a:t>           </a:t>
+            </a:r>
+            <a:r>
+              <a:rPr lang="en-US" sz="1400" b="1" dirty="0" err="1">
+                <a:solidFill>
+                  <a:schemeClr val="tx1"/>
+                </a:solidFill>
+              </a:rPr>
+              <a:t>Rectangulo</a:t>
+            </a:r>
+            <a:r>
+              <a:rPr lang="en-US" sz="1400" b="1" dirty="0">
+                <a:solidFill>
+                  <a:schemeClr val="tx1"/>
+                </a:solidFill>
+              </a:rPr>
+              <a:t> </a:t>
+            </a:r>
+            <a:r>
+              <a:rPr lang="en-US" sz="1400" b="1" dirty="0" err="1">
+                <a:solidFill>
+                  <a:schemeClr val="tx1"/>
+                </a:solidFill>
+              </a:rPr>
+              <a:t>recB</a:t>
+            </a:r>
+            <a:r>
+              <a:rPr lang="en-US" sz="1400" b="1" dirty="0">
+                <a:solidFill>
+                  <a:schemeClr val="tx1"/>
+                </a:solidFill>
+              </a:rPr>
+              <a:t> = new </a:t>
+            </a:r>
+            <a:r>
+              <a:rPr lang="en-US" sz="1400" b="1" dirty="0" err="1">
+                <a:solidFill>
+                  <a:schemeClr val="tx1"/>
+                </a:solidFill>
+              </a:rPr>
+              <a:t>Rectangulo</a:t>
+            </a:r>
+            <a:r>
+              <a:rPr lang="en-US" sz="1400" b="1" dirty="0">
+                <a:solidFill>
+                  <a:schemeClr val="tx1"/>
+                </a:solidFill>
+              </a:rPr>
+              <a:t>(2, 5);</a:t>
+            </a:r>
+          </a:p>
+          <a:p>
+            <a:r>
+              <a:rPr lang="en-US" sz="1400" b="1" dirty="0">
+                <a:solidFill>
+                  <a:schemeClr val="tx1"/>
+                </a:solidFill>
+              </a:rPr>
+              <a:t>           </a:t>
+            </a:r>
+            <a:r>
+              <a:rPr lang="en-US" sz="1400" b="1" dirty="0" err="1">
+                <a:solidFill>
+                  <a:schemeClr val="tx1"/>
+                </a:solidFill>
+              </a:rPr>
+              <a:t>Rectangulo</a:t>
+            </a:r>
+            <a:r>
+              <a:rPr lang="en-US" sz="1400" b="1" dirty="0">
+                <a:solidFill>
+                  <a:schemeClr val="tx1"/>
+                </a:solidFill>
+              </a:rPr>
+              <a:t> </a:t>
+            </a:r>
+            <a:r>
+              <a:rPr lang="en-US" sz="1400" b="1" dirty="0" err="1">
+                <a:solidFill>
+                  <a:schemeClr val="tx1"/>
+                </a:solidFill>
+              </a:rPr>
+              <a:t>recC</a:t>
+            </a:r>
+            <a:r>
+              <a:rPr lang="en-US" sz="1400" b="1" dirty="0">
+                <a:solidFill>
+                  <a:schemeClr val="tx1"/>
+                </a:solidFill>
+              </a:rPr>
+              <a:t> = new </a:t>
+            </a:r>
+            <a:r>
+              <a:rPr lang="en-US" sz="1400" b="1" dirty="0" err="1">
+                <a:solidFill>
+                  <a:schemeClr val="tx1"/>
+                </a:solidFill>
+              </a:rPr>
+              <a:t>Rectangulo</a:t>
+            </a:r>
+            <a:r>
+              <a:rPr lang="en-US" sz="1400" b="1" dirty="0">
+                <a:solidFill>
+                  <a:schemeClr val="tx1"/>
+                </a:solidFill>
+              </a:rPr>
+              <a:t>(3, 6);</a:t>
+            </a:r>
+          </a:p>
+          <a:p>
+            <a:r>
+              <a:rPr lang="en-US" sz="1400" b="1" dirty="0">
+                <a:solidFill>
+                  <a:schemeClr val="tx1"/>
+                </a:solidFill>
+              </a:rPr>
+              <a:t>           WriteLine($"</a:t>
+            </a:r>
+            <a:r>
+              <a:rPr lang="en-US" sz="1400" b="1" dirty="0" err="1">
+                <a:solidFill>
+                  <a:schemeClr val="tx1"/>
+                </a:solidFill>
+              </a:rPr>
+              <a:t>Rectangulos</a:t>
+            </a:r>
+            <a:r>
+              <a:rPr lang="en-US" sz="1400" b="1" dirty="0">
+                <a:solidFill>
+                  <a:schemeClr val="tx1"/>
+                </a:solidFill>
+              </a:rPr>
+              <a:t> </a:t>
+            </a:r>
+            <a:r>
+              <a:rPr lang="en-US" sz="1400" b="1" dirty="0" err="1">
+                <a:solidFill>
+                  <a:schemeClr val="tx1"/>
+                </a:solidFill>
+              </a:rPr>
+              <a:t>creados</a:t>
+            </a:r>
+            <a:r>
+              <a:rPr lang="en-US" sz="1400" b="1" dirty="0">
+                <a:solidFill>
+                  <a:schemeClr val="tx1"/>
+                </a:solidFill>
+              </a:rPr>
+              <a:t>: {</a:t>
+            </a:r>
+            <a:r>
+              <a:rPr lang="en-US" sz="1400" b="1" dirty="0" err="1">
+                <a:solidFill>
+                  <a:schemeClr val="tx1"/>
+                </a:solidFill>
+              </a:rPr>
+              <a:t>Rectangulo.Rects</a:t>
+            </a:r>
+            <a:r>
+              <a:rPr lang="en-US" sz="1400" b="1" dirty="0">
+                <a:solidFill>
+                  <a:schemeClr val="tx1"/>
+                </a:solidFill>
+              </a:rPr>
+              <a:t>} ");  // 3</a:t>
+            </a:r>
+          </a:p>
+          <a:p>
+            <a:r>
+              <a:rPr lang="en-US" sz="1400" b="1" dirty="0">
+                <a:solidFill>
+                  <a:schemeClr val="tx1"/>
+                </a:solidFill>
+              </a:rPr>
+              <a:t>      }</a:t>
+            </a:r>
+          </a:p>
+          <a:p>
+            <a:r>
+              <a:rPr lang="en-US" sz="1400" b="1" dirty="0">
+                <a:solidFill>
+                  <a:schemeClr val="tx1"/>
+                </a:solidFill>
+              </a:rPr>
+              <a:t>}</a:t>
+            </a:r>
+          </a:p>
+          <a:p>
+            <a:r>
+              <a:rPr lang="en-US" sz="1400" b="1" dirty="0">
+                <a:solidFill>
+                  <a:schemeClr val="tx1"/>
+                </a:solidFill>
+              </a:rPr>
+              <a:t>class </a:t>
+            </a:r>
+            <a:r>
+              <a:rPr lang="en-US" sz="1400" b="1" dirty="0" err="1">
+                <a:solidFill>
+                  <a:schemeClr val="tx1"/>
+                </a:solidFill>
+              </a:rPr>
+              <a:t>Rectangulo</a:t>
+            </a:r>
+            <a:r>
+              <a:rPr lang="en-US" sz="1400" b="1" dirty="0">
+                <a:solidFill>
+                  <a:schemeClr val="tx1"/>
+                </a:solidFill>
+              </a:rPr>
+              <a:t> {</a:t>
+            </a:r>
+          </a:p>
+          <a:p>
+            <a:r>
+              <a:rPr lang="en-US" sz="1400" b="1" dirty="0">
+                <a:solidFill>
+                  <a:schemeClr val="tx1"/>
+                </a:solidFill>
+              </a:rPr>
+              <a:t>      public int x, y;</a:t>
+            </a:r>
+          </a:p>
+          <a:p>
+            <a:r>
+              <a:rPr lang="en-US" sz="1400" b="1" dirty="0">
+                <a:solidFill>
+                  <a:schemeClr val="tx1"/>
+                </a:solidFill>
+              </a:rPr>
+              <a:t>      public static int </a:t>
+            </a:r>
+            <a:r>
+              <a:rPr lang="en-US" sz="1400" b="1" dirty="0" err="1">
+                <a:solidFill>
+                  <a:schemeClr val="tx1"/>
+                </a:solidFill>
+              </a:rPr>
+              <a:t>Rects</a:t>
+            </a:r>
+            <a:r>
+              <a:rPr lang="en-US" sz="1400" b="1" dirty="0">
+                <a:solidFill>
+                  <a:schemeClr val="tx1"/>
+                </a:solidFill>
+              </a:rPr>
+              <a:t>;      </a:t>
+            </a:r>
+          </a:p>
+          <a:p>
+            <a:endParaRPr lang="en-US" sz="1400" b="1" dirty="0">
+              <a:solidFill>
+                <a:schemeClr val="tx1"/>
+              </a:solidFill>
+            </a:endParaRPr>
+          </a:p>
+          <a:p>
+            <a:r>
+              <a:rPr lang="en-US" sz="1400" b="1" dirty="0">
+                <a:solidFill>
+                  <a:schemeClr val="tx1"/>
+                </a:solidFill>
+              </a:rPr>
+              <a:t>      public </a:t>
+            </a:r>
+            <a:r>
+              <a:rPr lang="en-US" sz="1400" b="1" dirty="0" err="1">
+                <a:solidFill>
+                  <a:schemeClr val="tx1"/>
+                </a:solidFill>
+              </a:rPr>
+              <a:t>Rectangulo</a:t>
+            </a:r>
+            <a:r>
+              <a:rPr lang="en-US" sz="1400" b="1" dirty="0">
+                <a:solidFill>
+                  <a:schemeClr val="tx1"/>
+                </a:solidFill>
+              </a:rPr>
+              <a:t> (int x, int y) { </a:t>
+            </a:r>
+            <a:r>
+              <a:rPr lang="en-US" sz="1400" b="1" dirty="0" err="1">
+                <a:solidFill>
+                  <a:schemeClr val="tx1"/>
+                </a:solidFill>
+              </a:rPr>
+              <a:t>this.x</a:t>
+            </a:r>
+            <a:r>
+              <a:rPr lang="en-US" sz="1400" b="1" dirty="0">
+                <a:solidFill>
+                  <a:schemeClr val="tx1"/>
+                </a:solidFill>
+              </a:rPr>
+              <a:t> = x; </a:t>
+            </a:r>
+            <a:r>
+              <a:rPr lang="en-US" sz="1400" b="1" dirty="0" err="1">
+                <a:solidFill>
+                  <a:schemeClr val="tx1"/>
+                </a:solidFill>
+              </a:rPr>
+              <a:t>this.y</a:t>
+            </a:r>
+            <a:r>
+              <a:rPr lang="en-US" sz="1400" b="1" dirty="0">
+                <a:solidFill>
+                  <a:schemeClr val="tx1"/>
+                </a:solidFill>
+              </a:rPr>
+              <a:t> = y; </a:t>
+            </a:r>
+            <a:r>
+              <a:rPr lang="en-US" sz="1400" b="1" dirty="0" err="1">
+                <a:solidFill>
+                  <a:schemeClr val="tx1"/>
+                </a:solidFill>
+              </a:rPr>
+              <a:t>Rects</a:t>
+            </a:r>
+            <a:r>
+              <a:rPr lang="en-US" sz="1400" b="1" dirty="0">
+                <a:solidFill>
+                  <a:schemeClr val="tx1"/>
+                </a:solidFill>
+              </a:rPr>
+              <a:t>++; }</a:t>
+            </a:r>
+          </a:p>
+          <a:p>
+            <a:r>
+              <a:rPr lang="en-US" sz="1400" b="1" dirty="0">
+                <a:solidFill>
+                  <a:schemeClr val="tx1"/>
+                </a:solidFill>
+              </a:rPr>
+              <a:t>      public int Area() { return X * Y; }</a:t>
+            </a:r>
+          </a:p>
+          <a:p>
+            <a:r>
+              <a:rPr lang="en-US" sz="1400" b="1" dirty="0">
+                <a:solidFill>
+                  <a:schemeClr val="tx1"/>
+                </a:solidFill>
+              </a:rPr>
+              <a:t>}</a:t>
+            </a:r>
+          </a:p>
+          <a:p>
+            <a:endParaRPr lang="en-US" sz="1000" dirty="0">
+              <a:solidFill>
+                <a:schemeClr val="tx1"/>
+              </a:solidFill>
+            </a:endParaRPr>
+          </a:p>
+          <a:p>
+            <a:r>
+              <a:rPr lang="en-US" sz="1000" dirty="0">
+                <a:solidFill>
+                  <a:schemeClr val="tx1"/>
+                </a:solidFill>
+              </a:rPr>
+              <a:t>}</a:t>
+            </a:r>
+          </a:p>
+        </p:txBody>
+      </p:sp>
+    </p:spTree>
+    <p:extLst>
+      <p:ext uri="{BB962C8B-B14F-4D97-AF65-F5344CB8AC3E}">
+        <p14:creationId xmlns:p14="http://schemas.microsoft.com/office/powerpoint/2010/main" val="3234287842"/>
+      </p:ext>
+    </p:extLst>
+  </p:cSld>
+  <p:clrMapOvr>
+    <a:masterClrMapping/>
+  </p:clrMapOvr>
+</p:sld>
+</file>
+
+<file path=ppt/slides/slide111.xml><?xml version="1.0" encoding="utf-8"?>
+<p:sld xmlns:a="http://schemas.openxmlformats.org/drawingml/2006/main" xmlns:r="http://schemas.openxmlformats.org/officeDocument/2006/relationships" xmlns:p="http://schemas.openxmlformats.org/presentationml/2006/main">
+  <p:cSld>
+    <p:spTree>
+      <p:nvGrpSpPr>
+        <p:cNvPr id="1" name=""/>
+        <p:cNvGrpSpPr/>
+        <p:nvPr/>
+      </p:nvGrpSpPr>
+      <p:grpSpPr>
+        <a:xfrm>
+          <a:off x="0" y="0"/>
+          <a:ext cx="0" cy="0"/>
+          <a:chOff x="0" y="0"/>
+          <a:chExt cx="0" cy="0"/>
+        </a:xfrm>
+      </p:grpSpPr>
+      <p:sp>
+        <p:nvSpPr>
+          <p:cNvPr id="2" name="Title 1">
+            <a:extLst>
+              <a:ext uri="{FF2B5EF4-FFF2-40B4-BE49-F238E27FC236}">
+                <a16:creationId xmlns:a16="http://schemas.microsoft.com/office/drawing/2014/main" id="{14320E24-66CF-2F4B-B8A4-485D421D250A}"/>
+              </a:ext>
+            </a:extLst>
+          </p:cNvPr>
+          <p:cNvSpPr>
+            <a:spLocks noGrp="1"/>
+          </p:cNvSpPr>
+          <p:nvPr>
+            <p:ph type="title"/>
+          </p:nvPr>
+        </p:nvSpPr>
+        <p:spPr/>
+        <p:txBody>
+          <a:bodyPr/>
+          <a:lstStyle/>
+          <a:p>
+            <a:r>
+              <a:rPr lang="en-BO" dirty="0"/>
+              <a:t>Sobrecarga de constructores</a:t>
+            </a:r>
+          </a:p>
+        </p:txBody>
+      </p:sp>
+      <p:sp>
+        <p:nvSpPr>
+          <p:cNvPr id="3" name="Content Placeholder 2">
+            <a:extLst>
+              <a:ext uri="{FF2B5EF4-FFF2-40B4-BE49-F238E27FC236}">
+                <a16:creationId xmlns:a16="http://schemas.microsoft.com/office/drawing/2014/main" id="{D3D554AA-9568-194C-9DB2-601376AF63FD}"/>
+              </a:ext>
+            </a:extLst>
+          </p:cNvPr>
+          <p:cNvSpPr>
+            <a:spLocks noGrp="1"/>
+          </p:cNvSpPr>
+          <p:nvPr>
+            <p:ph idx="1"/>
+          </p:nvPr>
+        </p:nvSpPr>
+        <p:spPr>
+          <a:xfrm>
+            <a:off x="6409509" y="1690688"/>
+            <a:ext cx="4944291" cy="4780722"/>
+          </a:xfrm>
+          <a:solidFill>
+            <a:schemeClr val="accent2">
+              <a:lumMod val="40000"/>
+              <a:lumOff val="60000"/>
+            </a:schemeClr>
+          </a:solidFill>
+        </p:spPr>
+        <p:txBody>
+          <a:bodyPr>
+            <a:normAutofit fontScale="70000" lnSpcReduction="20000"/>
+          </a:bodyPr>
+          <a:lstStyle/>
+          <a:p>
+            <a:pPr marL="0" indent="0">
+              <a:buNone/>
+            </a:pPr>
+            <a:endParaRPr lang="en-US" dirty="0"/>
+          </a:p>
+          <a:p>
+            <a:pPr marL="0" indent="0">
+              <a:buNone/>
+            </a:pPr>
+            <a:r>
+              <a:rPr lang="en-US" dirty="0"/>
+              <a:t>Para </a:t>
+            </a:r>
+            <a:r>
+              <a:rPr lang="en-US" dirty="0" err="1"/>
+              <a:t>admitir</a:t>
+            </a:r>
+            <a:r>
+              <a:rPr lang="en-US" dirty="0"/>
+              <a:t> </a:t>
+            </a:r>
+            <a:r>
+              <a:rPr lang="en-US" dirty="0" err="1"/>
+              <a:t>diferentes</a:t>
+            </a:r>
+            <a:r>
+              <a:rPr lang="en-US" dirty="0"/>
+              <a:t> </a:t>
+            </a:r>
+            <a:r>
+              <a:rPr lang="en-US" dirty="0" err="1"/>
+              <a:t>listas</a:t>
+            </a:r>
+            <a:r>
+              <a:rPr lang="en-US" dirty="0"/>
+              <a:t> de </a:t>
+            </a:r>
+            <a:r>
+              <a:rPr lang="en-US" dirty="0" err="1"/>
+              <a:t>parámetros</a:t>
+            </a:r>
+            <a:r>
+              <a:rPr lang="en-US" dirty="0"/>
+              <a:t>, el constructor se </a:t>
+            </a:r>
+            <a:r>
+              <a:rPr lang="en-US" dirty="0" err="1"/>
+              <a:t>puede</a:t>
+            </a:r>
+            <a:r>
+              <a:rPr lang="en-US" dirty="0"/>
+              <a:t> </a:t>
+            </a:r>
+            <a:r>
+              <a:rPr lang="en-US" dirty="0" err="1"/>
+              <a:t>sobrecargar</a:t>
+            </a:r>
+            <a:r>
+              <a:rPr lang="en-US" dirty="0"/>
+              <a:t> (overloading), </a:t>
+            </a:r>
+            <a:r>
+              <a:rPr lang="en-US" dirty="0" err="1"/>
+              <a:t>como</a:t>
+            </a:r>
+            <a:r>
+              <a:rPr lang="en-US" dirty="0"/>
+              <a:t> </a:t>
+            </a:r>
+            <a:r>
+              <a:rPr lang="en-US" dirty="0" err="1"/>
+              <a:t>cualquier</a:t>
+            </a:r>
+            <a:r>
+              <a:rPr lang="en-US" dirty="0"/>
+              <a:t> </a:t>
+            </a:r>
+            <a:r>
+              <a:rPr lang="en-US" dirty="0" err="1"/>
+              <a:t>otro</a:t>
+            </a:r>
+            <a:r>
+              <a:rPr lang="en-US" dirty="0"/>
+              <a:t> </a:t>
+            </a:r>
+            <a:r>
+              <a:rPr lang="en-US" dirty="0" err="1"/>
+              <a:t>método</a:t>
+            </a:r>
+            <a:r>
+              <a:rPr lang="en-US" dirty="0"/>
+              <a:t> de la </a:t>
+            </a:r>
+            <a:r>
+              <a:rPr lang="en-US" dirty="0" err="1"/>
+              <a:t>clase</a:t>
+            </a:r>
+            <a:r>
+              <a:rPr lang="en-US" dirty="0"/>
+              <a:t>.</a:t>
+            </a:r>
+          </a:p>
+          <a:p>
+            <a:pPr marL="0" indent="0">
+              <a:buNone/>
+            </a:pPr>
+            <a:r>
+              <a:rPr lang="en-US" dirty="0"/>
+              <a:t> </a:t>
+            </a:r>
+          </a:p>
+          <a:p>
+            <a:pPr marL="0" indent="0">
+              <a:buNone/>
+            </a:pPr>
+            <a:r>
+              <a:rPr lang="en-US" dirty="0"/>
+              <a:t>La </a:t>
+            </a:r>
+            <a:r>
+              <a:rPr lang="en-US" dirty="0" err="1"/>
+              <a:t>sobrecarga</a:t>
+            </a:r>
+            <a:r>
+              <a:rPr lang="en-US" dirty="0"/>
+              <a:t> </a:t>
+            </a:r>
+            <a:r>
+              <a:rPr lang="en-US" dirty="0" err="1"/>
+              <a:t>sigue</a:t>
+            </a:r>
+            <a:r>
+              <a:rPr lang="en-US" dirty="0"/>
+              <a:t> las </a:t>
+            </a:r>
+            <a:r>
+              <a:rPr lang="en-US" dirty="0" err="1"/>
+              <a:t>mismas</a:t>
+            </a:r>
+            <a:r>
+              <a:rPr lang="en-US" dirty="0"/>
+              <a:t> </a:t>
+            </a:r>
+            <a:r>
+              <a:rPr lang="en-US" dirty="0" err="1"/>
+              <a:t>reglas</a:t>
+            </a:r>
+            <a:r>
+              <a:rPr lang="en-US" dirty="0"/>
+              <a:t> que para </a:t>
+            </a:r>
+            <a:r>
+              <a:rPr lang="en-US" dirty="0" err="1"/>
+              <a:t>cualquier</a:t>
+            </a:r>
+            <a:r>
+              <a:rPr lang="en-US" dirty="0"/>
+              <a:t> </a:t>
+            </a:r>
+            <a:r>
+              <a:rPr lang="en-US" dirty="0" err="1"/>
+              <a:t>otro</a:t>
+            </a:r>
+            <a:r>
+              <a:rPr lang="en-US" dirty="0"/>
+              <a:t> </a:t>
+            </a:r>
+            <a:r>
+              <a:rPr lang="en-US" dirty="0" err="1"/>
+              <a:t>método</a:t>
+            </a:r>
+            <a:r>
+              <a:rPr lang="en-US" dirty="0"/>
+              <a:t>. La principal </a:t>
+            </a:r>
+            <a:r>
+              <a:rPr lang="en-US" dirty="0" err="1"/>
+              <a:t>función</a:t>
+            </a:r>
+            <a:r>
+              <a:rPr lang="en-US" dirty="0"/>
+              <a:t> de un constructor es </a:t>
+            </a:r>
+            <a:r>
+              <a:rPr lang="en-US" dirty="0" err="1"/>
+              <a:t>inicializar</a:t>
+            </a:r>
+            <a:r>
+              <a:rPr lang="en-US" dirty="0"/>
+              <a:t> los </a:t>
+            </a:r>
+            <a:r>
+              <a:rPr lang="en-US" dirty="0" err="1"/>
+              <a:t>campos</a:t>
+            </a:r>
+            <a:r>
+              <a:rPr lang="en-US" dirty="0"/>
+              <a:t> (variables) del </a:t>
+            </a:r>
+            <a:r>
+              <a:rPr lang="en-US" dirty="0" err="1"/>
+              <a:t>objeto</a:t>
+            </a:r>
+            <a:r>
+              <a:rPr lang="en-US" dirty="0"/>
+              <a:t>, con los </a:t>
+            </a:r>
+            <a:r>
+              <a:rPr lang="en-US" dirty="0" err="1"/>
+              <a:t>valores</a:t>
+            </a:r>
+            <a:r>
+              <a:rPr lang="en-US" dirty="0"/>
+              <a:t> </a:t>
+            </a:r>
+            <a:r>
+              <a:rPr lang="en-US" dirty="0" err="1"/>
+              <a:t>pasados</a:t>
+            </a:r>
+            <a:r>
+              <a:rPr lang="en-US" dirty="0"/>
+              <a:t> </a:t>
+            </a:r>
+            <a:r>
+              <a:rPr lang="en-US" dirty="0" err="1"/>
+              <a:t>como</a:t>
+            </a:r>
+            <a:r>
+              <a:rPr lang="en-US" dirty="0"/>
+              <a:t> </a:t>
+            </a:r>
+            <a:r>
+              <a:rPr lang="en-US" dirty="0" err="1"/>
+              <a:t>argumentos</a:t>
+            </a:r>
+            <a:r>
+              <a:rPr lang="en-US" dirty="0"/>
+              <a:t> </a:t>
+            </a:r>
+            <a:r>
+              <a:rPr lang="en-US" dirty="0" err="1"/>
+              <a:t>durante</a:t>
+            </a:r>
+            <a:r>
+              <a:rPr lang="en-US" dirty="0"/>
+              <a:t> </a:t>
+            </a:r>
+            <a:r>
+              <a:rPr lang="en-US" dirty="0" err="1"/>
+              <a:t>su</a:t>
+            </a:r>
+            <a:r>
+              <a:rPr lang="en-US" dirty="0"/>
+              <a:t> </a:t>
+            </a:r>
+            <a:r>
+              <a:rPr lang="en-US" dirty="0" err="1"/>
+              <a:t>construcción</a:t>
+            </a:r>
+            <a:r>
+              <a:rPr lang="en-US" dirty="0"/>
+              <a:t>.</a:t>
+            </a:r>
+          </a:p>
+          <a:p>
+            <a:pPr marL="0" indent="0">
+              <a:buNone/>
+            </a:pPr>
+            <a:endParaRPr lang="en-US" dirty="0"/>
+          </a:p>
+          <a:p>
+            <a:pPr marL="0" indent="0">
+              <a:buNone/>
+            </a:pPr>
+            <a:r>
+              <a:rPr lang="en-US" dirty="0" err="1"/>
+              <a:t>En</a:t>
+            </a:r>
+            <a:r>
+              <a:rPr lang="en-US" dirty="0"/>
+              <a:t> </a:t>
+            </a:r>
+            <a:r>
+              <a:rPr lang="en-US" dirty="0" err="1"/>
+              <a:t>realidad</a:t>
+            </a:r>
+            <a:r>
+              <a:rPr lang="en-US" dirty="0"/>
+              <a:t> es que un </a:t>
+            </a:r>
+            <a:r>
+              <a:rPr lang="en-US" b="1" dirty="0"/>
+              <a:t>constructor</a:t>
+            </a:r>
+            <a:r>
+              <a:rPr lang="en-US" dirty="0"/>
+              <a:t> es un </a:t>
+            </a:r>
+            <a:r>
+              <a:rPr lang="en-US" dirty="0" err="1"/>
+              <a:t>método</a:t>
+            </a:r>
+            <a:r>
+              <a:rPr lang="en-US" dirty="0"/>
+              <a:t> </a:t>
+            </a:r>
+            <a:r>
+              <a:rPr lang="en-US" dirty="0" err="1"/>
+              <a:t>como</a:t>
+            </a:r>
+            <a:r>
+              <a:rPr lang="en-US" dirty="0"/>
+              <a:t> los </a:t>
+            </a:r>
+            <a:r>
+              <a:rPr lang="en-US" dirty="0" err="1"/>
+              <a:t>demás</a:t>
+            </a:r>
+            <a:r>
+              <a:rPr lang="en-US" dirty="0"/>
+              <a:t> de la </a:t>
+            </a:r>
+            <a:r>
+              <a:rPr lang="en-US" dirty="0" err="1"/>
+              <a:t>clase</a:t>
+            </a:r>
+            <a:r>
+              <a:rPr lang="en-US" dirty="0"/>
+              <a:t>, </a:t>
+            </a:r>
+            <a:r>
+              <a:rPr lang="en-US" dirty="0" err="1"/>
+              <a:t>puede</a:t>
+            </a:r>
+            <a:r>
+              <a:rPr lang="en-US" dirty="0"/>
+              <a:t> </a:t>
+            </a:r>
+            <a:r>
+              <a:rPr lang="en-US" dirty="0" err="1"/>
+              <a:t>usarse</a:t>
+            </a:r>
+            <a:r>
+              <a:rPr lang="en-US" dirty="0"/>
+              <a:t> </a:t>
+            </a:r>
+            <a:r>
+              <a:rPr lang="en-US" dirty="0" err="1"/>
+              <a:t>también</a:t>
+            </a:r>
+            <a:r>
+              <a:rPr lang="en-US" dirty="0"/>
+              <a:t> para </a:t>
+            </a:r>
+            <a:r>
+              <a:rPr lang="en-US" dirty="0" err="1"/>
+              <a:t>cualquier</a:t>
+            </a:r>
+            <a:r>
+              <a:rPr lang="en-US" dirty="0"/>
+              <a:t> </a:t>
+            </a:r>
+            <a:r>
+              <a:rPr lang="en-US" dirty="0" err="1"/>
+              <a:t>tarea</a:t>
+            </a:r>
+            <a:r>
+              <a:rPr lang="en-US" dirty="0"/>
+              <a:t> que se </a:t>
+            </a:r>
+            <a:r>
+              <a:rPr lang="en-US" dirty="0" err="1"/>
+              <a:t>considere</a:t>
+            </a:r>
+            <a:r>
+              <a:rPr lang="en-US" dirty="0"/>
+              <a:t> </a:t>
+            </a:r>
+            <a:r>
+              <a:rPr lang="en-US" dirty="0" err="1"/>
+              <a:t>necesaria</a:t>
+            </a:r>
+            <a:r>
+              <a:rPr lang="en-US" dirty="0"/>
+              <a:t> para la </a:t>
+            </a:r>
+            <a:r>
+              <a:rPr lang="en-US" dirty="0" err="1"/>
+              <a:t>creación</a:t>
+            </a:r>
+            <a:r>
+              <a:rPr lang="en-US" dirty="0"/>
+              <a:t> </a:t>
+            </a:r>
+            <a:r>
+              <a:rPr lang="en-US" dirty="0" err="1"/>
+              <a:t>apropiada</a:t>
+            </a:r>
+            <a:r>
+              <a:rPr lang="en-US" dirty="0"/>
+              <a:t> de un </a:t>
+            </a:r>
+            <a:r>
+              <a:rPr lang="en-US" dirty="0" err="1"/>
+              <a:t>objeto</a:t>
+            </a:r>
+            <a:r>
+              <a:rPr lang="en-US" dirty="0"/>
+              <a:t> de </a:t>
+            </a:r>
+            <a:r>
+              <a:rPr lang="en-US" dirty="0" err="1"/>
+              <a:t>su</a:t>
+            </a:r>
+            <a:r>
+              <a:rPr lang="en-US" dirty="0"/>
+              <a:t> </a:t>
+            </a:r>
+            <a:r>
+              <a:rPr lang="en-US" dirty="0" err="1"/>
+              <a:t>clase</a:t>
+            </a:r>
+            <a:r>
+              <a:rPr lang="en-US" dirty="0"/>
+              <a:t>.</a:t>
+            </a:r>
+          </a:p>
+          <a:p>
+            <a:pPr marL="0" indent="0">
+              <a:buNone/>
+            </a:pPr>
+            <a:endParaRPr lang="en-US" dirty="0"/>
+          </a:p>
+          <a:p>
+            <a:pPr marL="0" indent="0">
+              <a:buNone/>
+            </a:pPr>
+            <a:endParaRPr lang="en-US" dirty="0"/>
+          </a:p>
+          <a:p>
+            <a:pPr marL="0" indent="0">
+              <a:buNone/>
+            </a:pPr>
+            <a:endParaRPr lang="en-BO" dirty="0"/>
+          </a:p>
+        </p:txBody>
+      </p:sp>
+      <p:sp>
+        <p:nvSpPr>
+          <p:cNvPr id="6" name="TextBox 5">
+            <a:extLst>
+              <a:ext uri="{FF2B5EF4-FFF2-40B4-BE49-F238E27FC236}">
+                <a16:creationId xmlns:a16="http://schemas.microsoft.com/office/drawing/2014/main" id="{F9BD6098-5949-8941-8717-AC2635379046}"/>
+              </a:ext>
+            </a:extLst>
+          </p:cNvPr>
+          <p:cNvSpPr txBox="1"/>
+          <p:nvPr/>
+        </p:nvSpPr>
+        <p:spPr>
+          <a:xfrm>
+            <a:off x="838199" y="1670096"/>
+            <a:ext cx="5362303" cy="4801314"/>
+          </a:xfrm>
+          <a:prstGeom prst="rect">
+            <a:avLst/>
+          </a:prstGeom>
+          <a:solidFill>
+            <a:schemeClr val="bg1">
+              <a:lumMod val="85000"/>
+            </a:schemeClr>
+          </a:solidFill>
+        </p:spPr>
+        <p:style>
+          <a:lnRef idx="1">
+            <a:schemeClr val="dk1"/>
+          </a:lnRef>
+          <a:fillRef idx="3">
+            <a:schemeClr val="dk1"/>
+          </a:fillRef>
+          <a:effectRef idx="2">
+            <a:schemeClr val="dk1"/>
+          </a:effectRef>
+          <a:fontRef idx="minor">
+            <a:schemeClr val="lt1"/>
+          </a:fontRef>
+        </p:style>
+        <p:txBody>
+          <a:bodyPr wrap="square" rtlCol="0">
+            <a:spAutoFit/>
+          </a:bodyPr>
+          <a:lstStyle/>
+          <a:p>
+            <a:r>
+              <a:rPr lang="en-US" sz="1000" dirty="0">
+                <a:solidFill>
+                  <a:schemeClr val="tx1"/>
+                </a:solidFill>
+              </a:rPr>
+              <a:t>using System; using static </a:t>
+            </a:r>
+            <a:r>
+              <a:rPr lang="en-US" sz="1000" dirty="0" err="1">
+                <a:solidFill>
+                  <a:schemeClr val="tx1"/>
+                </a:solidFill>
+              </a:rPr>
+              <a:t>System.Console</a:t>
+            </a:r>
+            <a:r>
+              <a:rPr lang="en-US" sz="1000" dirty="0">
+                <a:solidFill>
+                  <a:schemeClr val="tx1"/>
+                </a:solidFill>
+              </a:rPr>
+              <a:t>; namespace Lansoft.CursoCshap8 { </a:t>
+            </a:r>
+          </a:p>
+          <a:p>
+            <a:endParaRPr lang="en-US" sz="1000" dirty="0">
+              <a:solidFill>
+                <a:schemeClr val="tx1"/>
+              </a:solidFill>
+            </a:endParaRPr>
+          </a:p>
+          <a:p>
+            <a:r>
+              <a:rPr lang="en-US" sz="1400" b="1" dirty="0">
+                <a:solidFill>
+                  <a:schemeClr val="tx1"/>
+                </a:solidFill>
+              </a:rPr>
+              <a:t>static class Principal { </a:t>
+            </a:r>
+          </a:p>
+          <a:p>
+            <a:r>
+              <a:rPr lang="en-US" sz="1400" b="1" dirty="0">
+                <a:solidFill>
+                  <a:schemeClr val="tx1"/>
+                </a:solidFill>
+              </a:rPr>
+              <a:t>      static void Main() {</a:t>
+            </a:r>
+          </a:p>
+          <a:p>
+            <a:r>
+              <a:rPr lang="en-US" sz="1400" b="1" dirty="0">
+                <a:solidFill>
+                  <a:schemeClr val="tx1"/>
+                </a:solidFill>
+              </a:rPr>
+              <a:t>          // var prism0 = new </a:t>
+            </a:r>
+            <a:r>
+              <a:rPr lang="en-US" sz="1400" b="1" dirty="0" err="1">
+                <a:solidFill>
+                  <a:schemeClr val="tx1"/>
+                </a:solidFill>
+              </a:rPr>
+              <a:t>PrismaRectangular</a:t>
+            </a:r>
+            <a:r>
+              <a:rPr lang="en-US" sz="1400" b="1" dirty="0">
+                <a:solidFill>
+                  <a:schemeClr val="tx1"/>
+                </a:solidFill>
+              </a:rPr>
+              <a:t>();	// Error</a:t>
+            </a:r>
+          </a:p>
+          <a:p>
+            <a:pPr marL="404813" indent="-396875"/>
+            <a:r>
+              <a:rPr lang="en-US" sz="1400" b="1" dirty="0">
+                <a:solidFill>
+                  <a:schemeClr val="tx1"/>
+                </a:solidFill>
+              </a:rPr>
+              <a:t>          var prism1 = new </a:t>
+            </a:r>
+            <a:r>
+              <a:rPr lang="en-US" sz="1400" b="1" dirty="0" err="1">
+                <a:solidFill>
+                  <a:schemeClr val="tx1"/>
+                </a:solidFill>
+              </a:rPr>
+              <a:t>PrismaRectangular</a:t>
+            </a:r>
+            <a:r>
+              <a:rPr lang="en-US" sz="1400" b="1" dirty="0">
+                <a:solidFill>
+                  <a:schemeClr val="tx1"/>
+                </a:solidFill>
+              </a:rPr>
+              <a:t>(10);                        WriteLine($ "Area </a:t>
+            </a:r>
+            <a:r>
+              <a:rPr lang="en-US" sz="1400" b="1" dirty="0" err="1">
+                <a:solidFill>
+                  <a:schemeClr val="tx1"/>
+                </a:solidFill>
+              </a:rPr>
+              <a:t>prisma</a:t>
+            </a:r>
+            <a:r>
+              <a:rPr lang="en-US" sz="1400" b="1" dirty="0">
+                <a:solidFill>
+                  <a:schemeClr val="tx1"/>
+                </a:solidFill>
+              </a:rPr>
+              <a:t> 1 = {prism1.Area()} ");</a:t>
+            </a:r>
+          </a:p>
+          <a:p>
+            <a:r>
+              <a:rPr lang="en-US" sz="1400" b="1" dirty="0">
+                <a:solidFill>
+                  <a:schemeClr val="tx1"/>
+                </a:solidFill>
+              </a:rPr>
+              <a:t>          var prism2 = new </a:t>
+            </a:r>
+            <a:r>
+              <a:rPr lang="en-US" sz="1400" b="1" dirty="0" err="1">
+                <a:solidFill>
+                  <a:schemeClr val="tx1"/>
+                </a:solidFill>
+              </a:rPr>
+              <a:t>PrismaRectangular</a:t>
+            </a:r>
+            <a:r>
+              <a:rPr lang="en-US" sz="1400" b="1" dirty="0">
+                <a:solidFill>
+                  <a:schemeClr val="tx1"/>
+                </a:solidFill>
+              </a:rPr>
+              <a:t>(10, 20);</a:t>
+            </a:r>
+          </a:p>
+          <a:p>
+            <a:r>
+              <a:rPr lang="en-US" sz="1400" b="1" dirty="0">
+                <a:solidFill>
+                  <a:schemeClr val="tx1"/>
+                </a:solidFill>
+              </a:rPr>
+              <a:t>          WriteLine($ "Area </a:t>
+            </a:r>
+            <a:r>
+              <a:rPr lang="en-US" sz="1400" b="1" dirty="0" err="1">
+                <a:solidFill>
+                  <a:schemeClr val="tx1"/>
+                </a:solidFill>
+              </a:rPr>
+              <a:t>prisma</a:t>
+            </a:r>
+            <a:r>
+              <a:rPr lang="en-US" sz="1400" b="1" dirty="0">
+                <a:solidFill>
+                  <a:schemeClr val="tx1"/>
+                </a:solidFill>
+              </a:rPr>
+              <a:t> 2 = {prism2.Area()} ");</a:t>
+            </a:r>
+          </a:p>
+          <a:p>
+            <a:r>
+              <a:rPr lang="en-US" sz="1400" b="1" dirty="0">
+                <a:solidFill>
+                  <a:schemeClr val="tx1"/>
+                </a:solidFill>
+              </a:rPr>
+              <a:t>          var prism3 = new </a:t>
+            </a:r>
+            <a:r>
+              <a:rPr lang="en-US" sz="1400" b="1" dirty="0" err="1">
+                <a:solidFill>
+                  <a:schemeClr val="tx1"/>
+                </a:solidFill>
+              </a:rPr>
+              <a:t>PrismaRectangular</a:t>
+            </a:r>
+            <a:r>
+              <a:rPr lang="en-US" sz="1400" b="1" dirty="0">
+                <a:solidFill>
+                  <a:schemeClr val="tx1"/>
+                </a:solidFill>
+              </a:rPr>
+              <a:t>(10, 20, 30);</a:t>
+            </a:r>
+          </a:p>
+          <a:p>
+            <a:r>
+              <a:rPr lang="en-US" sz="1400" b="1" dirty="0">
+                <a:solidFill>
+                  <a:schemeClr val="tx1"/>
+                </a:solidFill>
+              </a:rPr>
+              <a:t>          WriteLine($ "Area </a:t>
+            </a:r>
+            <a:r>
+              <a:rPr lang="en-US" sz="1400" b="1" dirty="0" err="1">
+                <a:solidFill>
+                  <a:schemeClr val="tx1"/>
+                </a:solidFill>
+              </a:rPr>
+              <a:t>prisma</a:t>
+            </a:r>
+            <a:r>
+              <a:rPr lang="en-US" sz="1400" b="1" dirty="0">
+                <a:solidFill>
+                  <a:schemeClr val="tx1"/>
+                </a:solidFill>
+              </a:rPr>
+              <a:t> 3 = {prism3.Area()} ");</a:t>
+            </a:r>
+          </a:p>
+          <a:p>
+            <a:r>
+              <a:rPr lang="en-US" sz="1400" b="1" dirty="0">
+                <a:solidFill>
+                  <a:schemeClr val="tx1"/>
+                </a:solidFill>
+              </a:rPr>
+              <a:t>      }</a:t>
+            </a:r>
+          </a:p>
+          <a:p>
+            <a:r>
+              <a:rPr lang="en-US" sz="1400" b="1" dirty="0">
+                <a:solidFill>
+                  <a:schemeClr val="tx1"/>
+                </a:solidFill>
+              </a:rPr>
+              <a:t>}</a:t>
+            </a:r>
+          </a:p>
+          <a:p>
+            <a:r>
+              <a:rPr lang="en-US" sz="1400" b="1" dirty="0">
+                <a:solidFill>
+                  <a:schemeClr val="tx1"/>
+                </a:solidFill>
+              </a:rPr>
+              <a:t>class </a:t>
+            </a:r>
+            <a:r>
+              <a:rPr lang="en-US" sz="1400" b="1" dirty="0" err="1">
+                <a:solidFill>
+                  <a:schemeClr val="tx1"/>
+                </a:solidFill>
+              </a:rPr>
+              <a:t>PrismaRectangular</a:t>
+            </a:r>
+            <a:r>
+              <a:rPr lang="en-US" sz="1400" b="1" dirty="0">
+                <a:solidFill>
+                  <a:schemeClr val="tx1"/>
+                </a:solidFill>
+              </a:rPr>
+              <a:t> {</a:t>
+            </a:r>
+          </a:p>
+          <a:p>
+            <a:r>
+              <a:rPr lang="en-US" sz="1400" b="1" dirty="0">
+                <a:solidFill>
+                  <a:schemeClr val="tx1"/>
+                </a:solidFill>
+              </a:rPr>
+              <a:t>      public double X, Y, Z;</a:t>
+            </a:r>
+          </a:p>
+          <a:p>
+            <a:endParaRPr lang="en-US" sz="1400" b="1" dirty="0">
+              <a:solidFill>
+                <a:schemeClr val="tx1"/>
+              </a:solidFill>
+            </a:endParaRPr>
+          </a:p>
+          <a:p>
+            <a:r>
+              <a:rPr lang="en-US" sz="1400" b="1" dirty="0">
+                <a:solidFill>
+                  <a:schemeClr val="tx1"/>
+                </a:solidFill>
+              </a:rPr>
+              <a:t>      public </a:t>
+            </a:r>
+            <a:r>
+              <a:rPr lang="en-US" sz="1400" b="1" dirty="0" err="1">
+                <a:solidFill>
+                  <a:schemeClr val="tx1"/>
+                </a:solidFill>
+              </a:rPr>
+              <a:t>PrismaRectangular</a:t>
+            </a:r>
+            <a:r>
+              <a:rPr lang="en-US" sz="1400" b="1" dirty="0">
+                <a:solidFill>
+                  <a:schemeClr val="tx1"/>
+                </a:solidFill>
+              </a:rPr>
+              <a:t>(int x) { X = x; Y = x; Z = x; }</a:t>
+            </a:r>
+          </a:p>
+          <a:p>
+            <a:r>
+              <a:rPr lang="en-US" sz="1400" b="1" dirty="0">
+                <a:solidFill>
+                  <a:schemeClr val="tx1"/>
+                </a:solidFill>
+              </a:rPr>
+              <a:t>      public </a:t>
+            </a:r>
+            <a:r>
+              <a:rPr lang="en-US" sz="1400" b="1" dirty="0" err="1">
+                <a:solidFill>
+                  <a:schemeClr val="tx1"/>
+                </a:solidFill>
+              </a:rPr>
+              <a:t>PrismaRectangular</a:t>
+            </a:r>
+            <a:r>
+              <a:rPr lang="en-US" sz="1400" b="1" dirty="0">
+                <a:solidFill>
+                  <a:schemeClr val="tx1"/>
+                </a:solidFill>
+              </a:rPr>
+              <a:t> (int x, int y) { X = x; Y = y; Z = z; }</a:t>
+            </a:r>
+          </a:p>
+          <a:p>
+            <a:r>
+              <a:rPr lang="en-US" sz="1400" b="1" dirty="0">
+                <a:solidFill>
+                  <a:schemeClr val="tx1"/>
+                </a:solidFill>
+              </a:rPr>
+              <a:t>      public </a:t>
+            </a:r>
+            <a:r>
+              <a:rPr lang="en-US" sz="1400" b="1" dirty="0" err="1">
+                <a:solidFill>
+                  <a:schemeClr val="tx1"/>
+                </a:solidFill>
+              </a:rPr>
+              <a:t>PrismaRectangular</a:t>
+            </a:r>
+            <a:r>
+              <a:rPr lang="en-US" sz="1400" b="1" dirty="0">
+                <a:solidFill>
+                  <a:schemeClr val="tx1"/>
+                </a:solidFill>
+              </a:rPr>
+              <a:t> (int x, int y, int z) { X = x; Y = y; Z = z; }</a:t>
+            </a:r>
+          </a:p>
+          <a:p>
+            <a:r>
+              <a:rPr lang="en-US" sz="1400" b="1" dirty="0">
+                <a:solidFill>
+                  <a:schemeClr val="tx1"/>
+                </a:solidFill>
+              </a:rPr>
+              <a:t>      public double Area() { return 2 * (X * Y + X*Z + Y*Z); }</a:t>
+            </a:r>
+          </a:p>
+          <a:p>
+            <a:r>
+              <a:rPr lang="en-US" sz="1400" b="1" dirty="0">
+                <a:solidFill>
+                  <a:schemeClr val="tx1"/>
+                </a:solidFill>
+              </a:rPr>
+              <a:t>}</a:t>
+            </a:r>
+          </a:p>
+          <a:p>
+            <a:endParaRPr lang="en-US" sz="1000" dirty="0">
+              <a:solidFill>
+                <a:schemeClr val="tx1"/>
+              </a:solidFill>
+            </a:endParaRPr>
+          </a:p>
+          <a:p>
+            <a:r>
+              <a:rPr lang="en-US" sz="1000" dirty="0">
+                <a:solidFill>
+                  <a:schemeClr val="tx1"/>
+                </a:solidFill>
+              </a:rPr>
+              <a:t>}</a:t>
+            </a:r>
+          </a:p>
+        </p:txBody>
+      </p:sp>
+    </p:spTree>
+    <p:extLst>
+      <p:ext uri="{BB962C8B-B14F-4D97-AF65-F5344CB8AC3E}">
+        <p14:creationId xmlns:p14="http://schemas.microsoft.com/office/powerpoint/2010/main" val="3743560812"/>
       </p:ext>
     </p:extLst>
   </p:cSld>
